--- a/CS7.pptx
+++ b/CS7.pptx
@@ -15069,7 +15069,7 @@
           <a:lstStyle/>
           <a:p>
             <a:r>
-              <a:rPr lang="ru-RU"/>
+              <a:rPr lang="ru-RU" dirty="0"/>
               <a:t>Обратная совместимость</a:t>
             </a:r>
           </a:p>
@@ -15090,7 +15090,29 @@
           <a:bodyPr/>
           <a:lstStyle/>
           <a:p>
-            <a:endParaRPr lang="ru-RU"/>
+            <a:r>
+              <a:rPr lang="en-US" dirty="0"/>
+              <a:t>C#</a:t>
+            </a:r>
+            <a:r>
+              <a:rPr lang="ru-RU" dirty="0"/>
+              <a:t>7 </a:t>
+            </a:r>
+            <a:r>
+              <a:rPr lang="ru-RU" dirty="0" err="1"/>
+              <a:t>бинарно</a:t>
+            </a:r>
+            <a:r>
+              <a:rPr lang="ru-RU" dirty="0"/>
+              <a:t> совместим с </a:t>
+            </a:r>
+            <a:r>
+              <a:rPr lang="en-US" dirty="0"/>
+              <a:t>C#6</a:t>
+            </a:r>
+          </a:p>
+          <a:p>
+            <a:endParaRPr lang="ru-RU" dirty="0"/>
           </a:p>
         </p:txBody>
       </p:sp>

--- a/CS7.pptx
+++ b/CS7.pptx
@@ -7,29 +7,33 @@
     <p:sldMasterId id="2147483750" r:id="rId3"/>
   </p:sldMasterIdLst>
   <p:notesMasterIdLst>
-    <p:notesMasterId r:id="rId24"/>
+    <p:notesMasterId r:id="rId28"/>
   </p:notesMasterIdLst>
   <p:sldIdLst>
     <p:sldId id="261" r:id="rId4"/>
     <p:sldId id="266" r:id="rId5"/>
-    <p:sldId id="257" r:id="rId6"/>
-    <p:sldId id="258" r:id="rId7"/>
-    <p:sldId id="259" r:id="rId8"/>
-    <p:sldId id="260" r:id="rId9"/>
-    <p:sldId id="262" r:id="rId10"/>
-    <p:sldId id="263" r:id="rId11"/>
-    <p:sldId id="264" r:id="rId12"/>
-    <p:sldId id="269" r:id="rId13"/>
-    <p:sldId id="271" r:id="rId14"/>
-    <p:sldId id="272" r:id="rId15"/>
-    <p:sldId id="273" r:id="rId16"/>
-    <p:sldId id="267" r:id="rId17"/>
-    <p:sldId id="268" r:id="rId18"/>
-    <p:sldId id="274" r:id="rId19"/>
-    <p:sldId id="275" r:id="rId20"/>
-    <p:sldId id="276" r:id="rId21"/>
-    <p:sldId id="277" r:id="rId22"/>
-    <p:sldId id="278" r:id="rId23"/>
+    <p:sldId id="279" r:id="rId6"/>
+    <p:sldId id="280" r:id="rId7"/>
+    <p:sldId id="281" r:id="rId8"/>
+    <p:sldId id="282" r:id="rId9"/>
+    <p:sldId id="260" r:id="rId10"/>
+    <p:sldId id="262" r:id="rId11"/>
+    <p:sldId id="263" r:id="rId12"/>
+    <p:sldId id="264" r:id="rId13"/>
+    <p:sldId id="269" r:id="rId14"/>
+    <p:sldId id="271" r:id="rId15"/>
+    <p:sldId id="272" r:id="rId16"/>
+    <p:sldId id="273" r:id="rId17"/>
+    <p:sldId id="283" r:id="rId18"/>
+    <p:sldId id="284" r:id="rId19"/>
+    <p:sldId id="285" r:id="rId20"/>
+    <p:sldId id="267" r:id="rId21"/>
+    <p:sldId id="268" r:id="rId22"/>
+    <p:sldId id="274" r:id="rId23"/>
+    <p:sldId id="275" r:id="rId24"/>
+    <p:sldId id="276" r:id="rId25"/>
+    <p:sldId id="277" r:id="rId26"/>
+    <p:sldId id="278" r:id="rId27"/>
   </p:sldIdLst>
   <p:sldSz cx="12192000" cy="6858000"/>
   <p:notesSz cx="6858000" cy="9144000"/>
@@ -139,9 +143,10 @@
         <p14:section name="Кортежи" id="{62774F3D-A9EE-48C0-B395-3817C8B4259F}">
           <p14:sldIdLst>
             <p14:sldId id="266"/>
-            <p14:sldId id="257"/>
-            <p14:sldId id="258"/>
-            <p14:sldId id="259"/>
+            <p14:sldId id="279"/>
+            <p14:sldId id="280"/>
+            <p14:sldId id="281"/>
+            <p14:sldId id="282"/>
             <p14:sldId id="260"/>
             <p14:sldId id="262"/>
             <p14:sldId id="263"/>
@@ -154,6 +159,13 @@
             <p14:sldId id="271"/>
             <p14:sldId id="272"/>
             <p14:sldId id="273"/>
+          </p14:sldIdLst>
+        </p14:section>
+        <p14:section name="Pattern matching" id="{E78919EF-6CCB-4E9E-9057-622250B0A90B}">
+          <p14:sldIdLst>
+            <p14:sldId id="283"/>
+            <p14:sldId id="284"/>
+            <p14:sldId id="285"/>
           </p14:sldIdLst>
         </p14:section>
         <p14:section name="Небольшие изменения" id="{0B33948A-C52D-45DF-9E0B-2E058EE06C3E}">
@@ -172,6 +184,9 @@
           </p14:sldIdLst>
         </p14:section>
       </p14:sectionLst>
+    </p:ext>
+    <p:ext uri="{EFAFB233-063F-42B5-8137-9DF3F51BA10A}">
+      <p15:sldGuideLst xmlns:p15="http://schemas.microsoft.com/office/powerpoint/2012/main"/>
     </p:ext>
   </p:extLst>
 </p:presentation>
@@ -263,7 +278,7 @@
           <a:p>
             <a:fld id="{3F66B0A3-8829-454C-82AD-7C02CFF2BB29}" type="datetimeFigureOut">
               <a:rPr lang="ru-RU" smtClean="0"/>
-              <a:t>09.05.2017</a:t>
+              <a:t>10.05.2017</a:t>
             </a:fld>
             <a:endParaRPr lang="ru-RU"/>
           </a:p>
@@ -602,7 +617,7 @@
           <a:p>
             <a:fld id="{94CDE472-856A-4C5F-90D1-1F8917732D43}" type="slidenum">
               <a:rPr lang="ru-RU" smtClean="0"/>
-              <a:t>3</a:t>
+              <a:t>7</a:t>
             </a:fld>
             <a:endParaRPr lang="ru-RU"/>
           </a:p>
@@ -611,7 +626,7 @@
     </p:spTree>
     <p:extLst>
       <p:ext uri="{BB962C8B-B14F-4D97-AF65-F5344CB8AC3E}">
-        <p14:creationId xmlns:p14="http://schemas.microsoft.com/office/powerpoint/2010/main" val="1500349941"/>
+        <p14:creationId xmlns:p14="http://schemas.microsoft.com/office/powerpoint/2010/main" val="910227162"/>
       </p:ext>
     </p:extLst>
   </p:cSld>
@@ -671,7 +686,7 @@
             </a:r>
             <a:r>
               <a:rPr lang="ru-RU" dirty="0"/>
-              <a:t>проверить подписи к стрелкам</a:t>
+              <a:t>дополнить примерами</a:t>
             </a:r>
           </a:p>
         </p:txBody>
@@ -693,7 +708,7 @@
           <a:p>
             <a:fld id="{94CDE472-856A-4C5F-90D1-1F8917732D43}" type="slidenum">
               <a:rPr lang="ru-RU" smtClean="0"/>
-              <a:t>15</a:t>
+              <a:t>20</a:t>
             </a:fld>
             <a:endParaRPr lang="ru-RU"/>
           </a:p>
@@ -702,7 +717,7 @@
     </p:spTree>
     <p:extLst>
       <p:ext uri="{BB962C8B-B14F-4D97-AF65-F5344CB8AC3E}">
-        <p14:creationId xmlns:p14="http://schemas.microsoft.com/office/powerpoint/2010/main" val="3261467967"/>
+        <p14:creationId xmlns:p14="http://schemas.microsoft.com/office/powerpoint/2010/main" val="3418944297"/>
       </p:ext>
     </p:extLst>
   </p:cSld>
@@ -756,14 +771,7 @@
           <a:bodyPr/>
           <a:lstStyle/>
           <a:p>
-            <a:r>
-              <a:rPr lang="en-US" dirty="0"/>
-              <a:t>TODO: </a:t>
-            </a:r>
-            <a:r>
-              <a:rPr lang="ru-RU" dirty="0"/>
-              <a:t>дополнить примерами</a:t>
-            </a:r>
+            <a:endParaRPr lang="ru-RU" dirty="0"/>
           </a:p>
         </p:txBody>
       </p:sp>
@@ -784,7 +792,7 @@
           <a:p>
             <a:fld id="{94CDE472-856A-4C5F-90D1-1F8917732D43}" type="slidenum">
               <a:rPr lang="ru-RU" smtClean="0"/>
-              <a:t>16</a:t>
+              <a:t>21</a:t>
             </a:fld>
             <a:endParaRPr lang="ru-RU"/>
           </a:p>
@@ -793,7 +801,7 @@
     </p:spTree>
     <p:extLst>
       <p:ext uri="{BB962C8B-B14F-4D97-AF65-F5344CB8AC3E}">
-        <p14:creationId xmlns:p14="http://schemas.microsoft.com/office/powerpoint/2010/main" val="3418944297"/>
+        <p14:creationId xmlns:p14="http://schemas.microsoft.com/office/powerpoint/2010/main" val="3039165536"/>
       </p:ext>
     </p:extLst>
   </p:cSld>
@@ -868,91 +876,7 @@
           <a:p>
             <a:fld id="{94CDE472-856A-4C5F-90D1-1F8917732D43}" type="slidenum">
               <a:rPr lang="ru-RU" smtClean="0"/>
-              <a:t>17</a:t>
-            </a:fld>
-            <a:endParaRPr lang="ru-RU"/>
-          </a:p>
-        </p:txBody>
-      </p:sp>
-    </p:spTree>
-    <p:extLst>
-      <p:ext uri="{BB962C8B-B14F-4D97-AF65-F5344CB8AC3E}">
-        <p14:creationId xmlns:p14="http://schemas.microsoft.com/office/powerpoint/2010/main" val="3039165536"/>
-      </p:ext>
-    </p:extLst>
-  </p:cSld>
-  <p:clrMapOvr>
-    <a:masterClrMapping/>
-  </p:clrMapOvr>
-</p:notes>
-</file>
-
-<file path=ppt/notesSlides/notesSlide13.xml><?xml version="1.0" encoding="utf-8"?>
-<p:notes xmlns:a="http://schemas.openxmlformats.org/drawingml/2006/main" xmlns:r="http://schemas.openxmlformats.org/officeDocument/2006/relationships" xmlns:p="http://schemas.openxmlformats.org/presentationml/2006/main">
-  <p:cSld>
-    <p:spTree>
-      <p:nvGrpSpPr>
-        <p:cNvPr id="1" name=""/>
-        <p:cNvGrpSpPr/>
-        <p:nvPr/>
-      </p:nvGrpSpPr>
-      <p:grpSpPr>
-        <a:xfrm>
-          <a:off x="0" y="0"/>
-          <a:ext cx="0" cy="0"/>
-          <a:chOff x="0" y="0"/>
-          <a:chExt cx="0" cy="0"/>
-        </a:xfrm>
-      </p:grpSpPr>
-      <p:sp>
-        <p:nvSpPr>
-          <p:cNvPr id="2" name="Образ слайда 1"/>
-          <p:cNvSpPr>
-            <a:spLocks noGrp="1" noRot="1" noChangeAspect="1"/>
-          </p:cNvSpPr>
-          <p:nvPr>
-            <p:ph type="sldImg"/>
-          </p:nvPr>
-        </p:nvSpPr>
-        <p:spPr/>
-      </p:sp>
-      <p:sp>
-        <p:nvSpPr>
-          <p:cNvPr id="3" name="Заметки 2"/>
-          <p:cNvSpPr>
-            <a:spLocks noGrp="1"/>
-          </p:cNvSpPr>
-          <p:nvPr>
-            <p:ph type="body" idx="1"/>
-          </p:nvPr>
-        </p:nvSpPr>
-        <p:spPr/>
-        <p:txBody>
-          <a:bodyPr/>
-          <a:lstStyle/>
-          <a:p>
-            <a:endParaRPr lang="ru-RU" dirty="0"/>
-          </a:p>
-        </p:txBody>
-      </p:sp>
-      <p:sp>
-        <p:nvSpPr>
-          <p:cNvPr id="4" name="Номер слайда 3"/>
-          <p:cNvSpPr>
-            <a:spLocks noGrp="1"/>
-          </p:cNvSpPr>
-          <p:nvPr>
-            <p:ph type="sldNum" sz="quarter" idx="10"/>
-          </p:nvPr>
-        </p:nvSpPr>
-        <p:spPr/>
-        <p:txBody>
-          <a:bodyPr/>
-          <a:lstStyle/>
-          <a:p>
-            <a:fld id="{94CDE472-856A-4C5F-90D1-1F8917732D43}" type="slidenum">
-              <a:rPr lang="ru-RU" smtClean="0"/>
-              <a:t>18</a:t>
+              <a:t>22</a:t>
             </a:fld>
             <a:endParaRPr lang="ru-RU"/>
           </a:p>
@@ -1043,7 +967,7 @@
           <a:p>
             <a:fld id="{94CDE472-856A-4C5F-90D1-1F8917732D43}" type="slidenum">
               <a:rPr lang="ru-RU" smtClean="0"/>
-              <a:t>4</a:t>
+              <a:t>8</a:t>
             </a:fld>
             <a:endParaRPr lang="ru-RU"/>
           </a:p>
@@ -1052,7 +976,7 @@
     </p:spTree>
     <p:extLst>
       <p:ext uri="{BB962C8B-B14F-4D97-AF65-F5344CB8AC3E}">
-        <p14:creationId xmlns:p14="http://schemas.microsoft.com/office/powerpoint/2010/main" val="1845424580"/>
+        <p14:creationId xmlns:p14="http://schemas.microsoft.com/office/powerpoint/2010/main" val="3625710546"/>
       </p:ext>
     </p:extLst>
   </p:cSld>
@@ -1106,14 +1030,38 @@
           <a:bodyPr/>
           <a:lstStyle/>
           <a:p>
+            <a:pPr marL="0" indent="0">
+              <a:buNone/>
+            </a:pPr>
+            <a:r>
+              <a:rPr lang="ru-RU" dirty="0"/>
+              <a:t>Распаковывать мы можем не только кортежи, но и объекты любых других типов, содержащих метод </a:t>
+            </a:r>
             <a:r>
               <a:rPr lang="en-US" dirty="0"/>
-              <a:t>TODO: </a:t>
-            </a:r>
-            <a:r>
-              <a:rPr lang="ru-RU" dirty="0"/>
-              <a:t>проверить подписи к стрелкам</a:t>
-            </a:r>
+              <a:t>public </a:t>
+            </a:r>
+            <a:r>
+              <a:rPr lang="en-US" i="1" dirty="0"/>
+              <a:t>void Deconstruct(out T1 x1, ..., out </a:t>
+            </a:r>
+            <a:r>
+              <a:rPr lang="en-US" i="1" dirty="0" err="1"/>
+              <a:t>Tn</a:t>
+            </a:r>
+            <a:r>
+              <a:rPr lang="en-US" i="1" dirty="0"/>
+              <a:t> </a:t>
+            </a:r>
+            <a:r>
+              <a:rPr lang="en-US" i="1" dirty="0" err="1"/>
+              <a:t>xn</a:t>
+            </a:r>
+            <a:r>
+              <a:rPr lang="en-US" i="1" dirty="0"/>
+              <a:t>) </a:t>
+            </a:r>
+            <a:endParaRPr lang="ru-RU" i="1" dirty="0"/>
           </a:p>
         </p:txBody>
       </p:sp>
@@ -1134,7 +1082,7 @@
           <a:p>
             <a:fld id="{94CDE472-856A-4C5F-90D1-1F8917732D43}" type="slidenum">
               <a:rPr lang="ru-RU" smtClean="0"/>
-              <a:t>5</a:t>
+              <a:t>9</a:t>
             </a:fld>
             <a:endParaRPr lang="ru-RU"/>
           </a:p>
@@ -1143,7 +1091,7 @@
     </p:spTree>
     <p:extLst>
       <p:ext uri="{BB962C8B-B14F-4D97-AF65-F5344CB8AC3E}">
-        <p14:creationId xmlns:p14="http://schemas.microsoft.com/office/powerpoint/2010/main" val="113008330"/>
+        <p14:creationId xmlns:p14="http://schemas.microsoft.com/office/powerpoint/2010/main" val="3853541896"/>
       </p:ext>
     </p:extLst>
   </p:cSld>
@@ -1197,14 +1145,38 @@
           <a:bodyPr/>
           <a:lstStyle/>
           <a:p>
+            <a:pPr marL="0" indent="0">
+              <a:buNone/>
+            </a:pPr>
+            <a:r>
+              <a:rPr lang="ru-RU" dirty="0"/>
+              <a:t>Распаковывать мы можем не только кортежи, но и объекты любых других типов, содержащих метод </a:t>
+            </a:r>
             <a:r>
               <a:rPr lang="en-US" dirty="0"/>
-              <a:t>TODO: </a:t>
-            </a:r>
-            <a:r>
-              <a:rPr lang="ru-RU" dirty="0"/>
-              <a:t>проверить подписи к стрелкам</a:t>
-            </a:r>
+              <a:t>public </a:t>
+            </a:r>
+            <a:r>
+              <a:rPr lang="en-US" i="1" dirty="0"/>
+              <a:t>void Deconstruct(out T1 x1, ..., out </a:t>
+            </a:r>
+            <a:r>
+              <a:rPr lang="en-US" i="1" dirty="0" err="1"/>
+              <a:t>Tn</a:t>
+            </a:r>
+            <a:r>
+              <a:rPr lang="en-US" i="1" dirty="0"/>
+              <a:t> </a:t>
+            </a:r>
+            <a:r>
+              <a:rPr lang="en-US" i="1" dirty="0" err="1"/>
+              <a:t>xn</a:t>
+            </a:r>
+            <a:r>
+              <a:rPr lang="en-US" i="1" dirty="0"/>
+              <a:t>) </a:t>
+            </a:r>
+            <a:endParaRPr lang="ru-RU" i="1" dirty="0"/>
           </a:p>
         </p:txBody>
       </p:sp>
@@ -1225,7 +1197,7 @@
           <a:p>
             <a:fld id="{94CDE472-856A-4C5F-90D1-1F8917732D43}" type="slidenum">
               <a:rPr lang="ru-RU" smtClean="0"/>
-              <a:t>6</a:t>
+              <a:t>10</a:t>
             </a:fld>
             <a:endParaRPr lang="ru-RU"/>
           </a:p>
@@ -1234,7 +1206,7 @@
     </p:spTree>
     <p:extLst>
       <p:ext uri="{BB962C8B-B14F-4D97-AF65-F5344CB8AC3E}">
-        <p14:creationId xmlns:p14="http://schemas.microsoft.com/office/powerpoint/2010/main" val="910227162"/>
+        <p14:creationId xmlns:p14="http://schemas.microsoft.com/office/powerpoint/2010/main" val="3272746063"/>
       </p:ext>
     </p:extLst>
   </p:cSld>
@@ -1289,12 +1261,8 @@
           <a:lstStyle/>
           <a:p>
             <a:r>
-              <a:rPr lang="en-US" dirty="0"/>
-              <a:t>TODO: </a:t>
-            </a:r>
-            <a:r>
               <a:rPr lang="ru-RU" dirty="0"/>
-              <a:t>проверить подписи к стрелкам</a:t>
+              <a:t>Задаю вопрос залу: «Чего не хватает лямбдам до полноценных функций?»</a:t>
             </a:r>
           </a:p>
         </p:txBody>
@@ -1316,7 +1284,7 @@
           <a:p>
             <a:fld id="{94CDE472-856A-4C5F-90D1-1F8917732D43}" type="slidenum">
               <a:rPr lang="ru-RU" smtClean="0"/>
-              <a:t>7</a:t>
+              <a:t>12</a:t>
             </a:fld>
             <a:endParaRPr lang="ru-RU"/>
           </a:p>
@@ -1325,7 +1293,7 @@
     </p:spTree>
     <p:extLst>
       <p:ext uri="{BB962C8B-B14F-4D97-AF65-F5344CB8AC3E}">
-        <p14:creationId xmlns:p14="http://schemas.microsoft.com/office/powerpoint/2010/main" val="3625710546"/>
+        <p14:creationId xmlns:p14="http://schemas.microsoft.com/office/powerpoint/2010/main" val="2428790412"/>
       </p:ext>
     </p:extLst>
   </p:cSld>
@@ -1379,38 +1347,14 @@
           <a:bodyPr/>
           <a:lstStyle/>
           <a:p>
-            <a:pPr marL="0" indent="0">
-              <a:buNone/>
-            </a:pPr>
+            <a:r>
+              <a:rPr lang="en-US" dirty="0"/>
+              <a:t>Case </a:t>
+            </a:r>
             <a:r>
               <a:rPr lang="ru-RU" dirty="0"/>
-              <a:t>Распаковывать мы можем не только кортежи, но и объекты любых других типов, содержащих метод </a:t>
-            </a:r>
-            <a:r>
-              <a:rPr lang="en-US" dirty="0"/>
-              <a:t>public </a:t>
-            </a:r>
-            <a:r>
-              <a:rPr lang="en-US" i="1" dirty="0"/>
-              <a:t>void Deconstruct(out T1 x1, ..., out </a:t>
-            </a:r>
-            <a:r>
-              <a:rPr lang="en-US" i="1" dirty="0" err="1"/>
-              <a:t>Tn</a:t>
-            </a:r>
-            <a:r>
-              <a:rPr lang="en-US" i="1" dirty="0"/>
-              <a:t> </a:t>
-            </a:r>
-            <a:r>
-              <a:rPr lang="en-US" i="1" dirty="0" err="1"/>
-              <a:t>xn</a:t>
-            </a:r>
-            <a:r>
-              <a:rPr lang="en-US" i="1" dirty="0"/>
-              <a:t>) </a:t>
-            </a:r>
-            <a:endParaRPr lang="ru-RU" i="1" dirty="0"/>
+              <a:t>использования – проверка аргументов в методе  «родителе», а в локальном методе можно не тратить на это ресурсы</a:t>
+            </a:r>
           </a:p>
         </p:txBody>
       </p:sp>
@@ -1431,7 +1375,7 @@
           <a:p>
             <a:fld id="{94CDE472-856A-4C5F-90D1-1F8917732D43}" type="slidenum">
               <a:rPr lang="ru-RU" smtClean="0"/>
-              <a:t>8</a:t>
+              <a:t>13</a:t>
             </a:fld>
             <a:endParaRPr lang="ru-RU"/>
           </a:p>
@@ -1440,7 +1384,7 @@
     </p:spTree>
     <p:extLst>
       <p:ext uri="{BB962C8B-B14F-4D97-AF65-F5344CB8AC3E}">
-        <p14:creationId xmlns:p14="http://schemas.microsoft.com/office/powerpoint/2010/main" val="3853541896"/>
+        <p14:creationId xmlns:p14="http://schemas.microsoft.com/office/powerpoint/2010/main" val="3642497622"/>
       </p:ext>
     </p:extLst>
   </p:cSld>
@@ -1494,38 +1438,35 @@
           <a:bodyPr/>
           <a:lstStyle/>
           <a:p>
-            <a:pPr marL="0" indent="0">
-              <a:buNone/>
-            </a:pPr>
             <a:r>
               <a:rPr lang="ru-RU" dirty="0"/>
-              <a:t>Распаковывать мы можем не только кортежи, но и объекты любых других типов, содержащих метод </a:t>
+              <a:t>Предположим, что вы хотите создать метод, который принимает </a:t>
+            </a:r>
+            <a:r>
+              <a:rPr lang="en-US" dirty="0" err="1"/>
+              <a:t>Ienumerable</a:t>
             </a:r>
             <a:r>
               <a:rPr lang="en-US" dirty="0"/>
-              <a:t>public </a:t>
-            </a:r>
-            <a:r>
-              <a:rPr lang="en-US" i="1" dirty="0"/>
-              <a:t>void Deconstruct(out T1 x1, ..., out </a:t>
-            </a:r>
-            <a:r>
-              <a:rPr lang="en-US" i="1" dirty="0" err="1"/>
-              <a:t>Tn</a:t>
-            </a:r>
-            <a:r>
-              <a:rPr lang="en-US" i="1" dirty="0"/>
               <a:t> </a:t>
             </a:r>
             <a:r>
-              <a:rPr lang="en-US" i="1" dirty="0" err="1"/>
-              <a:t>xn</a:t>
-            </a:r>
-            <a:r>
-              <a:rPr lang="en-US" i="1" dirty="0"/>
-              <a:t>) </a:t>
-            </a:r>
-            <a:endParaRPr lang="ru-RU" i="1" dirty="0"/>
+              <a:rPr lang="ru-RU" dirty="0"/>
+              <a:t>и возвращает </a:t>
+            </a:r>
+            <a:r>
+              <a:rPr lang="ru-RU" dirty="0" err="1"/>
+              <a:t>соответсвующий</a:t>
+            </a:r>
+            <a:r>
+              <a:rPr lang="ru-RU" dirty="0"/>
+              <a:t> ему массив . Однако мы не хотим копировать элементы, если нам на вход итак подан массив. Как вы реализуете это на </a:t>
+            </a:r>
+            <a:r>
+              <a:rPr lang="en-US" dirty="0"/>
+              <a:t>C#6?</a:t>
+            </a:r>
+            <a:endParaRPr lang="ru-RU" dirty="0"/>
           </a:p>
         </p:txBody>
       </p:sp>
@@ -1546,7 +1487,7 @@
           <a:p>
             <a:fld id="{94CDE472-856A-4C5F-90D1-1F8917732D43}" type="slidenum">
               <a:rPr lang="ru-RU" smtClean="0"/>
-              <a:t>9</a:t>
+              <a:t>15</a:t>
             </a:fld>
             <a:endParaRPr lang="ru-RU"/>
           </a:p>
@@ -1555,7 +1496,7 @@
     </p:spTree>
     <p:extLst>
       <p:ext uri="{BB962C8B-B14F-4D97-AF65-F5344CB8AC3E}">
-        <p14:creationId xmlns:p14="http://schemas.microsoft.com/office/powerpoint/2010/main" val="3272746063"/>
+        <p14:creationId xmlns:p14="http://schemas.microsoft.com/office/powerpoint/2010/main" val="3885309994"/>
       </p:ext>
     </p:extLst>
   </p:cSld>
@@ -1611,8 +1552,33 @@
           <a:p>
             <a:r>
               <a:rPr lang="ru-RU" dirty="0"/>
-              <a:t>Задаю вопрос залу: «Чего не хватает лямбдам до полноценных функций?»</a:t>
-            </a:r>
+              <a:t>Предположим, что вы хотите создать метод, который принимает </a:t>
+            </a:r>
+            <a:r>
+              <a:rPr lang="en-US" dirty="0" err="1"/>
+              <a:t>Ienumerable</a:t>
+            </a:r>
+            <a:r>
+              <a:rPr lang="en-US" dirty="0"/>
+              <a:t> </a:t>
+            </a:r>
+            <a:r>
+              <a:rPr lang="ru-RU" dirty="0"/>
+              <a:t>и возвращает </a:t>
+            </a:r>
+            <a:r>
+              <a:rPr lang="ru-RU" dirty="0" err="1"/>
+              <a:t>соответсвующий</a:t>
+            </a:r>
+            <a:r>
+              <a:rPr lang="ru-RU" dirty="0"/>
+              <a:t> ему массив . Однако мы не хотим копировать элементы, если нам на вход итак подан массив. Как вы реализуете это на </a:t>
+            </a:r>
+            <a:r>
+              <a:rPr lang="en-US" dirty="0"/>
+              <a:t>C#6?</a:t>
+            </a:r>
+            <a:endParaRPr lang="ru-RU" dirty="0"/>
           </a:p>
         </p:txBody>
       </p:sp>
@@ -1633,7 +1599,7 @@
           <a:p>
             <a:fld id="{94CDE472-856A-4C5F-90D1-1F8917732D43}" type="slidenum">
               <a:rPr lang="ru-RU" smtClean="0"/>
-              <a:t>11</a:t>
+              <a:t>16</a:t>
             </a:fld>
             <a:endParaRPr lang="ru-RU"/>
           </a:p>
@@ -1642,7 +1608,7 @@
     </p:spTree>
     <p:extLst>
       <p:ext uri="{BB962C8B-B14F-4D97-AF65-F5344CB8AC3E}">
-        <p14:creationId xmlns:p14="http://schemas.microsoft.com/office/powerpoint/2010/main" val="2428790412"/>
+        <p14:creationId xmlns:p14="http://schemas.microsoft.com/office/powerpoint/2010/main" val="63182691"/>
       </p:ext>
     </p:extLst>
   </p:cSld>
@@ -1698,11 +1664,11 @@
           <a:p>
             <a:r>
               <a:rPr lang="en-US" dirty="0"/>
-              <a:t>Case </a:t>
+              <a:t>TODO: </a:t>
             </a:r>
             <a:r>
               <a:rPr lang="ru-RU" dirty="0"/>
-              <a:t>использования – проверка аргументов в методе  «родителе», а в локальном методе можно не тратить на это ресурсы</a:t>
+              <a:t>проверить подписи к стрелкам</a:t>
             </a:r>
           </a:p>
         </p:txBody>
@@ -1724,7 +1690,7 @@
           <a:p>
             <a:fld id="{94CDE472-856A-4C5F-90D1-1F8917732D43}" type="slidenum">
               <a:rPr lang="ru-RU" smtClean="0"/>
-              <a:t>12</a:t>
+              <a:t>19</a:t>
             </a:fld>
             <a:endParaRPr lang="ru-RU"/>
           </a:p>
@@ -1733,7 +1699,7 @@
     </p:spTree>
     <p:extLst>
       <p:ext uri="{BB962C8B-B14F-4D97-AF65-F5344CB8AC3E}">
-        <p14:creationId xmlns:p14="http://schemas.microsoft.com/office/powerpoint/2010/main" val="3642497622"/>
+        <p14:creationId xmlns:p14="http://schemas.microsoft.com/office/powerpoint/2010/main" val="3261467967"/>
       </p:ext>
     </p:extLst>
   </p:cSld>
@@ -1885,7 +1851,7 @@
           <a:p>
             <a:fld id="{7D509BED-3442-45B2-9A11-390A0AF5BB8F}" type="datetimeFigureOut">
               <a:rPr lang="ru-RU" smtClean="0"/>
-              <a:t>09.05.2017</a:t>
+              <a:t>10.05.2017</a:t>
             </a:fld>
             <a:endParaRPr lang="ru-RU"/>
           </a:p>
@@ -2055,7 +2021,7 @@
           <a:p>
             <a:fld id="{7D509BED-3442-45B2-9A11-390A0AF5BB8F}" type="datetimeFigureOut">
               <a:rPr lang="ru-RU" smtClean="0"/>
-              <a:t>09.05.2017</a:t>
+              <a:t>10.05.2017</a:t>
             </a:fld>
             <a:endParaRPr lang="ru-RU"/>
           </a:p>
@@ -2235,7 +2201,7 @@
           <a:p>
             <a:fld id="{7D509BED-3442-45B2-9A11-390A0AF5BB8F}" type="datetimeFigureOut">
               <a:rPr lang="ru-RU" smtClean="0"/>
-              <a:t>09.05.2017</a:t>
+              <a:t>10.05.2017</a:t>
             </a:fld>
             <a:endParaRPr lang="ru-RU"/>
           </a:p>
@@ -2438,7 +2404,7 @@
           <a:p>
             <a:fld id="{7D509BED-3442-45B2-9A11-390A0AF5BB8F}" type="datetimeFigureOut">
               <a:rPr lang="ru-RU" smtClean="0"/>
-              <a:t>09.05.2017</a:t>
+              <a:t>10.05.2017</a:t>
             </a:fld>
             <a:endParaRPr lang="ru-RU"/>
           </a:p>
@@ -2608,7 +2574,7 @@
           <a:p>
             <a:fld id="{7D509BED-3442-45B2-9A11-390A0AF5BB8F}" type="datetimeFigureOut">
               <a:rPr lang="ru-RU" smtClean="0"/>
-              <a:t>09.05.2017</a:t>
+              <a:t>10.05.2017</a:t>
             </a:fld>
             <a:endParaRPr lang="ru-RU"/>
           </a:p>
@@ -2859,7 +2825,7 @@
           <a:p>
             <a:fld id="{7D509BED-3442-45B2-9A11-390A0AF5BB8F}" type="datetimeFigureOut">
               <a:rPr lang="ru-RU" smtClean="0"/>
-              <a:t>09.05.2017</a:t>
+              <a:t>10.05.2017</a:t>
             </a:fld>
             <a:endParaRPr lang="ru-RU"/>
           </a:p>
@@ -3091,7 +3057,7 @@
           <a:p>
             <a:fld id="{7D509BED-3442-45B2-9A11-390A0AF5BB8F}" type="datetimeFigureOut">
               <a:rPr lang="ru-RU" smtClean="0"/>
-              <a:t>09.05.2017</a:t>
+              <a:t>10.05.2017</a:t>
             </a:fld>
             <a:endParaRPr lang="ru-RU"/>
           </a:p>
@@ -3438,7 +3404,7 @@
           <a:p>
             <a:fld id="{7D509BED-3442-45B2-9A11-390A0AF5BB8F}" type="datetimeFigureOut">
               <a:rPr lang="ru-RU" smtClean="0"/>
-              <a:t>09.05.2017</a:t>
+              <a:t>10.05.2017</a:t>
             </a:fld>
             <a:endParaRPr lang="ru-RU"/>
           </a:p>
@@ -3556,7 +3522,7 @@
           <a:p>
             <a:fld id="{7D509BED-3442-45B2-9A11-390A0AF5BB8F}" type="datetimeFigureOut">
               <a:rPr lang="ru-RU" smtClean="0"/>
-              <a:t>09.05.2017</a:t>
+              <a:t>10.05.2017</a:t>
             </a:fld>
             <a:endParaRPr lang="ru-RU"/>
           </a:p>
@@ -3674,7 +3640,7 @@
           <a:p>
             <a:fld id="{7D509BED-3442-45B2-9A11-390A0AF5BB8F}" type="datetimeFigureOut">
               <a:rPr lang="ru-RU" smtClean="0"/>
-              <a:t>09.05.2017</a:t>
+              <a:t>10.05.2017</a:t>
             </a:fld>
             <a:endParaRPr lang="ru-RU"/>
           </a:p>
@@ -3958,7 +3924,7 @@
           <a:p>
             <a:fld id="{7D509BED-3442-45B2-9A11-390A0AF5BB8F}" type="datetimeFigureOut">
               <a:rPr lang="ru-RU" smtClean="0"/>
-              <a:t>09.05.2017</a:t>
+              <a:t>10.05.2017</a:t>
             </a:fld>
             <a:endParaRPr lang="ru-RU"/>
           </a:p>
@@ -4128,7 +4094,7 @@
           <a:p>
             <a:fld id="{7D509BED-3442-45B2-9A11-390A0AF5BB8F}" type="datetimeFigureOut">
               <a:rPr lang="ru-RU" smtClean="0"/>
-              <a:t>09.05.2017</a:t>
+              <a:t>10.05.2017</a:t>
             </a:fld>
             <a:endParaRPr lang="ru-RU"/>
           </a:p>
@@ -4392,7 +4358,7 @@
           <a:p>
             <a:fld id="{7D509BED-3442-45B2-9A11-390A0AF5BB8F}" type="datetimeFigureOut">
               <a:rPr lang="ru-RU" smtClean="0"/>
-              <a:t>09.05.2017</a:t>
+              <a:t>10.05.2017</a:t>
             </a:fld>
             <a:endParaRPr lang="ru-RU"/>
           </a:p>
@@ -4562,7 +4528,7 @@
           <a:p>
             <a:fld id="{7D509BED-3442-45B2-9A11-390A0AF5BB8F}" type="datetimeFigureOut">
               <a:rPr lang="ru-RU" smtClean="0"/>
-              <a:t>09.05.2017</a:t>
+              <a:t>10.05.2017</a:t>
             </a:fld>
             <a:endParaRPr lang="ru-RU"/>
           </a:p>
@@ -4742,7 +4708,7 @@
           <a:p>
             <a:fld id="{7D509BED-3442-45B2-9A11-390A0AF5BB8F}" type="datetimeFigureOut">
               <a:rPr lang="ru-RU" smtClean="0"/>
-              <a:t>09.05.2017</a:t>
+              <a:t>10.05.2017</a:t>
             </a:fld>
             <a:endParaRPr lang="ru-RU"/>
           </a:p>
@@ -4945,7 +4911,7 @@
           <a:p>
             <a:fld id="{7D509BED-3442-45B2-9A11-390A0AF5BB8F}" type="datetimeFigureOut">
               <a:rPr lang="ru-RU" smtClean="0"/>
-              <a:t>09.05.2017</a:t>
+              <a:t>10.05.2017</a:t>
             </a:fld>
             <a:endParaRPr lang="ru-RU"/>
           </a:p>
@@ -5115,7 +5081,7 @@
           <a:p>
             <a:fld id="{7D509BED-3442-45B2-9A11-390A0AF5BB8F}" type="datetimeFigureOut">
               <a:rPr lang="ru-RU" smtClean="0"/>
-              <a:t>09.05.2017</a:t>
+              <a:t>10.05.2017</a:t>
             </a:fld>
             <a:endParaRPr lang="ru-RU"/>
           </a:p>
@@ -5366,7 +5332,7 @@
           <a:p>
             <a:fld id="{7D509BED-3442-45B2-9A11-390A0AF5BB8F}" type="datetimeFigureOut">
               <a:rPr lang="ru-RU" smtClean="0"/>
-              <a:t>09.05.2017</a:t>
+              <a:t>10.05.2017</a:t>
             </a:fld>
             <a:endParaRPr lang="ru-RU"/>
           </a:p>
@@ -5598,7 +5564,7 @@
           <a:p>
             <a:fld id="{7D509BED-3442-45B2-9A11-390A0AF5BB8F}" type="datetimeFigureOut">
               <a:rPr lang="ru-RU" smtClean="0"/>
-              <a:t>09.05.2017</a:t>
+              <a:t>10.05.2017</a:t>
             </a:fld>
             <a:endParaRPr lang="ru-RU"/>
           </a:p>
@@ -5945,7 +5911,7 @@
           <a:p>
             <a:fld id="{7D509BED-3442-45B2-9A11-390A0AF5BB8F}" type="datetimeFigureOut">
               <a:rPr lang="ru-RU" smtClean="0"/>
-              <a:t>09.05.2017</a:t>
+              <a:t>10.05.2017</a:t>
             </a:fld>
             <a:endParaRPr lang="ru-RU"/>
           </a:p>
@@ -6063,7 +6029,7 @@
           <a:p>
             <a:fld id="{7D509BED-3442-45B2-9A11-390A0AF5BB8F}" type="datetimeFigureOut">
               <a:rPr lang="ru-RU" smtClean="0"/>
-              <a:t>09.05.2017</a:t>
+              <a:t>10.05.2017</a:t>
             </a:fld>
             <a:endParaRPr lang="ru-RU"/>
           </a:p>
@@ -6181,7 +6147,7 @@
           <a:p>
             <a:fld id="{7D509BED-3442-45B2-9A11-390A0AF5BB8F}" type="datetimeFigureOut">
               <a:rPr lang="ru-RU" smtClean="0"/>
-              <a:t>09.05.2017</a:t>
+              <a:t>10.05.2017</a:t>
             </a:fld>
             <a:endParaRPr lang="ru-RU"/>
           </a:p>
@@ -6432,7 +6398,7 @@
           <a:p>
             <a:fld id="{7D509BED-3442-45B2-9A11-390A0AF5BB8F}" type="datetimeFigureOut">
               <a:rPr lang="ru-RU" smtClean="0"/>
-              <a:t>09.05.2017</a:t>
+              <a:t>10.05.2017</a:t>
             </a:fld>
             <a:endParaRPr lang="ru-RU"/>
           </a:p>
@@ -6716,7 +6682,7 @@
           <a:p>
             <a:fld id="{7D509BED-3442-45B2-9A11-390A0AF5BB8F}" type="datetimeFigureOut">
               <a:rPr lang="ru-RU" smtClean="0"/>
-              <a:t>09.05.2017</a:t>
+              <a:t>10.05.2017</a:t>
             </a:fld>
             <a:endParaRPr lang="ru-RU"/>
           </a:p>
@@ -6980,7 +6946,7 @@
           <a:p>
             <a:fld id="{7D509BED-3442-45B2-9A11-390A0AF5BB8F}" type="datetimeFigureOut">
               <a:rPr lang="ru-RU" smtClean="0"/>
-              <a:t>09.05.2017</a:t>
+              <a:t>10.05.2017</a:t>
             </a:fld>
             <a:endParaRPr lang="ru-RU"/>
           </a:p>
@@ -7150,7 +7116,7 @@
           <a:p>
             <a:fld id="{7D509BED-3442-45B2-9A11-390A0AF5BB8F}" type="datetimeFigureOut">
               <a:rPr lang="ru-RU" smtClean="0"/>
-              <a:t>09.05.2017</a:t>
+              <a:t>10.05.2017</a:t>
             </a:fld>
             <a:endParaRPr lang="ru-RU"/>
           </a:p>
@@ -7330,7 +7296,7 @@
           <a:p>
             <a:fld id="{7D509BED-3442-45B2-9A11-390A0AF5BB8F}" type="datetimeFigureOut">
               <a:rPr lang="ru-RU" smtClean="0"/>
-              <a:t>09.05.2017</a:t>
+              <a:t>10.05.2017</a:t>
             </a:fld>
             <a:endParaRPr lang="ru-RU"/>
           </a:p>
@@ -7562,7 +7528,7 @@
           <a:p>
             <a:fld id="{7D509BED-3442-45B2-9A11-390A0AF5BB8F}" type="datetimeFigureOut">
               <a:rPr lang="ru-RU" smtClean="0"/>
-              <a:t>09.05.2017</a:t>
+              <a:t>10.05.2017</a:t>
             </a:fld>
             <a:endParaRPr lang="ru-RU"/>
           </a:p>
@@ -7909,7 +7875,7 @@
           <a:p>
             <a:fld id="{7D509BED-3442-45B2-9A11-390A0AF5BB8F}" type="datetimeFigureOut">
               <a:rPr lang="ru-RU" smtClean="0"/>
-              <a:t>09.05.2017</a:t>
+              <a:t>10.05.2017</a:t>
             </a:fld>
             <a:endParaRPr lang="ru-RU"/>
           </a:p>
@@ -8027,7 +7993,7 @@
           <a:p>
             <a:fld id="{7D509BED-3442-45B2-9A11-390A0AF5BB8F}" type="datetimeFigureOut">
               <a:rPr lang="ru-RU" smtClean="0"/>
-              <a:t>09.05.2017</a:t>
+              <a:t>10.05.2017</a:t>
             </a:fld>
             <a:endParaRPr lang="ru-RU"/>
           </a:p>
@@ -8145,7 +8111,7 @@
           <a:p>
             <a:fld id="{7D509BED-3442-45B2-9A11-390A0AF5BB8F}" type="datetimeFigureOut">
               <a:rPr lang="ru-RU" smtClean="0"/>
-              <a:t>09.05.2017</a:t>
+              <a:t>10.05.2017</a:t>
             </a:fld>
             <a:endParaRPr lang="ru-RU"/>
           </a:p>
@@ -8429,7 +8395,7 @@
           <a:p>
             <a:fld id="{7D509BED-3442-45B2-9A11-390A0AF5BB8F}" type="datetimeFigureOut">
               <a:rPr lang="ru-RU" smtClean="0"/>
-              <a:t>09.05.2017</a:t>
+              <a:t>10.05.2017</a:t>
             </a:fld>
             <a:endParaRPr lang="ru-RU"/>
           </a:p>
@@ -8693,7 +8659,7 @@
           <a:p>
             <a:fld id="{7D509BED-3442-45B2-9A11-390A0AF5BB8F}" type="datetimeFigureOut">
               <a:rPr lang="ru-RU" smtClean="0"/>
-              <a:t>09.05.2017</a:t>
+              <a:t>10.05.2017</a:t>
             </a:fld>
             <a:endParaRPr lang="ru-RU"/>
           </a:p>
@@ -8907,7 +8873,7 @@
           <a:p>
             <a:fld id="{7D509BED-3442-45B2-9A11-390A0AF5BB8F}" type="datetimeFigureOut">
               <a:rPr lang="ru-RU" smtClean="0"/>
-              <a:t>09.05.2017</a:t>
+              <a:t>10.05.2017</a:t>
             </a:fld>
             <a:endParaRPr lang="ru-RU"/>
           </a:p>
@@ -9437,7 +9403,7 @@
           <a:p>
             <a:fld id="{7D509BED-3442-45B2-9A11-390A0AF5BB8F}" type="datetimeFigureOut">
               <a:rPr lang="ru-RU" smtClean="0"/>
-              <a:t>09.05.2017</a:t>
+              <a:t>10.05.2017</a:t>
             </a:fld>
             <a:endParaRPr lang="ru-RU"/>
           </a:p>
@@ -9967,7 +9933,7 @@
           <a:p>
             <a:fld id="{7D509BED-3442-45B2-9A11-390A0AF5BB8F}" type="datetimeFigureOut">
               <a:rPr lang="ru-RU" smtClean="0"/>
-              <a:t>09.05.2017</a:t>
+              <a:t>10.05.2017</a:t>
             </a:fld>
             <a:endParaRPr lang="ru-RU"/>
           </a:p>
@@ -10462,6 +10428,558 @@
           <a:p>
             <a:r>
               <a:rPr lang="ru-RU" dirty="0"/>
+              <a:t>Еще пара слов о распаковке</a:t>
+            </a:r>
+            <a:endParaRPr lang="ru-RU" sz="3200" dirty="0">
+              <a:solidFill>
+                <a:srgbClr val="00B0F0"/>
+              </a:solidFill>
+            </a:endParaRPr>
+          </a:p>
+        </p:txBody>
+      </p:sp>
+      <p:sp>
+        <p:nvSpPr>
+          <p:cNvPr id="4" name="Объект 3"/>
+          <p:cNvSpPr>
+            <a:spLocks noGrp="1"/>
+          </p:cNvSpPr>
+          <p:nvPr>
+            <p:ph idx="1"/>
+          </p:nvPr>
+        </p:nvSpPr>
+        <p:spPr/>
+        <p:txBody>
+          <a:bodyPr/>
+          <a:lstStyle/>
+          <a:p>
+            <a:pPr marL="0" indent="0">
+              <a:buNone/>
+            </a:pPr>
+            <a:r>
+              <a:rPr lang="ru-RU" dirty="0">
+                <a:solidFill>
+                  <a:srgbClr val="0070C0"/>
+                </a:solidFill>
+              </a:rPr>
+              <a:t>Даже если это </a:t>
+            </a:r>
+            <a:r>
+              <a:rPr lang="en-US" dirty="0">
+                <a:solidFill>
+                  <a:srgbClr val="0070C0"/>
+                </a:solidFill>
+              </a:rPr>
+              <a:t>extension-</a:t>
+            </a:r>
+            <a:r>
+              <a:rPr lang="ru-RU" dirty="0">
+                <a:solidFill>
+                  <a:srgbClr val="0070C0"/>
+                </a:solidFill>
+              </a:rPr>
+              <a:t>метод</a:t>
+            </a:r>
+            <a:endParaRPr lang="en-US" dirty="0">
+              <a:solidFill>
+                <a:srgbClr val="0070C0"/>
+              </a:solidFill>
+            </a:endParaRPr>
+          </a:p>
+          <a:p>
+            <a:pPr marL="0" indent="0">
+              <a:buNone/>
+            </a:pPr>
+            <a:endParaRPr lang="ru-RU" dirty="0"/>
+          </a:p>
+        </p:txBody>
+      </p:sp>
+      <p:sp>
+        <p:nvSpPr>
+          <p:cNvPr id="3" name="Прямоугольник 2"/>
+          <p:cNvSpPr/>
+          <p:nvPr/>
+        </p:nvSpPr>
+        <p:spPr>
+          <a:xfrm>
+            <a:off x="845127" y="2944901"/>
+            <a:ext cx="10607067" cy="1200329"/>
+          </a:xfrm>
+          <a:prstGeom prst="rect">
+            <a:avLst/>
+          </a:prstGeom>
+        </p:spPr>
+        <p:txBody>
+          <a:bodyPr wrap="square">
+            <a:spAutoFit/>
+          </a:bodyPr>
+          <a:lstStyle/>
+          <a:p>
+            <a:r>
+              <a:rPr lang="en-US" dirty="0">
+                <a:solidFill>
+                  <a:srgbClr val="0000FF"/>
+                </a:solidFill>
+                <a:latin typeface="Consolas" panose="020B0609020204030204" pitchFamily="49" charset="0"/>
+              </a:rPr>
+              <a:t>public</a:t>
+            </a:r>
+            <a:r>
+              <a:rPr lang="en-US" dirty="0">
+                <a:solidFill>
+                  <a:srgbClr val="000000"/>
+                </a:solidFill>
+                <a:latin typeface="Consolas" panose="020B0609020204030204" pitchFamily="49" charset="0"/>
+              </a:rPr>
+              <a:t> </a:t>
+            </a:r>
+            <a:r>
+              <a:rPr lang="en-US" dirty="0">
+                <a:solidFill>
+                  <a:srgbClr val="0000FF"/>
+                </a:solidFill>
+                <a:latin typeface="Consolas" panose="020B0609020204030204" pitchFamily="49" charset="0"/>
+              </a:rPr>
+              <a:t>static</a:t>
+            </a:r>
+            <a:r>
+              <a:rPr lang="en-US" dirty="0">
+                <a:solidFill>
+                  <a:srgbClr val="000000"/>
+                </a:solidFill>
+                <a:latin typeface="Consolas" panose="020B0609020204030204" pitchFamily="49" charset="0"/>
+              </a:rPr>
+              <a:t> </a:t>
+            </a:r>
+            <a:r>
+              <a:rPr lang="en-US" dirty="0">
+                <a:solidFill>
+                  <a:srgbClr val="0000FF"/>
+                </a:solidFill>
+                <a:latin typeface="Consolas" panose="020B0609020204030204" pitchFamily="49" charset="0"/>
+              </a:rPr>
+              <a:t>void</a:t>
+            </a:r>
+            <a:r>
+              <a:rPr lang="en-US" dirty="0">
+                <a:solidFill>
+                  <a:srgbClr val="000000"/>
+                </a:solidFill>
+                <a:latin typeface="Consolas" panose="020B0609020204030204" pitchFamily="49" charset="0"/>
+              </a:rPr>
+              <a:t> Deconstruct (</a:t>
+            </a:r>
+            <a:r>
+              <a:rPr lang="en-US" dirty="0">
+                <a:solidFill>
+                  <a:srgbClr val="0000FF"/>
+                </a:solidFill>
+                <a:latin typeface="Consolas" panose="020B0609020204030204" pitchFamily="49" charset="0"/>
+              </a:rPr>
+              <a:t>this</a:t>
+            </a:r>
+            <a:r>
+              <a:rPr lang="en-US" dirty="0">
+                <a:solidFill>
+                  <a:srgbClr val="000000"/>
+                </a:solidFill>
+                <a:latin typeface="Consolas" panose="020B0609020204030204" pitchFamily="49" charset="0"/>
+              </a:rPr>
+              <a:t> </a:t>
+            </a:r>
+            <a:r>
+              <a:rPr lang="en-US" dirty="0">
+                <a:solidFill>
+                  <a:srgbClr val="0000FF"/>
+                </a:solidFill>
+                <a:latin typeface="Consolas" panose="020B0609020204030204" pitchFamily="49" charset="0"/>
+              </a:rPr>
+              <a:t>string</a:t>
+            </a:r>
+            <a:r>
+              <a:rPr lang="en-US" dirty="0">
+                <a:solidFill>
+                  <a:srgbClr val="000000"/>
+                </a:solidFill>
+                <a:latin typeface="Consolas" panose="020B0609020204030204" pitchFamily="49" charset="0"/>
+              </a:rPr>
+              <a:t> self, </a:t>
+            </a:r>
+            <a:r>
+              <a:rPr lang="en-US" dirty="0">
+                <a:solidFill>
+                  <a:srgbClr val="0000FF"/>
+                </a:solidFill>
+                <a:latin typeface="Consolas" panose="020B0609020204030204" pitchFamily="49" charset="0"/>
+              </a:rPr>
+              <a:t>out</a:t>
+            </a:r>
+            <a:r>
+              <a:rPr lang="en-US" dirty="0">
+                <a:solidFill>
+                  <a:srgbClr val="000000"/>
+                </a:solidFill>
+                <a:latin typeface="Consolas" panose="020B0609020204030204" pitchFamily="49" charset="0"/>
+              </a:rPr>
+              <a:t> </a:t>
+            </a:r>
+            <a:r>
+              <a:rPr lang="en-US" dirty="0" err="1">
+                <a:solidFill>
+                  <a:srgbClr val="0000FF"/>
+                </a:solidFill>
+                <a:latin typeface="Consolas" panose="020B0609020204030204" pitchFamily="49" charset="0"/>
+              </a:rPr>
+              <a:t>int</a:t>
+            </a:r>
+            <a:r>
+              <a:rPr lang="en-US" dirty="0">
+                <a:solidFill>
+                  <a:srgbClr val="000000"/>
+                </a:solidFill>
+                <a:latin typeface="Consolas" panose="020B0609020204030204" pitchFamily="49" charset="0"/>
+              </a:rPr>
+              <a:t> length, </a:t>
+            </a:r>
+            <a:r>
+              <a:rPr lang="en-US" dirty="0">
+                <a:solidFill>
+                  <a:srgbClr val="0000FF"/>
+                </a:solidFill>
+                <a:latin typeface="Consolas" panose="020B0609020204030204" pitchFamily="49" charset="0"/>
+              </a:rPr>
+              <a:t>out</a:t>
+            </a:r>
+            <a:r>
+              <a:rPr lang="en-US" dirty="0">
+                <a:solidFill>
+                  <a:srgbClr val="000000"/>
+                </a:solidFill>
+                <a:latin typeface="Consolas" panose="020B0609020204030204" pitchFamily="49" charset="0"/>
+              </a:rPr>
+              <a:t> </a:t>
+            </a:r>
+            <a:r>
+              <a:rPr lang="en-US" dirty="0" err="1">
+                <a:solidFill>
+                  <a:srgbClr val="0000FF"/>
+                </a:solidFill>
+                <a:latin typeface="Consolas" panose="020B0609020204030204" pitchFamily="49" charset="0"/>
+              </a:rPr>
+              <a:t>int</a:t>
+            </a:r>
+            <a:r>
+              <a:rPr lang="en-US" dirty="0">
+                <a:solidFill>
+                  <a:srgbClr val="000000"/>
+                </a:solidFill>
+                <a:latin typeface="Consolas" panose="020B0609020204030204" pitchFamily="49" charset="0"/>
+              </a:rPr>
+              <a:t> hash) </a:t>
+            </a:r>
+            <a:r>
+              <a:rPr lang="ru-RU" dirty="0">
+                <a:solidFill>
+                  <a:srgbClr val="000000"/>
+                </a:solidFill>
+                <a:latin typeface="Consolas" panose="020B0609020204030204" pitchFamily="49" charset="0"/>
+              </a:rPr>
+              <a:t>{</a:t>
+            </a:r>
+          </a:p>
+          <a:p>
+            <a:r>
+              <a:rPr lang="en-US" dirty="0">
+                <a:solidFill>
+                  <a:srgbClr val="000000"/>
+                </a:solidFill>
+                <a:latin typeface="Consolas" panose="020B0609020204030204" pitchFamily="49" charset="0"/>
+              </a:rPr>
+              <a:t>    length = </a:t>
+            </a:r>
+            <a:r>
+              <a:rPr lang="en-US" dirty="0" err="1">
+                <a:solidFill>
+                  <a:srgbClr val="000000"/>
+                </a:solidFill>
+                <a:latin typeface="Consolas" panose="020B0609020204030204" pitchFamily="49" charset="0"/>
+              </a:rPr>
+              <a:t>self.Length</a:t>
+            </a:r>
+            <a:r>
+              <a:rPr lang="en-US" dirty="0">
+                <a:solidFill>
+                  <a:srgbClr val="000000"/>
+                </a:solidFill>
+                <a:latin typeface="Consolas" panose="020B0609020204030204" pitchFamily="49" charset="0"/>
+              </a:rPr>
+              <a:t>;</a:t>
+            </a:r>
+          </a:p>
+          <a:p>
+            <a:r>
+              <a:rPr lang="en-US" dirty="0">
+                <a:solidFill>
+                  <a:srgbClr val="000000"/>
+                </a:solidFill>
+                <a:latin typeface="Consolas" panose="020B0609020204030204" pitchFamily="49" charset="0"/>
+              </a:rPr>
+              <a:t>    hash = </a:t>
+            </a:r>
+            <a:r>
+              <a:rPr lang="en-US" dirty="0" err="1">
+                <a:solidFill>
+                  <a:srgbClr val="000000"/>
+                </a:solidFill>
+                <a:latin typeface="Consolas" panose="020B0609020204030204" pitchFamily="49" charset="0"/>
+              </a:rPr>
+              <a:t>self.GetHashCode</a:t>
+            </a:r>
+            <a:r>
+              <a:rPr lang="en-US" dirty="0">
+                <a:solidFill>
+                  <a:srgbClr val="000000"/>
+                </a:solidFill>
+                <a:latin typeface="Consolas" panose="020B0609020204030204" pitchFamily="49" charset="0"/>
+              </a:rPr>
+              <a:t>();</a:t>
+            </a:r>
+          </a:p>
+          <a:p>
+            <a:r>
+              <a:rPr lang="ru-RU" dirty="0">
+                <a:solidFill>
+                  <a:srgbClr val="000000"/>
+                </a:solidFill>
+                <a:latin typeface="Consolas" panose="020B0609020204030204" pitchFamily="49" charset="0"/>
+              </a:rPr>
+              <a:t>}</a:t>
+            </a:r>
+            <a:endParaRPr lang="ru-RU" dirty="0"/>
+          </a:p>
+        </p:txBody>
+      </p:sp>
+      <p:sp>
+        <p:nvSpPr>
+          <p:cNvPr id="5" name="Прямоугольник 4"/>
+          <p:cNvSpPr/>
+          <p:nvPr/>
+        </p:nvSpPr>
+        <p:spPr>
+          <a:xfrm>
+            <a:off x="916147" y="4702809"/>
+            <a:ext cx="6096000" cy="1477328"/>
+          </a:xfrm>
+          <a:prstGeom prst="rect">
+            <a:avLst/>
+          </a:prstGeom>
+        </p:spPr>
+        <p:txBody>
+          <a:bodyPr>
+            <a:spAutoFit/>
+          </a:bodyPr>
+          <a:lstStyle/>
+          <a:p>
+            <a:r>
+              <a:rPr lang="en-US" dirty="0" err="1">
+                <a:solidFill>
+                  <a:srgbClr val="0000FF"/>
+                </a:solidFill>
+                <a:latin typeface="Consolas" panose="020B0609020204030204" pitchFamily="49" charset="0"/>
+              </a:rPr>
+              <a:t>var</a:t>
+            </a:r>
+            <a:r>
+              <a:rPr lang="en-US" dirty="0">
+                <a:solidFill>
+                  <a:srgbClr val="000000"/>
+                </a:solidFill>
+                <a:latin typeface="Consolas" panose="020B0609020204030204" pitchFamily="49" charset="0"/>
+              </a:rPr>
+              <a:t> </a:t>
+            </a:r>
+            <a:r>
+              <a:rPr lang="en-US" dirty="0" err="1">
+                <a:solidFill>
+                  <a:srgbClr val="000000"/>
+                </a:solidFill>
+                <a:latin typeface="Consolas" panose="020B0609020204030204" pitchFamily="49" charset="0"/>
+              </a:rPr>
+              <a:t>str</a:t>
+            </a:r>
+            <a:r>
+              <a:rPr lang="en-US" dirty="0">
+                <a:solidFill>
+                  <a:srgbClr val="000000"/>
+                </a:solidFill>
+                <a:latin typeface="Consolas" panose="020B0609020204030204" pitchFamily="49" charset="0"/>
+              </a:rPr>
+              <a:t> = </a:t>
+            </a:r>
+            <a:r>
+              <a:rPr lang="en-US" dirty="0">
+                <a:solidFill>
+                  <a:srgbClr val="A31515"/>
+                </a:solidFill>
+                <a:latin typeface="Consolas" panose="020B0609020204030204" pitchFamily="49" charset="0"/>
+              </a:rPr>
+              <a:t>"Hello, world!"</a:t>
+            </a:r>
+            <a:r>
+              <a:rPr lang="en-US" dirty="0">
+                <a:solidFill>
+                  <a:srgbClr val="000000"/>
+                </a:solidFill>
+                <a:latin typeface="Consolas" panose="020B0609020204030204" pitchFamily="49" charset="0"/>
+              </a:rPr>
+              <a:t>;</a:t>
+            </a:r>
+          </a:p>
+          <a:p>
+            <a:r>
+              <a:rPr lang="en-US" dirty="0" err="1">
+                <a:solidFill>
+                  <a:srgbClr val="0000FF"/>
+                </a:solidFill>
+                <a:latin typeface="Consolas" panose="020B0609020204030204" pitchFamily="49" charset="0"/>
+              </a:rPr>
+              <a:t>var</a:t>
+            </a:r>
+            <a:r>
+              <a:rPr lang="en-US" dirty="0">
+                <a:solidFill>
+                  <a:srgbClr val="000000"/>
+                </a:solidFill>
+                <a:latin typeface="Consolas" panose="020B0609020204030204" pitchFamily="49" charset="0"/>
+              </a:rPr>
+              <a:t> (</a:t>
+            </a:r>
+            <a:r>
+              <a:rPr lang="en-US" dirty="0" err="1">
+                <a:solidFill>
+                  <a:srgbClr val="000000"/>
+                </a:solidFill>
+                <a:latin typeface="Consolas" panose="020B0609020204030204" pitchFamily="49" charset="0"/>
+              </a:rPr>
+              <a:t>len</a:t>
+            </a:r>
+            <a:r>
+              <a:rPr lang="en-US" dirty="0">
+                <a:solidFill>
+                  <a:srgbClr val="000000"/>
+                </a:solidFill>
+                <a:latin typeface="Consolas" panose="020B0609020204030204" pitchFamily="49" charset="0"/>
+              </a:rPr>
+              <a:t>, hash) = </a:t>
+            </a:r>
+            <a:r>
+              <a:rPr lang="en-US" dirty="0" err="1">
+                <a:solidFill>
+                  <a:srgbClr val="000000"/>
+                </a:solidFill>
+                <a:latin typeface="Consolas" panose="020B0609020204030204" pitchFamily="49" charset="0"/>
+              </a:rPr>
+              <a:t>str</a:t>
+            </a:r>
+            <a:r>
+              <a:rPr lang="en-US" dirty="0">
+                <a:solidFill>
+                  <a:srgbClr val="000000"/>
+                </a:solidFill>
+                <a:latin typeface="Consolas" panose="020B0609020204030204" pitchFamily="49" charset="0"/>
+              </a:rPr>
+              <a:t>;</a:t>
+            </a:r>
+          </a:p>
+          <a:p>
+            <a:endParaRPr lang="ru-RU" dirty="0">
+              <a:solidFill>
+                <a:srgbClr val="000000"/>
+              </a:solidFill>
+              <a:latin typeface="Consolas" panose="020B0609020204030204" pitchFamily="49" charset="0"/>
+            </a:endParaRPr>
+          </a:p>
+          <a:p>
+            <a:r>
+              <a:rPr lang="en-US" dirty="0" err="1">
+                <a:solidFill>
+                  <a:srgbClr val="000000"/>
+                </a:solidFill>
+                <a:latin typeface="Consolas" panose="020B0609020204030204" pitchFamily="49" charset="0"/>
+              </a:rPr>
+              <a:t>len</a:t>
+            </a:r>
+            <a:r>
+              <a:rPr lang="en-US" dirty="0">
+                <a:solidFill>
+                  <a:srgbClr val="000000"/>
+                </a:solidFill>
+                <a:latin typeface="Consolas" panose="020B0609020204030204" pitchFamily="49" charset="0"/>
+              </a:rPr>
+              <a:t> += 1;</a:t>
+            </a:r>
+          </a:p>
+          <a:p>
+            <a:r>
+              <a:rPr lang="en-US" dirty="0">
+                <a:solidFill>
+                  <a:srgbClr val="000000"/>
+                </a:solidFill>
+                <a:latin typeface="Consolas" panose="020B0609020204030204" pitchFamily="49" charset="0"/>
+              </a:rPr>
+              <a:t>hash ^= 0b1010_1100;</a:t>
+            </a:r>
+            <a:endParaRPr lang="ru-RU" dirty="0"/>
+          </a:p>
+        </p:txBody>
+      </p:sp>
+    </p:spTree>
+    <p:extLst>
+      <p:ext uri="{BB962C8B-B14F-4D97-AF65-F5344CB8AC3E}">
+        <p14:creationId xmlns:p14="http://schemas.microsoft.com/office/powerpoint/2010/main" val="1726064712"/>
+      </p:ext>
+    </p:extLst>
+  </p:cSld>
+  <p:clrMapOvr>
+    <a:masterClrMapping/>
+  </p:clrMapOvr>
+</p:sld>
+</file>
+
+<file path=ppt/slides/slide11.xml><?xml version="1.0" encoding="utf-8"?>
+<p:sld xmlns:a="http://schemas.openxmlformats.org/drawingml/2006/main" xmlns:r="http://schemas.openxmlformats.org/officeDocument/2006/relationships" xmlns:p="http://schemas.openxmlformats.org/presentationml/2006/main">
+  <p:cSld>
+    <p:spTree>
+      <p:nvGrpSpPr>
+        <p:cNvPr id="1" name=""/>
+        <p:cNvGrpSpPr/>
+        <p:nvPr/>
+      </p:nvGrpSpPr>
+      <p:grpSpPr>
+        <a:xfrm>
+          <a:off x="0" y="0"/>
+          <a:ext cx="0" cy="0"/>
+          <a:chOff x="0" y="0"/>
+          <a:chExt cx="0" cy="0"/>
+        </a:xfrm>
+      </p:grpSpPr>
+      <p:sp>
+        <p:nvSpPr>
+          <p:cNvPr id="2" name="Заголовок 1"/>
+          <p:cNvSpPr>
+            <a:spLocks noGrp="1"/>
+          </p:cNvSpPr>
+          <p:nvPr>
+            <p:ph type="title"/>
+          </p:nvPr>
+        </p:nvSpPr>
+        <p:spPr/>
+        <p:txBody>
+          <a:bodyPr/>
+          <a:lstStyle/>
+          <a:p>
+            <a:r>
+              <a:rPr lang="ru-RU" dirty="0"/>
               <a:t>Локальные функции</a:t>
             </a:r>
           </a:p>
@@ -10502,7 +11020,7 @@
 </p:sld>
 </file>
 
-<file path=ppt/slides/slide11.xml><?xml version="1.0" encoding="utf-8"?>
+<file path=ppt/slides/slide12.xml><?xml version="1.0" encoding="utf-8"?>
 <p:sld xmlns:a="http://schemas.openxmlformats.org/drawingml/2006/main" xmlns:r="http://schemas.openxmlformats.org/officeDocument/2006/relationships" xmlns:p="http://schemas.openxmlformats.org/presentationml/2006/main">
   <p:cSld>
     <p:spTree>
@@ -11077,11 +11595,11 @@
   <p:clrMapOvr>
     <a:masterClrMapping/>
   </p:clrMapOvr>
-  <mc:AlternateContent xmlns:mc="http://schemas.openxmlformats.org/markup-compatibility/2006">
-    <mc:Choice xmlns:p14="http://schemas.microsoft.com/office/powerpoint/2010/main" Requires="p14">
+  <mc:AlternateContent xmlns:mc="http://schemas.openxmlformats.org/markup-compatibility/2006" xmlns:p14="http://schemas.microsoft.com/office/powerpoint/2010/main">
+    <mc:Choice Requires="p14">
       <p:transition p14:dur="10"/>
     </mc:Choice>
-    <mc:Fallback>
+    <mc:Fallback xmlns="">
       <p:transition/>
     </mc:Fallback>
   </mc:AlternateContent>
@@ -11224,7 +11742,7 @@
 </p:sld>
 </file>
 
-<file path=ppt/slides/slide12.xml><?xml version="1.0" encoding="utf-8"?>
+<file path=ppt/slides/slide13.xml><?xml version="1.0" encoding="utf-8"?>
 <p:sld xmlns:a="http://schemas.openxmlformats.org/drawingml/2006/main" xmlns:r="http://schemas.openxmlformats.org/officeDocument/2006/relationships" xmlns:p="http://schemas.openxmlformats.org/presentationml/2006/main">
   <p:cSld>
     <p:spTree>
@@ -12069,7 +12587,7 @@
 </p:sld>
 </file>
 
-<file path=ppt/slides/slide13.xml><?xml version="1.0" encoding="utf-8"?>
+<file path=ppt/slides/slide14.xml><?xml version="1.0" encoding="utf-8"?>
 <p:sld xmlns:a="http://schemas.openxmlformats.org/drawingml/2006/main" xmlns:r="http://schemas.openxmlformats.org/officeDocument/2006/relationships" xmlns:p="http://schemas.openxmlformats.org/presentationml/2006/main">
   <p:cSld>
     <p:spTree>
@@ -12747,7 +13265,7 @@
 </p:sld>
 </file>
 
-<file path=ppt/slides/slide14.xml><?xml version="1.0" encoding="utf-8"?>
+<file path=ppt/slides/slide15.xml><?xml version="1.0" encoding="utf-8"?>
 <p:sld xmlns:a="http://schemas.openxmlformats.org/drawingml/2006/main" xmlns:r="http://schemas.openxmlformats.org/officeDocument/2006/relationships" xmlns:p="http://schemas.openxmlformats.org/presentationml/2006/main">
   <p:cSld>
     <p:spTree>
@@ -12780,6 +13298,1056 @@
           <a:lstStyle/>
           <a:p>
             <a:r>
+              <a:rPr lang="en-US" dirty="0"/>
+              <a:t>Pattern matching</a:t>
+            </a:r>
+            <a:endParaRPr lang="ru-RU" dirty="0"/>
+          </a:p>
+        </p:txBody>
+      </p:sp>
+      <p:sp>
+        <p:nvSpPr>
+          <p:cNvPr id="3" name="Текст 2"/>
+          <p:cNvSpPr>
+            <a:spLocks noGrp="1"/>
+          </p:cNvSpPr>
+          <p:nvPr>
+            <p:ph type="body" idx="1"/>
+          </p:nvPr>
+        </p:nvSpPr>
+        <p:spPr/>
+        <p:txBody>
+          <a:bodyPr/>
+          <a:lstStyle/>
+          <a:p>
+            <a:endParaRPr lang="ru-RU"/>
+          </a:p>
+        </p:txBody>
+      </p:sp>
+    </p:spTree>
+    <p:extLst>
+      <p:ext uri="{BB962C8B-B14F-4D97-AF65-F5344CB8AC3E}">
+        <p14:creationId xmlns:p14="http://schemas.microsoft.com/office/powerpoint/2010/main" val="1107601602"/>
+      </p:ext>
+    </p:extLst>
+  </p:cSld>
+  <p:clrMapOvr>
+    <a:masterClrMapping/>
+  </p:clrMapOvr>
+</p:sld>
+</file>
+
+<file path=ppt/slides/slide16.xml><?xml version="1.0" encoding="utf-8"?>
+<p:sld xmlns:a="http://schemas.openxmlformats.org/drawingml/2006/main" xmlns:r="http://schemas.openxmlformats.org/officeDocument/2006/relationships" xmlns:p="http://schemas.openxmlformats.org/presentationml/2006/main">
+  <p:cSld>
+    <p:spTree>
+      <p:nvGrpSpPr>
+        <p:cNvPr id="1" name=""/>
+        <p:cNvGrpSpPr/>
+        <p:nvPr/>
+      </p:nvGrpSpPr>
+      <p:grpSpPr>
+        <a:xfrm>
+          <a:off x="0" y="0"/>
+          <a:ext cx="0" cy="0"/>
+          <a:chOff x="0" y="0"/>
+          <a:chExt cx="0" cy="0"/>
+        </a:xfrm>
+      </p:grpSpPr>
+      <p:sp>
+        <p:nvSpPr>
+          <p:cNvPr id="6" name="Прямоугольник 5"/>
+          <p:cNvSpPr/>
+          <p:nvPr/>
+        </p:nvSpPr>
+        <p:spPr>
+          <a:xfrm>
+            <a:off x="0" y="2942549"/>
+            <a:ext cx="12192000" cy="523220"/>
+          </a:xfrm>
+          <a:prstGeom prst="rect">
+            <a:avLst/>
+          </a:prstGeom>
+        </p:spPr>
+        <p:txBody>
+          <a:bodyPr wrap="square">
+            <a:spAutoFit/>
+          </a:bodyPr>
+          <a:lstStyle/>
+          <a:p>
+            <a:pPr algn="ctr"/>
+            <a:r>
+              <a:rPr lang="en-US" sz="2800" dirty="0">
+                <a:solidFill>
+                  <a:srgbClr val="0000FF"/>
+                </a:solidFill>
+                <a:latin typeface="Consolas" panose="020B0609020204030204" pitchFamily="49" charset="0"/>
+              </a:rPr>
+              <a:t>public</a:t>
+            </a:r>
+            <a:r>
+              <a:rPr lang="en-US" sz="2800" dirty="0">
+                <a:solidFill>
+                  <a:srgbClr val="000000"/>
+                </a:solidFill>
+                <a:latin typeface="Consolas" panose="020B0609020204030204" pitchFamily="49" charset="0"/>
+              </a:rPr>
+              <a:t> List&lt;</a:t>
+            </a:r>
+            <a:r>
+              <a:rPr lang="en-US" sz="2800" dirty="0">
+                <a:solidFill>
+                  <a:srgbClr val="2B91AF"/>
+                </a:solidFill>
+                <a:latin typeface="Consolas" panose="020B0609020204030204" pitchFamily="49" charset="0"/>
+              </a:rPr>
+              <a:t>T</a:t>
+            </a:r>
+            <a:r>
+              <a:rPr lang="en-US" sz="2800" dirty="0">
+                <a:solidFill>
+                  <a:srgbClr val="000000"/>
+                </a:solidFill>
+                <a:latin typeface="Consolas" panose="020B0609020204030204" pitchFamily="49" charset="0"/>
+              </a:rPr>
+              <a:t>&gt; </a:t>
+            </a:r>
+            <a:r>
+              <a:rPr lang="en-US" sz="2800" dirty="0" err="1">
+                <a:solidFill>
+                  <a:srgbClr val="000000"/>
+                </a:solidFill>
+                <a:latin typeface="Consolas" panose="020B0609020204030204" pitchFamily="49" charset="0"/>
+              </a:rPr>
+              <a:t>CastToArray</a:t>
+            </a:r>
+            <a:r>
+              <a:rPr lang="en-US" sz="2800" dirty="0">
+                <a:solidFill>
+                  <a:srgbClr val="000000"/>
+                </a:solidFill>
+                <a:latin typeface="Consolas" panose="020B0609020204030204" pitchFamily="49" charset="0"/>
+              </a:rPr>
+              <a:t>&lt;</a:t>
+            </a:r>
+            <a:r>
+              <a:rPr lang="en-US" sz="2800" dirty="0">
+                <a:solidFill>
+                  <a:srgbClr val="2B91AF"/>
+                </a:solidFill>
+                <a:latin typeface="Consolas" panose="020B0609020204030204" pitchFamily="49" charset="0"/>
+              </a:rPr>
+              <a:t>T</a:t>
+            </a:r>
+            <a:r>
+              <a:rPr lang="en-US" sz="2800" dirty="0">
+                <a:solidFill>
+                  <a:srgbClr val="000000"/>
+                </a:solidFill>
+                <a:latin typeface="Consolas" panose="020B0609020204030204" pitchFamily="49" charset="0"/>
+              </a:rPr>
+              <a:t>&gt;(</a:t>
+            </a:r>
+            <a:r>
+              <a:rPr lang="en-US" sz="2800" dirty="0">
+                <a:solidFill>
+                  <a:srgbClr val="0000FF"/>
+                </a:solidFill>
+                <a:latin typeface="Consolas" panose="020B0609020204030204" pitchFamily="49" charset="0"/>
+              </a:rPr>
+              <a:t>this</a:t>
+            </a:r>
+            <a:r>
+              <a:rPr lang="en-US" sz="2800" dirty="0">
+                <a:solidFill>
+                  <a:srgbClr val="000000"/>
+                </a:solidFill>
+                <a:latin typeface="Consolas" panose="020B0609020204030204" pitchFamily="49" charset="0"/>
+              </a:rPr>
+              <a:t> </a:t>
+            </a:r>
+            <a:r>
+              <a:rPr lang="en-US" sz="2800" dirty="0" err="1">
+                <a:solidFill>
+                  <a:srgbClr val="2B91AF"/>
+                </a:solidFill>
+                <a:latin typeface="Consolas" panose="020B0609020204030204" pitchFamily="49" charset="0"/>
+              </a:rPr>
+              <a:t>IEnumerable</a:t>
+            </a:r>
+            <a:r>
+              <a:rPr lang="en-US" sz="2800" dirty="0">
+                <a:solidFill>
+                  <a:srgbClr val="000000"/>
+                </a:solidFill>
+                <a:latin typeface="Consolas" panose="020B0609020204030204" pitchFamily="49" charset="0"/>
+              </a:rPr>
+              <a:t>&lt;</a:t>
+            </a:r>
+            <a:r>
+              <a:rPr lang="en-US" sz="2800" dirty="0">
+                <a:solidFill>
+                  <a:srgbClr val="2B91AF"/>
+                </a:solidFill>
+                <a:latin typeface="Consolas" panose="020B0609020204030204" pitchFamily="49" charset="0"/>
+              </a:rPr>
+              <a:t>T</a:t>
+            </a:r>
+            <a:r>
+              <a:rPr lang="en-US" sz="2800" dirty="0">
+                <a:solidFill>
+                  <a:srgbClr val="000000"/>
+                </a:solidFill>
+                <a:latin typeface="Consolas" panose="020B0609020204030204" pitchFamily="49" charset="0"/>
+              </a:rPr>
+              <a:t>&gt; sequence)</a:t>
+            </a:r>
+            <a:endParaRPr lang="ru-RU" sz="2800" dirty="0"/>
+          </a:p>
+        </p:txBody>
+      </p:sp>
+      <p:sp>
+        <p:nvSpPr>
+          <p:cNvPr id="7" name="TextBox 6"/>
+          <p:cNvSpPr txBox="1"/>
+          <p:nvPr/>
+        </p:nvSpPr>
+        <p:spPr>
+          <a:xfrm>
+            <a:off x="314224" y="5519763"/>
+            <a:ext cx="3229859" cy="830997"/>
+          </a:xfrm>
+          <a:prstGeom prst="rect">
+            <a:avLst/>
+          </a:prstGeom>
+          <a:noFill/>
+        </p:spPr>
+        <p:txBody>
+          <a:bodyPr wrap="none" rtlCol="0">
+            <a:spAutoFit/>
+          </a:bodyPr>
+          <a:lstStyle/>
+          <a:p>
+            <a:r>
+              <a:rPr lang="ru-RU" sz="2400" dirty="0"/>
+              <a:t>ЕСЛИ </a:t>
+            </a:r>
+            <a:r>
+              <a:rPr lang="ru-RU" sz="2400" dirty="0">
+                <a:solidFill>
+                  <a:srgbClr val="00B0F0"/>
+                </a:solidFill>
+              </a:rPr>
+              <a:t>МАССИВ</a:t>
+            </a:r>
+            <a:r>
+              <a:rPr lang="ru-RU" sz="2400" dirty="0"/>
+              <a:t>:</a:t>
+            </a:r>
+          </a:p>
+          <a:p>
+            <a:r>
+              <a:rPr lang="ru-RU" sz="2400" dirty="0"/>
+              <a:t>ПРОСТО ВЕРНЕМ ЕГО</a:t>
+            </a:r>
+          </a:p>
+        </p:txBody>
+      </p:sp>
+      <p:cxnSp>
+        <p:nvCxnSpPr>
+          <p:cNvPr id="9" name="Прямая со стрелкой 8"/>
+          <p:cNvCxnSpPr>
+            <a:endCxn id="6" idx="0"/>
+          </p:cNvCxnSpPr>
+          <p:nvPr/>
+        </p:nvCxnSpPr>
+        <p:spPr>
+          <a:xfrm>
+            <a:off x="6096000" y="1534886"/>
+            <a:ext cx="0" cy="1407663"/>
+          </a:xfrm>
+          <a:prstGeom prst="straightConnector1">
+            <a:avLst/>
+          </a:prstGeom>
+          <a:ln w="57150">
+            <a:tailEnd type="triangle"/>
+          </a:ln>
+        </p:spPr>
+        <p:style>
+          <a:lnRef idx="1">
+            <a:schemeClr val="accent1"/>
+          </a:lnRef>
+          <a:fillRef idx="0">
+            <a:schemeClr val="accent1"/>
+          </a:fillRef>
+          <a:effectRef idx="0">
+            <a:schemeClr val="accent1"/>
+          </a:effectRef>
+          <a:fontRef idx="minor">
+            <a:schemeClr val="tx1"/>
+          </a:fontRef>
+        </p:style>
+      </p:cxnSp>
+      <p:cxnSp>
+        <p:nvCxnSpPr>
+          <p:cNvPr id="10" name="Прямая со стрелкой 9"/>
+          <p:cNvCxnSpPr>
+            <a:cxnSpLocks/>
+          </p:cNvCxnSpPr>
+          <p:nvPr/>
+        </p:nvCxnSpPr>
+        <p:spPr>
+          <a:xfrm flipH="1">
+            <a:off x="3102429" y="3465769"/>
+            <a:ext cx="2993571" cy="1530774"/>
+          </a:xfrm>
+          <a:prstGeom prst="straightConnector1">
+            <a:avLst/>
+          </a:prstGeom>
+          <a:ln w="57150">
+            <a:tailEnd type="triangle"/>
+          </a:ln>
+        </p:spPr>
+        <p:style>
+          <a:lnRef idx="1">
+            <a:schemeClr val="accent1"/>
+          </a:lnRef>
+          <a:fillRef idx="0">
+            <a:schemeClr val="accent1"/>
+          </a:fillRef>
+          <a:effectRef idx="0">
+            <a:schemeClr val="accent1"/>
+          </a:effectRef>
+          <a:fontRef idx="minor">
+            <a:schemeClr val="tx1"/>
+          </a:fontRef>
+        </p:style>
+      </p:cxnSp>
+      <p:cxnSp>
+        <p:nvCxnSpPr>
+          <p:cNvPr id="12" name="Прямая со стрелкой 11"/>
+          <p:cNvCxnSpPr>
+            <a:cxnSpLocks/>
+          </p:cNvCxnSpPr>
+          <p:nvPr/>
+        </p:nvCxnSpPr>
+        <p:spPr>
+          <a:xfrm flipH="1">
+            <a:off x="3102429" y="3465769"/>
+            <a:ext cx="2993571" cy="1530774"/>
+          </a:xfrm>
+          <a:prstGeom prst="straightConnector1">
+            <a:avLst/>
+          </a:prstGeom>
+          <a:ln w="57150">
+            <a:tailEnd type="triangle"/>
+          </a:ln>
+        </p:spPr>
+        <p:style>
+          <a:lnRef idx="1">
+            <a:schemeClr val="accent1"/>
+          </a:lnRef>
+          <a:fillRef idx="0">
+            <a:schemeClr val="accent1"/>
+          </a:fillRef>
+          <a:effectRef idx="0">
+            <a:schemeClr val="accent1"/>
+          </a:effectRef>
+          <a:fontRef idx="minor">
+            <a:schemeClr val="tx1"/>
+          </a:fontRef>
+        </p:style>
+      </p:cxnSp>
+      <p:cxnSp>
+        <p:nvCxnSpPr>
+          <p:cNvPr id="14" name="Прямая со стрелкой 13"/>
+          <p:cNvCxnSpPr>
+            <a:cxnSpLocks/>
+          </p:cNvCxnSpPr>
+          <p:nvPr/>
+        </p:nvCxnSpPr>
+        <p:spPr>
+          <a:xfrm>
+            <a:off x="6096000" y="3465769"/>
+            <a:ext cx="2993571" cy="1530774"/>
+          </a:xfrm>
+          <a:prstGeom prst="straightConnector1">
+            <a:avLst/>
+          </a:prstGeom>
+          <a:ln w="57150">
+            <a:tailEnd type="triangle"/>
+          </a:ln>
+        </p:spPr>
+        <p:style>
+          <a:lnRef idx="1">
+            <a:schemeClr val="accent1"/>
+          </a:lnRef>
+          <a:fillRef idx="0">
+            <a:schemeClr val="accent1"/>
+          </a:fillRef>
+          <a:effectRef idx="0">
+            <a:schemeClr val="accent1"/>
+          </a:effectRef>
+          <a:fontRef idx="minor">
+            <a:schemeClr val="tx1"/>
+          </a:fontRef>
+        </p:style>
+      </p:cxnSp>
+      <p:sp>
+        <p:nvSpPr>
+          <p:cNvPr id="15" name="TextBox 14"/>
+          <p:cNvSpPr txBox="1"/>
+          <p:nvPr/>
+        </p:nvSpPr>
+        <p:spPr>
+          <a:xfrm>
+            <a:off x="3357512" y="1055915"/>
+            <a:ext cx="5781776" cy="461665"/>
+          </a:xfrm>
+          <a:prstGeom prst="rect">
+            <a:avLst/>
+          </a:prstGeom>
+          <a:noFill/>
+        </p:spPr>
+        <p:txBody>
+          <a:bodyPr wrap="none" rtlCol="0">
+            <a:spAutoFit/>
+          </a:bodyPr>
+          <a:lstStyle/>
+          <a:p>
+            <a:r>
+              <a:rPr lang="ru-RU" sz="2400" dirty="0">
+                <a:solidFill>
+                  <a:srgbClr val="00B0F0"/>
+                </a:solidFill>
+              </a:rPr>
+              <a:t>МАССИВ</a:t>
+            </a:r>
+            <a:r>
+              <a:rPr lang="ru-RU" sz="2400" dirty="0"/>
+              <a:t> ИЛИ </a:t>
+            </a:r>
+            <a:r>
+              <a:rPr lang="ru-RU" sz="2400" dirty="0">
+                <a:solidFill>
+                  <a:srgbClr val="00B0F0"/>
+                </a:solidFill>
+              </a:rPr>
+              <a:t>ПОСЛЕДОВАТЕЛЬНОСТЬ</a:t>
+            </a:r>
+          </a:p>
+        </p:txBody>
+      </p:sp>
+      <p:sp>
+        <p:nvSpPr>
+          <p:cNvPr id="16" name="TextBox 15"/>
+          <p:cNvSpPr txBox="1"/>
+          <p:nvPr/>
+        </p:nvSpPr>
+        <p:spPr>
+          <a:xfrm>
+            <a:off x="6096000" y="5519763"/>
+            <a:ext cx="5991922" cy="830997"/>
+          </a:xfrm>
+          <a:prstGeom prst="rect">
+            <a:avLst/>
+          </a:prstGeom>
+          <a:noFill/>
+        </p:spPr>
+        <p:txBody>
+          <a:bodyPr wrap="square" rtlCol="0">
+            <a:spAutoFit/>
+          </a:bodyPr>
+          <a:lstStyle/>
+          <a:p>
+            <a:pPr algn="r"/>
+            <a:r>
+              <a:rPr lang="ru-RU" sz="2400" dirty="0"/>
+              <a:t>ЕСЛИ </a:t>
+            </a:r>
+            <a:r>
+              <a:rPr lang="ru-RU" sz="2400" dirty="0">
+                <a:solidFill>
+                  <a:srgbClr val="00B0F0"/>
+                </a:solidFill>
+              </a:rPr>
+              <a:t>ПОСЛЕДОВАТЕЛЬНОСТЬ</a:t>
+            </a:r>
+            <a:r>
+              <a:rPr lang="ru-RU" sz="2400" dirty="0"/>
+              <a:t>: СОЗДАДИМ НОВЫЙ МАССИВ</a:t>
+            </a:r>
+          </a:p>
+        </p:txBody>
+      </p:sp>
+    </p:spTree>
+    <p:extLst>
+      <p:ext uri="{BB962C8B-B14F-4D97-AF65-F5344CB8AC3E}">
+        <p14:creationId xmlns:p14="http://schemas.microsoft.com/office/powerpoint/2010/main" val="817727121"/>
+      </p:ext>
+    </p:extLst>
+  </p:cSld>
+  <p:clrMapOvr>
+    <a:masterClrMapping/>
+  </p:clrMapOvr>
+</p:sld>
+</file>
+
+<file path=ppt/slides/slide17.xml><?xml version="1.0" encoding="utf-8"?>
+<p:sld xmlns:a="http://schemas.openxmlformats.org/drawingml/2006/main" xmlns:r="http://schemas.openxmlformats.org/officeDocument/2006/relationships" xmlns:p="http://schemas.openxmlformats.org/presentationml/2006/main">
+  <p:cSld>
+    <p:spTree>
+      <p:nvGrpSpPr>
+        <p:cNvPr id="1" name=""/>
+        <p:cNvGrpSpPr/>
+        <p:nvPr/>
+      </p:nvGrpSpPr>
+      <p:grpSpPr>
+        <a:xfrm>
+          <a:off x="0" y="0"/>
+          <a:ext cx="0" cy="0"/>
+          <a:chOff x="0" y="0"/>
+          <a:chExt cx="0" cy="0"/>
+        </a:xfrm>
+      </p:grpSpPr>
+      <p:sp>
+        <p:nvSpPr>
+          <p:cNvPr id="2" name="Текст 1"/>
+          <p:cNvSpPr>
+            <a:spLocks noGrp="1"/>
+          </p:cNvSpPr>
+          <p:nvPr>
+            <p:ph type="body" idx="1"/>
+          </p:nvPr>
+        </p:nvSpPr>
+        <p:spPr/>
+        <p:txBody>
+          <a:bodyPr/>
+          <a:lstStyle/>
+          <a:p>
+            <a:r>
+              <a:rPr lang="ru-RU" dirty="0"/>
+              <a:t>Решение на </a:t>
+            </a:r>
+            <a:r>
+              <a:rPr lang="en-US" dirty="0"/>
+              <a:t>C#6</a:t>
+            </a:r>
+            <a:endParaRPr lang="ru-RU" dirty="0"/>
+          </a:p>
+        </p:txBody>
+      </p:sp>
+      <p:sp>
+        <p:nvSpPr>
+          <p:cNvPr id="3" name="Объект 2"/>
+          <p:cNvSpPr>
+            <a:spLocks noGrp="1"/>
+          </p:cNvSpPr>
+          <p:nvPr>
+            <p:ph sz="half" idx="2"/>
+          </p:nvPr>
+        </p:nvSpPr>
+        <p:spPr/>
+        <p:txBody>
+          <a:bodyPr>
+            <a:normAutofit/>
+          </a:bodyPr>
+          <a:lstStyle/>
+          <a:p>
+            <a:pPr marL="0" indent="0">
+              <a:buNone/>
+            </a:pPr>
+            <a:r>
+              <a:rPr lang="en-US" sz="2400" dirty="0">
+                <a:solidFill>
+                  <a:srgbClr val="0000FF"/>
+                </a:solidFill>
+                <a:latin typeface="Consolas" panose="020B0609020204030204" pitchFamily="49" charset="0"/>
+              </a:rPr>
+              <a:t>if</a:t>
+            </a:r>
+            <a:r>
+              <a:rPr lang="en-US" sz="2400" dirty="0">
+                <a:solidFill>
+                  <a:srgbClr val="000000"/>
+                </a:solidFill>
+                <a:latin typeface="Consolas" panose="020B0609020204030204" pitchFamily="49" charset="0"/>
+              </a:rPr>
+              <a:t> (sequence </a:t>
+            </a:r>
+            <a:r>
+              <a:rPr lang="en-US" sz="2400" dirty="0">
+                <a:solidFill>
+                  <a:srgbClr val="0000FF"/>
+                </a:solidFill>
+                <a:latin typeface="Consolas" panose="020B0609020204030204" pitchFamily="49" charset="0"/>
+              </a:rPr>
+              <a:t>is</a:t>
+            </a:r>
+            <a:r>
+              <a:rPr lang="en-US" sz="2400" dirty="0">
+                <a:solidFill>
+                  <a:srgbClr val="000000"/>
+                </a:solidFill>
+                <a:latin typeface="Consolas" panose="020B0609020204030204" pitchFamily="49" charset="0"/>
+              </a:rPr>
+              <a:t> </a:t>
+            </a:r>
+            <a:r>
+              <a:rPr lang="en-US" sz="2400" dirty="0">
+                <a:solidFill>
+                  <a:srgbClr val="2B91AF"/>
+                </a:solidFill>
+                <a:latin typeface="Consolas" panose="020B0609020204030204" pitchFamily="49" charset="0"/>
+              </a:rPr>
+              <a:t>List</a:t>
+            </a:r>
+            <a:r>
+              <a:rPr lang="en-US" sz="2400" dirty="0">
+                <a:solidFill>
+                  <a:srgbClr val="000000"/>
+                </a:solidFill>
+                <a:latin typeface="Consolas" panose="020B0609020204030204" pitchFamily="49" charset="0"/>
+              </a:rPr>
+              <a:t>&lt;</a:t>
+            </a:r>
+            <a:r>
+              <a:rPr lang="en-US" sz="2400" dirty="0">
+                <a:solidFill>
+                  <a:srgbClr val="2B91AF"/>
+                </a:solidFill>
+                <a:latin typeface="Consolas" panose="020B0609020204030204" pitchFamily="49" charset="0"/>
+              </a:rPr>
+              <a:t>T</a:t>
+            </a:r>
+            <a:r>
+              <a:rPr lang="en-US" sz="2400" dirty="0">
+                <a:solidFill>
+                  <a:srgbClr val="000000"/>
+                </a:solidFill>
+                <a:latin typeface="Consolas" panose="020B0609020204030204" pitchFamily="49" charset="0"/>
+              </a:rPr>
+              <a:t>&gt;)</a:t>
+            </a:r>
+          </a:p>
+          <a:p>
+            <a:pPr marL="0" indent="0">
+              <a:buNone/>
+            </a:pPr>
+            <a:r>
+              <a:rPr lang="ru-RU" sz="2400" dirty="0">
+                <a:solidFill>
+                  <a:srgbClr val="0000FF"/>
+                </a:solidFill>
+                <a:latin typeface="Consolas" panose="020B0609020204030204" pitchFamily="49" charset="0"/>
+              </a:rPr>
+              <a:t>    </a:t>
+            </a:r>
+            <a:r>
+              <a:rPr lang="en-US" sz="2400" dirty="0">
+                <a:solidFill>
+                  <a:srgbClr val="0000FF"/>
+                </a:solidFill>
+                <a:latin typeface="Consolas" panose="020B0609020204030204" pitchFamily="49" charset="0"/>
+              </a:rPr>
+              <a:t>return</a:t>
+            </a:r>
+            <a:r>
+              <a:rPr lang="en-US" sz="2400" dirty="0">
+                <a:solidFill>
+                  <a:srgbClr val="000000"/>
+                </a:solidFill>
+                <a:latin typeface="Consolas" panose="020B0609020204030204" pitchFamily="49" charset="0"/>
+              </a:rPr>
+              <a:t> (</a:t>
+            </a:r>
+            <a:r>
+              <a:rPr lang="en-US" sz="2400" dirty="0">
+                <a:solidFill>
+                  <a:srgbClr val="2B91AF"/>
+                </a:solidFill>
+                <a:latin typeface="Consolas" panose="020B0609020204030204" pitchFamily="49" charset="0"/>
+              </a:rPr>
+              <a:t>List</a:t>
+            </a:r>
+            <a:r>
+              <a:rPr lang="en-US" sz="2400" dirty="0">
+                <a:solidFill>
+                  <a:srgbClr val="000000"/>
+                </a:solidFill>
+                <a:latin typeface="Consolas" panose="020B0609020204030204" pitchFamily="49" charset="0"/>
+              </a:rPr>
+              <a:t>&lt;</a:t>
+            </a:r>
+            <a:r>
+              <a:rPr lang="en-US" sz="2400" dirty="0">
+                <a:solidFill>
+                  <a:srgbClr val="2B91AF"/>
+                </a:solidFill>
+                <a:latin typeface="Consolas" panose="020B0609020204030204" pitchFamily="49" charset="0"/>
+              </a:rPr>
+              <a:t>T</a:t>
+            </a:r>
+            <a:r>
+              <a:rPr lang="en-US" sz="2400" dirty="0">
+                <a:solidFill>
+                  <a:srgbClr val="000000"/>
+                </a:solidFill>
+                <a:latin typeface="Consolas" panose="020B0609020204030204" pitchFamily="49" charset="0"/>
+              </a:rPr>
+              <a:t>&gt;)sequence;</a:t>
+            </a:r>
+          </a:p>
+          <a:p>
+            <a:pPr marL="0" indent="0">
+              <a:buNone/>
+            </a:pPr>
+            <a:r>
+              <a:rPr lang="en-US" sz="2400" dirty="0">
+                <a:solidFill>
+                  <a:srgbClr val="0000FF"/>
+                </a:solidFill>
+                <a:latin typeface="Consolas" panose="020B0609020204030204" pitchFamily="49" charset="0"/>
+              </a:rPr>
+              <a:t>return</a:t>
+            </a:r>
+            <a:r>
+              <a:rPr lang="en-US" sz="2400" dirty="0">
+                <a:solidFill>
+                  <a:srgbClr val="000000"/>
+                </a:solidFill>
+                <a:latin typeface="Consolas" panose="020B0609020204030204" pitchFamily="49" charset="0"/>
+              </a:rPr>
+              <a:t> </a:t>
+            </a:r>
+            <a:r>
+              <a:rPr lang="en-US" sz="2400" dirty="0" err="1">
+                <a:solidFill>
+                  <a:srgbClr val="000000"/>
+                </a:solidFill>
+                <a:latin typeface="Consolas" panose="020B0609020204030204" pitchFamily="49" charset="0"/>
+              </a:rPr>
+              <a:t>sequence.ToList</a:t>
+            </a:r>
+            <a:r>
+              <a:rPr lang="en-US" sz="2400" dirty="0">
+                <a:solidFill>
+                  <a:srgbClr val="000000"/>
+                </a:solidFill>
+                <a:latin typeface="Consolas" panose="020B0609020204030204" pitchFamily="49" charset="0"/>
+              </a:rPr>
+              <a:t>();</a:t>
+            </a:r>
+            <a:endParaRPr lang="ru-RU" sz="2400" dirty="0"/>
+          </a:p>
+        </p:txBody>
+      </p:sp>
+      <p:sp>
+        <p:nvSpPr>
+          <p:cNvPr id="4" name="Текст 3"/>
+          <p:cNvSpPr>
+            <a:spLocks noGrp="1"/>
+          </p:cNvSpPr>
+          <p:nvPr>
+            <p:ph type="body" sz="quarter" idx="3"/>
+          </p:nvPr>
+        </p:nvSpPr>
+        <p:spPr/>
+        <p:txBody>
+          <a:bodyPr/>
+          <a:lstStyle/>
+          <a:p>
+            <a:r>
+              <a:rPr lang="ru-RU" dirty="0"/>
+              <a:t>Решение на </a:t>
+            </a:r>
+            <a:r>
+              <a:rPr lang="en-US" dirty="0"/>
+              <a:t>C#7</a:t>
+            </a:r>
+            <a:endParaRPr lang="ru-RU" dirty="0"/>
+          </a:p>
+        </p:txBody>
+      </p:sp>
+      <p:sp>
+        <p:nvSpPr>
+          <p:cNvPr id="5" name="Объект 4"/>
+          <p:cNvSpPr>
+            <a:spLocks noGrp="1"/>
+          </p:cNvSpPr>
+          <p:nvPr>
+            <p:ph sz="quarter" idx="4"/>
+          </p:nvPr>
+        </p:nvSpPr>
+        <p:spPr/>
+        <p:txBody>
+          <a:bodyPr>
+            <a:normAutofit/>
+          </a:bodyPr>
+          <a:lstStyle/>
+          <a:p>
+            <a:pPr marL="0" indent="0">
+              <a:buNone/>
+            </a:pPr>
+            <a:r>
+              <a:rPr lang="en-US" sz="2400" dirty="0">
+                <a:solidFill>
+                  <a:srgbClr val="0000FF"/>
+                </a:solidFill>
+                <a:latin typeface="Consolas" panose="020B0609020204030204" pitchFamily="49" charset="0"/>
+              </a:rPr>
+              <a:t>if</a:t>
+            </a:r>
+            <a:r>
+              <a:rPr lang="en-US" sz="2400" dirty="0">
+                <a:solidFill>
+                  <a:srgbClr val="000000"/>
+                </a:solidFill>
+                <a:latin typeface="Consolas" panose="020B0609020204030204" pitchFamily="49" charset="0"/>
+              </a:rPr>
+              <a:t> (sequence </a:t>
+            </a:r>
+            <a:r>
+              <a:rPr lang="en-US" sz="2400" dirty="0">
+                <a:solidFill>
+                  <a:srgbClr val="0000FF"/>
+                </a:solidFill>
+                <a:latin typeface="Consolas" panose="020B0609020204030204" pitchFamily="49" charset="0"/>
+              </a:rPr>
+              <a:t>is</a:t>
+            </a:r>
+            <a:r>
+              <a:rPr lang="en-US" sz="2400" dirty="0">
+                <a:solidFill>
+                  <a:srgbClr val="000000"/>
+                </a:solidFill>
+                <a:latin typeface="Consolas" panose="020B0609020204030204" pitchFamily="49" charset="0"/>
+              </a:rPr>
+              <a:t> </a:t>
+            </a:r>
+            <a:r>
+              <a:rPr lang="en-US" sz="2400" dirty="0">
+                <a:solidFill>
+                  <a:srgbClr val="2B91AF"/>
+                </a:solidFill>
+                <a:latin typeface="Consolas" panose="020B0609020204030204" pitchFamily="49" charset="0"/>
+              </a:rPr>
+              <a:t>List</a:t>
+            </a:r>
+            <a:r>
+              <a:rPr lang="en-US" sz="2400" dirty="0">
+                <a:solidFill>
+                  <a:srgbClr val="000000"/>
+                </a:solidFill>
+                <a:latin typeface="Consolas" panose="020B0609020204030204" pitchFamily="49" charset="0"/>
+              </a:rPr>
+              <a:t>&lt;</a:t>
+            </a:r>
+            <a:r>
+              <a:rPr lang="en-US" sz="2400" dirty="0">
+                <a:solidFill>
+                  <a:srgbClr val="2B91AF"/>
+                </a:solidFill>
+                <a:latin typeface="Consolas" panose="020B0609020204030204" pitchFamily="49" charset="0"/>
+              </a:rPr>
+              <a:t>T</a:t>
+            </a:r>
+            <a:r>
+              <a:rPr lang="en-US" sz="2400" dirty="0">
+                <a:solidFill>
+                  <a:srgbClr val="000000"/>
+                </a:solidFill>
+                <a:latin typeface="Consolas" panose="020B0609020204030204" pitchFamily="49" charset="0"/>
+              </a:rPr>
+              <a:t>&gt; </a:t>
+            </a:r>
+            <a:r>
+              <a:rPr lang="en-US" sz="2400" dirty="0" err="1">
+                <a:solidFill>
+                  <a:srgbClr val="000000"/>
+                </a:solidFill>
+                <a:latin typeface="Consolas" panose="020B0609020204030204" pitchFamily="49" charset="0"/>
+              </a:rPr>
+              <a:t>arr</a:t>
+            </a:r>
+            <a:r>
+              <a:rPr lang="en-US" sz="2400" dirty="0">
+                <a:solidFill>
+                  <a:srgbClr val="000000"/>
+                </a:solidFill>
+                <a:latin typeface="Consolas" panose="020B0609020204030204" pitchFamily="49" charset="0"/>
+              </a:rPr>
+              <a:t>)</a:t>
+            </a:r>
+            <a:endParaRPr lang="ru-RU" sz="2400" dirty="0">
+              <a:solidFill>
+                <a:srgbClr val="000000"/>
+              </a:solidFill>
+              <a:latin typeface="Consolas" panose="020B0609020204030204" pitchFamily="49" charset="0"/>
+            </a:endParaRPr>
+          </a:p>
+          <a:p>
+            <a:pPr marL="0" indent="0">
+              <a:buNone/>
+            </a:pPr>
+            <a:r>
+              <a:rPr lang="ru-RU" sz="2400" dirty="0">
+                <a:solidFill>
+                  <a:srgbClr val="000000"/>
+                </a:solidFill>
+                <a:latin typeface="Consolas" panose="020B0609020204030204" pitchFamily="49" charset="0"/>
+              </a:rPr>
+              <a:t>   </a:t>
+            </a:r>
+            <a:r>
+              <a:rPr lang="en-US" sz="2400" dirty="0">
+                <a:solidFill>
+                  <a:srgbClr val="0000FF"/>
+                </a:solidFill>
+                <a:latin typeface="Consolas" panose="020B0609020204030204" pitchFamily="49" charset="0"/>
+              </a:rPr>
+              <a:t>return</a:t>
+            </a:r>
+            <a:r>
+              <a:rPr lang="en-US" sz="2400" dirty="0">
+                <a:solidFill>
+                  <a:srgbClr val="000000"/>
+                </a:solidFill>
+                <a:latin typeface="Consolas" panose="020B0609020204030204" pitchFamily="49" charset="0"/>
+              </a:rPr>
+              <a:t> </a:t>
+            </a:r>
+            <a:r>
+              <a:rPr lang="en-US" sz="2400" dirty="0" err="1">
+                <a:solidFill>
+                  <a:srgbClr val="000000"/>
+                </a:solidFill>
+                <a:latin typeface="Consolas" panose="020B0609020204030204" pitchFamily="49" charset="0"/>
+              </a:rPr>
+              <a:t>arr</a:t>
+            </a:r>
+            <a:r>
+              <a:rPr lang="en-US" sz="2400" dirty="0">
+                <a:solidFill>
+                  <a:srgbClr val="000000"/>
+                </a:solidFill>
+                <a:latin typeface="Consolas" panose="020B0609020204030204" pitchFamily="49" charset="0"/>
+              </a:rPr>
+              <a:t>;</a:t>
+            </a:r>
+          </a:p>
+          <a:p>
+            <a:pPr marL="0" indent="0">
+              <a:buNone/>
+            </a:pPr>
+            <a:r>
+              <a:rPr lang="en-US" sz="2400" dirty="0">
+                <a:solidFill>
+                  <a:srgbClr val="0000FF"/>
+                </a:solidFill>
+                <a:latin typeface="Consolas" panose="020B0609020204030204" pitchFamily="49" charset="0"/>
+              </a:rPr>
+              <a:t>return</a:t>
+            </a:r>
+            <a:r>
+              <a:rPr lang="en-US" sz="2400" dirty="0">
+                <a:solidFill>
+                  <a:srgbClr val="000000"/>
+                </a:solidFill>
+                <a:latin typeface="Consolas" panose="020B0609020204030204" pitchFamily="49" charset="0"/>
+              </a:rPr>
+              <a:t> </a:t>
+            </a:r>
+            <a:r>
+              <a:rPr lang="en-US" sz="2400" dirty="0" err="1">
+                <a:solidFill>
+                  <a:srgbClr val="000000"/>
+                </a:solidFill>
+                <a:latin typeface="Consolas" panose="020B0609020204030204" pitchFamily="49" charset="0"/>
+              </a:rPr>
+              <a:t>sequence.ToList</a:t>
+            </a:r>
+            <a:r>
+              <a:rPr lang="en-US" sz="2400" dirty="0">
+                <a:solidFill>
+                  <a:srgbClr val="000000"/>
+                </a:solidFill>
+                <a:latin typeface="Consolas" panose="020B0609020204030204" pitchFamily="49" charset="0"/>
+              </a:rPr>
+              <a:t>();</a:t>
+            </a:r>
+            <a:endParaRPr lang="ru-RU" sz="2400" dirty="0"/>
+          </a:p>
+          <a:p>
+            <a:endParaRPr lang="ru-RU" sz="2400" dirty="0"/>
+          </a:p>
+        </p:txBody>
+      </p:sp>
+      <p:sp>
+        <p:nvSpPr>
+          <p:cNvPr id="6" name="Заголовок 5"/>
+          <p:cNvSpPr>
+            <a:spLocks noGrp="1"/>
+          </p:cNvSpPr>
+          <p:nvPr>
+            <p:ph type="title"/>
+          </p:nvPr>
+        </p:nvSpPr>
+        <p:spPr/>
+        <p:txBody>
+          <a:bodyPr/>
+          <a:lstStyle/>
+          <a:p>
+            <a:endParaRPr lang="ru-RU" dirty="0"/>
+          </a:p>
+        </p:txBody>
+      </p:sp>
+    </p:spTree>
+    <p:extLst>
+      <p:ext uri="{BB962C8B-B14F-4D97-AF65-F5344CB8AC3E}">
+        <p14:creationId xmlns:p14="http://schemas.microsoft.com/office/powerpoint/2010/main" val="3962173159"/>
+      </p:ext>
+    </p:extLst>
+  </p:cSld>
+  <p:clrMapOvr>
+    <a:masterClrMapping/>
+  </p:clrMapOvr>
+</p:sld>
+</file>
+
+<file path=ppt/slides/slide18.xml><?xml version="1.0" encoding="utf-8"?>
+<p:sld xmlns:a="http://schemas.openxmlformats.org/drawingml/2006/main" xmlns:r="http://schemas.openxmlformats.org/officeDocument/2006/relationships" xmlns:p="http://schemas.openxmlformats.org/presentationml/2006/main">
+  <p:cSld>
+    <p:spTree>
+      <p:nvGrpSpPr>
+        <p:cNvPr id="1" name=""/>
+        <p:cNvGrpSpPr/>
+        <p:nvPr/>
+      </p:nvGrpSpPr>
+      <p:grpSpPr>
+        <a:xfrm>
+          <a:off x="0" y="0"/>
+          <a:ext cx="0" cy="0"/>
+          <a:chOff x="0" y="0"/>
+          <a:chExt cx="0" cy="0"/>
+        </a:xfrm>
+      </p:grpSpPr>
+      <p:sp>
+        <p:nvSpPr>
+          <p:cNvPr id="2" name="Заголовок 1"/>
+          <p:cNvSpPr>
+            <a:spLocks noGrp="1"/>
+          </p:cNvSpPr>
+          <p:nvPr>
+            <p:ph type="title"/>
+          </p:nvPr>
+        </p:nvSpPr>
+        <p:spPr/>
+        <p:txBody>
+          <a:bodyPr/>
+          <a:lstStyle/>
+          <a:p>
+            <a:r>
               <a:rPr lang="ru-RU" dirty="0"/>
               <a:t>Коротко о сахаре</a:t>
             </a:r>
@@ -12861,7 +14429,7 @@
 </p:sld>
 </file>
 
-<file path=ppt/slides/slide15.xml><?xml version="1.0" encoding="utf-8"?>
+<file path=ppt/slides/slide19.xml><?xml version="1.0" encoding="utf-8"?>
 <p:sld xmlns:a="http://schemas.openxmlformats.org/drawingml/2006/main" xmlns:r="http://schemas.openxmlformats.org/officeDocument/2006/relationships" xmlns:p="http://schemas.openxmlformats.org/presentationml/2006/main">
   <p:cSld>
     <p:spTree>
@@ -13422,7 +14990,81 @@
 </p:sld>
 </file>
 
-<file path=ppt/slides/slide16.xml><?xml version="1.0" encoding="utf-8"?>
+<file path=ppt/slides/slide2.xml><?xml version="1.0" encoding="utf-8"?>
+<p:sld xmlns:a="http://schemas.openxmlformats.org/drawingml/2006/main" xmlns:r="http://schemas.openxmlformats.org/officeDocument/2006/relationships" xmlns:p="http://schemas.openxmlformats.org/presentationml/2006/main">
+  <p:cSld>
+    <p:spTree>
+      <p:nvGrpSpPr>
+        <p:cNvPr id="1" name=""/>
+        <p:cNvGrpSpPr/>
+        <p:nvPr/>
+      </p:nvGrpSpPr>
+      <p:grpSpPr>
+        <a:xfrm>
+          <a:off x="0" y="0"/>
+          <a:ext cx="0" cy="0"/>
+          <a:chOff x="0" y="0"/>
+          <a:chExt cx="0" cy="0"/>
+        </a:xfrm>
+      </p:grpSpPr>
+      <p:sp>
+        <p:nvSpPr>
+          <p:cNvPr id="2" name="Заголовок 1"/>
+          <p:cNvSpPr>
+            <a:spLocks noGrp="1"/>
+          </p:cNvSpPr>
+          <p:nvPr>
+            <p:ph type="title"/>
+          </p:nvPr>
+        </p:nvSpPr>
+        <p:spPr/>
+        <p:txBody>
+          <a:bodyPr/>
+          <a:lstStyle/>
+          <a:p>
+            <a:r>
+              <a:rPr lang="ru-RU" dirty="0"/>
+              <a:t>Кортежи и распаковка</a:t>
+            </a:r>
+          </a:p>
+        </p:txBody>
+      </p:sp>
+      <p:sp>
+        <p:nvSpPr>
+          <p:cNvPr id="3" name="Текст 2"/>
+          <p:cNvSpPr>
+            <a:spLocks noGrp="1"/>
+          </p:cNvSpPr>
+          <p:nvPr>
+            <p:ph type="body" idx="1"/>
+          </p:nvPr>
+        </p:nvSpPr>
+        <p:spPr/>
+        <p:txBody>
+          <a:bodyPr/>
+          <a:lstStyle/>
+          <a:p>
+            <a:r>
+              <a:rPr lang="ru-RU" dirty="0"/>
+              <a:t>Взять старое и сделать его идеальным</a:t>
+            </a:r>
+          </a:p>
+        </p:txBody>
+      </p:sp>
+    </p:spTree>
+    <p:extLst>
+      <p:ext uri="{BB962C8B-B14F-4D97-AF65-F5344CB8AC3E}">
+        <p14:creationId xmlns:p14="http://schemas.microsoft.com/office/powerpoint/2010/main" val="3952391837"/>
+      </p:ext>
+    </p:extLst>
+  </p:cSld>
+  <p:clrMapOvr>
+    <a:masterClrMapping/>
+  </p:clrMapOvr>
+</p:sld>
+</file>
+
+<file path=ppt/slides/slide20.xml><?xml version="1.0" encoding="utf-8"?>
 <p:sld xmlns:a="http://schemas.openxmlformats.org/drawingml/2006/main" xmlns:r="http://schemas.openxmlformats.org/officeDocument/2006/relationships" xmlns:p="http://schemas.openxmlformats.org/presentationml/2006/main">
   <p:cSld>
     <p:spTree>
@@ -13525,24 +15167,6 @@
                   </a:solidFill>
                   <a:latin typeface="Consolas" panose="020B0609020204030204" pitchFamily="49" charset="0"/>
                 </a:rPr>
-                <a:t>void</a:t>
-              </a:r>
-              <a:r>
-                <a:rPr lang="en-US" sz="2400" dirty="0">
-                  <a:solidFill>
-                    <a:srgbClr val="000000"/>
-                  </a:solidFill>
-                  <a:latin typeface="Consolas" panose="020B0609020204030204" pitchFamily="49" charset="0"/>
-                </a:rPr>
-                <a:t> Foo(</a:t>
-              </a:r>
-              <a:r>
-                <a:rPr lang="en-US" sz="2400" dirty="0">
-                  <a:solidFill>
-                    <a:srgbClr val="0000FF"/>
-                  </a:solidFill>
-                  <a:latin typeface="Consolas" panose="020B0609020204030204" pitchFamily="49" charset="0"/>
-                </a:rPr>
                 <a:t>string</a:t>
               </a:r>
               <a:r>
@@ -13561,7 +15185,7 @@
                   </a:solidFill>
                   <a:latin typeface="Consolas" panose="020B0609020204030204" pitchFamily="49" charset="0"/>
                 </a:rPr>
-                <a:t>str</a:t>
+                <a:t>ToString</a:t>
               </a:r>
               <a:r>
                 <a:rPr lang="en-US" sz="2400" dirty="0">
@@ -13570,7 +15194,7 @@
                   </a:solidFill>
                   <a:latin typeface="Consolas" panose="020B0609020204030204" pitchFamily="49" charset="0"/>
                 </a:rPr>
-                <a:t>) </a:t>
+                <a:t>()</a:t>
               </a:r>
               <a:r>
                 <a:rPr lang="ru-RU" sz="2400" dirty="0">
@@ -13579,16 +15203,28 @@
                   </a:solidFill>
                   <a:latin typeface="Consolas" panose="020B0609020204030204" pitchFamily="49" charset="0"/>
                 </a:rPr>
-                <a:t>{</a:t>
+                <a:t> {</a:t>
               </a:r>
-              <a:endParaRPr lang="en-US" sz="2400" dirty="0">
-                <a:solidFill>
-                  <a:srgbClr val="000000"/>
-                </a:solidFill>
-                <a:latin typeface="Consolas" panose="020B0609020204030204" pitchFamily="49" charset="0"/>
-              </a:endParaRPr>
             </a:p>
             <a:p>
+              <a:r>
+                <a:rPr lang="ru-RU" sz="2400" dirty="0">
+                  <a:solidFill>
+                    <a:srgbClr val="0000FF"/>
+                  </a:solidFill>
+                  <a:latin typeface="Consolas" panose="020B0609020204030204" pitchFamily="49" charset="0"/>
+                </a:rPr>
+                <a:t>    </a:t>
+              </a:r>
+              <a:r>
+                <a:rPr lang="en-US" sz="2400" dirty="0">
+                  <a:solidFill>
+                    <a:srgbClr val="0000FF"/>
+                  </a:solidFill>
+                  <a:latin typeface="Consolas" panose="020B0609020204030204" pitchFamily="49" charset="0"/>
+                </a:rPr>
+                <a:t>return</a:t>
+              </a:r>
               <a:r>
                 <a:rPr lang="en-US" sz="2400" dirty="0">
                   <a:solidFill>
@@ -13596,7 +15232,7 @@
                   </a:solidFill>
                   <a:latin typeface="Consolas" panose="020B0609020204030204" pitchFamily="49" charset="0"/>
                 </a:rPr>
-                <a:t>    </a:t>
+                <a:t> </a:t>
               </a:r>
               <a:r>
                 <a:rPr lang="en-US" sz="2400" dirty="0" err="1">
@@ -13605,7 +15241,7 @@
                   </a:solidFill>
                   <a:latin typeface="Consolas" panose="020B0609020204030204" pitchFamily="49" charset="0"/>
                 </a:rPr>
-                <a:t>str</a:t>
+                <a:t>FirstName</a:t>
               </a:r>
               <a:r>
                 <a:rPr lang="en-US" sz="2400" dirty="0">
@@ -13614,7 +15250,7 @@
                   </a:solidFill>
                   <a:latin typeface="Consolas" panose="020B0609020204030204" pitchFamily="49" charset="0"/>
                 </a:rPr>
-                <a:t> = </a:t>
+                <a:t> ?? </a:t>
               </a:r>
               <a:r>
                 <a:rPr lang="en-US" sz="2400" dirty="0" err="1">
@@ -13623,7 +15259,7 @@
                   </a:solidFill>
                   <a:latin typeface="Consolas" panose="020B0609020204030204" pitchFamily="49" charset="0"/>
                 </a:rPr>
-                <a:t>str</a:t>
+                <a:t>LastName</a:t>
               </a:r>
               <a:r>
                 <a:rPr lang="en-US" sz="2400" dirty="0">
@@ -13671,13 +15307,13 @@
                 <a:t> </a:t>
               </a:r>
               <a:r>
-                <a:rPr lang="en-US" sz="2400" dirty="0" err="1">
+                <a:rPr lang="en-US" sz="2400" dirty="0">
                   <a:solidFill>
                     <a:srgbClr val="2B91AF"/>
                   </a:solidFill>
                   <a:latin typeface="Consolas" panose="020B0609020204030204" pitchFamily="49" charset="0"/>
                 </a:rPr>
-                <a:t>ArgumentNullException</a:t>
+                <a:t>Exception</a:t>
               </a:r>
               <a:r>
                 <a:rPr lang="en-US" sz="2400" dirty="0">
@@ -13699,7 +15335,7 @@
                 </a:rPr>
                 <a:t>}</a:t>
               </a:r>
-              <a:endParaRPr lang="ru-RU" sz="2400" dirty="0"/>
+              <a:endParaRPr lang="ru-RU" sz="2200" dirty="0"/>
             </a:p>
           </p:txBody>
         </p:sp>
@@ -13762,9 +15398,9 @@
         <p:grpSpPr>
           <a:xfrm>
             <a:off x="1106168" y="1632816"/>
-            <a:ext cx="10718431" cy="2154435"/>
+            <a:ext cx="10718431" cy="2523767"/>
             <a:chOff x="953768" y="1480416"/>
-            <a:chExt cx="10718431" cy="2154435"/>
+            <a:chExt cx="10718431" cy="2523767"/>
           </a:xfrm>
         </p:grpSpPr>
         <p:sp>
@@ -13776,7 +15412,7 @@
           <p:spPr>
             <a:xfrm>
               <a:off x="1520246" y="2065191"/>
-              <a:ext cx="10151953" cy="1569660"/>
+              <a:ext cx="10151953" cy="1938992"/>
             </a:xfrm>
             <a:prstGeom prst="rect">
               <a:avLst/>
@@ -13813,7 +15449,7 @@
                   </a:solidFill>
                   <a:latin typeface="Consolas" panose="020B0609020204030204" pitchFamily="49" charset="0"/>
                 </a:rPr>
-                <a:t>void</a:t>
+                <a:t>string</a:t>
               </a:r>
               <a:r>
                 <a:rPr lang="en-US" sz="2400" dirty="0">
@@ -13822,16 +15458,54 @@
                   </a:solidFill>
                   <a:latin typeface="Consolas" panose="020B0609020204030204" pitchFamily="49" charset="0"/>
                 </a:rPr>
-                <a:t> Foo(</a:t>
+                <a:t> </a:t>
+              </a:r>
+              <a:r>
+                <a:rPr lang="en-US" sz="2400" dirty="0" err="1">
+                  <a:solidFill>
+                    <a:srgbClr val="000000"/>
+                  </a:solidFill>
+                  <a:latin typeface="Consolas" panose="020B0609020204030204" pitchFamily="49" charset="0"/>
+                </a:rPr>
+                <a:t>ToString</a:t>
               </a:r>
               <a:r>
                 <a:rPr lang="en-US" sz="2400" dirty="0">
+                  <a:solidFill>
+                    <a:srgbClr val="000000"/>
+                  </a:solidFill>
+                  <a:latin typeface="Consolas" panose="020B0609020204030204" pitchFamily="49" charset="0"/>
+                </a:rPr>
+                <a:t>()</a:t>
+              </a:r>
+              <a:r>
+                <a:rPr lang="ru-RU" sz="2400" dirty="0">
+                  <a:solidFill>
+                    <a:srgbClr val="000000"/>
+                  </a:solidFill>
+                  <a:latin typeface="Consolas" panose="020B0609020204030204" pitchFamily="49" charset="0"/>
+                </a:rPr>
+                <a:t> {</a:t>
+              </a:r>
+            </a:p>
+            <a:p>
+              <a:r>
+                <a:rPr lang="ru-RU" sz="2400" dirty="0">
                   <a:solidFill>
                     <a:srgbClr val="0000FF"/>
                   </a:solidFill>
                   <a:latin typeface="Consolas" panose="020B0609020204030204" pitchFamily="49" charset="0"/>
                 </a:rPr>
-                <a:t>string</a:t>
+                <a:t>    </a:t>
+              </a:r>
+              <a:r>
+                <a:rPr lang="en-US" sz="2400" dirty="0" err="1">
+                  <a:solidFill>
+                    <a:srgbClr val="0000FF"/>
+                  </a:solidFill>
+                  <a:latin typeface="Consolas" panose="020B0609020204030204" pitchFamily="49" charset="0"/>
+                </a:rPr>
+                <a:t>var</a:t>
               </a:r>
               <a:r>
                 <a:rPr lang="en-US" sz="2400" dirty="0">
@@ -13858,16 +15532,16 @@
                   </a:solidFill>
                   <a:latin typeface="Consolas" panose="020B0609020204030204" pitchFamily="49" charset="0"/>
                 </a:rPr>
-                <a:t>)</a:t>
+                <a:t> = </a:t>
               </a:r>
               <a:r>
-                <a:rPr lang="ru-RU" sz="2400" dirty="0">
+                <a:rPr lang="en-US" sz="2400" dirty="0" err="1">
                   <a:solidFill>
                     <a:srgbClr val="000000"/>
                   </a:solidFill>
                   <a:latin typeface="Consolas" panose="020B0609020204030204" pitchFamily="49" charset="0"/>
                 </a:rPr>
-                <a:t> </a:t>
+                <a:t>FirstName</a:t>
               </a:r>
               <a:r>
                 <a:rPr lang="en-US" sz="2400" dirty="0">
@@ -13876,10 +15550,37 @@
                   </a:solidFill>
                   <a:latin typeface="Consolas" panose="020B0609020204030204" pitchFamily="49" charset="0"/>
                 </a:rPr>
-                <a:t>{</a:t>
+                <a:t> ?? </a:t>
+              </a:r>
+              <a:r>
+                <a:rPr lang="en-US" sz="2400" dirty="0" err="1">
+                  <a:solidFill>
+                    <a:srgbClr val="000000"/>
+                  </a:solidFill>
+                  <a:latin typeface="Consolas" panose="020B0609020204030204" pitchFamily="49" charset="0"/>
+                </a:rPr>
+                <a:t>LastName</a:t>
+              </a:r>
+              <a:r>
+                <a:rPr lang="en-US" sz="2400" dirty="0">
+                  <a:solidFill>
+                    <a:srgbClr val="000000"/>
+                  </a:solidFill>
+                  <a:latin typeface="Consolas" panose="020B0609020204030204" pitchFamily="49" charset="0"/>
+                </a:rPr>
+                <a:t>;</a:t>
               </a:r>
             </a:p>
             <a:p>
+              <a:r>
+                <a:rPr lang="ru-RU" sz="2400" dirty="0">
+                  <a:solidFill>
+                    <a:srgbClr val="0000FF"/>
+                  </a:solidFill>
+                  <a:latin typeface="Consolas" panose="020B0609020204030204" pitchFamily="49" charset="0"/>
+                </a:rPr>
+                <a:t>    </a:t>
+              </a:r>
               <a:r>
                 <a:rPr lang="en-US" sz="2400" dirty="0">
                   <a:solidFill>
@@ -13887,7 +15588,7 @@
                   </a:solidFill>
                   <a:latin typeface="Consolas" panose="020B0609020204030204" pitchFamily="49" charset="0"/>
                 </a:rPr>
-                <a:t>    if</a:t>
+                <a:t>if</a:t>
               </a:r>
               <a:r>
                 <a:rPr lang="en-US" sz="2400" dirty="0">
@@ -13932,10 +15633,8 @@
                   </a:solidFill>
                   <a:latin typeface="Consolas" panose="020B0609020204030204" pitchFamily="49" charset="0"/>
                 </a:rPr>
-                <a:t>)</a:t>
+                <a:t>) </a:t>
               </a:r>
-            </a:p>
-            <a:p>
               <a:r>
                 <a:rPr lang="en-US" sz="2400" dirty="0">
                   <a:solidFill>
@@ -13943,7 +15642,7 @@
                   </a:solidFill>
                   <a:latin typeface="Consolas" panose="020B0609020204030204" pitchFamily="49" charset="0"/>
                 </a:rPr>
-                <a:t>        throw</a:t>
+                <a:t>throw</a:t>
               </a:r>
               <a:r>
                 <a:rPr lang="en-US" sz="2400" dirty="0">
@@ -13973,13 +15672,13 @@
                 <a:t> </a:t>
               </a:r>
               <a:r>
-                <a:rPr lang="en-US" sz="2400" dirty="0" err="1">
+                <a:rPr lang="en-US" sz="2400" dirty="0">
                   <a:solidFill>
                     <a:srgbClr val="2B91AF"/>
                   </a:solidFill>
                   <a:latin typeface="Consolas" panose="020B0609020204030204" pitchFamily="49" charset="0"/>
                 </a:rPr>
-                <a:t>ArgumentNullException</a:t>
+                <a:t>Exception</a:t>
               </a:r>
               <a:r>
                 <a:rPr lang="en-US" sz="2400" dirty="0">
@@ -13989,6 +15688,53 @@
                   <a:latin typeface="Consolas" panose="020B0609020204030204" pitchFamily="49" charset="0"/>
                 </a:rPr>
                 <a:t>();</a:t>
+              </a:r>
+            </a:p>
+            <a:p>
+              <a:r>
+                <a:rPr lang="ru-RU" sz="2400" dirty="0">
+                  <a:solidFill>
+                    <a:srgbClr val="0000FF"/>
+                  </a:solidFill>
+                  <a:latin typeface="Consolas" panose="020B0609020204030204" pitchFamily="49" charset="0"/>
+                </a:rPr>
+                <a:t>    </a:t>
+              </a:r>
+              <a:r>
+                <a:rPr lang="en-US" sz="2400" dirty="0">
+                  <a:solidFill>
+                    <a:srgbClr val="0000FF"/>
+                  </a:solidFill>
+                  <a:latin typeface="Consolas" panose="020B0609020204030204" pitchFamily="49" charset="0"/>
+                </a:rPr>
+                <a:t>return</a:t>
+              </a:r>
+              <a:r>
+                <a:rPr lang="en-US" sz="2400" dirty="0">
+                  <a:solidFill>
+                    <a:srgbClr val="000000"/>
+                  </a:solidFill>
+                  <a:latin typeface="Consolas" panose="020B0609020204030204" pitchFamily="49" charset="0"/>
+                </a:rPr>
+                <a:t> </a:t>
+              </a:r>
+              <a:r>
+                <a:rPr lang="en-US" sz="2400" dirty="0" err="1">
+                  <a:solidFill>
+                    <a:srgbClr val="000000"/>
+                  </a:solidFill>
+                  <a:latin typeface="Consolas" panose="020B0609020204030204" pitchFamily="49" charset="0"/>
+                </a:rPr>
+                <a:t>str</a:t>
+              </a:r>
+              <a:r>
+                <a:rPr lang="en-US" sz="2400" dirty="0">
+                  <a:solidFill>
+                    <a:srgbClr val="000000"/>
+                  </a:solidFill>
+                  <a:latin typeface="Consolas" panose="020B0609020204030204" pitchFamily="49" charset="0"/>
+                </a:rPr>
+                <a:t>;</a:t>
               </a:r>
             </a:p>
             <a:p>
@@ -14065,7 +15811,7 @@
 </p:sld>
 </file>
 
-<file path=ppt/slides/slide17.xml><?xml version="1.0" encoding="utf-8"?>
+<file path=ppt/slides/slide21.xml><?xml version="1.0" encoding="utf-8"?>
 <p:sld xmlns:a="http://schemas.openxmlformats.org/drawingml/2006/main" xmlns:r="http://schemas.openxmlformats.org/officeDocument/2006/relationships" xmlns:p="http://schemas.openxmlformats.org/presentationml/2006/main">
   <p:cSld>
     <p:spTree>
@@ -14600,7 +16346,7 @@
 </p:sld>
 </file>
 
-<file path=ppt/slides/slide18.xml><?xml version="1.0" encoding="utf-8"?>
+<file path=ppt/slides/slide22.xml><?xml version="1.0" encoding="utf-8"?>
 <p:sld xmlns:a="http://schemas.openxmlformats.org/drawingml/2006/main" xmlns:r="http://schemas.openxmlformats.org/officeDocument/2006/relationships" xmlns:p="http://schemas.openxmlformats.org/presentationml/2006/main">
   <p:cSld>
     <p:spTree>
@@ -14617,28 +16363,6 @@
           <a:chExt cx="0" cy="0"/>
         </a:xfrm>
       </p:grpSpPr>
-      <p:sp>
-        <p:nvSpPr>
-          <p:cNvPr id="2" name="Заголовок 1"/>
-          <p:cNvSpPr>
-            <a:spLocks noGrp="1"/>
-          </p:cNvSpPr>
-          <p:nvPr>
-            <p:ph type="title"/>
-          </p:nvPr>
-        </p:nvSpPr>
-        <p:spPr/>
-        <p:txBody>
-          <a:bodyPr/>
-          <a:lstStyle/>
-          <a:p>
-            <a:r>
-              <a:rPr lang="ru-RU" dirty="0"/>
-              <a:t>Новые литералы</a:t>
-            </a:r>
-          </a:p>
-        </p:txBody>
-      </p:sp>
       <p:grpSp>
         <p:nvGrpSpPr>
           <p:cNvPr id="4" name="Группа 3"/>
@@ -14647,7 +16371,7 @@
         </p:nvGrpSpPr>
         <p:grpSpPr>
           <a:xfrm>
-            <a:off x="845127" y="1743913"/>
+            <a:off x="845127" y="818627"/>
             <a:ext cx="10718431" cy="1046440"/>
             <a:chOff x="953768" y="1480416"/>
             <a:chExt cx="10718431" cy="1046440"/>
@@ -14761,7 +16485,204 @@
         </p:nvGrpSpPr>
         <p:grpSpPr>
           <a:xfrm>
-            <a:off x="845127" y="3059288"/>
+            <a:off x="845127" y="3878564"/>
+            <a:ext cx="10718431" cy="1415772"/>
+            <a:chOff x="953768" y="1480416"/>
+            <a:chExt cx="10718431" cy="1415772"/>
+          </a:xfrm>
+        </p:grpSpPr>
+        <p:sp>
+          <p:nvSpPr>
+            <p:cNvPr id="8" name="Прямоугольник 7"/>
+            <p:cNvSpPr/>
+            <p:nvPr/>
+          </p:nvSpPr>
+          <p:spPr>
+            <a:xfrm>
+              <a:off x="1520246" y="2065191"/>
+              <a:ext cx="10151953" cy="830997"/>
+            </a:xfrm>
+            <a:prstGeom prst="rect">
+              <a:avLst/>
+            </a:prstGeom>
+          </p:spPr>
+          <p:txBody>
+            <a:bodyPr wrap="square">
+              <a:spAutoFit/>
+            </a:bodyPr>
+            <a:lstStyle/>
+            <a:p>
+              <a:r>
+                <a:rPr lang="en-US" sz="2400" dirty="0" err="1">
+                  <a:solidFill>
+                    <a:srgbClr val="0000FF"/>
+                  </a:solidFill>
+                  <a:latin typeface="Consolas" panose="020B0609020204030204" pitchFamily="49" charset="0"/>
+                </a:rPr>
+                <a:t>var</a:t>
+              </a:r>
+              <a:r>
+                <a:rPr lang="en-US" sz="2400" dirty="0">
+                  <a:solidFill>
+                    <a:srgbClr val="000000"/>
+                  </a:solidFill>
+                  <a:latin typeface="Consolas" panose="020B0609020204030204" pitchFamily="49" charset="0"/>
+                </a:rPr>
+                <a:t> (z, </a:t>
+              </a:r>
+              <a:r>
+                <a:rPr lang="en-US" sz="2400" dirty="0">
+                  <a:solidFill>
+                    <a:srgbClr val="0000FF"/>
+                  </a:solidFill>
+                  <a:latin typeface="Consolas" panose="020B0609020204030204" pitchFamily="49" charset="0"/>
+                </a:rPr>
+                <a:t>_</a:t>
+              </a:r>
+              <a:r>
+                <a:rPr lang="en-US" sz="2400" dirty="0">
+                  <a:solidFill>
+                    <a:srgbClr val="000000"/>
+                  </a:solidFill>
+                  <a:latin typeface="Consolas" panose="020B0609020204030204" pitchFamily="49" charset="0"/>
+                </a:rPr>
+                <a:t>) = tuple;</a:t>
+              </a:r>
+            </a:p>
+            <a:p>
+              <a:r>
+                <a:rPr lang="en-US" sz="2400" dirty="0" err="1">
+                  <a:solidFill>
+                    <a:srgbClr val="0000FF"/>
+                  </a:solidFill>
+                  <a:latin typeface="Consolas" panose="020B0609020204030204" pitchFamily="49" charset="0"/>
+                </a:rPr>
+                <a:t>int</a:t>
+              </a:r>
+              <a:r>
+                <a:rPr lang="en-US" sz="2400" dirty="0" err="1">
+                  <a:solidFill>
+                    <a:srgbClr val="000000"/>
+                  </a:solidFill>
+                  <a:latin typeface="Consolas" panose="020B0609020204030204" pitchFamily="49" charset="0"/>
+                </a:rPr>
+                <a:t>.TryParse</a:t>
+              </a:r>
+              <a:r>
+                <a:rPr lang="en-US" sz="2400" dirty="0">
+                  <a:solidFill>
+                    <a:srgbClr val="000000"/>
+                  </a:solidFill>
+                  <a:latin typeface="Consolas" panose="020B0609020204030204" pitchFamily="49" charset="0"/>
+                </a:rPr>
+                <a:t>(</a:t>
+              </a:r>
+              <a:r>
+                <a:rPr lang="en-US" sz="2400" dirty="0">
+                  <a:solidFill>
+                    <a:srgbClr val="A31515"/>
+                  </a:solidFill>
+                  <a:latin typeface="Consolas" panose="020B0609020204030204" pitchFamily="49" charset="0"/>
+                </a:rPr>
+                <a:t>"123"</a:t>
+              </a:r>
+              <a:r>
+                <a:rPr lang="en-US" sz="2400" dirty="0">
+                  <a:solidFill>
+                    <a:srgbClr val="000000"/>
+                  </a:solidFill>
+                  <a:latin typeface="Consolas" panose="020B0609020204030204" pitchFamily="49" charset="0"/>
+                </a:rPr>
+                <a:t>, </a:t>
+              </a:r>
+              <a:r>
+                <a:rPr lang="en-US" sz="2400" dirty="0">
+                  <a:solidFill>
+                    <a:srgbClr val="0000FF"/>
+                  </a:solidFill>
+                  <a:latin typeface="Consolas" panose="020B0609020204030204" pitchFamily="49" charset="0"/>
+                </a:rPr>
+                <a:t>out</a:t>
+              </a:r>
+              <a:r>
+                <a:rPr lang="en-US" sz="2400" dirty="0">
+                  <a:solidFill>
+                    <a:srgbClr val="000000"/>
+                  </a:solidFill>
+                  <a:latin typeface="Consolas" panose="020B0609020204030204" pitchFamily="49" charset="0"/>
+                </a:rPr>
+                <a:t> </a:t>
+              </a:r>
+              <a:r>
+                <a:rPr lang="en-US" sz="2400" dirty="0">
+                  <a:solidFill>
+                    <a:srgbClr val="0000FF"/>
+                  </a:solidFill>
+                  <a:latin typeface="Consolas" panose="020B0609020204030204" pitchFamily="49" charset="0"/>
+                </a:rPr>
+                <a:t>_</a:t>
+              </a:r>
+              <a:r>
+                <a:rPr lang="en-US" sz="2400" dirty="0">
+                  <a:solidFill>
+                    <a:srgbClr val="000000"/>
+                  </a:solidFill>
+                  <a:latin typeface="Consolas" panose="020B0609020204030204" pitchFamily="49" charset="0"/>
+                </a:rPr>
+                <a:t>);</a:t>
+              </a:r>
+              <a:endParaRPr lang="ru-RU" sz="2400" dirty="0">
+                <a:solidFill>
+                  <a:srgbClr val="000000"/>
+                </a:solidFill>
+                <a:latin typeface="Consolas" panose="020B0609020204030204" pitchFamily="49" charset="0"/>
+              </a:endParaRPr>
+            </a:p>
+          </p:txBody>
+        </p:sp>
+        <p:sp>
+          <p:nvSpPr>
+            <p:cNvPr id="9" name="TextBox 8"/>
+            <p:cNvSpPr txBox="1"/>
+            <p:nvPr/>
+          </p:nvSpPr>
+          <p:spPr>
+            <a:xfrm>
+              <a:off x="953768" y="1480416"/>
+              <a:ext cx="8427115" cy="584775"/>
+            </a:xfrm>
+            <a:prstGeom prst="rect">
+              <a:avLst/>
+            </a:prstGeom>
+            <a:noFill/>
+          </p:spPr>
+          <p:txBody>
+            <a:bodyPr wrap="none" rtlCol="0">
+              <a:spAutoFit/>
+            </a:bodyPr>
+            <a:lstStyle/>
+            <a:p>
+              <a:r>
+                <a:rPr lang="ru-RU" sz="3200" dirty="0">
+                  <a:solidFill>
+                    <a:srgbClr val="00B0F0"/>
+                  </a:solidFill>
+                </a:rPr>
+                <a:t>Подстановочный символ «игнорирование»</a:t>
+              </a:r>
+            </a:p>
+          </p:txBody>
+        </p:sp>
+      </p:grpSp>
+      <p:grpSp>
+        <p:nvGrpSpPr>
+          <p:cNvPr id="11" name="Группа 10"/>
+          <p:cNvGrpSpPr/>
+          <p:nvPr/>
+        </p:nvGrpSpPr>
+        <p:grpSpPr>
+          <a:xfrm>
+            <a:off x="845127" y="2410151"/>
             <a:ext cx="10718431" cy="1046440"/>
             <a:chOff x="953768" y="1480416"/>
             <a:chExt cx="10718431" cy="1046440"/>
@@ -14769,7 +16690,7 @@
         </p:grpSpPr>
         <p:sp>
           <p:nvSpPr>
-            <p:cNvPr id="8" name="Прямоугольник 7"/>
+            <p:cNvPr id="12" name="Прямоугольник 11"/>
             <p:cNvSpPr/>
             <p:nvPr/>
           </p:nvSpPr>
@@ -14835,7 +16756,7 @@
         </p:sp>
         <p:sp>
           <p:nvSpPr>
-            <p:cNvPr id="9" name="TextBox 8"/>
+            <p:cNvPr id="13" name="TextBox 12"/>
             <p:cNvSpPr txBox="1"/>
             <p:nvPr/>
           </p:nvSpPr>
@@ -14880,7 +16801,7 @@
 </p:sld>
 </file>
 
-<file path=ppt/slides/slide19.xml><?xml version="1.0" encoding="utf-8"?>
+<file path=ppt/slides/slide23.xml><?xml version="1.0" encoding="utf-8"?>
 <p:sld xmlns:a="http://schemas.openxmlformats.org/drawingml/2006/main" xmlns:r="http://schemas.openxmlformats.org/officeDocument/2006/relationships" xmlns:p="http://schemas.openxmlformats.org/presentationml/2006/main">
   <p:cSld>
     <p:spTree>
@@ -14962,81 +16883,7 @@
 </p:sld>
 </file>
 
-<file path=ppt/slides/slide2.xml><?xml version="1.0" encoding="utf-8"?>
-<p:sld xmlns:a="http://schemas.openxmlformats.org/drawingml/2006/main" xmlns:r="http://schemas.openxmlformats.org/officeDocument/2006/relationships" xmlns:p="http://schemas.openxmlformats.org/presentationml/2006/main">
-  <p:cSld>
-    <p:spTree>
-      <p:nvGrpSpPr>
-        <p:cNvPr id="1" name=""/>
-        <p:cNvGrpSpPr/>
-        <p:nvPr/>
-      </p:nvGrpSpPr>
-      <p:grpSpPr>
-        <a:xfrm>
-          <a:off x="0" y="0"/>
-          <a:ext cx="0" cy="0"/>
-          <a:chOff x="0" y="0"/>
-          <a:chExt cx="0" cy="0"/>
-        </a:xfrm>
-      </p:grpSpPr>
-      <p:sp>
-        <p:nvSpPr>
-          <p:cNvPr id="2" name="Заголовок 1"/>
-          <p:cNvSpPr>
-            <a:spLocks noGrp="1"/>
-          </p:cNvSpPr>
-          <p:nvPr>
-            <p:ph type="title"/>
-          </p:nvPr>
-        </p:nvSpPr>
-        <p:spPr/>
-        <p:txBody>
-          <a:bodyPr/>
-          <a:lstStyle/>
-          <a:p>
-            <a:r>
-              <a:rPr lang="ru-RU" dirty="0"/>
-              <a:t>Кортежи и распаковка</a:t>
-            </a:r>
-          </a:p>
-        </p:txBody>
-      </p:sp>
-      <p:sp>
-        <p:nvSpPr>
-          <p:cNvPr id="3" name="Текст 2"/>
-          <p:cNvSpPr>
-            <a:spLocks noGrp="1"/>
-          </p:cNvSpPr>
-          <p:nvPr>
-            <p:ph type="body" idx="1"/>
-          </p:nvPr>
-        </p:nvSpPr>
-        <p:spPr/>
-        <p:txBody>
-          <a:bodyPr/>
-          <a:lstStyle/>
-          <a:p>
-            <a:r>
-              <a:rPr lang="ru-RU" dirty="0"/>
-              <a:t>Взять старое и сделать его идеальным</a:t>
-            </a:r>
-          </a:p>
-        </p:txBody>
-      </p:sp>
-    </p:spTree>
-    <p:extLst>
-      <p:ext uri="{BB962C8B-B14F-4D97-AF65-F5344CB8AC3E}">
-        <p14:creationId xmlns:p14="http://schemas.microsoft.com/office/powerpoint/2010/main" val="3952391837"/>
-      </p:ext>
-    </p:extLst>
-  </p:cSld>
-  <p:clrMapOvr>
-    <a:masterClrMapping/>
-  </p:clrMapOvr>
-</p:sld>
-</file>
-
-<file path=ppt/slides/slide20.xml><?xml version="1.0" encoding="utf-8"?>
+<file path=ppt/slides/slide24.xml><?xml version="1.0" encoding="utf-8"?>
 <p:sld xmlns:a="http://schemas.openxmlformats.org/drawingml/2006/main" xmlns:r="http://schemas.openxmlformats.org/officeDocument/2006/relationships" xmlns:p="http://schemas.openxmlformats.org/presentationml/2006/main">
   <p:cSld>
     <p:spTree>
@@ -15156,6 +17003,74 @@
             <p:ph type="title"/>
           </p:nvPr>
         </p:nvSpPr>
+        <p:spPr>
+          <a:xfrm>
+            <a:off x="0" y="0"/>
+            <a:ext cx="12192000" cy="6858000"/>
+          </a:xfrm>
+        </p:spPr>
+        <p:txBody>
+          <a:bodyPr>
+            <a:normAutofit/>
+          </a:bodyPr>
+          <a:lstStyle/>
+          <a:p>
+            <a:pPr algn="ctr"/>
+            <a:r>
+              <a:rPr lang="ru-RU" dirty="0"/>
+              <a:t>Проблема </a:t>
+            </a:r>
+            <a:r>
+              <a:rPr lang="ru-RU" dirty="0">
+                <a:solidFill>
+                  <a:srgbClr val="00B0F0"/>
+                </a:solidFill>
+              </a:rPr>
+              <a:t>– нужно вернуть несколько значений, а новый класс – избыточен</a:t>
+            </a:r>
+          </a:p>
+        </p:txBody>
+      </p:sp>
+    </p:spTree>
+    <p:extLst>
+      <p:ext uri="{BB962C8B-B14F-4D97-AF65-F5344CB8AC3E}">
+        <p14:creationId xmlns:p14="http://schemas.microsoft.com/office/powerpoint/2010/main" val="4201787464"/>
+      </p:ext>
+    </p:extLst>
+  </p:cSld>
+  <p:clrMapOvr>
+    <a:masterClrMapping/>
+  </p:clrMapOvr>
+</p:sld>
+</file>
+
+<file path=ppt/slides/slide4.xml><?xml version="1.0" encoding="utf-8"?>
+<p:sld xmlns:a="http://schemas.openxmlformats.org/drawingml/2006/main" xmlns:r="http://schemas.openxmlformats.org/officeDocument/2006/relationships" xmlns:p="http://schemas.openxmlformats.org/presentationml/2006/main">
+  <p:cSld>
+    <p:spTree>
+      <p:nvGrpSpPr>
+        <p:cNvPr id="1" name=""/>
+        <p:cNvGrpSpPr/>
+        <p:nvPr/>
+      </p:nvGrpSpPr>
+      <p:grpSpPr>
+        <a:xfrm>
+          <a:off x="0" y="0"/>
+          <a:ext cx="0" cy="0"/>
+          <a:chOff x="0" y="0"/>
+          <a:chExt cx="0" cy="0"/>
+        </a:xfrm>
+      </p:grpSpPr>
+      <p:sp>
+        <p:nvSpPr>
+          <p:cNvPr id="2" name="Заголовок 1"/>
+          <p:cNvSpPr>
+            <a:spLocks noGrp="1"/>
+          </p:cNvSpPr>
+          <p:nvPr>
+            <p:ph type="title"/>
+          </p:nvPr>
+        </p:nvSpPr>
         <p:spPr/>
         <p:txBody>
           <a:bodyPr/>
@@ -15163,7 +17078,7 @@
           <a:p>
             <a:r>
               <a:rPr lang="ru-RU" dirty="0"/>
-              <a:t>Кортежи в </a:t>
+              <a:t>Решение на </a:t>
             </a:r>
             <a:r>
               <a:rPr lang="en-US" dirty="0"/>
@@ -15175,76 +17090,332 @@
       </p:sp>
       <p:sp>
         <p:nvSpPr>
-          <p:cNvPr id="8" name="TextBox 7"/>
-          <p:cNvSpPr txBox="1"/>
+          <p:cNvPr id="5" name="Прямоугольник 4"/>
+          <p:cNvSpPr/>
           <p:nvPr/>
         </p:nvSpPr>
         <p:spPr>
           <a:xfrm>
-            <a:off x="845127" y="5747862"/>
-            <a:ext cx="6192529" cy="584775"/>
-          </a:xfrm>
-          <a:prstGeom prst="rect">
-            <a:avLst/>
-          </a:prstGeom>
-          <a:noFill/>
-        </p:spPr>
-        <p:txBody>
-          <a:bodyPr wrap="none" rtlCol="0">
-            <a:spAutoFit/>
-          </a:bodyPr>
-          <a:lstStyle/>
-          <a:p>
-            <a:r>
-              <a:rPr lang="ru-RU" sz="3200" dirty="0"/>
-              <a:t>Не очень лаконично, не так ли?</a:t>
-            </a:r>
-          </a:p>
-        </p:txBody>
-      </p:sp>
-      <p:pic>
-        <p:nvPicPr>
-          <p:cNvPr id="12" name="Объект 11"/>
-          <p:cNvPicPr>
-            <a:picLocks noGrp="1" noChangeAspect="1"/>
-          </p:cNvPicPr>
-          <p:nvPr>
-            <p:ph idx="1"/>
-          </p:nvPr>
-        </p:nvPicPr>
-        <p:blipFill>
-          <a:blip r:embed="rId3"/>
-          <a:stretch>
-            <a:fillRect/>
-          </a:stretch>
-        </p:blipFill>
-        <p:spPr>
-          <a:xfrm>
-            <a:off x="845127" y="1756068"/>
-            <a:ext cx="7162800" cy="3848100"/>
+            <a:off x="845127" y="2908734"/>
+            <a:ext cx="10988807" cy="2123658"/>
           </a:xfrm>
           <a:prstGeom prst="rect">
             <a:avLst/>
           </a:prstGeom>
         </p:spPr>
-      </p:pic>
+        <p:txBody>
+          <a:bodyPr wrap="square">
+            <a:spAutoFit/>
+          </a:bodyPr>
+          <a:lstStyle/>
+          <a:p>
+            <a:r>
+              <a:rPr lang="fr-FR" sz="2200" dirty="0">
+                <a:solidFill>
+                  <a:srgbClr val="2B91AF"/>
+                </a:solidFill>
+                <a:latin typeface="Consolas" panose="020B0609020204030204" pitchFamily="49" charset="0"/>
+              </a:rPr>
+              <a:t>Tuple</a:t>
+            </a:r>
+            <a:r>
+              <a:rPr lang="fr-FR" sz="2200" dirty="0">
+                <a:solidFill>
+                  <a:srgbClr val="000000"/>
+                </a:solidFill>
+                <a:latin typeface="Consolas" panose="020B0609020204030204" pitchFamily="49" charset="0"/>
+              </a:rPr>
+              <a:t>&lt;</a:t>
+            </a:r>
+            <a:r>
+              <a:rPr lang="fr-FR" sz="2200" dirty="0">
+                <a:solidFill>
+                  <a:srgbClr val="0000FF"/>
+                </a:solidFill>
+                <a:latin typeface="Consolas" panose="020B0609020204030204" pitchFamily="49" charset="0"/>
+              </a:rPr>
+              <a:t>int</a:t>
+            </a:r>
+            <a:r>
+              <a:rPr lang="fr-FR" sz="2200" dirty="0">
+                <a:solidFill>
+                  <a:srgbClr val="000000"/>
+                </a:solidFill>
+                <a:latin typeface="Consolas" panose="020B0609020204030204" pitchFamily="49" charset="0"/>
+              </a:rPr>
+              <a:t>, </a:t>
+            </a:r>
+            <a:r>
+              <a:rPr lang="fr-FR" sz="2200" dirty="0">
+                <a:solidFill>
+                  <a:srgbClr val="0000FF"/>
+                </a:solidFill>
+                <a:latin typeface="Consolas" panose="020B0609020204030204" pitchFamily="49" charset="0"/>
+              </a:rPr>
+              <a:t>int</a:t>
+            </a:r>
+            <a:r>
+              <a:rPr lang="fr-FR" sz="2200" dirty="0">
+                <a:solidFill>
+                  <a:srgbClr val="000000"/>
+                </a:solidFill>
+                <a:latin typeface="Consolas" panose="020B0609020204030204" pitchFamily="49" charset="0"/>
+              </a:rPr>
+              <a:t>&gt; Find(</a:t>
+            </a:r>
+            <a:r>
+              <a:rPr lang="fr-FR" sz="2200" dirty="0">
+                <a:solidFill>
+                  <a:srgbClr val="2B91AF"/>
+                </a:solidFill>
+                <a:latin typeface="Consolas" panose="020B0609020204030204" pitchFamily="49" charset="0"/>
+              </a:rPr>
+              <a:t>IEnumerable</a:t>
+            </a:r>
+            <a:r>
+              <a:rPr lang="fr-FR" sz="2200" dirty="0">
+                <a:solidFill>
+                  <a:srgbClr val="000000"/>
+                </a:solidFill>
+                <a:latin typeface="Consolas" panose="020B0609020204030204" pitchFamily="49" charset="0"/>
+              </a:rPr>
+              <a:t>&lt;</a:t>
+            </a:r>
+            <a:r>
+              <a:rPr lang="fr-FR" sz="2200" dirty="0">
+                <a:solidFill>
+                  <a:srgbClr val="0000FF"/>
+                </a:solidFill>
+                <a:latin typeface="Consolas" panose="020B0609020204030204" pitchFamily="49" charset="0"/>
+              </a:rPr>
+              <a:t>int</a:t>
+            </a:r>
+            <a:r>
+              <a:rPr lang="fr-FR" sz="2200" dirty="0">
+                <a:solidFill>
+                  <a:srgbClr val="000000"/>
+                </a:solidFill>
+                <a:latin typeface="Consolas" panose="020B0609020204030204" pitchFamily="49" charset="0"/>
+              </a:rPr>
+              <a:t>&gt; seq, </a:t>
+            </a:r>
+            <a:r>
+              <a:rPr lang="fr-FR" sz="2200" dirty="0">
+                <a:solidFill>
+                  <a:srgbClr val="2B91AF"/>
+                </a:solidFill>
+                <a:latin typeface="Consolas" panose="020B0609020204030204" pitchFamily="49" charset="0"/>
+              </a:rPr>
+              <a:t>Predicate</a:t>
+            </a:r>
+            <a:r>
+              <a:rPr lang="fr-FR" sz="2200" dirty="0">
+                <a:solidFill>
+                  <a:srgbClr val="000000"/>
+                </a:solidFill>
+                <a:latin typeface="Consolas" panose="020B0609020204030204" pitchFamily="49" charset="0"/>
+              </a:rPr>
+              <a:t>&lt;</a:t>
+            </a:r>
+            <a:r>
+              <a:rPr lang="fr-FR" sz="2200" dirty="0">
+                <a:solidFill>
+                  <a:srgbClr val="0000FF"/>
+                </a:solidFill>
+                <a:latin typeface="Consolas" panose="020B0609020204030204" pitchFamily="49" charset="0"/>
+              </a:rPr>
+              <a:t>int</a:t>
+            </a:r>
+            <a:r>
+              <a:rPr lang="fr-FR" sz="2200" dirty="0">
+                <a:solidFill>
+                  <a:srgbClr val="000000"/>
+                </a:solidFill>
+                <a:latin typeface="Consolas" panose="020B0609020204030204" pitchFamily="49" charset="0"/>
+              </a:rPr>
+              <a:t>&gt; p)</a:t>
+            </a:r>
+          </a:p>
+          <a:p>
+            <a:r>
+              <a:rPr lang="ru-RU" sz="2200" dirty="0">
+                <a:solidFill>
+                  <a:srgbClr val="000000"/>
+                </a:solidFill>
+                <a:latin typeface="Consolas" panose="020B0609020204030204" pitchFamily="49" charset="0"/>
+              </a:rPr>
+              <a:t>{</a:t>
+            </a:r>
+          </a:p>
+          <a:p>
+            <a:r>
+              <a:rPr lang="en-US" sz="2200" dirty="0">
+                <a:solidFill>
+                  <a:srgbClr val="0000FF"/>
+                </a:solidFill>
+                <a:latin typeface="Consolas" panose="020B0609020204030204" pitchFamily="49" charset="0"/>
+              </a:rPr>
+              <a:t>    return</a:t>
+            </a:r>
+            <a:r>
+              <a:rPr lang="en-US" sz="2200" dirty="0">
+                <a:solidFill>
+                  <a:srgbClr val="000000"/>
+                </a:solidFill>
+                <a:latin typeface="Consolas" panose="020B0609020204030204" pitchFamily="49" charset="0"/>
+              </a:rPr>
+              <a:t> </a:t>
+            </a:r>
+            <a:r>
+              <a:rPr lang="en-US" sz="2200" dirty="0" err="1">
+                <a:solidFill>
+                  <a:srgbClr val="000000"/>
+                </a:solidFill>
+                <a:latin typeface="Consolas" panose="020B0609020204030204" pitchFamily="49" charset="0"/>
+              </a:rPr>
+              <a:t>seq</a:t>
+            </a:r>
+            <a:endParaRPr lang="en-US" sz="2200" dirty="0">
+              <a:solidFill>
+                <a:srgbClr val="000000"/>
+              </a:solidFill>
+              <a:latin typeface="Consolas" panose="020B0609020204030204" pitchFamily="49" charset="0"/>
+            </a:endParaRPr>
+          </a:p>
+          <a:p>
+            <a:r>
+              <a:rPr lang="en-US" sz="2200" dirty="0">
+                <a:solidFill>
+                  <a:srgbClr val="000000"/>
+                </a:solidFill>
+                <a:latin typeface="Consolas" panose="020B0609020204030204" pitchFamily="49" charset="0"/>
+              </a:rPr>
+              <a:t>        .Select((v, </a:t>
+            </a:r>
+            <a:r>
+              <a:rPr lang="en-US" sz="2200" dirty="0" err="1">
+                <a:solidFill>
+                  <a:srgbClr val="000000"/>
+                </a:solidFill>
+                <a:latin typeface="Consolas" panose="020B0609020204030204" pitchFamily="49" charset="0"/>
+              </a:rPr>
+              <a:t>i</a:t>
+            </a:r>
+            <a:r>
+              <a:rPr lang="en-US" sz="2200" dirty="0">
+                <a:solidFill>
+                  <a:srgbClr val="000000"/>
+                </a:solidFill>
+                <a:latin typeface="Consolas" panose="020B0609020204030204" pitchFamily="49" charset="0"/>
+              </a:rPr>
+              <a:t>) =&gt; </a:t>
+            </a:r>
+            <a:r>
+              <a:rPr lang="en-US" sz="2200" dirty="0" err="1">
+                <a:solidFill>
+                  <a:srgbClr val="2B91AF"/>
+                </a:solidFill>
+                <a:latin typeface="Consolas" panose="020B0609020204030204" pitchFamily="49" charset="0"/>
+              </a:rPr>
+              <a:t>Tuple</a:t>
+            </a:r>
+            <a:r>
+              <a:rPr lang="en-US" sz="2200" dirty="0" err="1">
+                <a:solidFill>
+                  <a:srgbClr val="000000"/>
+                </a:solidFill>
+                <a:latin typeface="Consolas" panose="020B0609020204030204" pitchFamily="49" charset="0"/>
+              </a:rPr>
+              <a:t>.Create</a:t>
+            </a:r>
+            <a:r>
+              <a:rPr lang="en-US" sz="2200" dirty="0">
+                <a:solidFill>
+                  <a:srgbClr val="000000"/>
+                </a:solidFill>
+                <a:latin typeface="Consolas" panose="020B0609020204030204" pitchFamily="49" charset="0"/>
+              </a:rPr>
+              <a:t>(v, </a:t>
+            </a:r>
+            <a:r>
+              <a:rPr lang="en-US" sz="2200" dirty="0" err="1">
+                <a:solidFill>
+                  <a:srgbClr val="000000"/>
+                </a:solidFill>
+                <a:latin typeface="Consolas" panose="020B0609020204030204" pitchFamily="49" charset="0"/>
+              </a:rPr>
+              <a:t>i</a:t>
+            </a:r>
+            <a:r>
+              <a:rPr lang="en-US" sz="2200" dirty="0">
+                <a:solidFill>
+                  <a:srgbClr val="000000"/>
+                </a:solidFill>
+                <a:latin typeface="Consolas" panose="020B0609020204030204" pitchFamily="49" charset="0"/>
+              </a:rPr>
+              <a:t>))</a:t>
+            </a:r>
+          </a:p>
+          <a:p>
+            <a:r>
+              <a:rPr lang="en-US" sz="2200" dirty="0">
+                <a:solidFill>
+                  <a:srgbClr val="000000"/>
+                </a:solidFill>
+                <a:latin typeface="Consolas" panose="020B0609020204030204" pitchFamily="49" charset="0"/>
+              </a:rPr>
+              <a:t>        .</a:t>
+            </a:r>
+            <a:r>
+              <a:rPr lang="en-US" sz="2200" dirty="0" err="1">
+                <a:solidFill>
+                  <a:srgbClr val="000000"/>
+                </a:solidFill>
+                <a:latin typeface="Consolas" panose="020B0609020204030204" pitchFamily="49" charset="0"/>
+              </a:rPr>
+              <a:t>FirstOrDefault</a:t>
+            </a:r>
+            <a:r>
+              <a:rPr lang="en-US" sz="2200" dirty="0">
+                <a:solidFill>
+                  <a:srgbClr val="000000"/>
+                </a:solidFill>
+                <a:latin typeface="Consolas" panose="020B0609020204030204" pitchFamily="49" charset="0"/>
+              </a:rPr>
+              <a:t>(pair =&gt; p(pair.Item1));</a:t>
+            </a:r>
+          </a:p>
+          <a:p>
+            <a:r>
+              <a:rPr lang="ru-RU" sz="2200" dirty="0">
+                <a:solidFill>
+                  <a:srgbClr val="000000"/>
+                </a:solidFill>
+                <a:latin typeface="Consolas" panose="020B0609020204030204" pitchFamily="49" charset="0"/>
+              </a:rPr>
+              <a:t>}</a:t>
+            </a:r>
+            <a:endParaRPr lang="ru-RU" sz="2200" dirty="0"/>
+          </a:p>
+        </p:txBody>
+      </p:sp>
       <p:grpSp>
         <p:nvGrpSpPr>
-          <p:cNvPr id="19" name="Группа 18"/>
+          <p:cNvPr id="6" name="Группа 5"/>
           <p:cNvGrpSpPr/>
           <p:nvPr/>
         </p:nvGrpSpPr>
         <p:grpSpPr>
           <a:xfrm>
-            <a:off x="3835153" y="2509666"/>
-            <a:ext cx="7543566" cy="2364175"/>
-            <a:chOff x="3835153" y="2509666"/>
-            <a:chExt cx="7543566" cy="2364175"/>
+            <a:off x="2183907" y="1182199"/>
+            <a:ext cx="7997298" cy="1726535"/>
+            <a:chOff x="2947387" y="1567081"/>
+            <a:chExt cx="7997298" cy="1726535"/>
           </a:xfrm>
         </p:grpSpPr>
         <p:cxnSp>
           <p:nvCxnSpPr>
-            <p:cNvPr id="14" name="Прямая со стрелкой 13"/>
+            <p:cNvPr id="7" name="Прямая со стрелкой 6"/>
             <p:cNvCxnSpPr>
               <a:cxnSpLocks/>
             </p:cNvCxnSpPr>
@@ -15252,8 +17423,135 @@
           </p:nvCxnSpPr>
           <p:spPr>
             <a:xfrm flipH="1">
-              <a:off x="3941391" y="3227685"/>
-              <a:ext cx="3989445" cy="1104618"/>
+              <a:off x="2947387" y="2551033"/>
+              <a:ext cx="2867487" cy="742583"/>
+            </a:xfrm>
+            <a:prstGeom prst="straightConnector1">
+              <a:avLst/>
+            </a:prstGeom>
+            <a:ln w="57150">
+              <a:tailEnd type="triangle"/>
+            </a:ln>
+          </p:spPr>
+          <p:style>
+            <a:lnRef idx="3">
+              <a:schemeClr val="dk1"/>
+            </a:lnRef>
+            <a:fillRef idx="0">
+              <a:schemeClr val="dk1"/>
+            </a:fillRef>
+            <a:effectRef idx="2">
+              <a:schemeClr val="dk1"/>
+            </a:effectRef>
+            <a:fontRef idx="minor">
+              <a:schemeClr val="tx1"/>
+            </a:fontRef>
+          </p:style>
+        </p:cxnSp>
+        <p:cxnSp>
+          <p:nvCxnSpPr>
+            <p:cNvPr id="8" name="Прямая со стрелкой 7"/>
+            <p:cNvCxnSpPr>
+              <a:cxnSpLocks/>
+            </p:cNvCxnSpPr>
+            <p:nvPr/>
+          </p:nvCxnSpPr>
+          <p:spPr>
+            <a:xfrm flipH="1">
+              <a:off x="3835154" y="2551033"/>
+              <a:ext cx="1979720" cy="742583"/>
+            </a:xfrm>
+            <a:prstGeom prst="straightConnector1">
+              <a:avLst/>
+            </a:prstGeom>
+            <a:ln w="57150">
+              <a:tailEnd type="triangle"/>
+            </a:ln>
+          </p:spPr>
+          <p:style>
+            <a:lnRef idx="3">
+              <a:schemeClr val="dk1"/>
+            </a:lnRef>
+            <a:fillRef idx="0">
+              <a:schemeClr val="dk1"/>
+            </a:fillRef>
+            <a:effectRef idx="2">
+              <a:schemeClr val="dk1"/>
+            </a:effectRef>
+            <a:fontRef idx="minor">
+              <a:schemeClr val="tx1"/>
+            </a:fontRef>
+          </p:style>
+        </p:cxnSp>
+        <p:sp>
+          <p:nvSpPr>
+            <p:cNvPr id="9" name="TextBox 8"/>
+            <p:cNvSpPr txBox="1"/>
+            <p:nvPr/>
+          </p:nvSpPr>
+          <p:spPr>
+            <a:xfrm rot="20681485">
+              <a:off x="5780130" y="1567081"/>
+              <a:ext cx="5164555" cy="430887"/>
+            </a:xfrm>
+            <a:prstGeom prst="rect">
+              <a:avLst/>
+            </a:prstGeom>
+            <a:noFill/>
+          </p:spPr>
+          <p:txBody>
+            <a:bodyPr wrap="none" rtlCol="0">
+              <a:spAutoFit/>
+            </a:bodyPr>
+            <a:lstStyle/>
+            <a:p>
+              <a:r>
+                <a:rPr lang="ru-RU" sz="2200" dirty="0"/>
+                <a:t>Легко запутаться, где </a:t>
+              </a:r>
+              <a:r>
+                <a:rPr lang="en-US" sz="2200" dirty="0"/>
+                <a:t>Value, </a:t>
+              </a:r>
+              <a:r>
+                <a:rPr lang="ru-RU" sz="2200" dirty="0"/>
+                <a:t>а где </a:t>
+              </a:r>
+              <a:r>
+                <a:rPr lang="en-US" sz="2200" dirty="0"/>
+                <a:t>index</a:t>
+              </a:r>
+              <a:endParaRPr lang="ru-RU" sz="2200" dirty="0"/>
+            </a:p>
+          </p:txBody>
+        </p:sp>
+      </p:grpSp>
+      <p:grpSp>
+        <p:nvGrpSpPr>
+          <p:cNvPr id="14" name="Группа 13"/>
+          <p:cNvGrpSpPr/>
+          <p:nvPr/>
+        </p:nvGrpSpPr>
+        <p:grpSpPr>
+          <a:xfrm>
+            <a:off x="1615736" y="3383563"/>
+            <a:ext cx="7270458" cy="3351121"/>
+            <a:chOff x="2785488" y="307451"/>
+            <a:chExt cx="7270458" cy="3351121"/>
+          </a:xfrm>
+        </p:grpSpPr>
+        <p:cxnSp>
+          <p:nvCxnSpPr>
+            <p:cNvPr id="15" name="Прямая со стрелкой 14"/>
+            <p:cNvCxnSpPr>
+              <a:cxnSpLocks/>
+            </p:cNvCxnSpPr>
+            <p:nvPr/>
+          </p:nvCxnSpPr>
+          <p:spPr>
+            <a:xfrm flipH="1" flipV="1">
+              <a:off x="7206568" y="1247313"/>
+              <a:ext cx="724269" cy="1980372"/>
             </a:xfrm>
             <a:prstGeom prst="straightConnector1">
               <a:avLst/>
@@ -15286,9 +17584,9 @@
             <p:nvPr/>
           </p:nvCxnSpPr>
           <p:spPr>
-            <a:xfrm flipH="1">
-              <a:off x="3835153" y="3227685"/>
-              <a:ext cx="4095683" cy="1646156"/>
+            <a:xfrm flipH="1" flipV="1">
+              <a:off x="2785488" y="307451"/>
+              <a:ext cx="5145349" cy="2920234"/>
             </a:xfrm>
             <a:prstGeom prst="straightConnector1">
               <a:avLst/>
@@ -15322,8 +17620,8 @@
             <p:nvPr/>
           </p:nvSpPr>
           <p:spPr>
-            <a:xfrm rot="20807815">
-              <a:off x="8012646" y="2509666"/>
+            <a:xfrm>
+              <a:off x="6689873" y="3227685"/>
               <a:ext cx="3366073" cy="430887"/>
             </a:xfrm>
             <a:prstGeom prst="rect">
@@ -15339,133 +17637,7 @@
             <a:p>
               <a:r>
                 <a:rPr lang="ru-RU" sz="2200" dirty="0"/>
-                <a:t>Длинное название типа</a:t>
-              </a:r>
-            </a:p>
-          </p:txBody>
-        </p:sp>
-      </p:grpSp>
-      <p:grpSp>
-        <p:nvGrpSpPr>
-          <p:cNvPr id="25" name="Группа 24"/>
-          <p:cNvGrpSpPr/>
-          <p:nvPr/>
-        </p:nvGrpSpPr>
-        <p:grpSpPr>
-          <a:xfrm>
-            <a:off x="3631309" y="1032911"/>
-            <a:ext cx="6258809" cy="2260705"/>
-            <a:chOff x="3631309" y="1032911"/>
-            <a:chExt cx="6258809" cy="2260705"/>
-          </a:xfrm>
-        </p:grpSpPr>
-        <p:cxnSp>
-          <p:nvCxnSpPr>
-            <p:cNvPr id="18" name="Прямая со стрелкой 17"/>
-            <p:cNvCxnSpPr>
-              <a:cxnSpLocks/>
-            </p:cNvCxnSpPr>
-            <p:nvPr/>
-          </p:nvCxnSpPr>
-          <p:spPr>
-            <a:xfrm flipH="1">
-              <a:off x="3631309" y="2050742"/>
-              <a:ext cx="2671837" cy="882269"/>
-            </a:xfrm>
-            <a:prstGeom prst="straightConnector1">
-              <a:avLst/>
-            </a:prstGeom>
-            <a:ln w="57150">
-              <a:tailEnd type="triangle"/>
-            </a:ln>
-          </p:spPr>
-          <p:style>
-            <a:lnRef idx="3">
-              <a:schemeClr val="dk1"/>
-            </a:lnRef>
-            <a:fillRef idx="0">
-              <a:schemeClr val="dk1"/>
-            </a:fillRef>
-            <a:effectRef idx="2">
-              <a:schemeClr val="dk1"/>
-            </a:effectRef>
-            <a:fontRef idx="minor">
-              <a:schemeClr val="tx1"/>
-            </a:fontRef>
-          </p:style>
-        </p:cxnSp>
-        <p:cxnSp>
-          <p:nvCxnSpPr>
-            <p:cNvPr id="21" name="Прямая со стрелкой 20"/>
-            <p:cNvCxnSpPr>
-              <a:cxnSpLocks/>
-            </p:cNvCxnSpPr>
-            <p:nvPr/>
-          </p:nvCxnSpPr>
-          <p:spPr>
-            <a:xfrm flipH="1">
-              <a:off x="3835153" y="2050742"/>
-              <a:ext cx="2467993" cy="1242874"/>
-            </a:xfrm>
-            <a:prstGeom prst="straightConnector1">
-              <a:avLst/>
-            </a:prstGeom>
-            <a:ln w="57150">
-              <a:tailEnd type="triangle"/>
-            </a:ln>
-          </p:spPr>
-          <p:style>
-            <a:lnRef idx="3">
-              <a:schemeClr val="dk1"/>
-            </a:lnRef>
-            <a:fillRef idx="0">
-              <a:schemeClr val="dk1"/>
-            </a:fillRef>
-            <a:effectRef idx="2">
-              <a:schemeClr val="dk1"/>
-            </a:effectRef>
-            <a:fontRef idx="minor">
-              <a:schemeClr val="tx1"/>
-            </a:fontRef>
-          </p:style>
-        </p:cxnSp>
-        <p:sp>
-          <p:nvSpPr>
-            <p:cNvPr id="24" name="TextBox 23"/>
-            <p:cNvSpPr txBox="1"/>
-            <p:nvPr/>
-          </p:nvSpPr>
-          <p:spPr>
-            <a:xfrm rot="20267473">
-              <a:off x="6402881" y="1032911"/>
-              <a:ext cx="3487237" cy="430887"/>
-            </a:xfrm>
-            <a:prstGeom prst="rect">
-              <a:avLst/>
-            </a:prstGeom>
-            <a:noFill/>
-          </p:spPr>
-          <p:txBody>
-            <a:bodyPr wrap="none" rtlCol="0">
-              <a:spAutoFit/>
-            </a:bodyPr>
-            <a:lstStyle/>
-            <a:p>
-              <a:r>
-                <a:rPr lang="en-US" sz="2200" dirty="0"/>
-                <a:t>Item1 </a:t>
-              </a:r>
-              <a:r>
-                <a:rPr lang="ru-RU" sz="2200" dirty="0"/>
-                <a:t>и </a:t>
-              </a:r>
-              <a:r>
-                <a:rPr lang="en-US" sz="2200" dirty="0"/>
-                <a:t>Item2? </a:t>
-              </a:r>
-              <a:r>
-                <a:rPr lang="ru-RU" sz="2200" dirty="0"/>
-                <a:t>Серьезно?</a:t>
+                <a:t>Громоздкий синтаксис</a:t>
               </a:r>
             </a:p>
           </p:txBody>
@@ -15474,7 +17646,7 @@
     </p:spTree>
     <p:extLst>
       <p:ext uri="{BB962C8B-B14F-4D97-AF65-F5344CB8AC3E}">
-        <p14:creationId xmlns:p14="http://schemas.microsoft.com/office/powerpoint/2010/main" val="747523464"/>
+        <p14:creationId xmlns:p14="http://schemas.microsoft.com/office/powerpoint/2010/main" val="1065491601"/>
       </p:ext>
     </p:extLst>
   </p:cSld>
@@ -15515,7 +17687,7 @@
                                           </p:stCondLst>
                                         </p:cTn>
                                         <p:tgtEl>
-                                          <p:spTgt spid="19"/>
+                                          <p:spTgt spid="6"/>
                                         </p:tgtEl>
                                         <p:attrNameLst>
                                           <p:attrName>style.visibility</p:attrName>
@@ -15529,7 +17701,7 @@
                                       <p:cBhvr>
                                         <p:cTn id="7" dur="500"/>
                                         <p:tgtEl>
-                                          <p:spTgt spid="19"/>
+                                          <p:spTgt spid="6"/>
                                         </p:tgtEl>
                                       </p:cBhvr>
                                     </p:animEffect>
@@ -15568,7 +17740,7 @@
                                           </p:stCondLst>
                                         </p:cTn>
                                         <p:tgtEl>
-                                          <p:spTgt spid="25"/>
+                                          <p:spTgt spid="14"/>
                                         </p:tgtEl>
                                         <p:attrNameLst>
                                           <p:attrName>style.visibility</p:attrName>
@@ -15582,500 +17754,7 @@
                                       <p:cBhvr>
                                         <p:cTn id="12" dur="500"/>
                                         <p:tgtEl>
-                                          <p:spTgt spid="25"/>
-                                        </p:tgtEl>
-                                      </p:cBhvr>
-                                    </p:animEffect>
-                                  </p:childTnLst>
-                                </p:cTn>
-                              </p:par>
-                            </p:childTnLst>
-                          </p:cTn>
-                        </p:par>
-                      </p:childTnLst>
-                    </p:cTn>
-                  </p:par>
-                </p:childTnLst>
-              </p:cTn>
-              <p:prevCondLst>
-                <p:cond evt="onPrev" delay="0">
-                  <p:tgtEl>
-                    <p:sldTgt/>
-                  </p:tgtEl>
-                </p:cond>
-              </p:prevCondLst>
-              <p:nextCondLst>
-                <p:cond evt="onNext" delay="0">
-                  <p:tgtEl>
-                    <p:sldTgt/>
-                  </p:tgtEl>
-                </p:cond>
-              </p:nextCondLst>
-            </p:seq>
-          </p:childTnLst>
-        </p:cTn>
-      </p:par>
-    </p:tnLst>
-  </p:timing>
-</p:sld>
-</file>
-
-<file path=ppt/slides/slide4.xml><?xml version="1.0" encoding="utf-8"?>
-<p:sld xmlns:a="http://schemas.openxmlformats.org/drawingml/2006/main" xmlns:r="http://schemas.openxmlformats.org/officeDocument/2006/relationships" xmlns:p="http://schemas.openxmlformats.org/presentationml/2006/main">
-  <p:cSld>
-    <p:spTree>
-      <p:nvGrpSpPr>
-        <p:cNvPr id="1" name=""/>
-        <p:cNvGrpSpPr/>
-        <p:nvPr/>
-      </p:nvGrpSpPr>
-      <p:grpSpPr>
-        <a:xfrm>
-          <a:off x="0" y="0"/>
-          <a:ext cx="0" cy="0"/>
-          <a:chOff x="0" y="0"/>
-          <a:chExt cx="0" cy="0"/>
-        </a:xfrm>
-      </p:grpSpPr>
-      <p:sp>
-        <p:nvSpPr>
-          <p:cNvPr id="2" name="Заголовок 1"/>
-          <p:cNvSpPr>
-            <a:spLocks noGrp="1"/>
-          </p:cNvSpPr>
-          <p:nvPr>
-            <p:ph type="title"/>
-          </p:nvPr>
-        </p:nvSpPr>
-        <p:spPr/>
-        <p:txBody>
-          <a:bodyPr/>
-          <a:lstStyle/>
-          <a:p>
-            <a:r>
-              <a:rPr lang="ru-RU" dirty="0"/>
-              <a:t>Кортежи в </a:t>
-            </a:r>
-            <a:r>
-              <a:rPr lang="en-US" dirty="0"/>
-              <a:t>C#</a:t>
-            </a:r>
-            <a:r>
-              <a:rPr lang="ru-RU" dirty="0"/>
-              <a:t>7</a:t>
-            </a:r>
-          </a:p>
-        </p:txBody>
-      </p:sp>
-      <p:sp>
-        <p:nvSpPr>
-          <p:cNvPr id="8" name="TextBox 7"/>
-          <p:cNvSpPr txBox="1"/>
-          <p:nvPr/>
-        </p:nvSpPr>
-        <p:spPr>
-          <a:xfrm>
-            <a:off x="845127" y="5747862"/>
-            <a:ext cx="10998524" cy="553998"/>
-          </a:xfrm>
-          <a:prstGeom prst="rect">
-            <a:avLst/>
-          </a:prstGeom>
-          <a:noFill/>
-        </p:spPr>
-        <p:txBody>
-          <a:bodyPr wrap="none" rtlCol="0">
-            <a:spAutoFit/>
-          </a:bodyPr>
-          <a:lstStyle/>
-          <a:p>
-            <a:r>
-              <a:rPr lang="ru-RU" sz="3000" dirty="0"/>
-              <a:t>Необходимо установить пакет </a:t>
-            </a:r>
-            <a:r>
-              <a:rPr lang="en-US" sz="3000" dirty="0">
-                <a:solidFill>
-                  <a:srgbClr val="00B0F0"/>
-                </a:solidFill>
-              </a:rPr>
-              <a:t>System.ValueTuple </a:t>
-            </a:r>
-            <a:r>
-              <a:rPr lang="ru-RU" sz="3000" dirty="0">
-                <a:solidFill>
-                  <a:srgbClr val="0070C0"/>
-                </a:solidFill>
-              </a:rPr>
-              <a:t>или</a:t>
-            </a:r>
-            <a:r>
-              <a:rPr lang="ru-RU" sz="3000" dirty="0">
-                <a:solidFill>
-                  <a:srgbClr val="00B0F0"/>
-                </a:solidFill>
-              </a:rPr>
-              <a:t> </a:t>
-            </a:r>
-            <a:r>
-              <a:rPr lang="en-US" sz="3000" dirty="0">
-                <a:solidFill>
-                  <a:srgbClr val="00B0F0"/>
-                </a:solidFill>
-              </a:rPr>
-              <a:t>.NET4.7</a:t>
-            </a:r>
-            <a:r>
-              <a:rPr lang="ru-RU" sz="3000" dirty="0">
-                <a:solidFill>
-                  <a:srgbClr val="00B0F0"/>
-                </a:solidFill>
-              </a:rPr>
-              <a:t> </a:t>
-            </a:r>
-          </a:p>
-        </p:txBody>
-      </p:sp>
-      <p:pic>
-        <p:nvPicPr>
-          <p:cNvPr id="12" name="Объект 11"/>
-          <p:cNvPicPr>
-            <a:picLocks noGrp="1" noChangeAspect="1"/>
-          </p:cNvPicPr>
-          <p:nvPr>
-            <p:ph idx="1"/>
-          </p:nvPr>
-        </p:nvPicPr>
-        <p:blipFill>
-          <a:blip r:embed="rId3">
-            <a:extLst>
-              <a:ext uri="{28A0092B-C50C-407E-A947-70E740481C1C}">
-                <a14:useLocalDpi xmlns:a14="http://schemas.microsoft.com/office/drawing/2010/main" val="0"/>
-              </a:ext>
-            </a:extLst>
-          </a:blip>
-          <a:stretch>
-            <a:fillRect/>
-          </a:stretch>
-        </p:blipFill>
-        <p:spPr>
-          <a:xfrm>
-            <a:off x="845127" y="2143910"/>
-            <a:ext cx="7162800" cy="3072415"/>
-          </a:xfrm>
-          <a:prstGeom prst="rect">
-            <a:avLst/>
-          </a:prstGeom>
-        </p:spPr>
-      </p:pic>
-      <p:grpSp>
-        <p:nvGrpSpPr>
-          <p:cNvPr id="19" name="Группа 18"/>
-          <p:cNvGrpSpPr/>
-          <p:nvPr/>
-        </p:nvGrpSpPr>
-        <p:grpSpPr>
-          <a:xfrm>
-            <a:off x="3041965" y="2821601"/>
-            <a:ext cx="5595341" cy="1976736"/>
-            <a:chOff x="3041965" y="2821601"/>
-            <a:chExt cx="5595341" cy="1976736"/>
-          </a:xfrm>
-        </p:grpSpPr>
-        <p:cxnSp>
-          <p:nvCxnSpPr>
-            <p:cNvPr id="14" name="Прямая со стрелкой 13"/>
-            <p:cNvCxnSpPr>
-              <a:cxnSpLocks/>
-            </p:cNvCxnSpPr>
-            <p:nvPr/>
-          </p:nvCxnSpPr>
-          <p:spPr>
-            <a:xfrm flipH="1">
-              <a:off x="3835153" y="3512745"/>
-              <a:ext cx="2467993" cy="543207"/>
-            </a:xfrm>
-            <a:prstGeom prst="straightConnector1">
-              <a:avLst/>
-            </a:prstGeom>
-            <a:ln w="57150">
-              <a:tailEnd type="triangle"/>
-            </a:ln>
-          </p:spPr>
-          <p:style>
-            <a:lnRef idx="3">
-              <a:schemeClr val="dk1"/>
-            </a:lnRef>
-            <a:fillRef idx="0">
-              <a:schemeClr val="dk1"/>
-            </a:fillRef>
-            <a:effectRef idx="2">
-              <a:schemeClr val="dk1"/>
-            </a:effectRef>
-            <a:fontRef idx="minor">
-              <a:schemeClr val="tx1"/>
-            </a:fontRef>
-          </p:style>
-        </p:cxnSp>
-        <p:cxnSp>
-          <p:nvCxnSpPr>
-            <p:cNvPr id="16" name="Прямая со стрелкой 15"/>
-            <p:cNvCxnSpPr>
-              <a:cxnSpLocks/>
-            </p:cNvCxnSpPr>
-            <p:nvPr/>
-          </p:nvCxnSpPr>
-          <p:spPr>
-            <a:xfrm flipH="1">
-              <a:off x="3041965" y="3512745"/>
-              <a:ext cx="3261181" cy="1285592"/>
-            </a:xfrm>
-            <a:prstGeom prst="straightConnector1">
-              <a:avLst/>
-            </a:prstGeom>
-            <a:ln w="57150">
-              <a:solidFill>
-                <a:srgbClr val="0070C0"/>
-              </a:solidFill>
-              <a:tailEnd type="triangle"/>
-            </a:ln>
-          </p:spPr>
-          <p:style>
-            <a:lnRef idx="1">
-              <a:schemeClr val="accent1"/>
-            </a:lnRef>
-            <a:fillRef idx="0">
-              <a:schemeClr val="accent1"/>
-            </a:fillRef>
-            <a:effectRef idx="0">
-              <a:schemeClr val="accent1"/>
-            </a:effectRef>
-            <a:fontRef idx="minor">
-              <a:schemeClr val="tx1"/>
-            </a:fontRef>
-          </p:style>
-        </p:cxnSp>
-        <p:sp>
-          <p:nvSpPr>
-            <p:cNvPr id="17" name="TextBox 16"/>
-            <p:cNvSpPr txBox="1"/>
-            <p:nvPr/>
-          </p:nvSpPr>
-          <p:spPr>
-            <a:xfrm rot="20250932">
-              <a:off x="6315301" y="2821601"/>
-              <a:ext cx="2322005" cy="430887"/>
-            </a:xfrm>
-            <a:prstGeom prst="rect">
-              <a:avLst/>
-            </a:prstGeom>
-            <a:noFill/>
-          </p:spPr>
-          <p:txBody>
-            <a:bodyPr wrap="square" rtlCol="0">
-              <a:spAutoFit/>
-            </a:bodyPr>
-            <a:lstStyle/>
-            <a:p>
-              <a:r>
-                <a:rPr lang="ru-RU" sz="2200" dirty="0"/>
-                <a:t>Ничего лишнего</a:t>
-              </a:r>
-            </a:p>
-          </p:txBody>
-        </p:sp>
-      </p:grpSp>
-      <p:grpSp>
-        <p:nvGrpSpPr>
-          <p:cNvPr id="25" name="Группа 24"/>
-          <p:cNvGrpSpPr/>
-          <p:nvPr/>
-        </p:nvGrpSpPr>
-        <p:grpSpPr>
-          <a:xfrm>
-            <a:off x="3631309" y="1040095"/>
-            <a:ext cx="6189840" cy="1892916"/>
-            <a:chOff x="3631309" y="1040095"/>
-            <a:chExt cx="6189840" cy="1892916"/>
-          </a:xfrm>
-        </p:grpSpPr>
-        <p:cxnSp>
-          <p:nvCxnSpPr>
-            <p:cNvPr id="18" name="Прямая со стрелкой 17"/>
-            <p:cNvCxnSpPr>
-              <a:cxnSpLocks/>
-            </p:cNvCxnSpPr>
-            <p:nvPr/>
-          </p:nvCxnSpPr>
-          <p:spPr>
-            <a:xfrm flipH="1">
-              <a:off x="3631309" y="2050742"/>
-              <a:ext cx="2671837" cy="882269"/>
-            </a:xfrm>
-            <a:prstGeom prst="straightConnector1">
-              <a:avLst/>
-            </a:prstGeom>
-            <a:ln w="57150">
-              <a:tailEnd type="triangle"/>
-            </a:ln>
-          </p:spPr>
-          <p:style>
-            <a:lnRef idx="3">
-              <a:schemeClr val="dk1"/>
-            </a:lnRef>
-            <a:fillRef idx="0">
-              <a:schemeClr val="dk1"/>
-            </a:fillRef>
-            <a:effectRef idx="2">
-              <a:schemeClr val="dk1"/>
-            </a:effectRef>
-            <a:fontRef idx="minor">
-              <a:schemeClr val="tx1"/>
-            </a:fontRef>
-          </p:style>
-        </p:cxnSp>
-        <p:sp>
-          <p:nvSpPr>
-            <p:cNvPr id="24" name="TextBox 23"/>
-            <p:cNvSpPr txBox="1"/>
-            <p:nvPr/>
-          </p:nvSpPr>
-          <p:spPr>
-            <a:xfrm rot="20165126">
-              <a:off x="6212725" y="1040095"/>
-              <a:ext cx="3608424" cy="430887"/>
-            </a:xfrm>
-            <a:prstGeom prst="rect">
-              <a:avLst/>
-            </a:prstGeom>
-            <a:noFill/>
-          </p:spPr>
-          <p:txBody>
-            <a:bodyPr wrap="none" rtlCol="0">
-              <a:spAutoFit/>
-            </a:bodyPr>
-            <a:lstStyle/>
-            <a:p>
-              <a:r>
-                <a:rPr lang="ru-RU" sz="2200" dirty="0"/>
-                <a:t>Одна строка заместо трёх!</a:t>
-              </a:r>
-            </a:p>
-          </p:txBody>
-        </p:sp>
-      </p:grpSp>
-    </p:spTree>
-    <p:extLst>
-      <p:ext uri="{BB962C8B-B14F-4D97-AF65-F5344CB8AC3E}">
-        <p14:creationId xmlns:p14="http://schemas.microsoft.com/office/powerpoint/2010/main" val="175591432"/>
-      </p:ext>
-    </p:extLst>
-  </p:cSld>
-  <p:clrMapOvr>
-    <a:masterClrMapping/>
-  </p:clrMapOvr>
-  <p:timing>
-    <p:tnLst>
-      <p:par>
-        <p:cTn id="1" dur="indefinite" restart="never" nodeType="tmRoot">
-          <p:childTnLst>
-            <p:seq concurrent="1" nextAc="seek">
-              <p:cTn id="2" dur="indefinite" nodeType="mainSeq">
-                <p:childTnLst>
-                  <p:par>
-                    <p:cTn id="3" fill="hold">
-                      <p:stCondLst>
-                        <p:cond delay="indefinite"/>
-                      </p:stCondLst>
-                      <p:childTnLst>
-                        <p:par>
-                          <p:cTn id="4" fill="hold">
-                            <p:stCondLst>
-                              <p:cond delay="0"/>
-                            </p:stCondLst>
-                            <p:childTnLst>
-                              <p:par>
-                                <p:cTn id="5" presetID="10" presetClass="entr" presetSubtype="0" fill="hold" nodeType="clickEffect">
-                                  <p:stCondLst>
-                                    <p:cond delay="0"/>
-                                  </p:stCondLst>
-                                  <p:childTnLst>
-                                    <p:set>
-                                      <p:cBhvr>
-                                        <p:cTn id="6" dur="1" fill="hold">
-                                          <p:stCondLst>
-                                            <p:cond delay="0"/>
-                                          </p:stCondLst>
-                                        </p:cTn>
-                                        <p:tgtEl>
-                                          <p:spTgt spid="19"/>
-                                        </p:tgtEl>
-                                        <p:attrNameLst>
-                                          <p:attrName>style.visibility</p:attrName>
-                                        </p:attrNameLst>
-                                      </p:cBhvr>
-                                      <p:to>
-                                        <p:strVal val="visible"/>
-                                      </p:to>
-                                    </p:set>
-                                    <p:animEffect transition="in" filter="fade">
-                                      <p:cBhvr>
-                                        <p:cTn id="7" dur="500"/>
-                                        <p:tgtEl>
-                                          <p:spTgt spid="19"/>
-                                        </p:tgtEl>
-                                      </p:cBhvr>
-                                    </p:animEffect>
-                                  </p:childTnLst>
-                                </p:cTn>
-                              </p:par>
-                            </p:childTnLst>
-                          </p:cTn>
-                        </p:par>
-                      </p:childTnLst>
-                    </p:cTn>
-                  </p:par>
-                  <p:par>
-                    <p:cTn id="8" fill="hold">
-                      <p:stCondLst>
-                        <p:cond delay="indefinite"/>
-                      </p:stCondLst>
-                      <p:childTnLst>
-                        <p:par>
-                          <p:cTn id="9" fill="hold">
-                            <p:stCondLst>
-                              <p:cond delay="0"/>
-                            </p:stCondLst>
-                            <p:childTnLst>
-                              <p:par>
-                                <p:cTn id="10" presetID="10" presetClass="entr" presetSubtype="0" fill="hold" nodeType="clickEffect">
-                                  <p:stCondLst>
-                                    <p:cond delay="0"/>
-                                  </p:stCondLst>
-                                  <p:childTnLst>
-                                    <p:set>
-                                      <p:cBhvr>
-                                        <p:cTn id="11" dur="1" fill="hold">
-                                          <p:stCondLst>
-                                            <p:cond delay="0"/>
-                                          </p:stCondLst>
-                                        </p:cTn>
-                                        <p:tgtEl>
-                                          <p:spTgt spid="25"/>
-                                        </p:tgtEl>
-                                        <p:attrNameLst>
-                                          <p:attrName>style.visibility</p:attrName>
-                                        </p:attrNameLst>
-                                      </p:cBhvr>
-                                      <p:to>
-                                        <p:strVal val="visible"/>
-                                      </p:to>
-                                    </p:set>
-                                    <p:animEffect transition="in" filter="fade">
-                                      <p:cBhvr>
-                                        <p:cTn id="12" dur="500"/>
-                                        <p:tgtEl>
-                                          <p:spTgt spid="25"/>
+                                          <p:spTgt spid="14"/>
                                         </p:tgtEl>
                                       </p:cBhvr>
                                     </p:animEffect>
@@ -16147,88 +17826,351 @@
           <a:p>
             <a:r>
               <a:rPr lang="ru-RU" dirty="0"/>
-              <a:t>А можно еще лучше?</a:t>
-            </a:r>
-          </a:p>
-        </p:txBody>
-      </p:sp>
-      <p:sp>
-        <p:nvSpPr>
-          <p:cNvPr id="8" name="TextBox 7"/>
-          <p:cNvSpPr txBox="1"/>
+              <a:t>Решение на </a:t>
+            </a:r>
+            <a:r>
+              <a:rPr lang="en-US" dirty="0"/>
+              <a:t>C#</a:t>
+            </a:r>
+            <a:r>
+              <a:rPr lang="ru-RU" dirty="0"/>
+              <a:t>7</a:t>
+            </a:r>
+          </a:p>
+        </p:txBody>
+      </p:sp>
+      <p:sp>
+        <p:nvSpPr>
+          <p:cNvPr id="5" name="Прямоугольник 4"/>
+          <p:cNvSpPr/>
           <p:nvPr/>
         </p:nvSpPr>
         <p:spPr>
           <a:xfrm>
-            <a:off x="845127" y="5747862"/>
-            <a:ext cx="11266802" cy="584775"/>
-          </a:xfrm>
-          <a:prstGeom prst="rect">
-            <a:avLst/>
-          </a:prstGeom>
-          <a:noFill/>
-        </p:spPr>
-        <p:txBody>
-          <a:bodyPr wrap="none" rtlCol="0">
-            <a:spAutoFit/>
-          </a:bodyPr>
-          <a:lstStyle/>
-          <a:p>
-            <a:r>
-              <a:rPr lang="ru-RU" sz="3200" dirty="0">
-                <a:solidFill>
-                  <a:srgbClr val="0070C0"/>
-                </a:solidFill>
-              </a:rPr>
-              <a:t>Полям кортежей можно присваивать осмысленные имена</a:t>
-            </a:r>
-          </a:p>
-        </p:txBody>
-      </p:sp>
-      <p:pic>
-        <p:nvPicPr>
-          <p:cNvPr id="12" name="Объект 11"/>
-          <p:cNvPicPr>
-            <a:picLocks noGrp="1" noChangeAspect="1"/>
-          </p:cNvPicPr>
-          <p:nvPr>
-            <p:ph idx="1"/>
-          </p:nvPr>
-        </p:nvPicPr>
-        <p:blipFill>
-          <a:blip r:embed="rId3">
-            <a:extLst>
-              <a:ext uri="{28A0092B-C50C-407E-A947-70E740481C1C}">
-                <a14:useLocalDpi xmlns:a14="http://schemas.microsoft.com/office/drawing/2010/main" val="0"/>
-              </a:ext>
-            </a:extLst>
-          </a:blip>
-          <a:stretch>
-            <a:fillRect/>
-          </a:stretch>
-        </p:blipFill>
-        <p:spPr>
-          <a:xfrm>
-            <a:off x="1192810" y="2143910"/>
-            <a:ext cx="6467433" cy="3072415"/>
+            <a:off x="845127" y="2908734"/>
+            <a:ext cx="10988807" cy="2123658"/>
           </a:xfrm>
           <a:prstGeom prst="rect">
             <a:avLst/>
           </a:prstGeom>
         </p:spPr>
-      </p:pic>
+        <p:txBody>
+          <a:bodyPr wrap="square">
+            <a:spAutoFit/>
+          </a:bodyPr>
+          <a:lstStyle/>
+          <a:p>
+            <a:r>
+              <a:rPr lang="ru-RU" sz="2200" dirty="0">
+                <a:solidFill>
+                  <a:srgbClr val="000000"/>
+                </a:solidFill>
+                <a:latin typeface="Consolas" panose="020B0609020204030204" pitchFamily="49" charset="0"/>
+              </a:rPr>
+              <a:t>(</a:t>
+            </a:r>
+            <a:r>
+              <a:rPr lang="en-US" sz="2200" dirty="0" err="1">
+                <a:solidFill>
+                  <a:srgbClr val="0000FF"/>
+                </a:solidFill>
+                <a:latin typeface="Consolas" panose="020B0609020204030204" pitchFamily="49" charset="0"/>
+              </a:rPr>
+              <a:t>int</a:t>
+            </a:r>
+            <a:r>
+              <a:rPr lang="en-US" sz="2200" dirty="0">
+                <a:solidFill>
+                  <a:srgbClr val="000000"/>
+                </a:solidFill>
+                <a:latin typeface="Consolas" panose="020B0609020204030204" pitchFamily="49" charset="0"/>
+              </a:rPr>
+              <a:t>, </a:t>
+            </a:r>
+            <a:r>
+              <a:rPr lang="en-US" sz="2200" dirty="0" err="1">
+                <a:solidFill>
+                  <a:srgbClr val="0000FF"/>
+                </a:solidFill>
+                <a:latin typeface="Consolas" panose="020B0609020204030204" pitchFamily="49" charset="0"/>
+              </a:rPr>
+              <a:t>int</a:t>
+            </a:r>
+            <a:r>
+              <a:rPr lang="en-US" sz="2200" dirty="0">
+                <a:solidFill>
+                  <a:srgbClr val="000000"/>
+                </a:solidFill>
+                <a:latin typeface="Consolas" panose="020B0609020204030204" pitchFamily="49" charset="0"/>
+              </a:rPr>
+              <a:t>) Find(</a:t>
+            </a:r>
+            <a:r>
+              <a:rPr lang="en-US" sz="2200" dirty="0" err="1">
+                <a:solidFill>
+                  <a:srgbClr val="2B91AF"/>
+                </a:solidFill>
+                <a:latin typeface="Consolas" panose="020B0609020204030204" pitchFamily="49" charset="0"/>
+              </a:rPr>
+              <a:t>IEnumerable</a:t>
+            </a:r>
+            <a:r>
+              <a:rPr lang="en-US" sz="2200" dirty="0">
+                <a:solidFill>
+                  <a:srgbClr val="000000"/>
+                </a:solidFill>
+                <a:latin typeface="Consolas" panose="020B0609020204030204" pitchFamily="49" charset="0"/>
+              </a:rPr>
+              <a:t>&lt;</a:t>
+            </a:r>
+            <a:r>
+              <a:rPr lang="en-US" sz="2200" dirty="0" err="1">
+                <a:solidFill>
+                  <a:srgbClr val="0000FF"/>
+                </a:solidFill>
+                <a:latin typeface="Consolas" panose="020B0609020204030204" pitchFamily="49" charset="0"/>
+              </a:rPr>
+              <a:t>int</a:t>
+            </a:r>
+            <a:r>
+              <a:rPr lang="en-US" sz="2200" dirty="0">
+                <a:solidFill>
+                  <a:srgbClr val="000000"/>
+                </a:solidFill>
+                <a:latin typeface="Consolas" panose="020B0609020204030204" pitchFamily="49" charset="0"/>
+              </a:rPr>
+              <a:t>&gt; </a:t>
+            </a:r>
+            <a:r>
+              <a:rPr lang="en-US" sz="2200" dirty="0" err="1">
+                <a:solidFill>
+                  <a:srgbClr val="000000"/>
+                </a:solidFill>
+                <a:latin typeface="Consolas" panose="020B0609020204030204" pitchFamily="49" charset="0"/>
+              </a:rPr>
+              <a:t>seq</a:t>
+            </a:r>
+            <a:r>
+              <a:rPr lang="en-US" sz="2200" dirty="0">
+                <a:solidFill>
+                  <a:srgbClr val="000000"/>
+                </a:solidFill>
+                <a:latin typeface="Consolas" panose="020B0609020204030204" pitchFamily="49" charset="0"/>
+              </a:rPr>
+              <a:t>, </a:t>
+            </a:r>
+            <a:r>
+              <a:rPr lang="en-US" sz="2200" dirty="0">
+                <a:solidFill>
+                  <a:srgbClr val="2B91AF"/>
+                </a:solidFill>
+                <a:latin typeface="Consolas" panose="020B0609020204030204" pitchFamily="49" charset="0"/>
+              </a:rPr>
+              <a:t>Predicate</a:t>
+            </a:r>
+            <a:r>
+              <a:rPr lang="en-US" sz="2200" dirty="0">
+                <a:solidFill>
+                  <a:srgbClr val="000000"/>
+                </a:solidFill>
+                <a:latin typeface="Consolas" panose="020B0609020204030204" pitchFamily="49" charset="0"/>
+              </a:rPr>
+              <a:t>&lt;</a:t>
+            </a:r>
+            <a:r>
+              <a:rPr lang="en-US" sz="2200" dirty="0" err="1">
+                <a:solidFill>
+                  <a:srgbClr val="0000FF"/>
+                </a:solidFill>
+                <a:latin typeface="Consolas" panose="020B0609020204030204" pitchFamily="49" charset="0"/>
+              </a:rPr>
+              <a:t>int</a:t>
+            </a:r>
+            <a:r>
+              <a:rPr lang="en-US" sz="2200" dirty="0">
+                <a:solidFill>
+                  <a:srgbClr val="000000"/>
+                </a:solidFill>
+                <a:latin typeface="Consolas" panose="020B0609020204030204" pitchFamily="49" charset="0"/>
+              </a:rPr>
+              <a:t>&gt; p)</a:t>
+            </a:r>
+          </a:p>
+          <a:p>
+            <a:r>
+              <a:rPr lang="ru-RU" sz="2200" dirty="0">
+                <a:solidFill>
+                  <a:srgbClr val="000000"/>
+                </a:solidFill>
+                <a:latin typeface="Consolas" panose="020B0609020204030204" pitchFamily="49" charset="0"/>
+              </a:rPr>
+              <a:t>{</a:t>
+            </a:r>
+          </a:p>
+          <a:p>
+            <a:r>
+              <a:rPr lang="ru-RU" sz="2200" dirty="0">
+                <a:solidFill>
+                  <a:srgbClr val="0000FF"/>
+                </a:solidFill>
+                <a:latin typeface="Consolas" panose="020B0609020204030204" pitchFamily="49" charset="0"/>
+              </a:rPr>
+              <a:t>    </a:t>
+            </a:r>
+            <a:r>
+              <a:rPr lang="en-US" sz="2200" dirty="0">
+                <a:solidFill>
+                  <a:srgbClr val="0000FF"/>
+                </a:solidFill>
+                <a:latin typeface="Consolas" panose="020B0609020204030204" pitchFamily="49" charset="0"/>
+              </a:rPr>
+              <a:t>return</a:t>
+            </a:r>
+            <a:r>
+              <a:rPr lang="en-US" sz="2200" dirty="0">
+                <a:solidFill>
+                  <a:srgbClr val="000000"/>
+                </a:solidFill>
+                <a:latin typeface="Consolas" panose="020B0609020204030204" pitchFamily="49" charset="0"/>
+              </a:rPr>
+              <a:t> </a:t>
+            </a:r>
+            <a:r>
+              <a:rPr lang="en-US" sz="2200" dirty="0" err="1">
+                <a:solidFill>
+                  <a:srgbClr val="000000"/>
+                </a:solidFill>
+                <a:latin typeface="Consolas" panose="020B0609020204030204" pitchFamily="49" charset="0"/>
+              </a:rPr>
+              <a:t>seq</a:t>
+            </a:r>
+            <a:endParaRPr lang="en-US" sz="2200" dirty="0">
+              <a:solidFill>
+                <a:srgbClr val="000000"/>
+              </a:solidFill>
+              <a:latin typeface="Consolas" panose="020B0609020204030204" pitchFamily="49" charset="0"/>
+            </a:endParaRPr>
+          </a:p>
+          <a:p>
+            <a:r>
+              <a:rPr lang="ru-RU" sz="2200" dirty="0">
+                <a:solidFill>
+                  <a:srgbClr val="000000"/>
+                </a:solidFill>
+                <a:latin typeface="Consolas" panose="020B0609020204030204" pitchFamily="49" charset="0"/>
+              </a:rPr>
+              <a:t>        </a:t>
+            </a:r>
+            <a:r>
+              <a:rPr lang="en-US" sz="2200" dirty="0">
+                <a:solidFill>
+                  <a:srgbClr val="000000"/>
+                </a:solidFill>
+                <a:latin typeface="Consolas" panose="020B0609020204030204" pitchFamily="49" charset="0"/>
+              </a:rPr>
+              <a:t>.Select((v, </a:t>
+            </a:r>
+            <a:r>
+              <a:rPr lang="en-US" sz="2200" dirty="0" err="1">
+                <a:solidFill>
+                  <a:srgbClr val="000000"/>
+                </a:solidFill>
+                <a:latin typeface="Consolas" panose="020B0609020204030204" pitchFamily="49" charset="0"/>
+              </a:rPr>
+              <a:t>i</a:t>
+            </a:r>
+            <a:r>
+              <a:rPr lang="en-US" sz="2200" dirty="0">
+                <a:solidFill>
+                  <a:srgbClr val="000000"/>
+                </a:solidFill>
+                <a:latin typeface="Consolas" panose="020B0609020204030204" pitchFamily="49" charset="0"/>
+              </a:rPr>
+              <a:t>) =&gt; (v, </a:t>
+            </a:r>
+            <a:r>
+              <a:rPr lang="en-US" sz="2200" dirty="0" err="1">
+                <a:solidFill>
+                  <a:srgbClr val="000000"/>
+                </a:solidFill>
+                <a:latin typeface="Consolas" panose="020B0609020204030204" pitchFamily="49" charset="0"/>
+              </a:rPr>
+              <a:t>i</a:t>
+            </a:r>
+            <a:r>
+              <a:rPr lang="en-US" sz="2200" dirty="0">
+                <a:solidFill>
+                  <a:srgbClr val="000000"/>
+                </a:solidFill>
+                <a:latin typeface="Consolas" panose="020B0609020204030204" pitchFamily="49" charset="0"/>
+              </a:rPr>
+              <a:t>))</a:t>
+            </a:r>
+          </a:p>
+          <a:p>
+            <a:r>
+              <a:rPr lang="ru-RU" sz="2200" dirty="0">
+                <a:solidFill>
+                  <a:srgbClr val="000000"/>
+                </a:solidFill>
+                <a:latin typeface="Consolas" panose="020B0609020204030204" pitchFamily="49" charset="0"/>
+              </a:rPr>
+              <a:t>        </a:t>
+            </a:r>
+            <a:r>
+              <a:rPr lang="en-US" sz="2200" dirty="0">
+                <a:solidFill>
+                  <a:srgbClr val="000000"/>
+                </a:solidFill>
+                <a:latin typeface="Consolas" panose="020B0609020204030204" pitchFamily="49" charset="0"/>
+              </a:rPr>
+              <a:t>.</a:t>
+            </a:r>
+            <a:r>
+              <a:rPr lang="en-US" sz="2200" dirty="0" err="1">
+                <a:solidFill>
+                  <a:srgbClr val="000000"/>
+                </a:solidFill>
+                <a:latin typeface="Consolas" panose="020B0609020204030204" pitchFamily="49" charset="0"/>
+              </a:rPr>
+              <a:t>FirstOrDefault</a:t>
+            </a:r>
+            <a:r>
+              <a:rPr lang="en-US" sz="2200" dirty="0">
+                <a:solidFill>
+                  <a:srgbClr val="000000"/>
+                </a:solidFill>
+                <a:latin typeface="Consolas" panose="020B0609020204030204" pitchFamily="49" charset="0"/>
+              </a:rPr>
+              <a:t>(pair =&gt; p(pair.Item1));</a:t>
+            </a:r>
+          </a:p>
+          <a:p>
+            <a:r>
+              <a:rPr lang="ru-RU" sz="2200" dirty="0">
+                <a:solidFill>
+                  <a:srgbClr val="000000"/>
+                </a:solidFill>
+                <a:latin typeface="Consolas" panose="020B0609020204030204" pitchFamily="49" charset="0"/>
+              </a:rPr>
+              <a:t>}</a:t>
+            </a:r>
+            <a:endParaRPr lang="ru-RU" sz="2200" dirty="0"/>
+          </a:p>
+        </p:txBody>
+      </p:sp>
       <p:grpSp>
         <p:nvGrpSpPr>
-          <p:cNvPr id="13" name="Группа 12"/>
+          <p:cNvPr id="14" name="Группа 13"/>
           <p:cNvGrpSpPr/>
           <p:nvPr/>
         </p:nvGrpSpPr>
         <p:grpSpPr>
           <a:xfrm>
-            <a:off x="3385996" y="1689238"/>
-            <a:ext cx="7700581" cy="2439142"/>
-            <a:chOff x="2588975" y="1071606"/>
-            <a:chExt cx="7700581" cy="2439142"/>
+            <a:off x="1615736" y="3383563"/>
+            <a:ext cx="7270458" cy="3351121"/>
+            <a:chOff x="2785488" y="307451"/>
+            <a:chExt cx="7270458" cy="3351121"/>
           </a:xfrm>
         </p:grpSpPr>
         <p:cxnSp>
@@ -16240,9 +18182,9 @@
             <p:nvPr/>
           </p:nvCxnSpPr>
           <p:spPr>
-            <a:xfrm flipH="1">
-              <a:off x="2588975" y="2050742"/>
-              <a:ext cx="3714172" cy="620635"/>
+            <a:xfrm flipH="1" flipV="1">
+              <a:off x="6620641" y="1238436"/>
+              <a:ext cx="1310196" cy="1989249"/>
             </a:xfrm>
             <a:prstGeom prst="straightConnector1">
               <a:avLst/>
@@ -16268,33 +18210,36 @@
         </p:cxnSp>
         <p:cxnSp>
           <p:nvCxnSpPr>
-            <p:cNvPr id="20" name="Прямая со стрелкой 19"/>
+            <p:cNvPr id="16" name="Прямая со стрелкой 15"/>
             <p:cNvCxnSpPr>
               <a:cxnSpLocks/>
             </p:cNvCxnSpPr>
             <p:nvPr/>
           </p:nvCxnSpPr>
           <p:spPr>
-            <a:xfrm flipH="1">
-              <a:off x="2588975" y="2050742"/>
-              <a:ext cx="3714173" cy="1460006"/>
+            <a:xfrm flipH="1" flipV="1">
+              <a:off x="2785488" y="307451"/>
+              <a:ext cx="5145349" cy="2920234"/>
             </a:xfrm>
             <a:prstGeom prst="straightConnector1">
               <a:avLst/>
             </a:prstGeom>
             <a:ln w="57150">
+              <a:solidFill>
+                <a:srgbClr val="0070C0"/>
+              </a:solidFill>
               <a:tailEnd type="triangle"/>
             </a:ln>
           </p:spPr>
           <p:style>
-            <a:lnRef idx="3">
-              <a:schemeClr val="dk1"/>
+            <a:lnRef idx="1">
+              <a:schemeClr val="accent1"/>
             </a:lnRef>
             <a:fillRef idx="0">
-              <a:schemeClr val="dk1"/>
+              <a:schemeClr val="accent1"/>
             </a:fillRef>
-            <a:effectRef idx="2">
-              <a:schemeClr val="dk1"/>
+            <a:effectRef idx="0">
+              <a:schemeClr val="accent1"/>
             </a:effectRef>
             <a:fontRef idx="minor">
               <a:schemeClr val="tx1"/>
@@ -16303,14 +18248,14 @@
         </p:cxnSp>
         <p:sp>
           <p:nvSpPr>
-            <p:cNvPr id="21" name="TextBox 20"/>
+            <p:cNvPr id="17" name="TextBox 16"/>
             <p:cNvSpPr txBox="1"/>
             <p:nvPr/>
           </p:nvSpPr>
           <p:spPr>
-            <a:xfrm rot="20659691">
-              <a:off x="6333537" y="1071606"/>
-              <a:ext cx="3956019" cy="769441"/>
+            <a:xfrm>
+              <a:off x="6689873" y="3227685"/>
+              <a:ext cx="3366073" cy="430887"/>
             </a:xfrm>
             <a:prstGeom prst="rect">
               <a:avLst/>
@@ -16318,20 +18263,14 @@
             <a:noFill/>
           </p:spPr>
           <p:txBody>
-            <a:bodyPr wrap="none" rtlCol="0">
+            <a:bodyPr wrap="square" rtlCol="0">
               <a:spAutoFit/>
             </a:bodyPr>
             <a:lstStyle/>
             <a:p>
               <a:r>
                 <a:rPr lang="ru-RU" sz="2200" dirty="0"/>
-                <a:t>Имена достаточно объявить </a:t>
-              </a:r>
-            </a:p>
-            <a:p>
-              <a:r>
-                <a:rPr lang="ru-RU" sz="2200" dirty="0"/>
-                <a:t>только в одном месте</a:t>
+                <a:t>Гораздо короче</a:t>
               </a:r>
             </a:p>
           </p:txBody>
@@ -16340,7 +18279,7 @@
     </p:spTree>
     <p:extLst>
       <p:ext uri="{BB962C8B-B14F-4D97-AF65-F5344CB8AC3E}">
-        <p14:creationId xmlns:p14="http://schemas.microsoft.com/office/powerpoint/2010/main" val="3337996840"/>
+        <p14:creationId xmlns:p14="http://schemas.microsoft.com/office/powerpoint/2010/main" val="2898021823"/>
       </p:ext>
     </p:extLst>
   </p:cSld>
@@ -16381,7 +18320,7 @@
                                           </p:stCondLst>
                                         </p:cTn>
                                         <p:tgtEl>
-                                          <p:spTgt spid="12"/>
+                                          <p:spTgt spid="14"/>
                                         </p:tgtEl>
                                         <p:attrNameLst>
                                           <p:attrName>style.visibility</p:attrName>
@@ -16395,95 +18334,7 @@
                                       <p:cBhvr>
                                         <p:cTn id="7" dur="500"/>
                                         <p:tgtEl>
-                                          <p:spTgt spid="12"/>
-                                        </p:tgtEl>
-                                      </p:cBhvr>
-                                    </p:animEffect>
-                                  </p:childTnLst>
-                                </p:cTn>
-                              </p:par>
-                              <p:par>
-                                <p:cTn id="8" presetID="10" presetClass="entr" presetSubtype="0" fill="hold" grpId="0" nodeType="withEffect">
-                                  <p:stCondLst>
-                                    <p:cond delay="0"/>
-                                  </p:stCondLst>
-                                  <p:childTnLst>
-                                    <p:set>
-                                      <p:cBhvr>
-                                        <p:cTn id="9" dur="1" fill="hold">
-                                          <p:stCondLst>
-                                            <p:cond delay="0"/>
-                                          </p:stCondLst>
-                                        </p:cTn>
-                                        <p:tgtEl>
-                                          <p:spTgt spid="8"/>
-                                        </p:tgtEl>
-                                        <p:attrNameLst>
-                                          <p:attrName>style.visibility</p:attrName>
-                                        </p:attrNameLst>
-                                      </p:cBhvr>
-                                      <p:to>
-                                        <p:strVal val="visible"/>
-                                      </p:to>
-                                    </p:set>
-                                    <p:animEffect transition="in" filter="fade">
-                                      <p:cBhvr>
-                                        <p:cTn id="10" dur="500"/>
-                                        <p:tgtEl>
-                                          <p:spTgt spid="8"/>
-                                        </p:tgtEl>
-                                      </p:cBhvr>
-                                    </p:animEffect>
-                                  </p:childTnLst>
-                                </p:cTn>
-                              </p:par>
-                            </p:childTnLst>
-                          </p:cTn>
-                        </p:par>
-                      </p:childTnLst>
-                    </p:cTn>
-                  </p:par>
-                  <p:par>
-                    <p:cTn id="11" fill="hold">
-                      <p:stCondLst>
-                        <p:cond delay="indefinite"/>
-                      </p:stCondLst>
-                      <p:childTnLst>
-                        <p:par>
-                          <p:cTn id="12" fill="hold">
-                            <p:stCondLst>
-                              <p:cond delay="0"/>
-                            </p:stCondLst>
-                            <p:childTnLst>
-                              <p:par>
-                                <p:cTn id="13" presetID="10" presetClass="entr" presetSubtype="0" fill="hold" nodeType="clickEffect">
-                                  <p:stCondLst>
-                                    <p:cond delay="0"/>
-                                  </p:stCondLst>
-                                  <p:childTnLst>
-                                    <p:set>
-                                      <p:cBhvr>
-                                        <p:cTn id="14" dur="1" fill="hold">
-                                          <p:stCondLst>
-                                            <p:cond delay="0"/>
-                                          </p:stCondLst>
-                                        </p:cTn>
-                                        <p:tgtEl>
-                                          <p:spTgt spid="13"/>
-                                        </p:tgtEl>
-                                        <p:attrNameLst>
-                                          <p:attrName>style.visibility</p:attrName>
-                                        </p:attrNameLst>
-                                      </p:cBhvr>
-                                      <p:to>
-                                        <p:strVal val="visible"/>
-                                      </p:to>
-                                    </p:set>
-                                    <p:animEffect transition="in" filter="fade">
-                                      <p:cBhvr>
-                                        <p:cTn id="15" dur="500"/>
-                                        <p:tgtEl>
-                                          <p:spTgt spid="13"/>
+                                          <p:spTgt spid="14"/>
                                         </p:tgtEl>
                                       </p:cBhvr>
                                     </p:animEffect>
@@ -16517,14 +18368,694 @@
         </p:cTn>
       </p:par>
     </p:tnLst>
-    <p:bldLst>
-      <p:bldP spid="8" grpId="0"/>
-    </p:bldLst>
   </p:timing>
 </p:sld>
 </file>
 
 <file path=ppt/slides/slide6.xml><?xml version="1.0" encoding="utf-8"?>
+<p:sld xmlns:a="http://schemas.openxmlformats.org/drawingml/2006/main" xmlns:r="http://schemas.openxmlformats.org/officeDocument/2006/relationships" xmlns:p="http://schemas.openxmlformats.org/presentationml/2006/main">
+  <p:cSld>
+    <p:spTree>
+      <p:nvGrpSpPr>
+        <p:cNvPr id="1" name=""/>
+        <p:cNvGrpSpPr/>
+        <p:nvPr/>
+      </p:nvGrpSpPr>
+      <p:grpSpPr>
+        <a:xfrm>
+          <a:off x="0" y="0"/>
+          <a:ext cx="0" cy="0"/>
+          <a:chOff x="0" y="0"/>
+          <a:chExt cx="0" cy="0"/>
+        </a:xfrm>
+      </p:grpSpPr>
+      <p:sp>
+        <p:nvSpPr>
+          <p:cNvPr id="2" name="Заголовок 1"/>
+          <p:cNvSpPr>
+            <a:spLocks noGrp="1"/>
+          </p:cNvSpPr>
+          <p:nvPr>
+            <p:ph type="title"/>
+          </p:nvPr>
+        </p:nvSpPr>
+        <p:spPr/>
+        <p:txBody>
+          <a:bodyPr/>
+          <a:lstStyle/>
+          <a:p>
+            <a:r>
+              <a:rPr lang="ru-RU" dirty="0"/>
+              <a:t>Решение на </a:t>
+            </a:r>
+            <a:r>
+              <a:rPr lang="en-US" dirty="0"/>
+              <a:t>C#</a:t>
+            </a:r>
+            <a:r>
+              <a:rPr lang="ru-RU" dirty="0"/>
+              <a:t>7</a:t>
+            </a:r>
+          </a:p>
+        </p:txBody>
+      </p:sp>
+      <p:sp>
+        <p:nvSpPr>
+          <p:cNvPr id="5" name="Прямоугольник 4"/>
+          <p:cNvSpPr/>
+          <p:nvPr/>
+        </p:nvSpPr>
+        <p:spPr>
+          <a:xfrm>
+            <a:off x="845127" y="2908734"/>
+            <a:ext cx="10988807" cy="2123658"/>
+          </a:xfrm>
+          <a:prstGeom prst="rect">
+            <a:avLst/>
+          </a:prstGeom>
+        </p:spPr>
+        <p:txBody>
+          <a:bodyPr wrap="square">
+            <a:spAutoFit/>
+          </a:bodyPr>
+          <a:lstStyle/>
+          <a:p>
+            <a:r>
+              <a:rPr lang="en-US" sz="2200" dirty="0">
+                <a:solidFill>
+                  <a:srgbClr val="000000"/>
+                </a:solidFill>
+                <a:latin typeface="Consolas" panose="020B0609020204030204" pitchFamily="49" charset="0"/>
+              </a:rPr>
+              <a:t>(</a:t>
+            </a:r>
+            <a:r>
+              <a:rPr lang="en-US" sz="2200" dirty="0" err="1">
+                <a:solidFill>
+                  <a:srgbClr val="0000FF"/>
+                </a:solidFill>
+                <a:latin typeface="Consolas" panose="020B0609020204030204" pitchFamily="49" charset="0"/>
+              </a:rPr>
+              <a:t>int</a:t>
+            </a:r>
+            <a:r>
+              <a:rPr lang="en-US" sz="2200" dirty="0">
+                <a:solidFill>
+                  <a:srgbClr val="000000"/>
+                </a:solidFill>
+                <a:latin typeface="Consolas" panose="020B0609020204030204" pitchFamily="49" charset="0"/>
+              </a:rPr>
+              <a:t> Value, </a:t>
+            </a:r>
+            <a:r>
+              <a:rPr lang="en-US" sz="2200" dirty="0" err="1">
+                <a:solidFill>
+                  <a:srgbClr val="0000FF"/>
+                </a:solidFill>
+                <a:latin typeface="Consolas" panose="020B0609020204030204" pitchFamily="49" charset="0"/>
+              </a:rPr>
+              <a:t>int</a:t>
+            </a:r>
+            <a:r>
+              <a:rPr lang="en-US" sz="2200" dirty="0">
+                <a:solidFill>
+                  <a:srgbClr val="000000"/>
+                </a:solidFill>
+                <a:latin typeface="Consolas" panose="020B0609020204030204" pitchFamily="49" charset="0"/>
+              </a:rPr>
+              <a:t> Index) Find(</a:t>
+            </a:r>
+            <a:r>
+              <a:rPr lang="en-US" sz="2200" dirty="0" err="1">
+                <a:solidFill>
+                  <a:srgbClr val="2B91AF"/>
+                </a:solidFill>
+                <a:latin typeface="Consolas" panose="020B0609020204030204" pitchFamily="49" charset="0"/>
+              </a:rPr>
+              <a:t>IEnumerable</a:t>
+            </a:r>
+            <a:r>
+              <a:rPr lang="en-US" sz="2200" dirty="0">
+                <a:solidFill>
+                  <a:srgbClr val="000000"/>
+                </a:solidFill>
+                <a:latin typeface="Consolas" panose="020B0609020204030204" pitchFamily="49" charset="0"/>
+              </a:rPr>
+              <a:t>&lt;</a:t>
+            </a:r>
+            <a:r>
+              <a:rPr lang="en-US" sz="2200" dirty="0" err="1">
+                <a:solidFill>
+                  <a:srgbClr val="0000FF"/>
+                </a:solidFill>
+                <a:latin typeface="Consolas" panose="020B0609020204030204" pitchFamily="49" charset="0"/>
+              </a:rPr>
+              <a:t>int</a:t>
+            </a:r>
+            <a:r>
+              <a:rPr lang="en-US" sz="2200" dirty="0">
+                <a:solidFill>
+                  <a:srgbClr val="000000"/>
+                </a:solidFill>
+                <a:latin typeface="Consolas" panose="020B0609020204030204" pitchFamily="49" charset="0"/>
+              </a:rPr>
+              <a:t>&gt; </a:t>
+            </a:r>
+            <a:r>
+              <a:rPr lang="en-US" sz="2200" dirty="0" err="1">
+                <a:solidFill>
+                  <a:srgbClr val="000000"/>
+                </a:solidFill>
+                <a:latin typeface="Consolas" panose="020B0609020204030204" pitchFamily="49" charset="0"/>
+              </a:rPr>
+              <a:t>seq</a:t>
+            </a:r>
+            <a:r>
+              <a:rPr lang="en-US" sz="2200" dirty="0">
+                <a:solidFill>
+                  <a:srgbClr val="000000"/>
+                </a:solidFill>
+                <a:latin typeface="Consolas" panose="020B0609020204030204" pitchFamily="49" charset="0"/>
+              </a:rPr>
+              <a:t>, </a:t>
+            </a:r>
+            <a:r>
+              <a:rPr lang="en-US" sz="2200" dirty="0">
+                <a:solidFill>
+                  <a:srgbClr val="2B91AF"/>
+                </a:solidFill>
+                <a:latin typeface="Consolas" panose="020B0609020204030204" pitchFamily="49" charset="0"/>
+              </a:rPr>
+              <a:t>Predicate</a:t>
+            </a:r>
+            <a:r>
+              <a:rPr lang="en-US" sz="2200" dirty="0">
+                <a:solidFill>
+                  <a:srgbClr val="000000"/>
+                </a:solidFill>
+                <a:latin typeface="Consolas" panose="020B0609020204030204" pitchFamily="49" charset="0"/>
+              </a:rPr>
+              <a:t>&lt;</a:t>
+            </a:r>
+            <a:r>
+              <a:rPr lang="en-US" sz="2200" dirty="0" err="1">
+                <a:solidFill>
+                  <a:srgbClr val="0000FF"/>
+                </a:solidFill>
+                <a:latin typeface="Consolas" panose="020B0609020204030204" pitchFamily="49" charset="0"/>
+              </a:rPr>
+              <a:t>int</a:t>
+            </a:r>
+            <a:r>
+              <a:rPr lang="en-US" sz="2200" dirty="0">
+                <a:solidFill>
+                  <a:srgbClr val="000000"/>
+                </a:solidFill>
+                <a:latin typeface="Consolas" panose="020B0609020204030204" pitchFamily="49" charset="0"/>
+              </a:rPr>
+              <a:t>&gt; p)</a:t>
+            </a:r>
+          </a:p>
+          <a:p>
+            <a:r>
+              <a:rPr lang="ru-RU" sz="2200" dirty="0">
+                <a:solidFill>
+                  <a:srgbClr val="000000"/>
+                </a:solidFill>
+                <a:latin typeface="Consolas" panose="020B0609020204030204" pitchFamily="49" charset="0"/>
+              </a:rPr>
+              <a:t>{</a:t>
+            </a:r>
+          </a:p>
+          <a:p>
+            <a:r>
+              <a:rPr lang="ru-RU" sz="2200" dirty="0">
+                <a:solidFill>
+                  <a:srgbClr val="0000FF"/>
+                </a:solidFill>
+                <a:latin typeface="Consolas" panose="020B0609020204030204" pitchFamily="49" charset="0"/>
+              </a:rPr>
+              <a:t>    </a:t>
+            </a:r>
+            <a:r>
+              <a:rPr lang="en-US" sz="2200" dirty="0">
+                <a:solidFill>
+                  <a:srgbClr val="0000FF"/>
+                </a:solidFill>
+                <a:latin typeface="Consolas" panose="020B0609020204030204" pitchFamily="49" charset="0"/>
+              </a:rPr>
+              <a:t>return</a:t>
+            </a:r>
+            <a:r>
+              <a:rPr lang="en-US" sz="2200" dirty="0">
+                <a:solidFill>
+                  <a:srgbClr val="000000"/>
+                </a:solidFill>
+                <a:latin typeface="Consolas" panose="020B0609020204030204" pitchFamily="49" charset="0"/>
+              </a:rPr>
+              <a:t> </a:t>
+            </a:r>
+            <a:r>
+              <a:rPr lang="en-US" sz="2200" dirty="0" err="1">
+                <a:solidFill>
+                  <a:srgbClr val="000000"/>
+                </a:solidFill>
+                <a:latin typeface="Consolas" panose="020B0609020204030204" pitchFamily="49" charset="0"/>
+              </a:rPr>
+              <a:t>seq</a:t>
+            </a:r>
+            <a:endParaRPr lang="en-US" sz="2200" dirty="0">
+              <a:solidFill>
+                <a:srgbClr val="000000"/>
+              </a:solidFill>
+              <a:latin typeface="Consolas" panose="020B0609020204030204" pitchFamily="49" charset="0"/>
+            </a:endParaRPr>
+          </a:p>
+          <a:p>
+            <a:r>
+              <a:rPr lang="ru-RU" sz="2200" dirty="0">
+                <a:solidFill>
+                  <a:srgbClr val="000000"/>
+                </a:solidFill>
+                <a:latin typeface="Consolas" panose="020B0609020204030204" pitchFamily="49" charset="0"/>
+              </a:rPr>
+              <a:t>        </a:t>
+            </a:r>
+            <a:r>
+              <a:rPr lang="en-US" sz="2200" dirty="0">
+                <a:solidFill>
+                  <a:srgbClr val="000000"/>
+                </a:solidFill>
+                <a:latin typeface="Consolas" panose="020B0609020204030204" pitchFamily="49" charset="0"/>
+              </a:rPr>
+              <a:t>.Select((v, </a:t>
+            </a:r>
+            <a:r>
+              <a:rPr lang="en-US" sz="2200" dirty="0" err="1">
+                <a:solidFill>
+                  <a:srgbClr val="000000"/>
+                </a:solidFill>
+                <a:latin typeface="Consolas" panose="020B0609020204030204" pitchFamily="49" charset="0"/>
+              </a:rPr>
+              <a:t>i</a:t>
+            </a:r>
+            <a:r>
+              <a:rPr lang="en-US" sz="2200" dirty="0">
+                <a:solidFill>
+                  <a:srgbClr val="000000"/>
+                </a:solidFill>
+                <a:latin typeface="Consolas" panose="020B0609020204030204" pitchFamily="49" charset="0"/>
+              </a:rPr>
+              <a:t>) =&gt; (v, </a:t>
+            </a:r>
+            <a:r>
+              <a:rPr lang="en-US" sz="2200" dirty="0" err="1">
+                <a:solidFill>
+                  <a:srgbClr val="000000"/>
+                </a:solidFill>
+                <a:latin typeface="Consolas" panose="020B0609020204030204" pitchFamily="49" charset="0"/>
+              </a:rPr>
+              <a:t>i</a:t>
+            </a:r>
+            <a:r>
+              <a:rPr lang="en-US" sz="2200" dirty="0">
+                <a:solidFill>
+                  <a:srgbClr val="000000"/>
+                </a:solidFill>
+                <a:latin typeface="Consolas" panose="020B0609020204030204" pitchFamily="49" charset="0"/>
+              </a:rPr>
+              <a:t>))</a:t>
+            </a:r>
+          </a:p>
+          <a:p>
+            <a:r>
+              <a:rPr lang="en-US" sz="2200" dirty="0">
+                <a:solidFill>
+                  <a:srgbClr val="000000"/>
+                </a:solidFill>
+                <a:latin typeface="Consolas" panose="020B0609020204030204" pitchFamily="49" charset="0"/>
+              </a:rPr>
+              <a:t>        .</a:t>
+            </a:r>
+            <a:r>
+              <a:rPr lang="en-US" sz="2200" dirty="0" err="1">
+                <a:solidFill>
+                  <a:srgbClr val="000000"/>
+                </a:solidFill>
+                <a:latin typeface="Consolas" panose="020B0609020204030204" pitchFamily="49" charset="0"/>
+              </a:rPr>
+              <a:t>FirstOrDefault</a:t>
+            </a:r>
+            <a:r>
+              <a:rPr lang="en-US" sz="2200" dirty="0">
+                <a:solidFill>
+                  <a:srgbClr val="000000"/>
+                </a:solidFill>
+                <a:latin typeface="Consolas" panose="020B0609020204030204" pitchFamily="49" charset="0"/>
+              </a:rPr>
+              <a:t>(pair =&gt; p(pair.Item1));</a:t>
+            </a:r>
+          </a:p>
+          <a:p>
+            <a:r>
+              <a:rPr lang="ru-RU" sz="2200" dirty="0">
+                <a:solidFill>
+                  <a:srgbClr val="000000"/>
+                </a:solidFill>
+                <a:latin typeface="Consolas" panose="020B0609020204030204" pitchFamily="49" charset="0"/>
+              </a:rPr>
+              <a:t>}</a:t>
+            </a:r>
+            <a:endParaRPr lang="ru-RU" sz="2200" dirty="0"/>
+          </a:p>
+        </p:txBody>
+      </p:sp>
+      <p:grpSp>
+        <p:nvGrpSpPr>
+          <p:cNvPr id="8" name="Группа 7"/>
+          <p:cNvGrpSpPr/>
+          <p:nvPr/>
+        </p:nvGrpSpPr>
+        <p:grpSpPr>
+          <a:xfrm>
+            <a:off x="2183907" y="1443476"/>
+            <a:ext cx="6148572" cy="1465258"/>
+            <a:chOff x="2947387" y="1828358"/>
+            <a:chExt cx="6148572" cy="1465258"/>
+          </a:xfrm>
+        </p:grpSpPr>
+        <p:cxnSp>
+          <p:nvCxnSpPr>
+            <p:cNvPr id="9" name="Прямая со стрелкой 8"/>
+            <p:cNvCxnSpPr>
+              <a:cxnSpLocks/>
+            </p:cNvCxnSpPr>
+            <p:nvPr/>
+          </p:nvCxnSpPr>
+          <p:spPr>
+            <a:xfrm flipH="1">
+              <a:off x="2947387" y="2551033"/>
+              <a:ext cx="2867487" cy="742583"/>
+            </a:xfrm>
+            <a:prstGeom prst="straightConnector1">
+              <a:avLst/>
+            </a:prstGeom>
+            <a:ln w="57150">
+              <a:tailEnd type="triangle"/>
+            </a:ln>
+          </p:spPr>
+          <p:style>
+            <a:lnRef idx="3">
+              <a:schemeClr val="dk1"/>
+            </a:lnRef>
+            <a:fillRef idx="0">
+              <a:schemeClr val="dk1"/>
+            </a:fillRef>
+            <a:effectRef idx="2">
+              <a:schemeClr val="dk1"/>
+            </a:effectRef>
+            <a:fontRef idx="minor">
+              <a:schemeClr val="tx1"/>
+            </a:fontRef>
+          </p:style>
+        </p:cxnSp>
+        <p:cxnSp>
+          <p:nvCxnSpPr>
+            <p:cNvPr id="10" name="Прямая со стрелкой 9"/>
+            <p:cNvCxnSpPr>
+              <a:cxnSpLocks/>
+            </p:cNvCxnSpPr>
+            <p:nvPr/>
+          </p:nvCxnSpPr>
+          <p:spPr>
+            <a:xfrm flipH="1">
+              <a:off x="3835154" y="2551033"/>
+              <a:ext cx="1979720" cy="742583"/>
+            </a:xfrm>
+            <a:prstGeom prst="straightConnector1">
+              <a:avLst/>
+            </a:prstGeom>
+            <a:ln w="57150">
+              <a:tailEnd type="triangle"/>
+            </a:ln>
+          </p:spPr>
+          <p:style>
+            <a:lnRef idx="3">
+              <a:schemeClr val="dk1"/>
+            </a:lnRef>
+            <a:fillRef idx="0">
+              <a:schemeClr val="dk1"/>
+            </a:fillRef>
+            <a:effectRef idx="2">
+              <a:schemeClr val="dk1"/>
+            </a:effectRef>
+            <a:fontRef idx="minor">
+              <a:schemeClr val="tx1"/>
+            </a:fontRef>
+          </p:style>
+        </p:cxnSp>
+        <p:sp>
+          <p:nvSpPr>
+            <p:cNvPr id="11" name="TextBox 10"/>
+            <p:cNvSpPr txBox="1"/>
+            <p:nvPr/>
+          </p:nvSpPr>
+          <p:spPr>
+            <a:xfrm rot="20681485">
+              <a:off x="5813522" y="1828358"/>
+              <a:ext cx="3282437" cy="430887"/>
+            </a:xfrm>
+            <a:prstGeom prst="rect">
+              <a:avLst/>
+            </a:prstGeom>
+            <a:noFill/>
+          </p:spPr>
+          <p:txBody>
+            <a:bodyPr wrap="none" rtlCol="0">
+              <a:spAutoFit/>
+            </a:bodyPr>
+            <a:lstStyle/>
+            <a:p>
+              <a:r>
+                <a:rPr lang="ru-RU" sz="2200" dirty="0"/>
+                <a:t>Поля можно именовать</a:t>
+              </a:r>
+            </a:p>
+          </p:txBody>
+        </p:sp>
+      </p:grpSp>
+      <p:sp>
+        <p:nvSpPr>
+          <p:cNvPr id="4" name="Прямоугольник 3"/>
+          <p:cNvSpPr/>
+          <p:nvPr/>
+        </p:nvSpPr>
+        <p:spPr>
+          <a:xfrm>
+            <a:off x="845127" y="5573604"/>
+            <a:ext cx="9664823" cy="769441"/>
+          </a:xfrm>
+          <a:prstGeom prst="rect">
+            <a:avLst/>
+          </a:prstGeom>
+        </p:spPr>
+        <p:txBody>
+          <a:bodyPr wrap="square">
+            <a:spAutoFit/>
+          </a:bodyPr>
+          <a:lstStyle/>
+          <a:p>
+            <a:r>
+              <a:rPr lang="en-US" sz="2200" dirty="0" err="1">
+                <a:solidFill>
+                  <a:srgbClr val="0000FF"/>
+                </a:solidFill>
+                <a:latin typeface="Consolas" panose="020B0609020204030204" pitchFamily="49" charset="0"/>
+              </a:rPr>
+              <a:t>var</a:t>
+            </a:r>
+            <a:r>
+              <a:rPr lang="en-US" sz="2200" dirty="0">
+                <a:solidFill>
+                  <a:srgbClr val="000000"/>
+                </a:solidFill>
+                <a:latin typeface="Consolas" panose="020B0609020204030204" pitchFamily="49" charset="0"/>
+              </a:rPr>
+              <a:t> result = Find(sequence, </a:t>
+            </a:r>
+            <a:r>
+              <a:rPr lang="en-US" sz="2200" dirty="0" err="1">
+                <a:solidFill>
+                  <a:srgbClr val="000000"/>
+                </a:solidFill>
+                <a:latin typeface="Consolas" panose="020B0609020204030204" pitchFamily="49" charset="0"/>
+              </a:rPr>
+              <a:t>i</a:t>
+            </a:r>
+            <a:r>
+              <a:rPr lang="en-US" sz="2200" dirty="0">
+                <a:solidFill>
+                  <a:srgbClr val="000000"/>
+                </a:solidFill>
+                <a:latin typeface="Consolas" panose="020B0609020204030204" pitchFamily="49" charset="0"/>
+              </a:rPr>
+              <a:t> =&gt; </a:t>
+            </a:r>
+            <a:r>
+              <a:rPr lang="en-US" sz="2200" dirty="0" err="1">
+                <a:solidFill>
+                  <a:srgbClr val="000000"/>
+                </a:solidFill>
+                <a:latin typeface="Consolas" panose="020B0609020204030204" pitchFamily="49" charset="0"/>
+              </a:rPr>
+              <a:t>i</a:t>
+            </a:r>
+            <a:r>
+              <a:rPr lang="en-US" sz="2200" dirty="0">
+                <a:solidFill>
+                  <a:srgbClr val="000000"/>
+                </a:solidFill>
+                <a:latin typeface="Consolas" panose="020B0609020204030204" pitchFamily="49" charset="0"/>
+              </a:rPr>
+              <a:t> &gt; 2);</a:t>
+            </a:r>
+          </a:p>
+          <a:p>
+            <a:r>
+              <a:rPr lang="en-US" sz="2200" dirty="0" err="1">
+                <a:solidFill>
+                  <a:srgbClr val="2B91AF"/>
+                </a:solidFill>
+                <a:latin typeface="Consolas" panose="020B0609020204030204" pitchFamily="49" charset="0"/>
+              </a:rPr>
+              <a:t>Console</a:t>
+            </a:r>
+            <a:r>
+              <a:rPr lang="en-US" sz="2200" dirty="0" err="1">
+                <a:solidFill>
+                  <a:srgbClr val="000000"/>
+                </a:solidFill>
+                <a:latin typeface="Consolas" panose="020B0609020204030204" pitchFamily="49" charset="0"/>
+              </a:rPr>
+              <a:t>.WriteLine</a:t>
+            </a:r>
+            <a:r>
+              <a:rPr lang="en-US" sz="2200" dirty="0">
+                <a:solidFill>
+                  <a:srgbClr val="000000"/>
+                </a:solidFill>
+                <a:latin typeface="Consolas" panose="020B0609020204030204" pitchFamily="49" charset="0"/>
+              </a:rPr>
+              <a:t>(</a:t>
+            </a:r>
+            <a:r>
+              <a:rPr lang="en-US" sz="2200" dirty="0">
+                <a:solidFill>
+                  <a:srgbClr val="A31515"/>
+                </a:solidFill>
+                <a:latin typeface="Consolas" panose="020B0609020204030204" pitchFamily="49" charset="0"/>
+              </a:rPr>
+              <a:t>$"</a:t>
+            </a:r>
+            <a:r>
+              <a:rPr lang="en-US" sz="2200" dirty="0">
+                <a:solidFill>
+                  <a:srgbClr val="000000"/>
+                </a:solidFill>
+                <a:latin typeface="Consolas" panose="020B0609020204030204" pitchFamily="49" charset="0"/>
+              </a:rPr>
+              <a:t>{</a:t>
+            </a:r>
+            <a:r>
+              <a:rPr lang="en-US" sz="2200" dirty="0" err="1">
+                <a:solidFill>
+                  <a:srgbClr val="000000"/>
+                </a:solidFill>
+                <a:latin typeface="Consolas" panose="020B0609020204030204" pitchFamily="49" charset="0"/>
+              </a:rPr>
+              <a:t>result.Index</a:t>
+            </a:r>
+            <a:r>
+              <a:rPr lang="en-US" sz="2200" dirty="0">
+                <a:solidFill>
+                  <a:srgbClr val="000000"/>
+                </a:solidFill>
+                <a:latin typeface="Consolas" panose="020B0609020204030204" pitchFamily="49" charset="0"/>
+              </a:rPr>
+              <a:t>}</a:t>
+            </a:r>
+            <a:r>
+              <a:rPr lang="en-US" sz="2200" dirty="0">
+                <a:solidFill>
+                  <a:srgbClr val="A31515"/>
+                </a:solidFill>
+                <a:latin typeface="Consolas" panose="020B0609020204030204" pitchFamily="49" charset="0"/>
+              </a:rPr>
+              <a:t>: </a:t>
+            </a:r>
+            <a:r>
+              <a:rPr lang="en-US" sz="2200" dirty="0">
+                <a:solidFill>
+                  <a:srgbClr val="000000"/>
+                </a:solidFill>
+                <a:latin typeface="Consolas" panose="020B0609020204030204" pitchFamily="49" charset="0"/>
+              </a:rPr>
+              <a:t>{</a:t>
+            </a:r>
+            <a:r>
+              <a:rPr lang="en-US" sz="2200" dirty="0" err="1">
+                <a:solidFill>
+                  <a:srgbClr val="000000"/>
+                </a:solidFill>
+                <a:latin typeface="Consolas" panose="020B0609020204030204" pitchFamily="49" charset="0"/>
+              </a:rPr>
+              <a:t>result.Value</a:t>
+            </a:r>
+            <a:r>
+              <a:rPr lang="en-US" sz="2200" dirty="0">
+                <a:solidFill>
+                  <a:srgbClr val="000000"/>
+                </a:solidFill>
+                <a:latin typeface="Consolas" panose="020B0609020204030204" pitchFamily="49" charset="0"/>
+              </a:rPr>
+              <a:t>}</a:t>
+            </a:r>
+            <a:r>
+              <a:rPr lang="en-US" sz="2200" dirty="0">
+                <a:solidFill>
+                  <a:srgbClr val="A31515"/>
+                </a:solidFill>
+                <a:latin typeface="Consolas" panose="020B0609020204030204" pitchFamily="49" charset="0"/>
+              </a:rPr>
+              <a:t>"</a:t>
+            </a:r>
+            <a:r>
+              <a:rPr lang="en-US" sz="2200" dirty="0">
+                <a:solidFill>
+                  <a:srgbClr val="000000"/>
+                </a:solidFill>
+                <a:latin typeface="Consolas" panose="020B0609020204030204" pitchFamily="49" charset="0"/>
+              </a:rPr>
+              <a:t>);</a:t>
+            </a:r>
+            <a:endParaRPr lang="ru-RU" sz="2200" dirty="0"/>
+          </a:p>
+        </p:txBody>
+      </p:sp>
+    </p:spTree>
+    <p:extLst>
+      <p:ext uri="{BB962C8B-B14F-4D97-AF65-F5344CB8AC3E}">
+        <p14:creationId xmlns:p14="http://schemas.microsoft.com/office/powerpoint/2010/main" val="2151619120"/>
+      </p:ext>
+    </p:extLst>
+  </p:cSld>
+  <p:clrMapOvr>
+    <a:masterClrMapping/>
+  </p:clrMapOvr>
+</p:sld>
+</file>
+
+<file path=ppt/slides/slide7.xml><?xml version="1.0" encoding="utf-8"?>
 <p:sld xmlns:a="http://schemas.openxmlformats.org/drawingml/2006/main" xmlns:r="http://schemas.openxmlformats.org/officeDocument/2006/relationships" xmlns:p="http://schemas.openxmlformats.org/presentationml/2006/main">
   <p:cSld>
     <p:spTree>
@@ -17146,135 +19677,6 @@
 </p:sld>
 </file>
 
-<file path=ppt/slides/slide7.xml><?xml version="1.0" encoding="utf-8"?>
-<p:sld xmlns:a="http://schemas.openxmlformats.org/drawingml/2006/main" xmlns:r="http://schemas.openxmlformats.org/officeDocument/2006/relationships" xmlns:p="http://schemas.openxmlformats.org/presentationml/2006/main">
-  <p:cSld>
-    <p:spTree>
-      <p:nvGrpSpPr>
-        <p:cNvPr id="1" name=""/>
-        <p:cNvGrpSpPr/>
-        <p:nvPr/>
-      </p:nvGrpSpPr>
-      <p:grpSpPr>
-        <a:xfrm>
-          <a:off x="0" y="0"/>
-          <a:ext cx="0" cy="0"/>
-          <a:chOff x="0" y="0"/>
-          <a:chExt cx="0" cy="0"/>
-        </a:xfrm>
-      </p:grpSpPr>
-      <p:sp>
-        <p:nvSpPr>
-          <p:cNvPr id="2" name="Заголовок 1"/>
-          <p:cNvSpPr>
-            <a:spLocks noGrp="1"/>
-          </p:cNvSpPr>
-          <p:nvPr>
-            <p:ph type="title"/>
-          </p:nvPr>
-        </p:nvSpPr>
-        <p:spPr/>
-        <p:txBody>
-          <a:bodyPr/>
-          <a:lstStyle/>
-          <a:p>
-            <a:r>
-              <a:rPr lang="ru-RU" dirty="0"/>
-              <a:t>Итак, кортежи в </a:t>
-            </a:r>
-            <a:r>
-              <a:rPr lang="en-US" dirty="0"/>
-              <a:t>C#7</a:t>
-            </a:r>
-            <a:r>
-              <a:rPr lang="ru-RU" dirty="0"/>
-              <a:t> </a:t>
-            </a:r>
-            <a:r>
-              <a:rPr lang="en-US" sz="3200" dirty="0">
-                <a:solidFill>
-                  <a:srgbClr val="00B0F0"/>
-                </a:solidFill>
-              </a:rPr>
-              <a:t>(</a:t>
-            </a:r>
-            <a:r>
-              <a:rPr lang="ru-RU" sz="3200" dirty="0">
-                <a:solidFill>
-                  <a:srgbClr val="00B0F0"/>
-                </a:solidFill>
-              </a:rPr>
-              <a:t>в отличии от </a:t>
-            </a:r>
-            <a:r>
-              <a:rPr lang="en-US" sz="3200" dirty="0">
-                <a:solidFill>
-                  <a:srgbClr val="00B0F0"/>
-                </a:solidFill>
-              </a:rPr>
-              <a:t>C#6)</a:t>
-            </a:r>
-            <a:endParaRPr lang="ru-RU" sz="3200" dirty="0">
-              <a:solidFill>
-                <a:srgbClr val="00B0F0"/>
-              </a:solidFill>
-            </a:endParaRPr>
-          </a:p>
-        </p:txBody>
-      </p:sp>
-      <p:sp>
-        <p:nvSpPr>
-          <p:cNvPr id="4" name="Объект 3"/>
-          <p:cNvSpPr>
-            <a:spLocks noGrp="1"/>
-          </p:cNvSpPr>
-          <p:nvPr>
-            <p:ph idx="1"/>
-          </p:nvPr>
-        </p:nvSpPr>
-        <p:spPr/>
-        <p:txBody>
-          <a:bodyPr/>
-          <a:lstStyle/>
-          <a:p>
-            <a:r>
-              <a:rPr lang="ru-RU" dirty="0"/>
-              <a:t>Изменяемы</a:t>
-            </a:r>
-          </a:p>
-          <a:p>
-            <a:r>
-              <a:rPr lang="ru-RU" dirty="0"/>
-              <a:t>Поля можно именовать</a:t>
-            </a:r>
-          </a:p>
-          <a:p>
-            <a:r>
-              <a:rPr lang="ru-RU" dirty="0"/>
-              <a:t>Могут быть неограниченно большого размера</a:t>
-            </a:r>
-          </a:p>
-          <a:p>
-            <a:r>
-              <a:rPr lang="ru-RU" dirty="0"/>
-              <a:t>Можно распаковывать</a:t>
-            </a:r>
-          </a:p>
-        </p:txBody>
-      </p:sp>
-    </p:spTree>
-    <p:extLst>
-      <p:ext uri="{BB962C8B-B14F-4D97-AF65-F5344CB8AC3E}">
-        <p14:creationId xmlns:p14="http://schemas.microsoft.com/office/powerpoint/2010/main" val="3620509562"/>
-      </p:ext>
-    </p:extLst>
-  </p:cSld>
-  <p:clrMapOvr>
-    <a:masterClrMapping/>
-  </p:clrMapOvr>
-</p:sld>
-</file>
-
 <file path=ppt/slides/slide8.xml><?xml version="1.0" encoding="utf-8"?>
 <p:sld xmlns:a="http://schemas.openxmlformats.org/drawingml/2006/main" xmlns:r="http://schemas.openxmlformats.org/officeDocument/2006/relationships" xmlns:p="http://schemas.openxmlformats.org/presentationml/2006/main">
   <p:cSld>
@@ -17309,7 +19711,39 @@
           <a:p>
             <a:r>
               <a:rPr lang="ru-RU" dirty="0"/>
-              <a:t>Еще пара слов о распаковке</a:t>
+              <a:t>Итак, кортежи в </a:t>
+            </a:r>
+            <a:r>
+              <a:rPr lang="en-US" dirty="0"/>
+              <a:t>C#7</a:t>
+            </a:r>
+            <a:r>
+              <a:rPr lang="ru-RU" dirty="0"/>
+              <a:t> </a:t>
+            </a:r>
+            <a:r>
+              <a:rPr lang="en-US" sz="3200" dirty="0">
+                <a:solidFill>
+                  <a:srgbClr val="00B0F0"/>
+                </a:solidFill>
+              </a:rPr>
+              <a:t>(</a:t>
+            </a:r>
+            <a:r>
+              <a:rPr lang="ru-RU" sz="3200" dirty="0">
+                <a:solidFill>
+                  <a:srgbClr val="00B0F0"/>
+                </a:solidFill>
+              </a:rPr>
+              <a:t>в отличии от </a:t>
+            </a:r>
+            <a:r>
+              <a:rPr lang="en-US" sz="3200" dirty="0">
+                <a:solidFill>
+                  <a:srgbClr val="00B0F0"/>
+                </a:solidFill>
+              </a:rPr>
+              <a:t>C#6)</a:t>
             </a:r>
             <a:endParaRPr lang="ru-RU" sz="3200" dirty="0">
               <a:solidFill>
@@ -17334,562 +19768,35 @@
           <a:bodyPr/>
           <a:lstStyle/>
           <a:p>
-            <a:pPr marL="0" indent="0">
-              <a:buNone/>
-            </a:pPr>
-            <a:r>
-              <a:rPr lang="ru-RU" sz="2400" dirty="0"/>
-              <a:t>Распаковывать объекты любых типов, содержащих метод</a:t>
-            </a:r>
-            <a:r>
-              <a:rPr lang="en-US" sz="2400" dirty="0"/>
-              <a:t> </a:t>
-            </a:r>
-            <a:r>
-              <a:rPr lang="en-US" sz="2400" dirty="0">
-                <a:solidFill>
-                  <a:srgbClr val="00B0F0"/>
-                </a:solidFill>
-              </a:rPr>
-              <a:t>Deconstruct</a:t>
-            </a:r>
-          </a:p>
-          <a:p>
-            <a:pPr marL="0" indent="0">
-              <a:buNone/>
-            </a:pPr>
-            <a:endParaRPr lang="ru-RU" dirty="0"/>
-          </a:p>
-        </p:txBody>
-      </p:sp>
-      <p:sp>
-        <p:nvSpPr>
-          <p:cNvPr id="3" name="Прямоугольник 2"/>
-          <p:cNvSpPr/>
-          <p:nvPr/>
-        </p:nvSpPr>
-        <p:spPr>
-          <a:xfrm>
-            <a:off x="916147" y="2518773"/>
-            <a:ext cx="10607067" cy="1754326"/>
-          </a:xfrm>
-          <a:prstGeom prst="rect">
-            <a:avLst/>
-          </a:prstGeom>
-        </p:spPr>
-        <p:txBody>
-          <a:bodyPr wrap="square">
-            <a:spAutoFit/>
-          </a:bodyPr>
-          <a:lstStyle/>
-          <a:p>
-            <a:r>
-              <a:rPr lang="en-US" dirty="0">
-                <a:solidFill>
-                  <a:srgbClr val="0000FF"/>
-                </a:solidFill>
-                <a:latin typeface="Consolas" panose="020B0609020204030204" pitchFamily="49" charset="0"/>
-              </a:rPr>
-              <a:t>public</a:t>
-            </a:r>
-            <a:r>
-              <a:rPr lang="en-US" dirty="0">
-                <a:solidFill>
-                  <a:srgbClr val="000000"/>
-                </a:solidFill>
-                <a:latin typeface="Consolas" panose="020B0609020204030204" pitchFamily="49" charset="0"/>
-              </a:rPr>
-              <a:t> </a:t>
-            </a:r>
-            <a:r>
-              <a:rPr lang="en-US" dirty="0">
-                <a:solidFill>
-                  <a:srgbClr val="0000FF"/>
-                </a:solidFill>
-                <a:latin typeface="Consolas" panose="020B0609020204030204" pitchFamily="49" charset="0"/>
-              </a:rPr>
-              <a:t>class</a:t>
-            </a:r>
-            <a:r>
-              <a:rPr lang="en-US" dirty="0">
-                <a:solidFill>
-                  <a:srgbClr val="000000"/>
-                </a:solidFill>
-                <a:latin typeface="Consolas" panose="020B0609020204030204" pitchFamily="49" charset="0"/>
-              </a:rPr>
-              <a:t> </a:t>
-            </a:r>
-            <a:r>
-              <a:rPr lang="en-US" dirty="0" err="1">
-                <a:solidFill>
-                  <a:srgbClr val="2B91AF"/>
-                </a:solidFill>
-                <a:latin typeface="Consolas" panose="020B0609020204030204" pitchFamily="49" charset="0"/>
-              </a:rPr>
-              <a:t>MyClass</a:t>
-            </a:r>
-            <a:r>
-              <a:rPr lang="en-US" dirty="0">
-                <a:solidFill>
-                  <a:srgbClr val="2B91AF"/>
-                </a:solidFill>
-                <a:latin typeface="Consolas" panose="020B0609020204030204" pitchFamily="49" charset="0"/>
-              </a:rPr>
-              <a:t> </a:t>
-            </a:r>
-            <a:r>
-              <a:rPr lang="ru-RU" dirty="0">
-                <a:solidFill>
-                  <a:srgbClr val="000000"/>
-                </a:solidFill>
-                <a:latin typeface="Consolas" panose="020B0609020204030204" pitchFamily="49" charset="0"/>
-              </a:rPr>
-              <a:t>{</a:t>
-            </a:r>
-          </a:p>
-          <a:p>
-            <a:r>
-              <a:rPr lang="en-US" dirty="0">
-                <a:solidFill>
-                  <a:srgbClr val="0000FF"/>
-                </a:solidFill>
-                <a:latin typeface="Consolas" panose="020B0609020204030204" pitchFamily="49" charset="0"/>
-              </a:rPr>
-              <a:t>    public</a:t>
-            </a:r>
-            <a:r>
-              <a:rPr lang="en-US" dirty="0">
-                <a:solidFill>
-                  <a:srgbClr val="000000"/>
-                </a:solidFill>
-                <a:latin typeface="Consolas" panose="020B0609020204030204" pitchFamily="49" charset="0"/>
-              </a:rPr>
-              <a:t> </a:t>
-            </a:r>
-            <a:r>
-              <a:rPr lang="en-US" dirty="0">
-                <a:solidFill>
-                  <a:srgbClr val="0000FF"/>
-                </a:solidFill>
-                <a:latin typeface="Consolas" panose="020B0609020204030204" pitchFamily="49" charset="0"/>
-              </a:rPr>
-              <a:t>void</a:t>
-            </a:r>
-            <a:r>
-              <a:rPr lang="en-US" dirty="0">
-                <a:solidFill>
-                  <a:srgbClr val="000000"/>
-                </a:solidFill>
-                <a:latin typeface="Consolas" panose="020B0609020204030204" pitchFamily="49" charset="0"/>
-              </a:rPr>
-              <a:t> Deconstruct (</a:t>
-            </a:r>
-            <a:r>
-              <a:rPr lang="en-US" dirty="0">
-                <a:solidFill>
-                  <a:srgbClr val="0000FF"/>
-                </a:solidFill>
-                <a:latin typeface="Consolas" panose="020B0609020204030204" pitchFamily="49" charset="0"/>
-              </a:rPr>
-              <a:t>out</a:t>
-            </a:r>
-            <a:r>
-              <a:rPr lang="en-US" dirty="0">
-                <a:solidFill>
-                  <a:srgbClr val="000000"/>
-                </a:solidFill>
-                <a:latin typeface="Consolas" panose="020B0609020204030204" pitchFamily="49" charset="0"/>
-              </a:rPr>
-              <a:t> </a:t>
-            </a:r>
-            <a:r>
-              <a:rPr lang="en-US" dirty="0" err="1">
-                <a:solidFill>
-                  <a:srgbClr val="0000FF"/>
-                </a:solidFill>
-                <a:latin typeface="Consolas" panose="020B0609020204030204" pitchFamily="49" charset="0"/>
-              </a:rPr>
-              <a:t>int</a:t>
-            </a:r>
-            <a:r>
-              <a:rPr lang="en-US" dirty="0">
-                <a:solidFill>
-                  <a:srgbClr val="000000"/>
-                </a:solidFill>
-                <a:latin typeface="Consolas" panose="020B0609020204030204" pitchFamily="49" charset="0"/>
-              </a:rPr>
-              <a:t> x, </a:t>
-            </a:r>
-            <a:r>
-              <a:rPr lang="en-US" dirty="0">
-                <a:solidFill>
-                  <a:srgbClr val="0000FF"/>
-                </a:solidFill>
-                <a:latin typeface="Consolas" panose="020B0609020204030204" pitchFamily="49" charset="0"/>
-              </a:rPr>
-              <a:t>out</a:t>
-            </a:r>
-            <a:r>
-              <a:rPr lang="en-US" dirty="0">
-                <a:solidFill>
-                  <a:srgbClr val="000000"/>
-                </a:solidFill>
-                <a:latin typeface="Consolas" panose="020B0609020204030204" pitchFamily="49" charset="0"/>
-              </a:rPr>
-              <a:t> </a:t>
-            </a:r>
-            <a:r>
-              <a:rPr lang="en-US" dirty="0">
-                <a:solidFill>
-                  <a:srgbClr val="0000FF"/>
-                </a:solidFill>
-                <a:latin typeface="Consolas" panose="020B0609020204030204" pitchFamily="49" charset="0"/>
-              </a:rPr>
-              <a:t>string</a:t>
-            </a:r>
-            <a:r>
-              <a:rPr lang="en-US" dirty="0">
-                <a:solidFill>
-                  <a:srgbClr val="000000"/>
-                </a:solidFill>
-                <a:latin typeface="Consolas" panose="020B0609020204030204" pitchFamily="49" charset="0"/>
-              </a:rPr>
-              <a:t> text) </a:t>
-            </a:r>
-            <a:r>
-              <a:rPr lang="ru-RU" dirty="0">
-                <a:solidFill>
-                  <a:srgbClr val="000000"/>
-                </a:solidFill>
-                <a:latin typeface="Consolas" panose="020B0609020204030204" pitchFamily="49" charset="0"/>
-              </a:rPr>
-              <a:t>{</a:t>
-            </a:r>
-          </a:p>
-          <a:p>
-            <a:r>
-              <a:rPr lang="en-US" dirty="0">
-                <a:solidFill>
-                  <a:srgbClr val="000000"/>
-                </a:solidFill>
-                <a:latin typeface="Consolas" panose="020B0609020204030204" pitchFamily="49" charset="0"/>
-              </a:rPr>
-              <a:t>        x = 1;</a:t>
-            </a:r>
-          </a:p>
-          <a:p>
-            <a:r>
-              <a:rPr lang="en-US" dirty="0">
-                <a:solidFill>
-                  <a:srgbClr val="000000"/>
-                </a:solidFill>
-                <a:latin typeface="Consolas" panose="020B0609020204030204" pitchFamily="49" charset="0"/>
-              </a:rPr>
-              <a:t>        text = </a:t>
-            </a:r>
-            <a:r>
-              <a:rPr lang="en-US" dirty="0">
-                <a:solidFill>
-                  <a:srgbClr val="A31515"/>
-                </a:solidFill>
-                <a:latin typeface="Consolas" panose="020B0609020204030204" pitchFamily="49" charset="0"/>
-              </a:rPr>
-              <a:t>"Hello, world"</a:t>
-            </a:r>
-            <a:r>
-              <a:rPr lang="en-US" dirty="0">
-                <a:solidFill>
-                  <a:srgbClr val="000000"/>
-                </a:solidFill>
-                <a:latin typeface="Consolas" panose="020B0609020204030204" pitchFamily="49" charset="0"/>
-              </a:rPr>
-              <a:t>;</a:t>
-            </a:r>
-          </a:p>
-          <a:p>
-            <a:r>
-              <a:rPr lang="ru-RU" dirty="0">
-                <a:solidFill>
-                  <a:srgbClr val="000000"/>
-                </a:solidFill>
-                <a:latin typeface="Consolas" panose="020B0609020204030204" pitchFamily="49" charset="0"/>
-              </a:rPr>
-              <a:t>   </a:t>
-            </a:r>
-            <a:r>
-              <a:rPr lang="en-US" dirty="0">
-                <a:solidFill>
-                  <a:srgbClr val="000000"/>
-                </a:solidFill>
-                <a:latin typeface="Consolas" panose="020B0609020204030204" pitchFamily="49" charset="0"/>
-              </a:rPr>
-              <a:t> </a:t>
-            </a:r>
-            <a:r>
-              <a:rPr lang="ru-RU" dirty="0">
-                <a:solidFill>
-                  <a:srgbClr val="000000"/>
-                </a:solidFill>
-                <a:latin typeface="Consolas" panose="020B0609020204030204" pitchFamily="49" charset="0"/>
-              </a:rPr>
-              <a:t>}</a:t>
-            </a:r>
-          </a:p>
-          <a:p>
-            <a:r>
-              <a:rPr lang="ru-RU" dirty="0">
-                <a:solidFill>
-                  <a:srgbClr val="000000"/>
-                </a:solidFill>
-                <a:latin typeface="Consolas" panose="020B0609020204030204" pitchFamily="49" charset="0"/>
-              </a:rPr>
-              <a:t>}</a:t>
-            </a:r>
-            <a:endParaRPr lang="ru-RU" dirty="0"/>
-          </a:p>
-        </p:txBody>
-      </p:sp>
-      <p:sp>
-        <p:nvSpPr>
-          <p:cNvPr id="5" name="Прямоугольник 4"/>
-          <p:cNvSpPr/>
-          <p:nvPr/>
-        </p:nvSpPr>
-        <p:spPr>
-          <a:xfrm>
-            <a:off x="916147" y="4702809"/>
-            <a:ext cx="6096000" cy="1477328"/>
-          </a:xfrm>
-          <a:prstGeom prst="rect">
-            <a:avLst/>
-          </a:prstGeom>
-        </p:spPr>
-        <p:txBody>
-          <a:bodyPr>
-            <a:spAutoFit/>
-          </a:bodyPr>
-          <a:lstStyle/>
-          <a:p>
-            <a:r>
-              <a:rPr lang="en-US" dirty="0" err="1">
-                <a:solidFill>
-                  <a:srgbClr val="0000FF"/>
-                </a:solidFill>
-                <a:latin typeface="Consolas" panose="020B0609020204030204" pitchFamily="49" charset="0"/>
-              </a:rPr>
-              <a:t>var</a:t>
-            </a:r>
-            <a:r>
-              <a:rPr lang="en-US" dirty="0">
-                <a:solidFill>
-                  <a:srgbClr val="000000"/>
-                </a:solidFill>
-                <a:latin typeface="Consolas" panose="020B0609020204030204" pitchFamily="49" charset="0"/>
-              </a:rPr>
-              <a:t> </a:t>
-            </a:r>
-            <a:r>
-              <a:rPr lang="en-US" dirty="0" err="1">
-                <a:solidFill>
-                  <a:srgbClr val="000000"/>
-                </a:solidFill>
-                <a:latin typeface="Consolas" panose="020B0609020204030204" pitchFamily="49" charset="0"/>
-              </a:rPr>
-              <a:t>obj</a:t>
-            </a:r>
-            <a:r>
-              <a:rPr lang="en-US" dirty="0">
-                <a:solidFill>
-                  <a:srgbClr val="000000"/>
-                </a:solidFill>
-                <a:latin typeface="Consolas" panose="020B0609020204030204" pitchFamily="49" charset="0"/>
-              </a:rPr>
-              <a:t> = </a:t>
-            </a:r>
-            <a:r>
-              <a:rPr lang="en-US" dirty="0">
-                <a:solidFill>
-                  <a:srgbClr val="0000FF"/>
-                </a:solidFill>
-                <a:latin typeface="Consolas" panose="020B0609020204030204" pitchFamily="49" charset="0"/>
-              </a:rPr>
-              <a:t>new</a:t>
-            </a:r>
-            <a:r>
-              <a:rPr lang="en-US" dirty="0">
-                <a:solidFill>
-                  <a:srgbClr val="000000"/>
-                </a:solidFill>
-                <a:latin typeface="Consolas" panose="020B0609020204030204" pitchFamily="49" charset="0"/>
-              </a:rPr>
-              <a:t> </a:t>
-            </a:r>
-            <a:r>
-              <a:rPr lang="en-US" dirty="0" err="1">
-                <a:solidFill>
-                  <a:srgbClr val="2B91AF"/>
-                </a:solidFill>
-                <a:latin typeface="Consolas" panose="020B0609020204030204" pitchFamily="49" charset="0"/>
-              </a:rPr>
-              <a:t>MyClass</a:t>
-            </a:r>
-            <a:r>
-              <a:rPr lang="en-US" dirty="0">
-                <a:solidFill>
-                  <a:srgbClr val="000000"/>
-                </a:solidFill>
-                <a:latin typeface="Consolas" panose="020B0609020204030204" pitchFamily="49" charset="0"/>
-              </a:rPr>
-              <a:t>();</a:t>
-            </a:r>
-          </a:p>
-          <a:p>
-            <a:r>
-              <a:rPr lang="en-US" dirty="0" err="1">
-                <a:solidFill>
-                  <a:srgbClr val="0000FF"/>
-                </a:solidFill>
-                <a:latin typeface="Consolas" panose="020B0609020204030204" pitchFamily="49" charset="0"/>
-              </a:rPr>
-              <a:t>var</a:t>
-            </a:r>
-            <a:r>
-              <a:rPr lang="en-US" dirty="0">
-                <a:solidFill>
-                  <a:srgbClr val="000000"/>
-                </a:solidFill>
-                <a:latin typeface="Consolas" panose="020B0609020204030204" pitchFamily="49" charset="0"/>
-              </a:rPr>
-              <a:t> (</a:t>
-            </a:r>
-            <a:r>
-              <a:rPr lang="en-US" dirty="0" err="1">
-                <a:solidFill>
-                  <a:srgbClr val="000000"/>
-                </a:solidFill>
-                <a:latin typeface="Consolas" panose="020B0609020204030204" pitchFamily="49" charset="0"/>
-              </a:rPr>
-              <a:t>num</a:t>
-            </a:r>
-            <a:r>
-              <a:rPr lang="en-US" dirty="0">
-                <a:solidFill>
-                  <a:srgbClr val="000000"/>
-                </a:solidFill>
-                <a:latin typeface="Consolas" panose="020B0609020204030204" pitchFamily="49" charset="0"/>
-              </a:rPr>
-              <a:t>, </a:t>
-            </a:r>
-            <a:r>
-              <a:rPr lang="en-US" dirty="0" err="1">
-                <a:solidFill>
-                  <a:srgbClr val="000000"/>
-                </a:solidFill>
-                <a:latin typeface="Consolas" panose="020B0609020204030204" pitchFamily="49" charset="0"/>
-              </a:rPr>
-              <a:t>str</a:t>
-            </a:r>
-            <a:r>
-              <a:rPr lang="en-US" dirty="0">
-                <a:solidFill>
-                  <a:srgbClr val="000000"/>
-                </a:solidFill>
-                <a:latin typeface="Consolas" panose="020B0609020204030204" pitchFamily="49" charset="0"/>
-              </a:rPr>
-              <a:t>) = </a:t>
-            </a:r>
-            <a:r>
-              <a:rPr lang="en-US" dirty="0" err="1">
-                <a:solidFill>
-                  <a:srgbClr val="000000"/>
-                </a:solidFill>
-                <a:latin typeface="Consolas" panose="020B0609020204030204" pitchFamily="49" charset="0"/>
-              </a:rPr>
-              <a:t>obj</a:t>
-            </a:r>
-            <a:r>
-              <a:rPr lang="en-US" dirty="0">
-                <a:solidFill>
-                  <a:srgbClr val="000000"/>
-                </a:solidFill>
-                <a:latin typeface="Consolas" panose="020B0609020204030204" pitchFamily="49" charset="0"/>
-              </a:rPr>
-              <a:t>;</a:t>
-            </a:r>
-          </a:p>
-          <a:p>
-            <a:endParaRPr lang="en-US" dirty="0">
-              <a:solidFill>
-                <a:srgbClr val="000000"/>
-              </a:solidFill>
-              <a:latin typeface="Consolas" panose="020B0609020204030204" pitchFamily="49" charset="0"/>
-            </a:endParaRPr>
-          </a:p>
-          <a:p>
-            <a:r>
-              <a:rPr lang="en-US" dirty="0" err="1">
-                <a:solidFill>
-                  <a:srgbClr val="000000"/>
-                </a:solidFill>
-                <a:latin typeface="Consolas" panose="020B0609020204030204" pitchFamily="49" charset="0"/>
-              </a:rPr>
-              <a:t>num</a:t>
-            </a:r>
-            <a:r>
-              <a:rPr lang="en-US" dirty="0">
-                <a:solidFill>
-                  <a:srgbClr val="000000"/>
-                </a:solidFill>
-                <a:latin typeface="Consolas" panose="020B0609020204030204" pitchFamily="49" charset="0"/>
-              </a:rPr>
-              <a:t> += 1;</a:t>
-            </a:r>
-          </a:p>
-          <a:p>
-            <a:r>
-              <a:rPr lang="en-US" dirty="0" err="1">
-                <a:solidFill>
-                  <a:srgbClr val="000000"/>
-                </a:solidFill>
-                <a:latin typeface="Consolas" panose="020B0609020204030204" pitchFamily="49" charset="0"/>
-              </a:rPr>
-              <a:t>str</a:t>
-            </a:r>
-            <a:r>
-              <a:rPr lang="en-US" dirty="0">
-                <a:solidFill>
-                  <a:srgbClr val="000000"/>
-                </a:solidFill>
-                <a:latin typeface="Consolas" panose="020B0609020204030204" pitchFamily="49" charset="0"/>
-              </a:rPr>
-              <a:t> += </a:t>
-            </a:r>
-            <a:r>
-              <a:rPr lang="en-US" dirty="0">
-                <a:solidFill>
-                  <a:srgbClr val="A31515"/>
-                </a:solidFill>
-                <a:latin typeface="Consolas" panose="020B0609020204030204" pitchFamily="49" charset="0"/>
-              </a:rPr>
-              <a:t>"!"</a:t>
-            </a:r>
-            <a:r>
-              <a:rPr lang="en-US" dirty="0">
-                <a:solidFill>
-                  <a:srgbClr val="000000"/>
-                </a:solidFill>
-                <a:latin typeface="Consolas" panose="020B0609020204030204" pitchFamily="49" charset="0"/>
-              </a:rPr>
-              <a:t>;</a:t>
-            </a:r>
-            <a:endParaRPr lang="ru-RU" dirty="0"/>
+            <a:r>
+              <a:rPr lang="ru-RU" dirty="0"/>
+              <a:t>Изменяемы</a:t>
+            </a:r>
+          </a:p>
+          <a:p>
+            <a:r>
+              <a:rPr lang="ru-RU" dirty="0"/>
+              <a:t>Поля можно именовать</a:t>
+            </a:r>
+          </a:p>
+          <a:p>
+            <a:r>
+              <a:rPr lang="ru-RU" dirty="0"/>
+              <a:t>Могут быть неограниченно большого размера</a:t>
+            </a:r>
+          </a:p>
+          <a:p>
+            <a:r>
+              <a:rPr lang="ru-RU" dirty="0"/>
+              <a:t>Можно распаковывать</a:t>
+            </a:r>
           </a:p>
         </p:txBody>
       </p:sp>
     </p:spTree>
     <p:extLst>
       <p:ext uri="{BB962C8B-B14F-4D97-AF65-F5344CB8AC3E}">
-        <p14:creationId xmlns:p14="http://schemas.microsoft.com/office/powerpoint/2010/main" val="2257139884"/>
+        <p14:creationId xmlns:p14="http://schemas.microsoft.com/office/powerpoint/2010/main" val="3620509562"/>
       </p:ext>
     </p:extLst>
   </p:cSld>
@@ -17962,34 +19869,21 @@
               <a:buNone/>
             </a:pPr>
             <a:r>
-              <a:rPr lang="ru-RU" dirty="0">
-                <a:solidFill>
-                  <a:srgbClr val="0070C0"/>
-                </a:solidFill>
-              </a:rPr>
-              <a:t>Даже если это </a:t>
-            </a:r>
-            <a:r>
-              <a:rPr lang="en-US" dirty="0">
-                <a:solidFill>
-                  <a:srgbClr val="0070C0"/>
-                </a:solidFill>
-              </a:rPr>
-              <a:t>extension-</a:t>
-            </a:r>
-            <a:r>
-              <a:rPr lang="ru-RU" dirty="0">
-                <a:solidFill>
-                  <a:srgbClr val="0070C0"/>
-                </a:solidFill>
-              </a:rPr>
-              <a:t>метод</a:t>
-            </a:r>
-            <a:endParaRPr lang="en-US" dirty="0">
-              <a:solidFill>
-                <a:srgbClr val="0070C0"/>
-              </a:solidFill>
-            </a:endParaRPr>
+              <a:rPr lang="ru-RU" sz="2400" dirty="0"/>
+              <a:t>Распаковывать объекты любых типов, содержащих метод</a:t>
+            </a:r>
+            <a:r>
+              <a:rPr lang="en-US" sz="2400" dirty="0"/>
+              <a:t> </a:t>
+            </a:r>
+            <a:r>
+              <a:rPr lang="en-US" sz="2400" dirty="0">
+                <a:solidFill>
+                  <a:srgbClr val="00B0F0"/>
+                </a:solidFill>
+              </a:rPr>
+              <a:t>Deconstruct</a:t>
+            </a:r>
           </a:p>
           <a:p>
             <a:pPr marL="0" indent="0">
@@ -18007,8 +19901,8 @@
         </p:nvSpPr>
         <p:spPr>
           <a:xfrm>
-            <a:off x="845127" y="2944901"/>
-            <a:ext cx="10607067" cy="1200329"/>
+            <a:off x="916147" y="2518773"/>
+            <a:ext cx="10607067" cy="1754326"/>
           </a:xfrm>
           <a:prstGeom prst="rect">
             <a:avLst/>
@@ -18045,7 +19939,7 @@
                 </a:solidFill>
                 <a:latin typeface="Consolas" panose="020B0609020204030204" pitchFamily="49" charset="0"/>
               </a:rPr>
-              <a:t>static</a:t>
+              <a:t>class</a:t>
             </a:r>
             <a:r>
               <a:rPr lang="en-US" dirty="0">
@@ -18057,12 +19951,59 @@
               <a:t> </a:t>
             </a:r>
             <a:r>
+              <a:rPr lang="en-US" dirty="0" err="1">
+                <a:solidFill>
+                  <a:srgbClr val="2B91AF"/>
+                </a:solidFill>
+                <a:latin typeface="Consolas" panose="020B0609020204030204" pitchFamily="49" charset="0"/>
+              </a:rPr>
+              <a:t>MyClass</a:t>
+            </a:r>
+            <a:r>
               <a:rPr lang="en-US" dirty="0">
                 <a:solidFill>
+                  <a:srgbClr val="2B91AF"/>
+                </a:solidFill>
+                <a:latin typeface="Consolas" panose="020B0609020204030204" pitchFamily="49" charset="0"/>
+              </a:rPr>
+              <a:t> </a:t>
+            </a:r>
+            <a:r>
+              <a:rPr lang="ru-RU" dirty="0">
+                <a:solidFill>
+                  <a:srgbClr val="000000"/>
+                </a:solidFill>
+                <a:latin typeface="Consolas" panose="020B0609020204030204" pitchFamily="49" charset="0"/>
+              </a:rPr>
+              <a:t>{</a:t>
+            </a:r>
+          </a:p>
+          <a:p>
+            <a:r>
+              <a:rPr lang="en-US" dirty="0">
+                <a:solidFill>
                   <a:srgbClr val="0000FF"/>
                 </a:solidFill>
                 <a:latin typeface="Consolas" panose="020B0609020204030204" pitchFamily="49" charset="0"/>
               </a:rPr>
+              <a:t>    public</a:t>
+            </a:r>
+            <a:r>
+              <a:rPr lang="en-US" dirty="0">
+                <a:solidFill>
+                  <a:srgbClr val="000000"/>
+                </a:solidFill>
+                <a:latin typeface="Consolas" panose="020B0609020204030204" pitchFamily="49" charset="0"/>
+              </a:rPr>
+              <a:t> </a:t>
+            </a:r>
+            <a:r>
+              <a:rPr lang="en-US" dirty="0">
+                <a:solidFill>
+                  <a:srgbClr val="0000FF"/>
+                </a:solidFill>
+                <a:latin typeface="Consolas" panose="020B0609020204030204" pitchFamily="49" charset="0"/>
+              </a:rPr>
               <a:t>void</a:t>
             </a:r>
             <a:r>
@@ -18081,7 +20022,7 @@
                 </a:solidFill>
                 <a:latin typeface="Consolas" panose="020B0609020204030204" pitchFamily="49" charset="0"/>
               </a:rPr>
-              <a:t>this</a:t>
+              <a:t>out</a:t>
             </a:r>
             <a:r>
               <a:rPr lang="en-US" dirty="0">
@@ -18093,12 +20034,48 @@
               <a:t> </a:t>
             </a:r>
             <a:r>
+              <a:rPr lang="en-US" dirty="0" err="1">
+                <a:solidFill>
+                  <a:srgbClr val="0000FF"/>
+                </a:solidFill>
+                <a:latin typeface="Consolas" panose="020B0609020204030204" pitchFamily="49" charset="0"/>
+              </a:rPr>
+              <a:t>int</a:t>
+            </a:r>
+            <a:r>
               <a:rPr lang="en-US" dirty="0">
                 <a:solidFill>
+                  <a:srgbClr val="000000"/>
+                </a:solidFill>
+                <a:latin typeface="Consolas" panose="020B0609020204030204" pitchFamily="49" charset="0"/>
+              </a:rPr>
+              <a:t> x, </a:t>
+            </a:r>
+            <a:r>
+              <a:rPr lang="en-US" dirty="0">
+                <a:solidFill>
                   <a:srgbClr val="0000FF"/>
                 </a:solidFill>
                 <a:latin typeface="Consolas" panose="020B0609020204030204" pitchFamily="49" charset="0"/>
               </a:rPr>
+              <a:t>out</a:t>
+            </a:r>
+            <a:r>
+              <a:rPr lang="en-US" dirty="0">
+                <a:solidFill>
+                  <a:srgbClr val="000000"/>
+                </a:solidFill>
+                <a:latin typeface="Consolas" panose="020B0609020204030204" pitchFamily="49" charset="0"/>
+              </a:rPr>
+              <a:t> </a:t>
+            </a:r>
+            <a:r>
+              <a:rPr lang="en-US" dirty="0">
+                <a:solidFill>
+                  <a:srgbClr val="0000FF"/>
+                </a:solidFill>
+                <a:latin typeface="Consolas" panose="020B0609020204030204" pitchFamily="49" charset="0"/>
+              </a:rPr>
               <a:t>string</a:t>
             </a:r>
             <a:r>
@@ -18108,17 +20085,30 @@
                 </a:solidFill>
                 <a:latin typeface="Consolas" panose="020B0609020204030204" pitchFamily="49" charset="0"/>
               </a:rPr>
-              <a:t> self, </a:t>
-            </a:r>
+              <a:t> text) </a:t>
+            </a:r>
+            <a:r>
+              <a:rPr lang="ru-RU" dirty="0">
+                <a:solidFill>
+                  <a:srgbClr val="000000"/>
+                </a:solidFill>
+                <a:latin typeface="Consolas" panose="020B0609020204030204" pitchFamily="49" charset="0"/>
+              </a:rPr>
+              <a:t>{</a:t>
+            </a:r>
+          </a:p>
+          <a:p>
             <a:r>
               <a:rPr lang="en-US" dirty="0">
                 <a:solidFill>
-                  <a:srgbClr val="0000FF"/>
-                </a:solidFill>
-                <a:latin typeface="Consolas" panose="020B0609020204030204" pitchFamily="49" charset="0"/>
-              </a:rPr>
-              <a:t>out</a:t>
-            </a:r>
+                  <a:srgbClr val="000000"/>
+                </a:solidFill>
+                <a:latin typeface="Consolas" panose="020B0609020204030204" pitchFamily="49" charset="0"/>
+              </a:rPr>
+              <a:t>        x = 1;</a:t>
+            </a:r>
+          </a:p>
+          <a:p>
             <a:r>
               <a:rPr lang="en-US" dirty="0">
                 <a:solidFill>
@@ -18126,128 +20116,54 @@
                 </a:solidFill>
                 <a:latin typeface="Consolas" panose="020B0609020204030204" pitchFamily="49" charset="0"/>
               </a:rPr>
+              <a:t>        text = </a:t>
+            </a:r>
+            <a:r>
+              <a:rPr lang="en-US" dirty="0">
+                <a:solidFill>
+                  <a:srgbClr val="A31515"/>
+                </a:solidFill>
+                <a:latin typeface="Consolas" panose="020B0609020204030204" pitchFamily="49" charset="0"/>
+              </a:rPr>
+              <a:t>"Hello, world"</a:t>
+            </a:r>
+            <a:r>
+              <a:rPr lang="en-US" dirty="0">
+                <a:solidFill>
+                  <a:srgbClr val="000000"/>
+                </a:solidFill>
+                <a:latin typeface="Consolas" panose="020B0609020204030204" pitchFamily="49" charset="0"/>
+              </a:rPr>
+              <a:t>;</a:t>
+            </a:r>
+          </a:p>
+          <a:p>
+            <a:r>
+              <a:rPr lang="ru-RU" dirty="0">
+                <a:solidFill>
+                  <a:srgbClr val="000000"/>
+                </a:solidFill>
+                <a:latin typeface="Consolas" panose="020B0609020204030204" pitchFamily="49" charset="0"/>
+              </a:rPr>
+              <a:t>   </a:t>
+            </a:r>
+            <a:r>
+              <a:rPr lang="en-US" dirty="0">
+                <a:solidFill>
+                  <a:srgbClr val="000000"/>
+                </a:solidFill>
+                <a:latin typeface="Consolas" panose="020B0609020204030204" pitchFamily="49" charset="0"/>
+              </a:rPr>
               <a:t> </a:t>
             </a:r>
             <a:r>
-              <a:rPr lang="en-US" dirty="0" err="1">
-                <a:solidFill>
-                  <a:srgbClr val="0000FF"/>
-                </a:solidFill>
-                <a:latin typeface="Consolas" panose="020B0609020204030204" pitchFamily="49" charset="0"/>
-              </a:rPr>
-              <a:t>int</a:t>
-            </a:r>
-            <a:r>
-              <a:rPr lang="en-US" dirty="0">
-                <a:solidFill>
-                  <a:srgbClr val="000000"/>
-                </a:solidFill>
-                <a:latin typeface="Consolas" panose="020B0609020204030204" pitchFamily="49" charset="0"/>
-              </a:rPr>
-              <a:t> length, </a:t>
-            </a:r>
-            <a:r>
-              <a:rPr lang="en-US" dirty="0">
-                <a:solidFill>
-                  <a:srgbClr val="0000FF"/>
-                </a:solidFill>
-                <a:latin typeface="Consolas" panose="020B0609020204030204" pitchFamily="49" charset="0"/>
-              </a:rPr>
-              <a:t>out</a:t>
-            </a:r>
-            <a:r>
-              <a:rPr lang="en-US" dirty="0">
-                <a:solidFill>
-                  <a:srgbClr val="000000"/>
-                </a:solidFill>
-                <a:latin typeface="Consolas" panose="020B0609020204030204" pitchFamily="49" charset="0"/>
-              </a:rPr>
-              <a:t> </a:t>
-            </a:r>
-            <a:r>
-              <a:rPr lang="en-US" dirty="0" err="1">
-                <a:solidFill>
-                  <a:srgbClr val="0000FF"/>
-                </a:solidFill>
-                <a:latin typeface="Consolas" panose="020B0609020204030204" pitchFamily="49" charset="0"/>
-              </a:rPr>
-              <a:t>int</a:t>
-            </a:r>
-            <a:r>
-              <a:rPr lang="en-US" dirty="0">
-                <a:solidFill>
-                  <a:srgbClr val="000000"/>
-                </a:solidFill>
-                <a:latin typeface="Consolas" panose="020B0609020204030204" pitchFamily="49" charset="0"/>
-              </a:rPr>
-              <a:t> hash) </a:t>
-            </a:r>
-            <a:r>
               <a:rPr lang="ru-RU" dirty="0">
                 <a:solidFill>
                   <a:srgbClr val="000000"/>
                 </a:solidFill>
                 <a:latin typeface="Consolas" panose="020B0609020204030204" pitchFamily="49" charset="0"/>
               </a:rPr>
-              <a:t>{</a:t>
-            </a:r>
-          </a:p>
-          <a:p>
-            <a:r>
-              <a:rPr lang="en-US" dirty="0">
-                <a:solidFill>
-                  <a:srgbClr val="000000"/>
-                </a:solidFill>
-                <a:latin typeface="Consolas" panose="020B0609020204030204" pitchFamily="49" charset="0"/>
-              </a:rPr>
-              <a:t>    length = </a:t>
-            </a:r>
-            <a:r>
-              <a:rPr lang="en-US" dirty="0" err="1">
-                <a:solidFill>
-                  <a:srgbClr val="000000"/>
-                </a:solidFill>
-                <a:latin typeface="Consolas" panose="020B0609020204030204" pitchFamily="49" charset="0"/>
-              </a:rPr>
-              <a:t>self.Length</a:t>
-            </a:r>
-            <a:r>
-              <a:rPr lang="en-US" dirty="0">
-                <a:solidFill>
-                  <a:srgbClr val="000000"/>
-                </a:solidFill>
-                <a:latin typeface="Consolas" panose="020B0609020204030204" pitchFamily="49" charset="0"/>
-              </a:rPr>
-              <a:t>;</a:t>
-            </a:r>
-          </a:p>
-          <a:p>
-            <a:r>
-              <a:rPr lang="en-US" dirty="0">
-                <a:solidFill>
-                  <a:srgbClr val="000000"/>
-                </a:solidFill>
-                <a:latin typeface="Consolas" panose="020B0609020204030204" pitchFamily="49" charset="0"/>
-              </a:rPr>
-              <a:t>    hash = </a:t>
-            </a:r>
-            <a:r>
-              <a:rPr lang="en-US" dirty="0" err="1">
-                <a:solidFill>
-                  <a:srgbClr val="000000"/>
-                </a:solidFill>
-                <a:latin typeface="Consolas" panose="020B0609020204030204" pitchFamily="49" charset="0"/>
-              </a:rPr>
-              <a:t>self.GetHashCode</a:t>
-            </a:r>
-            <a:r>
-              <a:rPr lang="en-US" dirty="0">
-                <a:solidFill>
-                  <a:srgbClr val="000000"/>
-                </a:solidFill>
-                <a:latin typeface="Consolas" panose="020B0609020204030204" pitchFamily="49" charset="0"/>
-              </a:rPr>
-              <a:t>();</a:t>
+              <a:t>}</a:t>
             </a:r>
           </a:p>
           <a:p>
@@ -18310,6 +20226,98 @@
                 </a:solidFill>
                 <a:latin typeface="Consolas" panose="020B0609020204030204" pitchFamily="49" charset="0"/>
               </a:rPr>
+              <a:t>obj</a:t>
+            </a:r>
+            <a:r>
+              <a:rPr lang="en-US" dirty="0">
+                <a:solidFill>
+                  <a:srgbClr val="000000"/>
+                </a:solidFill>
+                <a:latin typeface="Consolas" panose="020B0609020204030204" pitchFamily="49" charset="0"/>
+              </a:rPr>
+              <a:t> = </a:t>
+            </a:r>
+            <a:r>
+              <a:rPr lang="en-US" dirty="0">
+                <a:solidFill>
+                  <a:srgbClr val="0000FF"/>
+                </a:solidFill>
+                <a:latin typeface="Consolas" panose="020B0609020204030204" pitchFamily="49" charset="0"/>
+              </a:rPr>
+              <a:t>new</a:t>
+            </a:r>
+            <a:r>
+              <a:rPr lang="en-US" dirty="0">
+                <a:solidFill>
+                  <a:srgbClr val="000000"/>
+                </a:solidFill>
+                <a:latin typeface="Consolas" panose="020B0609020204030204" pitchFamily="49" charset="0"/>
+              </a:rPr>
+              <a:t> </a:t>
+            </a:r>
+            <a:r>
+              <a:rPr lang="en-US" dirty="0" err="1">
+                <a:solidFill>
+                  <a:srgbClr val="2B91AF"/>
+                </a:solidFill>
+                <a:latin typeface="Consolas" panose="020B0609020204030204" pitchFamily="49" charset="0"/>
+              </a:rPr>
+              <a:t>MyClass</a:t>
+            </a:r>
+            <a:r>
+              <a:rPr lang="en-US" dirty="0">
+                <a:solidFill>
+                  <a:srgbClr val="000000"/>
+                </a:solidFill>
+                <a:latin typeface="Consolas" panose="020B0609020204030204" pitchFamily="49" charset="0"/>
+              </a:rPr>
+              <a:t>();</a:t>
+            </a:r>
+          </a:p>
+          <a:p>
+            <a:r>
+              <a:rPr lang="en-US" dirty="0" err="1">
+                <a:solidFill>
+                  <a:srgbClr val="0000FF"/>
+                </a:solidFill>
+                <a:latin typeface="Consolas" panose="020B0609020204030204" pitchFamily="49" charset="0"/>
+              </a:rPr>
+              <a:t>var</a:t>
+            </a:r>
+            <a:r>
+              <a:rPr lang="en-US" dirty="0">
+                <a:solidFill>
+                  <a:srgbClr val="000000"/>
+                </a:solidFill>
+                <a:latin typeface="Consolas" panose="020B0609020204030204" pitchFamily="49" charset="0"/>
+              </a:rPr>
+              <a:t> (</a:t>
+            </a:r>
+            <a:r>
+              <a:rPr lang="en-US" dirty="0" err="1">
+                <a:solidFill>
+                  <a:srgbClr val="000000"/>
+                </a:solidFill>
+                <a:latin typeface="Consolas" panose="020B0609020204030204" pitchFamily="49" charset="0"/>
+              </a:rPr>
+              <a:t>num</a:t>
+            </a:r>
+            <a:r>
+              <a:rPr lang="en-US" dirty="0">
+                <a:solidFill>
+                  <a:srgbClr val="000000"/>
+                </a:solidFill>
+                <a:latin typeface="Consolas" panose="020B0609020204030204" pitchFamily="49" charset="0"/>
+              </a:rPr>
+              <a:t>, </a:t>
+            </a:r>
+            <a:r>
+              <a:rPr lang="en-US" dirty="0" err="1">
+                <a:solidFill>
+                  <a:srgbClr val="000000"/>
+                </a:solidFill>
+                <a:latin typeface="Consolas" panose="020B0609020204030204" pitchFamily="49" charset="0"/>
+              </a:rPr>
               <a:t>str</a:t>
             </a:r>
             <a:r>
@@ -18319,20 +20327,20 @@
                 </a:solidFill>
                 <a:latin typeface="Consolas" panose="020B0609020204030204" pitchFamily="49" charset="0"/>
               </a:rPr>
-              <a:t> = </a:t>
+              <a:t>) = </a:t>
+            </a:r>
+            <a:r>
+              <a:rPr lang="en-US" dirty="0" err="1">
+                <a:solidFill>
+                  <a:srgbClr val="000000"/>
+                </a:solidFill>
+                <a:latin typeface="Consolas" panose="020B0609020204030204" pitchFamily="49" charset="0"/>
+              </a:rPr>
+              <a:t>obj</a:t>
             </a:r>
             <a:r>
               <a:rPr lang="en-US" dirty="0">
                 <a:solidFill>
-                  <a:srgbClr val="A31515"/>
-                </a:solidFill>
-                <a:latin typeface="Consolas" panose="020B0609020204030204" pitchFamily="49" charset="0"/>
-              </a:rPr>
-              <a:t>"Hello, world!"</a:t>
-            </a:r>
-            <a:r>
-              <a:rPr lang="en-US" dirty="0">
-                <a:solidFill>
                   <a:srgbClr val="000000"/>
                 </a:solidFill>
                 <a:latin typeface="Consolas" panose="020B0609020204030204" pitchFamily="49" charset="0"/>
@@ -18341,63 +20349,7 @@
             </a:r>
           </a:p>
           <a:p>
-            <a:r>
-              <a:rPr lang="en-US" dirty="0" err="1">
-                <a:solidFill>
-                  <a:srgbClr val="0000FF"/>
-                </a:solidFill>
-                <a:latin typeface="Consolas" panose="020B0609020204030204" pitchFamily="49" charset="0"/>
-              </a:rPr>
-              <a:t>var</a:t>
-            </a:r>
-            <a:r>
-              <a:rPr lang="en-US" dirty="0">
-                <a:solidFill>
-                  <a:srgbClr val="000000"/>
-                </a:solidFill>
-                <a:latin typeface="Consolas" panose="020B0609020204030204" pitchFamily="49" charset="0"/>
-              </a:rPr>
-              <a:t> (</a:t>
-            </a:r>
-            <a:r>
-              <a:rPr lang="en-US" dirty="0" err="1">
-                <a:solidFill>
-                  <a:srgbClr val="000000"/>
-                </a:solidFill>
-                <a:latin typeface="Consolas" panose="020B0609020204030204" pitchFamily="49" charset="0"/>
-              </a:rPr>
-              <a:t>len</a:t>
-            </a:r>
-            <a:r>
-              <a:rPr lang="en-US" dirty="0">
-                <a:solidFill>
-                  <a:srgbClr val="000000"/>
-                </a:solidFill>
-                <a:latin typeface="Consolas" panose="020B0609020204030204" pitchFamily="49" charset="0"/>
-              </a:rPr>
-              <a:t>, hash) = </a:t>
-            </a:r>
-            <a:r>
-              <a:rPr lang="en-US" dirty="0" err="1">
-                <a:solidFill>
-                  <a:srgbClr val="000000"/>
-                </a:solidFill>
-                <a:latin typeface="Consolas" panose="020B0609020204030204" pitchFamily="49" charset="0"/>
-              </a:rPr>
-              <a:t>str</a:t>
-            </a:r>
-            <a:r>
-              <a:rPr lang="en-US" dirty="0">
-                <a:solidFill>
-                  <a:srgbClr val="000000"/>
-                </a:solidFill>
-                <a:latin typeface="Consolas" panose="020B0609020204030204" pitchFamily="49" charset="0"/>
-              </a:rPr>
-              <a:t>;</a:t>
-            </a:r>
-          </a:p>
-          <a:p>
-            <a:endParaRPr lang="ru-RU" dirty="0">
+            <a:endParaRPr lang="en-US" dirty="0">
               <a:solidFill>
                 <a:srgbClr val="000000"/>
               </a:solidFill>
@@ -18412,7 +20364,7 @@
                 </a:solidFill>
                 <a:latin typeface="Consolas" panose="020B0609020204030204" pitchFamily="49" charset="0"/>
               </a:rPr>
-              <a:t>len</a:t>
+              <a:t>num</a:t>
             </a:r>
             <a:r>
               <a:rPr lang="en-US" dirty="0">
@@ -18426,13 +20378,40 @@
           </a:p>
           <a:p>
             <a:r>
+              <a:rPr lang="en-US" dirty="0" err="1">
+                <a:solidFill>
+                  <a:srgbClr val="000000"/>
+                </a:solidFill>
+                <a:latin typeface="Consolas" panose="020B0609020204030204" pitchFamily="49" charset="0"/>
+              </a:rPr>
+              <a:t>str</a:t>
+            </a:r>
+            <a:r>
               <a:rPr lang="en-US" dirty="0">
                 <a:solidFill>
                   <a:srgbClr val="000000"/>
                 </a:solidFill>
                 <a:latin typeface="Consolas" panose="020B0609020204030204" pitchFamily="49" charset="0"/>
               </a:rPr>
-              <a:t>hash ^= 0b1010_1100;</a:t>
+              <a:t> += </a:t>
+            </a:r>
+            <a:r>
+              <a:rPr lang="en-US" dirty="0">
+                <a:solidFill>
+                  <a:srgbClr val="A31515"/>
+                </a:solidFill>
+                <a:latin typeface="Consolas" panose="020B0609020204030204" pitchFamily="49" charset="0"/>
+              </a:rPr>
+              <a:t>"!"</a:t>
+            </a:r>
+            <a:r>
+              <a:rPr lang="en-US" dirty="0">
+                <a:solidFill>
+                  <a:srgbClr val="000000"/>
+                </a:solidFill>
+                <a:latin typeface="Consolas" panose="020B0609020204030204" pitchFamily="49" charset="0"/>
+              </a:rPr>
+              <a:t>;</a:t>
             </a:r>
             <a:endParaRPr lang="ru-RU" dirty="0"/>
           </a:p>
@@ -18441,7 +20420,7 @@
     </p:spTree>
     <p:extLst>
       <p:ext uri="{BB962C8B-B14F-4D97-AF65-F5344CB8AC3E}">
-        <p14:creationId xmlns:p14="http://schemas.microsoft.com/office/powerpoint/2010/main" val="1726064712"/>
+        <p14:creationId xmlns:p14="http://schemas.microsoft.com/office/powerpoint/2010/main" val="2257139884"/>
       </p:ext>
     </p:extLst>
   </p:cSld>

--- a/CS7.pptx
+++ b/CS7.pptx
@@ -7,7 +7,7 @@
     <p:sldMasterId id="2147483750" r:id="rId3"/>
   </p:sldMasterIdLst>
   <p:notesMasterIdLst>
-    <p:notesMasterId r:id="rId28"/>
+    <p:notesMasterId r:id="rId29"/>
   </p:notesMasterIdLst>
   <p:sldIdLst>
     <p:sldId id="261" r:id="rId4"/>
@@ -26,14 +26,15 @@
     <p:sldId id="273" r:id="rId17"/>
     <p:sldId id="283" r:id="rId18"/>
     <p:sldId id="284" r:id="rId19"/>
-    <p:sldId id="285" r:id="rId20"/>
-    <p:sldId id="267" r:id="rId21"/>
-    <p:sldId id="268" r:id="rId22"/>
-    <p:sldId id="274" r:id="rId23"/>
-    <p:sldId id="275" r:id="rId24"/>
-    <p:sldId id="276" r:id="rId25"/>
-    <p:sldId id="277" r:id="rId26"/>
-    <p:sldId id="278" r:id="rId27"/>
+    <p:sldId id="286" r:id="rId20"/>
+    <p:sldId id="287" r:id="rId21"/>
+    <p:sldId id="267" r:id="rId22"/>
+    <p:sldId id="268" r:id="rId23"/>
+    <p:sldId id="274" r:id="rId24"/>
+    <p:sldId id="275" r:id="rId25"/>
+    <p:sldId id="276" r:id="rId26"/>
+    <p:sldId id="277" r:id="rId27"/>
+    <p:sldId id="278" r:id="rId28"/>
   </p:sldIdLst>
   <p:sldSz cx="12192000" cy="6858000"/>
   <p:notesSz cx="6858000" cy="9144000"/>
@@ -165,7 +166,8 @@
           <p14:sldIdLst>
             <p14:sldId id="283"/>
             <p14:sldId id="284"/>
-            <p14:sldId id="285"/>
+            <p14:sldId id="286"/>
+            <p14:sldId id="287"/>
           </p14:sldIdLst>
         </p14:section>
         <p14:section name="Небольшие изменения" id="{0B33948A-C52D-45DF-9E0B-2E058EE06C3E}">
@@ -196,6 +198,35 @@
 <p1510:revInfo xmlns:a="http://schemas.openxmlformats.org/drawingml/2006/main" xmlns:r="http://schemas.openxmlformats.org/officeDocument/2006/relationships" xmlns:p1510="http://schemas.microsoft.com/office/powerpoint/2015/10/main"/>
 </file>
 
+<file path=ppt/ink/ink1.xml><?xml version="1.0" encoding="utf-8"?>
+<inkml:ink xmlns:inkml="http://www.w3.org/2003/InkML">
+  <inkml:definitions>
+    <inkml:context xml:id="ctx0">
+      <inkml:inkSource xml:id="inkSrc0">
+        <inkml:traceFormat>
+          <inkml:channel name="X" type="integer" max="1920" units="cm"/>
+          <inkml:channel name="Y" type="integer" max="1080" units="cm"/>
+          <inkml:channel name="T" type="integer" max="2.14748E9" units="dev"/>
+        </inkml:traceFormat>
+        <inkml:channelProperties>
+          <inkml:channelProperty channel="X" name="resolution" value="28.36041" units="1/cm"/>
+          <inkml:channelProperty channel="Y" name="resolution" value="28.34646" units="1/cm"/>
+          <inkml:channelProperty channel="T" name="resolution" value="1" units="1/dev"/>
+        </inkml:channelProperties>
+      </inkml:inkSource>
+      <inkml:timestamp xml:id="ts0" timeString="2017-05-11T03:58:48.320"/>
+    </inkml:context>
+    <inkml:brush xml:id="br0">
+      <inkml:brushProperty name="width" value="0.05292" units="cm"/>
+      <inkml:brushProperty name="height" value="0.05292" units="cm"/>
+      <inkml:brushProperty name="color" value="#FF0000"/>
+    </inkml:brush>
+  </inkml:definitions>
+  <inkml:trace contextRef="#ctx0" brushRef="#br0">21396 5539 0</inkml:trace>
+  <inkml:trace contextRef="#ctx0" brushRef="#br0" timeOffset="674.8001">19791 5697 0</inkml:trace>
+</inkml:ink>
+</file>
+
 <file path=ppt/notesMasters/notesMaster1.xml><?xml version="1.0" encoding="utf-8"?>
 <p:notesMaster xmlns:a="http://schemas.openxmlformats.org/drawingml/2006/main" xmlns:r="http://schemas.openxmlformats.org/officeDocument/2006/relationships" xmlns:p="http://schemas.openxmlformats.org/presentationml/2006/main">
   <p:cSld>
@@ -278,7 +309,7 @@
           <a:p>
             <a:fld id="{3F66B0A3-8829-454C-82AD-7C02CFF2BB29}" type="datetimeFigureOut">
               <a:rPr lang="ru-RU" smtClean="0"/>
-              <a:t>10.05.2017</a:t>
+              <a:t>11.05.2017</a:t>
             </a:fld>
             <a:endParaRPr lang="ru-RU"/>
           </a:p>
@@ -708,7 +739,7 @@
           <a:p>
             <a:fld id="{94CDE472-856A-4C5F-90D1-1F8917732D43}" type="slidenum">
               <a:rPr lang="ru-RU" smtClean="0"/>
-              <a:t>20</a:t>
+              <a:t>21</a:t>
             </a:fld>
             <a:endParaRPr lang="ru-RU"/>
           </a:p>
@@ -792,7 +823,7 @@
           <a:p>
             <a:fld id="{94CDE472-856A-4C5F-90D1-1F8917732D43}" type="slidenum">
               <a:rPr lang="ru-RU" smtClean="0"/>
-              <a:t>21</a:t>
+              <a:t>22</a:t>
             </a:fld>
             <a:endParaRPr lang="ru-RU"/>
           </a:p>
@@ -876,7 +907,7 @@
           <a:p>
             <a:fld id="{94CDE472-856A-4C5F-90D1-1F8917732D43}" type="slidenum">
               <a:rPr lang="ru-RU" smtClean="0"/>
-              <a:t>22</a:t>
+              <a:t>23</a:t>
             </a:fld>
             <a:endParaRPr lang="ru-RU"/>
           </a:p>
@@ -1690,7 +1721,7 @@
           <a:p>
             <a:fld id="{94CDE472-856A-4C5F-90D1-1F8917732D43}" type="slidenum">
               <a:rPr lang="ru-RU" smtClean="0"/>
-              <a:t>19</a:t>
+              <a:t>20</a:t>
             </a:fld>
             <a:endParaRPr lang="ru-RU"/>
           </a:p>
@@ -1851,7 +1882,7 @@
           <a:p>
             <a:fld id="{7D509BED-3442-45B2-9A11-390A0AF5BB8F}" type="datetimeFigureOut">
               <a:rPr lang="ru-RU" smtClean="0"/>
-              <a:t>10.05.2017</a:t>
+              <a:t>11.05.2017</a:t>
             </a:fld>
             <a:endParaRPr lang="ru-RU"/>
           </a:p>
@@ -2021,7 +2052,7 @@
           <a:p>
             <a:fld id="{7D509BED-3442-45B2-9A11-390A0AF5BB8F}" type="datetimeFigureOut">
               <a:rPr lang="ru-RU" smtClean="0"/>
-              <a:t>10.05.2017</a:t>
+              <a:t>11.05.2017</a:t>
             </a:fld>
             <a:endParaRPr lang="ru-RU"/>
           </a:p>
@@ -2201,7 +2232,7 @@
           <a:p>
             <a:fld id="{7D509BED-3442-45B2-9A11-390A0AF5BB8F}" type="datetimeFigureOut">
               <a:rPr lang="ru-RU" smtClean="0"/>
-              <a:t>10.05.2017</a:t>
+              <a:t>11.05.2017</a:t>
             </a:fld>
             <a:endParaRPr lang="ru-RU"/>
           </a:p>
@@ -2404,7 +2435,7 @@
           <a:p>
             <a:fld id="{7D509BED-3442-45B2-9A11-390A0AF5BB8F}" type="datetimeFigureOut">
               <a:rPr lang="ru-RU" smtClean="0"/>
-              <a:t>10.05.2017</a:t>
+              <a:t>11.05.2017</a:t>
             </a:fld>
             <a:endParaRPr lang="ru-RU"/>
           </a:p>
@@ -2574,7 +2605,7 @@
           <a:p>
             <a:fld id="{7D509BED-3442-45B2-9A11-390A0AF5BB8F}" type="datetimeFigureOut">
               <a:rPr lang="ru-RU" smtClean="0"/>
-              <a:t>10.05.2017</a:t>
+              <a:t>11.05.2017</a:t>
             </a:fld>
             <a:endParaRPr lang="ru-RU"/>
           </a:p>
@@ -2825,7 +2856,7 @@
           <a:p>
             <a:fld id="{7D509BED-3442-45B2-9A11-390A0AF5BB8F}" type="datetimeFigureOut">
               <a:rPr lang="ru-RU" smtClean="0"/>
-              <a:t>10.05.2017</a:t>
+              <a:t>11.05.2017</a:t>
             </a:fld>
             <a:endParaRPr lang="ru-RU"/>
           </a:p>
@@ -3057,7 +3088,7 @@
           <a:p>
             <a:fld id="{7D509BED-3442-45B2-9A11-390A0AF5BB8F}" type="datetimeFigureOut">
               <a:rPr lang="ru-RU" smtClean="0"/>
-              <a:t>10.05.2017</a:t>
+              <a:t>11.05.2017</a:t>
             </a:fld>
             <a:endParaRPr lang="ru-RU"/>
           </a:p>
@@ -3404,7 +3435,7 @@
           <a:p>
             <a:fld id="{7D509BED-3442-45B2-9A11-390A0AF5BB8F}" type="datetimeFigureOut">
               <a:rPr lang="ru-RU" smtClean="0"/>
-              <a:t>10.05.2017</a:t>
+              <a:t>11.05.2017</a:t>
             </a:fld>
             <a:endParaRPr lang="ru-RU"/>
           </a:p>
@@ -3522,7 +3553,7 @@
           <a:p>
             <a:fld id="{7D509BED-3442-45B2-9A11-390A0AF5BB8F}" type="datetimeFigureOut">
               <a:rPr lang="ru-RU" smtClean="0"/>
-              <a:t>10.05.2017</a:t>
+              <a:t>11.05.2017</a:t>
             </a:fld>
             <a:endParaRPr lang="ru-RU"/>
           </a:p>
@@ -3640,7 +3671,7 @@
           <a:p>
             <a:fld id="{7D509BED-3442-45B2-9A11-390A0AF5BB8F}" type="datetimeFigureOut">
               <a:rPr lang="ru-RU" smtClean="0"/>
-              <a:t>10.05.2017</a:t>
+              <a:t>11.05.2017</a:t>
             </a:fld>
             <a:endParaRPr lang="ru-RU"/>
           </a:p>
@@ -3924,7 +3955,7 @@
           <a:p>
             <a:fld id="{7D509BED-3442-45B2-9A11-390A0AF5BB8F}" type="datetimeFigureOut">
               <a:rPr lang="ru-RU" smtClean="0"/>
-              <a:t>10.05.2017</a:t>
+              <a:t>11.05.2017</a:t>
             </a:fld>
             <a:endParaRPr lang="ru-RU"/>
           </a:p>
@@ -4094,7 +4125,7 @@
           <a:p>
             <a:fld id="{7D509BED-3442-45B2-9A11-390A0AF5BB8F}" type="datetimeFigureOut">
               <a:rPr lang="ru-RU" smtClean="0"/>
-              <a:t>10.05.2017</a:t>
+              <a:t>11.05.2017</a:t>
             </a:fld>
             <a:endParaRPr lang="ru-RU"/>
           </a:p>
@@ -4358,7 +4389,7 @@
           <a:p>
             <a:fld id="{7D509BED-3442-45B2-9A11-390A0AF5BB8F}" type="datetimeFigureOut">
               <a:rPr lang="ru-RU" smtClean="0"/>
-              <a:t>10.05.2017</a:t>
+              <a:t>11.05.2017</a:t>
             </a:fld>
             <a:endParaRPr lang="ru-RU"/>
           </a:p>
@@ -4528,7 +4559,7 @@
           <a:p>
             <a:fld id="{7D509BED-3442-45B2-9A11-390A0AF5BB8F}" type="datetimeFigureOut">
               <a:rPr lang="ru-RU" smtClean="0"/>
-              <a:t>10.05.2017</a:t>
+              <a:t>11.05.2017</a:t>
             </a:fld>
             <a:endParaRPr lang="ru-RU"/>
           </a:p>
@@ -4708,7 +4739,7 @@
           <a:p>
             <a:fld id="{7D509BED-3442-45B2-9A11-390A0AF5BB8F}" type="datetimeFigureOut">
               <a:rPr lang="ru-RU" smtClean="0"/>
-              <a:t>10.05.2017</a:t>
+              <a:t>11.05.2017</a:t>
             </a:fld>
             <a:endParaRPr lang="ru-RU"/>
           </a:p>
@@ -4911,7 +4942,7 @@
           <a:p>
             <a:fld id="{7D509BED-3442-45B2-9A11-390A0AF5BB8F}" type="datetimeFigureOut">
               <a:rPr lang="ru-RU" smtClean="0"/>
-              <a:t>10.05.2017</a:t>
+              <a:t>11.05.2017</a:t>
             </a:fld>
             <a:endParaRPr lang="ru-RU"/>
           </a:p>
@@ -5081,7 +5112,7 @@
           <a:p>
             <a:fld id="{7D509BED-3442-45B2-9A11-390A0AF5BB8F}" type="datetimeFigureOut">
               <a:rPr lang="ru-RU" smtClean="0"/>
-              <a:t>10.05.2017</a:t>
+              <a:t>11.05.2017</a:t>
             </a:fld>
             <a:endParaRPr lang="ru-RU"/>
           </a:p>
@@ -5332,7 +5363,7 @@
           <a:p>
             <a:fld id="{7D509BED-3442-45B2-9A11-390A0AF5BB8F}" type="datetimeFigureOut">
               <a:rPr lang="ru-RU" smtClean="0"/>
-              <a:t>10.05.2017</a:t>
+              <a:t>11.05.2017</a:t>
             </a:fld>
             <a:endParaRPr lang="ru-RU"/>
           </a:p>
@@ -5564,7 +5595,7 @@
           <a:p>
             <a:fld id="{7D509BED-3442-45B2-9A11-390A0AF5BB8F}" type="datetimeFigureOut">
               <a:rPr lang="ru-RU" smtClean="0"/>
-              <a:t>10.05.2017</a:t>
+              <a:t>11.05.2017</a:t>
             </a:fld>
             <a:endParaRPr lang="ru-RU"/>
           </a:p>
@@ -5911,7 +5942,7 @@
           <a:p>
             <a:fld id="{7D509BED-3442-45B2-9A11-390A0AF5BB8F}" type="datetimeFigureOut">
               <a:rPr lang="ru-RU" smtClean="0"/>
-              <a:t>10.05.2017</a:t>
+              <a:t>11.05.2017</a:t>
             </a:fld>
             <a:endParaRPr lang="ru-RU"/>
           </a:p>
@@ -6029,7 +6060,7 @@
           <a:p>
             <a:fld id="{7D509BED-3442-45B2-9A11-390A0AF5BB8F}" type="datetimeFigureOut">
               <a:rPr lang="ru-RU" smtClean="0"/>
-              <a:t>10.05.2017</a:t>
+              <a:t>11.05.2017</a:t>
             </a:fld>
             <a:endParaRPr lang="ru-RU"/>
           </a:p>
@@ -6147,7 +6178,7 @@
           <a:p>
             <a:fld id="{7D509BED-3442-45B2-9A11-390A0AF5BB8F}" type="datetimeFigureOut">
               <a:rPr lang="ru-RU" smtClean="0"/>
-              <a:t>10.05.2017</a:t>
+              <a:t>11.05.2017</a:t>
             </a:fld>
             <a:endParaRPr lang="ru-RU"/>
           </a:p>
@@ -6398,7 +6429,7 @@
           <a:p>
             <a:fld id="{7D509BED-3442-45B2-9A11-390A0AF5BB8F}" type="datetimeFigureOut">
               <a:rPr lang="ru-RU" smtClean="0"/>
-              <a:t>10.05.2017</a:t>
+              <a:t>11.05.2017</a:t>
             </a:fld>
             <a:endParaRPr lang="ru-RU"/>
           </a:p>
@@ -6682,7 +6713,7 @@
           <a:p>
             <a:fld id="{7D509BED-3442-45B2-9A11-390A0AF5BB8F}" type="datetimeFigureOut">
               <a:rPr lang="ru-RU" smtClean="0"/>
-              <a:t>10.05.2017</a:t>
+              <a:t>11.05.2017</a:t>
             </a:fld>
             <a:endParaRPr lang="ru-RU"/>
           </a:p>
@@ -6946,7 +6977,7 @@
           <a:p>
             <a:fld id="{7D509BED-3442-45B2-9A11-390A0AF5BB8F}" type="datetimeFigureOut">
               <a:rPr lang="ru-RU" smtClean="0"/>
-              <a:t>10.05.2017</a:t>
+              <a:t>11.05.2017</a:t>
             </a:fld>
             <a:endParaRPr lang="ru-RU"/>
           </a:p>
@@ -7116,7 +7147,7 @@
           <a:p>
             <a:fld id="{7D509BED-3442-45B2-9A11-390A0AF5BB8F}" type="datetimeFigureOut">
               <a:rPr lang="ru-RU" smtClean="0"/>
-              <a:t>10.05.2017</a:t>
+              <a:t>11.05.2017</a:t>
             </a:fld>
             <a:endParaRPr lang="ru-RU"/>
           </a:p>
@@ -7296,7 +7327,7 @@
           <a:p>
             <a:fld id="{7D509BED-3442-45B2-9A11-390A0AF5BB8F}" type="datetimeFigureOut">
               <a:rPr lang="ru-RU" smtClean="0"/>
-              <a:t>10.05.2017</a:t>
+              <a:t>11.05.2017</a:t>
             </a:fld>
             <a:endParaRPr lang="ru-RU"/>
           </a:p>
@@ -7528,7 +7559,7 @@
           <a:p>
             <a:fld id="{7D509BED-3442-45B2-9A11-390A0AF5BB8F}" type="datetimeFigureOut">
               <a:rPr lang="ru-RU" smtClean="0"/>
-              <a:t>10.05.2017</a:t>
+              <a:t>11.05.2017</a:t>
             </a:fld>
             <a:endParaRPr lang="ru-RU"/>
           </a:p>
@@ -7875,7 +7906,7 @@
           <a:p>
             <a:fld id="{7D509BED-3442-45B2-9A11-390A0AF5BB8F}" type="datetimeFigureOut">
               <a:rPr lang="ru-RU" smtClean="0"/>
-              <a:t>10.05.2017</a:t>
+              <a:t>11.05.2017</a:t>
             </a:fld>
             <a:endParaRPr lang="ru-RU"/>
           </a:p>
@@ -7993,7 +8024,7 @@
           <a:p>
             <a:fld id="{7D509BED-3442-45B2-9A11-390A0AF5BB8F}" type="datetimeFigureOut">
               <a:rPr lang="ru-RU" smtClean="0"/>
-              <a:t>10.05.2017</a:t>
+              <a:t>11.05.2017</a:t>
             </a:fld>
             <a:endParaRPr lang="ru-RU"/>
           </a:p>
@@ -8111,7 +8142,7 @@
           <a:p>
             <a:fld id="{7D509BED-3442-45B2-9A11-390A0AF5BB8F}" type="datetimeFigureOut">
               <a:rPr lang="ru-RU" smtClean="0"/>
-              <a:t>10.05.2017</a:t>
+              <a:t>11.05.2017</a:t>
             </a:fld>
             <a:endParaRPr lang="ru-RU"/>
           </a:p>
@@ -8395,7 +8426,7 @@
           <a:p>
             <a:fld id="{7D509BED-3442-45B2-9A11-390A0AF5BB8F}" type="datetimeFigureOut">
               <a:rPr lang="ru-RU" smtClean="0"/>
-              <a:t>10.05.2017</a:t>
+              <a:t>11.05.2017</a:t>
             </a:fld>
             <a:endParaRPr lang="ru-RU"/>
           </a:p>
@@ -8659,7 +8690,7 @@
           <a:p>
             <a:fld id="{7D509BED-3442-45B2-9A11-390A0AF5BB8F}" type="datetimeFigureOut">
               <a:rPr lang="ru-RU" smtClean="0"/>
-              <a:t>10.05.2017</a:t>
+              <a:t>11.05.2017</a:t>
             </a:fld>
             <a:endParaRPr lang="ru-RU"/>
           </a:p>
@@ -8873,7 +8904,7 @@
           <a:p>
             <a:fld id="{7D509BED-3442-45B2-9A11-390A0AF5BB8F}" type="datetimeFigureOut">
               <a:rPr lang="ru-RU" smtClean="0"/>
-              <a:t>10.05.2017</a:t>
+              <a:t>11.05.2017</a:t>
             </a:fld>
             <a:endParaRPr lang="ru-RU"/>
           </a:p>
@@ -9403,7 +9434,7 @@
           <a:p>
             <a:fld id="{7D509BED-3442-45B2-9A11-390A0AF5BB8F}" type="datetimeFigureOut">
               <a:rPr lang="ru-RU" smtClean="0"/>
-              <a:t>10.05.2017</a:t>
+              <a:t>11.05.2017</a:t>
             </a:fld>
             <a:endParaRPr lang="ru-RU"/>
           </a:p>
@@ -9933,7 +9964,7 @@
           <a:p>
             <a:fld id="{7D509BED-3442-45B2-9A11-390A0AF5BB8F}" type="datetimeFigureOut">
               <a:rPr lang="ru-RU" smtClean="0"/>
-              <a:t>10.05.2017</a:t>
+              <a:t>11.05.2017</a:t>
             </a:fld>
             <a:endParaRPr lang="ru-RU"/>
           </a:p>
@@ -10369,14 +10400,7 @@
           <a:p>
             <a:r>
               <a:rPr lang="ru-RU" sz="3200" dirty="0"/>
-              <a:t>О том, что нового появилось </a:t>
-            </a:r>
-            <a:br>
-              <a:rPr lang="ru-RU" sz="3200" dirty="0"/>
-            </a:br>
-            <a:r>
-              <a:rPr lang="ru-RU" sz="3200" dirty="0"/>
-              <a:t>и что с этим делать</a:t>
+              <a:t>Больше сахара - меньше строк</a:t>
             </a:r>
           </a:p>
         </p:txBody>
@@ -13363,7 +13387,7 @@
         <p:spPr>
           <a:xfrm>
             <a:off x="0" y="2942549"/>
-            <a:ext cx="12192000" cy="523220"/>
+            <a:ext cx="12192000" cy="584775"/>
           </a:xfrm>
           <a:prstGeom prst="rect">
             <a:avLst/>
@@ -13377,124 +13401,106 @@
           <a:p>
             <a:pPr algn="ctr"/>
             <a:r>
-              <a:rPr lang="en-US" sz="2800" dirty="0">
+              <a:rPr lang="en-US" sz="3200" dirty="0">
+                <a:solidFill>
+                  <a:srgbClr val="2B91AF"/>
+                </a:solidFill>
+                <a:latin typeface="Consolas" panose="020B0609020204030204" pitchFamily="49" charset="0"/>
+              </a:rPr>
+              <a:t>T</a:t>
+            </a:r>
+            <a:r>
+              <a:rPr lang="en-US" sz="3200" dirty="0">
+                <a:solidFill>
+                  <a:srgbClr val="000000"/>
+                </a:solidFill>
+                <a:latin typeface="Consolas" panose="020B0609020204030204" pitchFamily="49" charset="0"/>
+              </a:rPr>
+              <a:t> </a:t>
+            </a:r>
+            <a:r>
+              <a:rPr lang="en-US" sz="3200" dirty="0" err="1">
+                <a:solidFill>
+                  <a:srgbClr val="000000"/>
+                </a:solidFill>
+                <a:latin typeface="Consolas" panose="020B0609020204030204" pitchFamily="49" charset="0"/>
+              </a:rPr>
+              <a:t>GetLastOrDefault</a:t>
+            </a:r>
+            <a:r>
+              <a:rPr lang="en-US" sz="3200" dirty="0">
+                <a:solidFill>
+                  <a:srgbClr val="000000"/>
+                </a:solidFill>
+                <a:latin typeface="Consolas" panose="020B0609020204030204" pitchFamily="49" charset="0"/>
+              </a:rPr>
+              <a:t>&lt;</a:t>
+            </a:r>
+            <a:r>
+              <a:rPr lang="en-US" sz="3200" dirty="0">
+                <a:solidFill>
+                  <a:srgbClr val="2B91AF"/>
+                </a:solidFill>
+                <a:latin typeface="Consolas" panose="020B0609020204030204" pitchFamily="49" charset="0"/>
+              </a:rPr>
+              <a:t>T</a:t>
+            </a:r>
+            <a:r>
+              <a:rPr lang="en-US" sz="3200" dirty="0">
+                <a:solidFill>
+                  <a:srgbClr val="000000"/>
+                </a:solidFill>
+                <a:latin typeface="Consolas" panose="020B0609020204030204" pitchFamily="49" charset="0"/>
+              </a:rPr>
+              <a:t>&gt;(</a:t>
+            </a:r>
+            <a:r>
+              <a:rPr lang="en-US" sz="3200" dirty="0">
                 <a:solidFill>
                   <a:srgbClr val="0000FF"/>
                 </a:solidFill>
                 <a:latin typeface="Consolas" panose="020B0609020204030204" pitchFamily="49" charset="0"/>
               </a:rPr>
-              <a:t>public</a:t>
-            </a:r>
-            <a:r>
-              <a:rPr lang="en-US" sz="2800" dirty="0">
-                <a:solidFill>
-                  <a:srgbClr val="000000"/>
-                </a:solidFill>
-                <a:latin typeface="Consolas" panose="020B0609020204030204" pitchFamily="49" charset="0"/>
-              </a:rPr>
-              <a:t> List&lt;</a:t>
-            </a:r>
-            <a:r>
-              <a:rPr lang="en-US" sz="2800" dirty="0">
+              <a:t>this</a:t>
+            </a:r>
+            <a:r>
+              <a:rPr lang="en-US" sz="3200" dirty="0">
+                <a:solidFill>
+                  <a:srgbClr val="000000"/>
+                </a:solidFill>
+                <a:latin typeface="Consolas" panose="020B0609020204030204" pitchFamily="49" charset="0"/>
+              </a:rPr>
+              <a:t> </a:t>
+            </a:r>
+            <a:r>
+              <a:rPr lang="en-US" sz="3200" dirty="0" err="1">
                 <a:solidFill>
                   <a:srgbClr val="2B91AF"/>
                 </a:solidFill>
                 <a:latin typeface="Consolas" panose="020B0609020204030204" pitchFamily="49" charset="0"/>
               </a:rPr>
+              <a:t>IEnumerable</a:t>
+            </a:r>
+            <a:r>
+              <a:rPr lang="en-US" sz="3200" dirty="0">
+                <a:solidFill>
+                  <a:srgbClr val="000000"/>
+                </a:solidFill>
+                <a:latin typeface="Consolas" panose="020B0609020204030204" pitchFamily="49" charset="0"/>
+              </a:rPr>
+              <a:t>&lt;</a:t>
+            </a:r>
+            <a:r>
+              <a:rPr lang="en-US" sz="3200" dirty="0">
+                <a:solidFill>
+                  <a:srgbClr val="2B91AF"/>
+                </a:solidFill>
+                <a:latin typeface="Consolas" panose="020B0609020204030204" pitchFamily="49" charset="0"/>
+              </a:rPr>
               <a:t>T</a:t>
             </a:r>
             <a:r>
-              <a:rPr lang="en-US" sz="2800" dirty="0">
-                <a:solidFill>
-                  <a:srgbClr val="000000"/>
-                </a:solidFill>
-                <a:latin typeface="Consolas" panose="020B0609020204030204" pitchFamily="49" charset="0"/>
-              </a:rPr>
-              <a:t>&gt; </a:t>
-            </a:r>
-            <a:r>
-              <a:rPr lang="en-US" sz="2800" dirty="0" err="1">
-                <a:solidFill>
-                  <a:srgbClr val="000000"/>
-                </a:solidFill>
-                <a:latin typeface="Consolas" panose="020B0609020204030204" pitchFamily="49" charset="0"/>
-              </a:rPr>
-              <a:t>CastToArray</a:t>
-            </a:r>
-            <a:r>
-              <a:rPr lang="en-US" sz="2800" dirty="0">
-                <a:solidFill>
-                  <a:srgbClr val="000000"/>
-                </a:solidFill>
-                <a:latin typeface="Consolas" panose="020B0609020204030204" pitchFamily="49" charset="0"/>
-              </a:rPr>
-              <a:t>&lt;</a:t>
-            </a:r>
-            <a:r>
-              <a:rPr lang="en-US" sz="2800" dirty="0">
-                <a:solidFill>
-                  <a:srgbClr val="2B91AF"/>
-                </a:solidFill>
-                <a:latin typeface="Consolas" panose="020B0609020204030204" pitchFamily="49" charset="0"/>
-              </a:rPr>
-              <a:t>T</a:t>
-            </a:r>
-            <a:r>
-              <a:rPr lang="en-US" sz="2800" dirty="0">
-                <a:solidFill>
-                  <a:srgbClr val="000000"/>
-                </a:solidFill>
-                <a:latin typeface="Consolas" panose="020B0609020204030204" pitchFamily="49" charset="0"/>
-              </a:rPr>
-              <a:t>&gt;(</a:t>
-            </a:r>
-            <a:r>
-              <a:rPr lang="en-US" sz="2800" dirty="0">
-                <a:solidFill>
-                  <a:srgbClr val="0000FF"/>
-                </a:solidFill>
-                <a:latin typeface="Consolas" panose="020B0609020204030204" pitchFamily="49" charset="0"/>
-              </a:rPr>
-              <a:t>this</a:t>
-            </a:r>
-            <a:r>
-              <a:rPr lang="en-US" sz="2800" dirty="0">
-                <a:solidFill>
-                  <a:srgbClr val="000000"/>
-                </a:solidFill>
-                <a:latin typeface="Consolas" panose="020B0609020204030204" pitchFamily="49" charset="0"/>
-              </a:rPr>
-              <a:t> </a:t>
-            </a:r>
-            <a:r>
-              <a:rPr lang="en-US" sz="2800" dirty="0" err="1">
-                <a:solidFill>
-                  <a:srgbClr val="2B91AF"/>
-                </a:solidFill>
-                <a:latin typeface="Consolas" panose="020B0609020204030204" pitchFamily="49" charset="0"/>
-              </a:rPr>
-              <a:t>IEnumerable</a:t>
-            </a:r>
-            <a:r>
-              <a:rPr lang="en-US" sz="2800" dirty="0">
-                <a:solidFill>
-                  <a:srgbClr val="000000"/>
-                </a:solidFill>
-                <a:latin typeface="Consolas" panose="020B0609020204030204" pitchFamily="49" charset="0"/>
-              </a:rPr>
-              <a:t>&lt;</a:t>
-            </a:r>
-            <a:r>
-              <a:rPr lang="en-US" sz="2800" dirty="0">
-                <a:solidFill>
-                  <a:srgbClr val="2B91AF"/>
-                </a:solidFill>
-                <a:latin typeface="Consolas" panose="020B0609020204030204" pitchFamily="49" charset="0"/>
-              </a:rPr>
-              <a:t>T</a:t>
-            </a:r>
-            <a:r>
-              <a:rPr lang="en-US" sz="2800" dirty="0">
+              <a:rPr lang="en-US" sz="3200" dirty="0">
                 <a:solidFill>
                   <a:srgbClr val="000000"/>
                 </a:solidFill>
@@ -13502,7 +13508,7 @@
               </a:rPr>
               <a:t>&gt; sequence)</a:t>
             </a:r>
-            <a:endParaRPr lang="ru-RU" sz="2800" dirty="0"/>
+            <a:endParaRPr lang="ru-RU" sz="3200" dirty="0"/>
           </a:p>
         </p:txBody>
       </p:sp>
@@ -13515,7 +13521,7 @@
         <p:spPr>
           <a:xfrm>
             <a:off x="314224" y="5519763"/>
-            <a:ext cx="3229859" cy="830997"/>
+            <a:ext cx="6178807" cy="830997"/>
           </a:xfrm>
           <a:prstGeom prst="rect">
             <a:avLst/>
@@ -13548,7 +13554,7 @@
           <a:p>
             <a:r>
               <a:rPr lang="ru-RU" sz="2400" dirty="0"/>
-              <a:t>ПРОСТО ВЕРНЕМ ЕГО</a:t>
+              <a:t>НЕ ПЕРЕБИРАЕМ ПОСЛЕДОВАТЕЛЬНОСТИ</a:t>
             </a:r>
           </a:p>
         </p:txBody>
@@ -13747,7 +13753,7 @@
         <p:spPr>
           <a:xfrm>
             <a:off x="6096000" y="5519763"/>
-            <a:ext cx="5991922" cy="830997"/>
+            <a:ext cx="5991922" cy="1200329"/>
           </a:xfrm>
           <a:prstGeom prst="rect">
             <a:avLst/>
@@ -13775,8 +13781,12 @@
             </a:r>
             <a:r>
               <a:rPr lang="ru-RU" sz="2400" dirty="0"/>
-              <a:t>: СОЗДАДИМ НОВЫЙ МАССИВ</a:t>
-            </a:r>
+              <a:t>: ПРИДЕТСЯ ПЕРЕБРАТЬ</a:t>
+            </a:r>
+          </a:p>
+          <a:p>
+            <a:pPr algn="r"/>
+            <a:endParaRPr lang="ru-RU" sz="2400" dirty="0"/>
           </a:p>
         </p:txBody>
       </p:sp>
@@ -13812,51 +13822,25 @@
       </p:grpSpPr>
       <p:sp>
         <p:nvSpPr>
-          <p:cNvPr id="2" name="Текст 1"/>
-          <p:cNvSpPr>
-            <a:spLocks noGrp="1"/>
-          </p:cNvSpPr>
-          <p:nvPr>
-            <p:ph type="body" idx="1"/>
-          </p:nvPr>
-        </p:nvSpPr>
-        <p:spPr/>
-        <p:txBody>
-          <a:bodyPr/>
-          <a:lstStyle/>
-          <a:p>
-            <a:r>
-              <a:rPr lang="ru-RU" dirty="0"/>
-              <a:t>Решение на </a:t>
-            </a:r>
-            <a:r>
-              <a:rPr lang="en-US" dirty="0"/>
-              <a:t>C#6</a:t>
-            </a:r>
-            <a:endParaRPr lang="ru-RU" dirty="0"/>
-          </a:p>
-        </p:txBody>
-      </p:sp>
-      <p:sp>
-        <p:nvSpPr>
-          <p:cNvPr id="3" name="Объект 2"/>
-          <p:cNvSpPr>
-            <a:spLocks noGrp="1"/>
-          </p:cNvSpPr>
-          <p:nvPr>
-            <p:ph sz="half" idx="2"/>
-          </p:nvPr>
-        </p:nvSpPr>
-        <p:spPr/>
-        <p:txBody>
-          <a:bodyPr>
-            <a:normAutofit/>
+          <p:cNvPr id="5" name="Прямоугольник 4"/>
+          <p:cNvSpPr/>
+          <p:nvPr/>
+        </p:nvSpPr>
+        <p:spPr>
+          <a:xfrm>
+            <a:off x="1051955" y="392982"/>
+            <a:ext cx="10988807" cy="3046988"/>
+          </a:xfrm>
+          <a:prstGeom prst="rect">
+            <a:avLst/>
+          </a:prstGeom>
+        </p:spPr>
+        <p:txBody>
+          <a:bodyPr wrap="square">
+            <a:spAutoFit/>
           </a:bodyPr>
           <a:lstStyle/>
           <a:p>
-            <a:pPr marL="0" indent="0">
-              <a:buNone/>
-            </a:pPr>
             <a:r>
               <a:rPr lang="en-US" sz="2400" dirty="0">
                 <a:solidFill>
@@ -13894,13 +13878,31 @@
               <a:t> </a:t>
             </a:r>
             <a:r>
+              <a:rPr lang="en-US" sz="2400" dirty="0" err="1">
+                <a:solidFill>
+                  <a:srgbClr val="2B91AF"/>
+                </a:solidFill>
+                <a:latin typeface="Consolas" panose="020B0609020204030204" pitchFamily="49" charset="0"/>
+              </a:rPr>
+              <a:t>IReadOnlyList</a:t>
+            </a:r>
+            <a:r>
               <a:rPr lang="en-US" sz="2400" dirty="0">
                 <a:solidFill>
+                  <a:srgbClr val="000000"/>
+                </a:solidFill>
+                <a:latin typeface="Consolas" panose="020B0609020204030204" pitchFamily="49" charset="0"/>
+              </a:rPr>
+              <a:t>&lt;</a:t>
+            </a:r>
+            <a:r>
+              <a:rPr lang="en-US" sz="2400" dirty="0">
+                <a:solidFill>
                   <a:srgbClr val="2B91AF"/>
                 </a:solidFill>
                 <a:latin typeface="Consolas" panose="020B0609020204030204" pitchFamily="49" charset="0"/>
               </a:rPr>
-              <a:t>List</a:t>
+              <a:t>T</a:t>
             </a:r>
             <a:r>
               <a:rPr lang="en-US" sz="2400" dirty="0">
@@ -13909,6 +13911,62 @@
                 </a:solidFill>
                 <a:latin typeface="Consolas" panose="020B0609020204030204" pitchFamily="49" charset="0"/>
               </a:rPr>
+              <a:t>&gt;) </a:t>
+            </a:r>
+            <a:r>
+              <a:rPr lang="ru-RU" sz="2400" dirty="0">
+                <a:solidFill>
+                  <a:srgbClr val="000000"/>
+                </a:solidFill>
+                <a:latin typeface="Consolas" panose="020B0609020204030204" pitchFamily="49" charset="0"/>
+              </a:rPr>
+              <a:t>{</a:t>
+            </a:r>
+          </a:p>
+          <a:p>
+            <a:r>
+              <a:rPr lang="en-US" sz="2400" dirty="0">
+                <a:solidFill>
+                  <a:srgbClr val="000000"/>
+                </a:solidFill>
+                <a:latin typeface="Consolas" panose="020B0609020204030204" pitchFamily="49" charset="0"/>
+              </a:rPr>
+              <a:t>    </a:t>
+            </a:r>
+            <a:r>
+              <a:rPr lang="en-US" sz="2400" dirty="0" err="1">
+                <a:solidFill>
+                  <a:srgbClr val="0000FF"/>
+                </a:solidFill>
+                <a:latin typeface="Consolas" panose="020B0609020204030204" pitchFamily="49" charset="0"/>
+              </a:rPr>
+              <a:t>var</a:t>
+            </a:r>
+            <a:r>
+              <a:rPr lang="en-US" sz="2400" dirty="0">
+                <a:solidFill>
+                  <a:srgbClr val="000000"/>
+                </a:solidFill>
+                <a:latin typeface="Consolas" panose="020B0609020204030204" pitchFamily="49" charset="0"/>
+              </a:rPr>
+              <a:t> list = (</a:t>
+            </a:r>
+            <a:r>
+              <a:rPr lang="en-US" sz="2400" dirty="0" err="1">
+                <a:solidFill>
+                  <a:srgbClr val="2B91AF"/>
+                </a:solidFill>
+                <a:latin typeface="Consolas" panose="020B0609020204030204" pitchFamily="49" charset="0"/>
+              </a:rPr>
+              <a:t>IReadOnlyList</a:t>
+            </a:r>
+            <a:r>
+              <a:rPr lang="en-US" sz="2400" dirty="0">
+                <a:solidFill>
+                  <a:srgbClr val="000000"/>
+                </a:solidFill>
+                <a:latin typeface="Consolas" panose="020B0609020204030204" pitchFamily="49" charset="0"/>
+              </a:rPr>
               <a:t>&lt;</a:t>
             </a:r>
             <a:r>
@@ -13927,20 +13985,160 @@
                 </a:solidFill>
                 <a:latin typeface="Consolas" panose="020B0609020204030204" pitchFamily="49" charset="0"/>
               </a:rPr>
-              <a:t>&gt;)</a:t>
-            </a:r>
-          </a:p>
-          <a:p>
-            <a:pPr marL="0" indent="0">
-              <a:buNone/>
-            </a:pPr>
+              <a:t>&gt;)sequence;</a:t>
+            </a:r>
+          </a:p>
+          <a:p>
+            <a:r>
+              <a:rPr lang="en-US" sz="2400" dirty="0">
+                <a:solidFill>
+                  <a:srgbClr val="0000FF"/>
+                </a:solidFill>
+                <a:latin typeface="Consolas" panose="020B0609020204030204" pitchFamily="49" charset="0"/>
+              </a:rPr>
+              <a:t>    if</a:t>
+            </a:r>
+            <a:r>
+              <a:rPr lang="en-US" sz="2400" dirty="0">
+                <a:solidFill>
+                  <a:srgbClr val="000000"/>
+                </a:solidFill>
+                <a:latin typeface="Consolas" panose="020B0609020204030204" pitchFamily="49" charset="0"/>
+              </a:rPr>
+              <a:t> (</a:t>
+            </a:r>
+            <a:r>
+              <a:rPr lang="en-US" sz="2400" dirty="0" err="1">
+                <a:solidFill>
+                  <a:srgbClr val="000000"/>
+                </a:solidFill>
+                <a:latin typeface="Consolas" panose="020B0609020204030204" pitchFamily="49" charset="0"/>
+              </a:rPr>
+              <a:t>list.Count</a:t>
+            </a:r>
+            <a:r>
+              <a:rPr lang="en-US" sz="2400" dirty="0">
+                <a:solidFill>
+                  <a:srgbClr val="000000"/>
+                </a:solidFill>
+                <a:latin typeface="Consolas" panose="020B0609020204030204" pitchFamily="49" charset="0"/>
+              </a:rPr>
+              <a:t> &gt; 0)</a:t>
+            </a:r>
+          </a:p>
+          <a:p>
+            <a:r>
+              <a:rPr lang="en-US" sz="2400" dirty="0">
+                <a:solidFill>
+                  <a:srgbClr val="0000FF"/>
+                </a:solidFill>
+                <a:latin typeface="Consolas" panose="020B0609020204030204" pitchFamily="49" charset="0"/>
+              </a:rPr>
+              <a:t>        return</a:t>
+            </a:r>
+            <a:r>
+              <a:rPr lang="en-US" sz="2400" dirty="0">
+                <a:solidFill>
+                  <a:srgbClr val="000000"/>
+                </a:solidFill>
+                <a:latin typeface="Consolas" panose="020B0609020204030204" pitchFamily="49" charset="0"/>
+              </a:rPr>
+              <a:t> list[</a:t>
+            </a:r>
+            <a:r>
+              <a:rPr lang="en-US" sz="2400" dirty="0" err="1">
+                <a:solidFill>
+                  <a:srgbClr val="000000"/>
+                </a:solidFill>
+                <a:latin typeface="Consolas" panose="020B0609020204030204" pitchFamily="49" charset="0"/>
+              </a:rPr>
+              <a:t>list.Count</a:t>
+            </a:r>
+            <a:r>
+              <a:rPr lang="en-US" sz="2400" dirty="0">
+                <a:solidFill>
+                  <a:srgbClr val="000000"/>
+                </a:solidFill>
+                <a:latin typeface="Consolas" panose="020B0609020204030204" pitchFamily="49" charset="0"/>
+              </a:rPr>
+              <a:t> - 1];</a:t>
+            </a:r>
+          </a:p>
+          <a:p>
             <a:r>
               <a:rPr lang="ru-RU" sz="2400" dirty="0">
                 <a:solidFill>
+                  <a:srgbClr val="000000"/>
+                </a:solidFill>
+                <a:latin typeface="Consolas" panose="020B0609020204030204" pitchFamily="49" charset="0"/>
+              </a:rPr>
+              <a:t>}</a:t>
+            </a:r>
+          </a:p>
+          <a:p>
+            <a:r>
+              <a:rPr lang="en-US" sz="2400" dirty="0">
+                <a:solidFill>
                   <a:srgbClr val="0000FF"/>
                 </a:solidFill>
                 <a:latin typeface="Consolas" panose="020B0609020204030204" pitchFamily="49" charset="0"/>
               </a:rPr>
+              <a:t>else</a:t>
+            </a:r>
+            <a:r>
+              <a:rPr lang="en-US" sz="2400" dirty="0">
+                <a:solidFill>
+                  <a:srgbClr val="000000"/>
+                </a:solidFill>
+                <a:latin typeface="Consolas" panose="020B0609020204030204" pitchFamily="49" charset="0"/>
+              </a:rPr>
+              <a:t> </a:t>
+            </a:r>
+            <a:r>
+              <a:rPr lang="en-US" sz="2400" dirty="0">
+                <a:solidFill>
+                  <a:srgbClr val="0000FF"/>
+                </a:solidFill>
+                <a:latin typeface="Consolas" panose="020B0609020204030204" pitchFamily="49" charset="0"/>
+              </a:rPr>
+              <a:t>if</a:t>
+            </a:r>
+            <a:r>
+              <a:rPr lang="en-US" sz="2400" dirty="0">
+                <a:solidFill>
+                  <a:srgbClr val="000000"/>
+                </a:solidFill>
+                <a:latin typeface="Consolas" panose="020B0609020204030204" pitchFamily="49" charset="0"/>
+              </a:rPr>
+              <a:t> (sequence != </a:t>
+            </a:r>
+            <a:r>
+              <a:rPr lang="en-US" sz="2400" dirty="0">
+                <a:solidFill>
+                  <a:srgbClr val="0000FF"/>
+                </a:solidFill>
+                <a:latin typeface="Consolas" panose="020B0609020204030204" pitchFamily="49" charset="0"/>
+              </a:rPr>
+              <a:t>null</a:t>
+            </a:r>
+            <a:r>
+              <a:rPr lang="en-US" sz="2400" dirty="0">
+                <a:solidFill>
+                  <a:srgbClr val="000000"/>
+                </a:solidFill>
+                <a:latin typeface="Consolas" panose="020B0609020204030204" pitchFamily="49" charset="0"/>
+              </a:rPr>
+              <a:t>)</a:t>
+            </a:r>
+          </a:p>
+          <a:p>
+            <a:r>
+              <a:rPr lang="en-US" sz="2400" dirty="0">
+                <a:solidFill>
+                  <a:srgbClr val="000000"/>
+                </a:solidFill>
+                <a:latin typeface="Consolas" panose="020B0609020204030204" pitchFamily="49" charset="0"/>
+              </a:rPr>
               <a:t>    </a:t>
             </a:r>
             <a:r>
@@ -13959,16 +14157,72 @@
                 </a:solidFill>
                 <a:latin typeface="Consolas" panose="020B0609020204030204" pitchFamily="49" charset="0"/>
               </a:rPr>
-              <a:t> (</a:t>
+              <a:t> </a:t>
+            </a:r>
+            <a:r>
+              <a:rPr lang="en-US" sz="2400" dirty="0" err="1">
+                <a:solidFill>
+                  <a:srgbClr val="000000"/>
+                </a:solidFill>
+                <a:latin typeface="Consolas" panose="020B0609020204030204" pitchFamily="49" charset="0"/>
+              </a:rPr>
+              <a:t>sequence.LastOrDefault</a:t>
             </a:r>
             <a:r>
               <a:rPr lang="en-US" sz="2400" dirty="0">
                 <a:solidFill>
+                  <a:srgbClr val="000000"/>
+                </a:solidFill>
+                <a:latin typeface="Consolas" panose="020B0609020204030204" pitchFamily="49" charset="0"/>
+              </a:rPr>
+              <a:t>();</a:t>
+            </a:r>
+          </a:p>
+          <a:p>
+            <a:r>
+              <a:rPr lang="en-US" sz="2400" dirty="0">
+                <a:solidFill>
+                  <a:srgbClr val="0000FF"/>
+                </a:solidFill>
+                <a:latin typeface="Consolas" panose="020B0609020204030204" pitchFamily="49" charset="0"/>
+              </a:rPr>
+              <a:t>throw</a:t>
+            </a:r>
+            <a:r>
+              <a:rPr lang="en-US" sz="2400" dirty="0">
+                <a:solidFill>
+                  <a:srgbClr val="000000"/>
+                </a:solidFill>
+                <a:latin typeface="Consolas" panose="020B0609020204030204" pitchFamily="49" charset="0"/>
+              </a:rPr>
+              <a:t> </a:t>
+            </a:r>
+            <a:r>
+              <a:rPr lang="en-US" sz="2400" dirty="0">
+                <a:solidFill>
+                  <a:srgbClr val="0000FF"/>
+                </a:solidFill>
+                <a:latin typeface="Consolas" panose="020B0609020204030204" pitchFamily="49" charset="0"/>
+              </a:rPr>
+              <a:t>new</a:t>
+            </a:r>
+            <a:r>
+              <a:rPr lang="en-US" sz="2400" dirty="0">
+                <a:solidFill>
+                  <a:srgbClr val="000000"/>
+                </a:solidFill>
+                <a:latin typeface="Consolas" panose="020B0609020204030204" pitchFamily="49" charset="0"/>
+              </a:rPr>
+              <a:t> </a:t>
+            </a:r>
+            <a:r>
+              <a:rPr lang="en-US" sz="2400" dirty="0" err="1">
+                <a:solidFill>
                   <a:srgbClr val="2B91AF"/>
                 </a:solidFill>
                 <a:latin typeface="Consolas" panose="020B0609020204030204" pitchFamily="49" charset="0"/>
               </a:rPr>
-              <a:t>List</a:t>
+              <a:t>ArgumentNullException</a:t>
             </a:r>
             <a:r>
               <a:rPr lang="en-US" sz="2400" dirty="0">
@@ -13977,118 +14231,32 @@
                 </a:solidFill>
                 <a:latin typeface="Consolas" panose="020B0609020204030204" pitchFamily="49" charset="0"/>
               </a:rPr>
-              <a:t>&lt;</a:t>
-            </a:r>
-            <a:r>
-              <a:rPr lang="en-US" sz="2400" dirty="0">
-                <a:solidFill>
-                  <a:srgbClr val="2B91AF"/>
-                </a:solidFill>
-                <a:latin typeface="Consolas" panose="020B0609020204030204" pitchFamily="49" charset="0"/>
-              </a:rPr>
-              <a:t>T</a:t>
-            </a:r>
-            <a:r>
-              <a:rPr lang="en-US" sz="2400" dirty="0">
-                <a:solidFill>
-                  <a:srgbClr val="000000"/>
-                </a:solidFill>
-                <a:latin typeface="Consolas" panose="020B0609020204030204" pitchFamily="49" charset="0"/>
-              </a:rPr>
-              <a:t>&gt;)sequence;</a:t>
-            </a:r>
-          </a:p>
-          <a:p>
-            <a:pPr marL="0" indent="0">
-              <a:buNone/>
-            </a:pPr>
-            <a:r>
-              <a:rPr lang="en-US" sz="2400" dirty="0">
-                <a:solidFill>
-                  <a:srgbClr val="0000FF"/>
-                </a:solidFill>
-                <a:latin typeface="Consolas" panose="020B0609020204030204" pitchFamily="49" charset="0"/>
-              </a:rPr>
-              <a:t>return</a:t>
-            </a:r>
-            <a:r>
-              <a:rPr lang="en-US" sz="2400" dirty="0">
-                <a:solidFill>
-                  <a:srgbClr val="000000"/>
-                </a:solidFill>
-                <a:latin typeface="Consolas" panose="020B0609020204030204" pitchFamily="49" charset="0"/>
-              </a:rPr>
-              <a:t> </a:t>
-            </a:r>
-            <a:r>
-              <a:rPr lang="en-US" sz="2400" dirty="0" err="1">
-                <a:solidFill>
-                  <a:srgbClr val="000000"/>
-                </a:solidFill>
-                <a:latin typeface="Consolas" panose="020B0609020204030204" pitchFamily="49" charset="0"/>
-              </a:rPr>
-              <a:t>sequence.ToList</a:t>
-            </a:r>
-            <a:r>
-              <a:rPr lang="en-US" sz="2400" dirty="0">
-                <a:solidFill>
-                  <a:srgbClr val="000000"/>
-                </a:solidFill>
-                <a:latin typeface="Consolas" panose="020B0609020204030204" pitchFamily="49" charset="0"/>
-              </a:rPr>
               <a:t>();</a:t>
             </a:r>
-            <a:endParaRPr lang="ru-RU" sz="2400" dirty="0"/>
-          </a:p>
-        </p:txBody>
-      </p:sp>
-      <p:sp>
-        <p:nvSpPr>
-          <p:cNvPr id="4" name="Текст 3"/>
-          <p:cNvSpPr>
-            <a:spLocks noGrp="1"/>
-          </p:cNvSpPr>
-          <p:nvPr>
-            <p:ph type="body" sz="quarter" idx="3"/>
-          </p:nvPr>
-        </p:nvSpPr>
-        <p:spPr/>
-        <p:txBody>
-          <a:bodyPr/>
-          <a:lstStyle/>
-          <a:p>
-            <a:r>
-              <a:rPr lang="ru-RU" dirty="0"/>
-              <a:t>Решение на </a:t>
-            </a:r>
-            <a:r>
-              <a:rPr lang="en-US" dirty="0"/>
-              <a:t>C#7</a:t>
-            </a:r>
-            <a:endParaRPr lang="ru-RU" dirty="0"/>
-          </a:p>
-        </p:txBody>
-      </p:sp>
-      <p:sp>
-        <p:nvSpPr>
-          <p:cNvPr id="5" name="Объект 4"/>
-          <p:cNvSpPr>
-            <a:spLocks noGrp="1"/>
-          </p:cNvSpPr>
-          <p:nvPr>
-            <p:ph sz="quarter" idx="4"/>
-          </p:nvPr>
-        </p:nvSpPr>
-        <p:spPr/>
-        <p:txBody>
-          <a:bodyPr>
-            <a:normAutofit/>
+          </a:p>
+        </p:txBody>
+      </p:sp>
+      <p:sp>
+        <p:nvSpPr>
+          <p:cNvPr id="4" name="Прямоугольник 3"/>
+          <p:cNvSpPr/>
+          <p:nvPr/>
+        </p:nvSpPr>
+        <p:spPr>
+          <a:xfrm>
+            <a:off x="1051955" y="3984962"/>
+            <a:ext cx="10058400" cy="1938992"/>
+          </a:xfrm>
+          <a:prstGeom prst="rect">
+            <a:avLst/>
+          </a:prstGeom>
+        </p:spPr>
+        <p:txBody>
+          <a:bodyPr wrap="square">
+            <a:spAutoFit/>
           </a:bodyPr>
           <a:lstStyle/>
           <a:p>
-            <a:pPr marL="0" indent="0">
-              <a:buNone/>
-            </a:pPr>
             <a:r>
               <a:rPr lang="en-US" sz="2400" dirty="0">
                 <a:solidFill>
@@ -14126,13 +14294,31 @@
               <a:t> </a:t>
             </a:r>
             <a:r>
+              <a:rPr lang="en-US" sz="2400" dirty="0" err="1">
+                <a:solidFill>
+                  <a:srgbClr val="2B91AF"/>
+                </a:solidFill>
+                <a:latin typeface="Consolas" panose="020B0609020204030204" pitchFamily="49" charset="0"/>
+              </a:rPr>
+              <a:t>IReadOnlyList</a:t>
+            </a:r>
+            <a:r>
               <a:rPr lang="en-US" sz="2400" dirty="0">
                 <a:solidFill>
+                  <a:srgbClr val="000000"/>
+                </a:solidFill>
+                <a:latin typeface="Consolas" panose="020B0609020204030204" pitchFamily="49" charset="0"/>
+              </a:rPr>
+              <a:t>&lt;</a:t>
+            </a:r>
+            <a:r>
+              <a:rPr lang="en-US" sz="2400" dirty="0">
+                <a:solidFill>
                   <a:srgbClr val="2B91AF"/>
                 </a:solidFill>
                 <a:latin typeface="Consolas" panose="020B0609020204030204" pitchFamily="49" charset="0"/>
               </a:rPr>
-              <a:t>List</a:t>
+              <a:t>T</a:t>
             </a:r>
             <a:r>
               <a:rPr lang="en-US" sz="2400" dirty="0">
@@ -14141,16 +14327,204 @@
                 </a:solidFill>
                 <a:latin typeface="Consolas" panose="020B0609020204030204" pitchFamily="49" charset="0"/>
               </a:rPr>
-              <a:t>&lt;</a:t>
+              <a:t>&gt; list &amp;&amp; </a:t>
+            </a:r>
+            <a:r>
+              <a:rPr lang="en-US" sz="2400" dirty="0" err="1">
+                <a:solidFill>
+                  <a:srgbClr val="000000"/>
+                </a:solidFill>
+                <a:latin typeface="Consolas" panose="020B0609020204030204" pitchFamily="49" charset="0"/>
+              </a:rPr>
+              <a:t>list.Count</a:t>
             </a:r>
             <a:r>
               <a:rPr lang="en-US" sz="2400" dirty="0">
                 <a:solidFill>
+                  <a:srgbClr val="000000"/>
+                </a:solidFill>
+                <a:latin typeface="Consolas" panose="020B0609020204030204" pitchFamily="49" charset="0"/>
+              </a:rPr>
+              <a:t> &gt; 0)</a:t>
+            </a:r>
+          </a:p>
+          <a:p>
+            <a:r>
+              <a:rPr lang="en-US" sz="2400" dirty="0">
+                <a:solidFill>
+                  <a:srgbClr val="0000FF"/>
+                </a:solidFill>
+                <a:latin typeface="Consolas" panose="020B0609020204030204" pitchFamily="49" charset="0"/>
+              </a:rPr>
+              <a:t>    return</a:t>
+            </a:r>
+            <a:r>
+              <a:rPr lang="en-US" sz="2400" dirty="0">
+                <a:solidFill>
+                  <a:srgbClr val="000000"/>
+                </a:solidFill>
+                <a:latin typeface="Consolas" panose="020B0609020204030204" pitchFamily="49" charset="0"/>
+              </a:rPr>
+              <a:t> list[</a:t>
+            </a:r>
+            <a:r>
+              <a:rPr lang="en-US" sz="2400" dirty="0" err="1">
+                <a:solidFill>
+                  <a:srgbClr val="000000"/>
+                </a:solidFill>
+                <a:latin typeface="Consolas" panose="020B0609020204030204" pitchFamily="49" charset="0"/>
+              </a:rPr>
+              <a:t>list.Count</a:t>
+            </a:r>
+            <a:r>
+              <a:rPr lang="en-US" sz="2400" dirty="0">
+                <a:solidFill>
+                  <a:srgbClr val="000000"/>
+                </a:solidFill>
+                <a:latin typeface="Consolas" panose="020B0609020204030204" pitchFamily="49" charset="0"/>
+              </a:rPr>
+              <a:t> - 1];</a:t>
+            </a:r>
+          </a:p>
+          <a:p>
+            <a:r>
+              <a:rPr lang="en-US" sz="2400" dirty="0">
+                <a:solidFill>
+                  <a:srgbClr val="0000FF"/>
+                </a:solidFill>
+                <a:latin typeface="Consolas" panose="020B0609020204030204" pitchFamily="49" charset="0"/>
+              </a:rPr>
+              <a:t>else</a:t>
+            </a:r>
+            <a:r>
+              <a:rPr lang="en-US" sz="2400" dirty="0">
+                <a:solidFill>
+                  <a:srgbClr val="000000"/>
+                </a:solidFill>
+                <a:latin typeface="Consolas" panose="020B0609020204030204" pitchFamily="49" charset="0"/>
+              </a:rPr>
+              <a:t> </a:t>
+            </a:r>
+            <a:r>
+              <a:rPr lang="en-US" sz="2400" dirty="0">
+                <a:solidFill>
+                  <a:srgbClr val="0000FF"/>
+                </a:solidFill>
+                <a:latin typeface="Consolas" panose="020B0609020204030204" pitchFamily="49" charset="0"/>
+              </a:rPr>
+              <a:t>if</a:t>
+            </a:r>
+            <a:r>
+              <a:rPr lang="en-US" sz="2400" dirty="0">
+                <a:solidFill>
+                  <a:srgbClr val="000000"/>
+                </a:solidFill>
+                <a:latin typeface="Consolas" panose="020B0609020204030204" pitchFamily="49" charset="0"/>
+              </a:rPr>
+              <a:t> (sequence != </a:t>
+            </a:r>
+            <a:r>
+              <a:rPr lang="en-US" sz="2400" dirty="0">
+                <a:solidFill>
+                  <a:srgbClr val="0000FF"/>
+                </a:solidFill>
+                <a:latin typeface="Consolas" panose="020B0609020204030204" pitchFamily="49" charset="0"/>
+              </a:rPr>
+              <a:t>null</a:t>
+            </a:r>
+            <a:r>
+              <a:rPr lang="en-US" sz="2400" dirty="0">
+                <a:solidFill>
+                  <a:srgbClr val="000000"/>
+                </a:solidFill>
+                <a:latin typeface="Consolas" panose="020B0609020204030204" pitchFamily="49" charset="0"/>
+              </a:rPr>
+              <a:t>)</a:t>
+            </a:r>
+          </a:p>
+          <a:p>
+            <a:r>
+              <a:rPr lang="en-US" sz="2400" dirty="0">
+                <a:solidFill>
+                  <a:srgbClr val="0000FF"/>
+                </a:solidFill>
+                <a:latin typeface="Consolas" panose="020B0609020204030204" pitchFamily="49" charset="0"/>
+              </a:rPr>
+              <a:t>    return</a:t>
+            </a:r>
+            <a:r>
+              <a:rPr lang="en-US" sz="2400" dirty="0">
+                <a:solidFill>
+                  <a:srgbClr val="000000"/>
+                </a:solidFill>
+                <a:latin typeface="Consolas" panose="020B0609020204030204" pitchFamily="49" charset="0"/>
+              </a:rPr>
+              <a:t> </a:t>
+            </a:r>
+            <a:r>
+              <a:rPr lang="en-US" sz="2400" dirty="0" err="1">
+                <a:solidFill>
+                  <a:srgbClr val="000000"/>
+                </a:solidFill>
+                <a:latin typeface="Consolas" panose="020B0609020204030204" pitchFamily="49" charset="0"/>
+              </a:rPr>
+              <a:t>sequence.LastOrDefault</a:t>
+            </a:r>
+            <a:r>
+              <a:rPr lang="en-US" sz="2400" dirty="0">
+                <a:solidFill>
+                  <a:srgbClr val="000000"/>
+                </a:solidFill>
+                <a:latin typeface="Consolas" panose="020B0609020204030204" pitchFamily="49" charset="0"/>
+              </a:rPr>
+              <a:t>();</a:t>
+            </a:r>
+          </a:p>
+          <a:p>
+            <a:r>
+              <a:rPr lang="en-US" sz="2400" dirty="0">
+                <a:solidFill>
+                  <a:srgbClr val="0000FF"/>
+                </a:solidFill>
+                <a:latin typeface="Consolas" panose="020B0609020204030204" pitchFamily="49" charset="0"/>
+              </a:rPr>
+              <a:t>throw</a:t>
+            </a:r>
+            <a:r>
+              <a:rPr lang="en-US" sz="2400" dirty="0">
+                <a:solidFill>
+                  <a:srgbClr val="000000"/>
+                </a:solidFill>
+                <a:latin typeface="Consolas" panose="020B0609020204030204" pitchFamily="49" charset="0"/>
+              </a:rPr>
+              <a:t> </a:t>
+            </a:r>
+            <a:r>
+              <a:rPr lang="en-US" sz="2400" dirty="0">
+                <a:solidFill>
+                  <a:srgbClr val="0000FF"/>
+                </a:solidFill>
+                <a:latin typeface="Consolas" panose="020B0609020204030204" pitchFamily="49" charset="0"/>
+              </a:rPr>
+              <a:t>new</a:t>
+            </a:r>
+            <a:r>
+              <a:rPr lang="en-US" sz="2400" dirty="0">
+                <a:solidFill>
+                  <a:srgbClr val="000000"/>
+                </a:solidFill>
+                <a:latin typeface="Consolas" panose="020B0609020204030204" pitchFamily="49" charset="0"/>
+              </a:rPr>
+              <a:t> </a:t>
+            </a:r>
+            <a:r>
+              <a:rPr lang="en-US" sz="2400" dirty="0" err="1">
+                <a:solidFill>
                   <a:srgbClr val="2B91AF"/>
                 </a:solidFill>
                 <a:latin typeface="Consolas" panose="020B0609020204030204" pitchFamily="49" charset="0"/>
               </a:rPr>
-              <a:t>T</a:t>
+              <a:t>ArgumentNullException</a:t>
             </a:r>
             <a:r>
               <a:rPr lang="en-US" sz="2400" dirty="0">
@@ -14159,159 +14533,108 @@
                 </a:solidFill>
                 <a:latin typeface="Consolas" panose="020B0609020204030204" pitchFamily="49" charset="0"/>
               </a:rPr>
-              <a:t>&gt; </a:t>
-            </a:r>
-            <a:r>
-              <a:rPr lang="en-US" sz="2400" dirty="0" err="1">
-                <a:solidFill>
-                  <a:srgbClr val="000000"/>
-                </a:solidFill>
-                <a:latin typeface="Consolas" panose="020B0609020204030204" pitchFamily="49" charset="0"/>
-              </a:rPr>
-              <a:t>arr</a:t>
-            </a:r>
-            <a:r>
-              <a:rPr lang="en-US" sz="2400" dirty="0">
-                <a:solidFill>
-                  <a:srgbClr val="000000"/>
-                </a:solidFill>
-                <a:latin typeface="Consolas" panose="020B0609020204030204" pitchFamily="49" charset="0"/>
-              </a:rPr>
-              <a:t>)</a:t>
-            </a:r>
-            <a:endParaRPr lang="ru-RU" sz="2400" dirty="0">
-              <a:solidFill>
-                <a:srgbClr val="000000"/>
-              </a:solidFill>
-              <a:latin typeface="Consolas" panose="020B0609020204030204" pitchFamily="49" charset="0"/>
-            </a:endParaRPr>
-          </a:p>
-          <a:p>
-            <a:pPr marL="0" indent="0">
-              <a:buNone/>
-            </a:pPr>
-            <a:r>
-              <a:rPr lang="ru-RU" sz="2400" dirty="0">
-                <a:solidFill>
-                  <a:srgbClr val="000000"/>
-                </a:solidFill>
-                <a:latin typeface="Consolas" panose="020B0609020204030204" pitchFamily="49" charset="0"/>
-              </a:rPr>
-              <a:t>   </a:t>
-            </a:r>
-            <a:r>
-              <a:rPr lang="en-US" sz="2400" dirty="0">
-                <a:solidFill>
-                  <a:srgbClr val="0000FF"/>
-                </a:solidFill>
-                <a:latin typeface="Consolas" panose="020B0609020204030204" pitchFamily="49" charset="0"/>
-              </a:rPr>
-              <a:t>return</a:t>
-            </a:r>
-            <a:r>
-              <a:rPr lang="en-US" sz="2400" dirty="0">
-                <a:solidFill>
-                  <a:srgbClr val="000000"/>
-                </a:solidFill>
-                <a:latin typeface="Consolas" panose="020B0609020204030204" pitchFamily="49" charset="0"/>
-              </a:rPr>
-              <a:t> </a:t>
-            </a:r>
-            <a:r>
-              <a:rPr lang="en-US" sz="2400" dirty="0" err="1">
-                <a:solidFill>
-                  <a:srgbClr val="000000"/>
-                </a:solidFill>
-                <a:latin typeface="Consolas" panose="020B0609020204030204" pitchFamily="49" charset="0"/>
-              </a:rPr>
-              <a:t>arr</a:t>
-            </a:r>
-            <a:r>
-              <a:rPr lang="en-US" sz="2400" dirty="0">
-                <a:solidFill>
-                  <a:srgbClr val="000000"/>
-                </a:solidFill>
-                <a:latin typeface="Consolas" panose="020B0609020204030204" pitchFamily="49" charset="0"/>
-              </a:rPr>
-              <a:t>;</a:t>
-            </a:r>
-          </a:p>
-          <a:p>
-            <a:pPr marL="0" indent="0">
-              <a:buNone/>
-            </a:pPr>
-            <a:r>
-              <a:rPr lang="en-US" sz="2400" dirty="0">
-                <a:solidFill>
-                  <a:srgbClr val="0000FF"/>
-                </a:solidFill>
-                <a:latin typeface="Consolas" panose="020B0609020204030204" pitchFamily="49" charset="0"/>
-              </a:rPr>
-              <a:t>return</a:t>
-            </a:r>
-            <a:r>
-              <a:rPr lang="en-US" sz="2400" dirty="0">
-                <a:solidFill>
-                  <a:srgbClr val="000000"/>
-                </a:solidFill>
-                <a:latin typeface="Consolas" panose="020B0609020204030204" pitchFamily="49" charset="0"/>
-              </a:rPr>
-              <a:t> </a:t>
-            </a:r>
-            <a:r>
-              <a:rPr lang="en-US" sz="2400" dirty="0" err="1">
-                <a:solidFill>
-                  <a:srgbClr val="000000"/>
-                </a:solidFill>
-                <a:latin typeface="Consolas" panose="020B0609020204030204" pitchFamily="49" charset="0"/>
-              </a:rPr>
-              <a:t>sequence.ToList</a:t>
-            </a:r>
-            <a:r>
-              <a:rPr lang="en-US" sz="2400" dirty="0">
-                <a:solidFill>
-                  <a:srgbClr val="000000"/>
-                </a:solidFill>
-                <a:latin typeface="Consolas" panose="020B0609020204030204" pitchFamily="49" charset="0"/>
-              </a:rPr>
               <a:t>();</a:t>
             </a:r>
             <a:endParaRPr lang="ru-RU" sz="2400" dirty="0"/>
-          </a:p>
-          <a:p>
-            <a:endParaRPr lang="ru-RU" sz="2400" dirty="0"/>
-          </a:p>
-        </p:txBody>
-      </p:sp>
-      <p:sp>
-        <p:nvSpPr>
-          <p:cNvPr id="6" name="Заголовок 5"/>
-          <p:cNvSpPr>
-            <a:spLocks noGrp="1"/>
-          </p:cNvSpPr>
-          <p:nvPr>
-            <p:ph type="title"/>
-          </p:nvPr>
-        </p:nvSpPr>
-        <p:spPr/>
-        <p:txBody>
-          <a:bodyPr/>
-          <a:lstStyle/>
-          <a:p>
-            <a:endParaRPr lang="ru-RU" dirty="0"/>
           </a:p>
         </p:txBody>
       </p:sp>
     </p:spTree>
     <p:extLst>
       <p:ext uri="{BB962C8B-B14F-4D97-AF65-F5344CB8AC3E}">
-        <p14:creationId xmlns:p14="http://schemas.microsoft.com/office/powerpoint/2010/main" val="3962173159"/>
+        <p14:creationId xmlns:p14="http://schemas.microsoft.com/office/powerpoint/2010/main" val="2673251160"/>
       </p:ext>
     </p:extLst>
   </p:cSld>
   <p:clrMapOvr>
     <a:masterClrMapping/>
   </p:clrMapOvr>
+  <p:timing>
+    <p:tnLst>
+      <p:par>
+        <p:cTn id="1" dur="indefinite" restart="never" nodeType="tmRoot">
+          <p:childTnLst>
+            <p:seq concurrent="1" nextAc="seek">
+              <p:cTn id="2" dur="indefinite" nodeType="mainSeq">
+                <p:childTnLst>
+                  <p:par>
+                    <p:cTn id="3" fill="hold">
+                      <p:stCondLst>
+                        <p:cond delay="indefinite"/>
+                      </p:stCondLst>
+                      <p:childTnLst>
+                        <p:par>
+                          <p:cTn id="4" fill="hold">
+                            <p:stCondLst>
+                              <p:cond delay="0"/>
+                            </p:stCondLst>
+                            <p:childTnLst>
+                              <p:par>
+                                <p:cTn id="5" presetID="10" presetClass="entr" presetSubtype="0" fill="hold" grpId="0" nodeType="clickEffect">
+                                  <p:stCondLst>
+                                    <p:cond delay="0"/>
+                                  </p:stCondLst>
+                                  <p:childTnLst>
+                                    <p:set>
+                                      <p:cBhvr>
+                                        <p:cTn id="6" dur="1" fill="hold">
+                                          <p:stCondLst>
+                                            <p:cond delay="0"/>
+                                          </p:stCondLst>
+                                        </p:cTn>
+                                        <p:tgtEl>
+                                          <p:spTgt spid="4"/>
+                                        </p:tgtEl>
+                                        <p:attrNameLst>
+                                          <p:attrName>style.visibility</p:attrName>
+                                        </p:attrNameLst>
+                                      </p:cBhvr>
+                                      <p:to>
+                                        <p:strVal val="visible"/>
+                                      </p:to>
+                                    </p:set>
+                                    <p:animEffect transition="in" filter="fade">
+                                      <p:cBhvr>
+                                        <p:cTn id="7" dur="500"/>
+                                        <p:tgtEl>
+                                          <p:spTgt spid="4"/>
+                                        </p:tgtEl>
+                                      </p:cBhvr>
+                                    </p:animEffect>
+                                  </p:childTnLst>
+                                </p:cTn>
+                              </p:par>
+                            </p:childTnLst>
+                          </p:cTn>
+                        </p:par>
+                      </p:childTnLst>
+                    </p:cTn>
+                  </p:par>
+                </p:childTnLst>
+              </p:cTn>
+              <p:prevCondLst>
+                <p:cond evt="onPrev" delay="0">
+                  <p:tgtEl>
+                    <p:sldTgt/>
+                  </p:tgtEl>
+                </p:cond>
+              </p:prevCondLst>
+              <p:nextCondLst>
+                <p:cond evt="onNext" delay="0">
+                  <p:tgtEl>
+                    <p:sldTgt/>
+                  </p:tgtEl>
+                </p:cond>
+              </p:nextCondLst>
+            </p:seq>
+          </p:childTnLst>
+        </p:cTn>
+      </p:par>
+    </p:tnLst>
+    <p:bldLst>
+      <p:bldP spid="4" grpId="0"/>
+    </p:bldLst>
+  </p:timing>
 </p:sld>
 </file>
 
@@ -14349,6 +14672,872 @@
           <a:p>
             <a:r>
               <a:rPr lang="ru-RU" dirty="0"/>
+              <a:t>В </a:t>
+            </a:r>
+            <a:r>
+              <a:rPr lang="en-US" dirty="0"/>
+              <a:t>C#7 </a:t>
+            </a:r>
+            <a:r>
+              <a:rPr lang="ru-RU" dirty="0"/>
+              <a:t>определены три</a:t>
+            </a:r>
+            <a:r>
+              <a:rPr lang="en-US" dirty="0"/>
+              <a:t> </a:t>
+            </a:r>
+            <a:r>
+              <a:rPr lang="ru-RU" dirty="0"/>
+              <a:t>типа шаблонов</a:t>
+            </a:r>
+          </a:p>
+        </p:txBody>
+      </p:sp>
+      <p:grpSp>
+        <p:nvGrpSpPr>
+          <p:cNvPr id="3" name="Группа 2"/>
+          <p:cNvGrpSpPr/>
+          <p:nvPr/>
+        </p:nvGrpSpPr>
+        <p:grpSpPr>
+          <a:xfrm>
+            <a:off x="953768" y="1480416"/>
+            <a:ext cx="10889889" cy="1415772"/>
+            <a:chOff x="953768" y="1480416"/>
+            <a:chExt cx="10889889" cy="1415772"/>
+          </a:xfrm>
+        </p:grpSpPr>
+        <p:sp>
+          <p:nvSpPr>
+            <p:cNvPr id="4" name="Прямоугольник 3"/>
+            <p:cNvSpPr/>
+            <p:nvPr/>
+          </p:nvSpPr>
+          <p:spPr>
+            <a:xfrm>
+              <a:off x="1520246" y="2065191"/>
+              <a:ext cx="10323411" cy="830997"/>
+            </a:xfrm>
+            <a:prstGeom prst="rect">
+              <a:avLst/>
+            </a:prstGeom>
+          </p:spPr>
+          <p:txBody>
+            <a:bodyPr wrap="square">
+              <a:spAutoFit/>
+            </a:bodyPr>
+            <a:lstStyle/>
+            <a:p>
+              <a:r>
+                <a:rPr lang="en-US" sz="2400" dirty="0">
+                  <a:solidFill>
+                    <a:srgbClr val="0000FF"/>
+                  </a:solidFill>
+                  <a:latin typeface="Consolas" panose="020B0609020204030204" pitchFamily="49" charset="0"/>
+                </a:rPr>
+                <a:t>bool</a:t>
+              </a:r>
+              <a:r>
+                <a:rPr lang="ru-RU" sz="2400" dirty="0">
+                  <a:solidFill>
+                    <a:srgbClr val="000000"/>
+                  </a:solidFill>
+                  <a:latin typeface="Consolas" panose="020B0609020204030204" pitchFamily="49" charset="0"/>
+                </a:rPr>
+                <a:t> b</a:t>
+              </a:r>
+              <a:r>
+                <a:rPr lang="en-US" sz="2400" dirty="0">
+                  <a:solidFill>
+                    <a:srgbClr val="000000"/>
+                  </a:solidFill>
+                  <a:latin typeface="Consolas" panose="020B0609020204030204" pitchFamily="49" charset="0"/>
+                </a:rPr>
+                <a:t> </a:t>
+              </a:r>
+              <a:r>
+                <a:rPr lang="ru-RU" sz="2400" dirty="0">
+                  <a:solidFill>
+                    <a:srgbClr val="000000"/>
+                  </a:solidFill>
+                  <a:latin typeface="Consolas" panose="020B0609020204030204" pitchFamily="49" charset="0"/>
+                </a:rPr>
+                <a:t>= </a:t>
+              </a:r>
+              <a:r>
+                <a:rPr lang="ru-RU" sz="2400" dirty="0" err="1">
+                  <a:solidFill>
+                    <a:srgbClr val="000000"/>
+                  </a:solidFill>
+                  <a:latin typeface="Consolas" panose="020B0609020204030204" pitchFamily="49" charset="0"/>
+                </a:rPr>
+                <a:t>obj</a:t>
+              </a:r>
+              <a:r>
+                <a:rPr lang="ru-RU" sz="2400" dirty="0">
+                  <a:solidFill>
+                    <a:srgbClr val="000000"/>
+                  </a:solidFill>
+                  <a:latin typeface="Consolas" panose="020B0609020204030204" pitchFamily="49" charset="0"/>
+                </a:rPr>
+                <a:t> </a:t>
+              </a:r>
+              <a:r>
+                <a:rPr lang="ru-RU" sz="2400" dirty="0" err="1">
+                  <a:solidFill>
+                    <a:srgbClr val="0000FF"/>
+                  </a:solidFill>
+                  <a:latin typeface="Consolas" panose="020B0609020204030204" pitchFamily="49" charset="0"/>
+                </a:rPr>
+                <a:t>is</a:t>
+              </a:r>
+              <a:r>
+                <a:rPr lang="ru-RU" sz="2400" dirty="0">
+                  <a:solidFill>
+                    <a:srgbClr val="000000"/>
+                  </a:solidFill>
+                  <a:latin typeface="Consolas" panose="020B0609020204030204" pitchFamily="49" charset="0"/>
+                </a:rPr>
+                <a:t> </a:t>
+              </a:r>
+              <a:r>
+                <a:rPr lang="ru-RU" sz="2400" dirty="0" err="1">
+                  <a:solidFill>
+                    <a:srgbClr val="0000FF"/>
+                  </a:solidFill>
+                  <a:latin typeface="Consolas" panose="020B0609020204030204" pitchFamily="49" charset="0"/>
+                </a:rPr>
+                <a:t>int</a:t>
+              </a:r>
+              <a:r>
+                <a:rPr lang="ru-RU" sz="2400" dirty="0">
+                  <a:solidFill>
+                    <a:srgbClr val="000000"/>
+                  </a:solidFill>
+                  <a:latin typeface="Consolas" panose="020B0609020204030204" pitchFamily="49" charset="0"/>
+                </a:rPr>
+                <a:t> </a:t>
+              </a:r>
+              <a:r>
+                <a:rPr lang="ru-RU" sz="2400" dirty="0" err="1">
+                  <a:solidFill>
+                    <a:srgbClr val="000000"/>
+                  </a:solidFill>
+                  <a:latin typeface="Consolas" panose="020B0609020204030204" pitchFamily="49" charset="0"/>
+                </a:rPr>
+                <a:t>number</a:t>
+              </a:r>
+              <a:r>
+                <a:rPr lang="ru-RU" sz="2400" dirty="0">
+                  <a:solidFill>
+                    <a:srgbClr val="000000"/>
+                  </a:solidFill>
+                  <a:latin typeface="Consolas" panose="020B0609020204030204" pitchFamily="49" charset="0"/>
+                </a:rPr>
+                <a:t>;</a:t>
+              </a:r>
+              <a:r>
+                <a:rPr lang="ru-RU" sz="2400" dirty="0">
+                  <a:solidFill>
+                    <a:srgbClr val="008000"/>
+                  </a:solidFill>
+                  <a:latin typeface="Consolas" panose="020B0609020204030204" pitchFamily="49" charset="0"/>
+                </a:rPr>
+                <a:t>//с объявлением новой переменной</a:t>
+              </a:r>
+              <a:endParaRPr lang="ru-RU" sz="2400" dirty="0">
+                <a:solidFill>
+                  <a:srgbClr val="000000"/>
+                </a:solidFill>
+                <a:latin typeface="Consolas" panose="020B0609020204030204" pitchFamily="49" charset="0"/>
+              </a:endParaRPr>
+            </a:p>
+            <a:p>
+              <a:r>
+                <a:rPr lang="en-US" sz="2400" dirty="0">
+                  <a:solidFill>
+                    <a:srgbClr val="0000FF"/>
+                  </a:solidFill>
+                  <a:latin typeface="Consolas" panose="020B0609020204030204" pitchFamily="49" charset="0"/>
+                </a:rPr>
+                <a:t>bool</a:t>
+              </a:r>
+              <a:r>
+                <a:rPr lang="ru-RU" sz="2400" dirty="0">
+                  <a:solidFill>
+                    <a:srgbClr val="000000"/>
+                  </a:solidFill>
+                  <a:latin typeface="Consolas" panose="020B0609020204030204" pitchFamily="49" charset="0"/>
+                </a:rPr>
+                <a:t> b</a:t>
+              </a:r>
+              <a:r>
+                <a:rPr lang="en-US" sz="2400" dirty="0">
+                  <a:solidFill>
+                    <a:srgbClr val="000000"/>
+                  </a:solidFill>
+                  <a:latin typeface="Consolas" panose="020B0609020204030204" pitchFamily="49" charset="0"/>
+                </a:rPr>
+                <a:t> </a:t>
+              </a:r>
+              <a:r>
+                <a:rPr lang="ru-RU" sz="2400" dirty="0">
+                  <a:solidFill>
+                    <a:srgbClr val="000000"/>
+                  </a:solidFill>
+                  <a:latin typeface="Consolas" panose="020B0609020204030204" pitchFamily="49" charset="0"/>
+                </a:rPr>
+                <a:t>= </a:t>
+              </a:r>
+              <a:r>
+                <a:rPr lang="ru-RU" sz="2400" dirty="0" err="1">
+                  <a:solidFill>
+                    <a:srgbClr val="000000"/>
+                  </a:solidFill>
+                  <a:latin typeface="Consolas" panose="020B0609020204030204" pitchFamily="49" charset="0"/>
+                </a:rPr>
+                <a:t>obj</a:t>
+              </a:r>
+              <a:r>
+                <a:rPr lang="ru-RU" sz="2400" dirty="0">
+                  <a:solidFill>
+                    <a:srgbClr val="000000"/>
+                  </a:solidFill>
+                  <a:latin typeface="Consolas" panose="020B0609020204030204" pitchFamily="49" charset="0"/>
+                </a:rPr>
+                <a:t> </a:t>
+              </a:r>
+              <a:r>
+                <a:rPr lang="ru-RU" sz="2400" dirty="0" err="1">
+                  <a:solidFill>
+                    <a:srgbClr val="0000FF"/>
+                  </a:solidFill>
+                  <a:latin typeface="Consolas" panose="020B0609020204030204" pitchFamily="49" charset="0"/>
+                </a:rPr>
+                <a:t>is</a:t>
+              </a:r>
+              <a:r>
+                <a:rPr lang="ru-RU" sz="2400" dirty="0">
+                  <a:solidFill>
+                    <a:srgbClr val="000000"/>
+                  </a:solidFill>
+                  <a:latin typeface="Consolas" panose="020B0609020204030204" pitchFamily="49" charset="0"/>
+                </a:rPr>
+                <a:t> </a:t>
+              </a:r>
+              <a:r>
+                <a:rPr lang="ru-RU" sz="2400" dirty="0" err="1">
+                  <a:solidFill>
+                    <a:srgbClr val="0000FF"/>
+                  </a:solidFill>
+                  <a:latin typeface="Consolas" panose="020B0609020204030204" pitchFamily="49" charset="0"/>
+                </a:rPr>
+                <a:t>int</a:t>
+              </a:r>
+              <a:r>
+                <a:rPr lang="ru-RU" sz="2400" dirty="0">
+                  <a:solidFill>
+                    <a:srgbClr val="000000"/>
+                  </a:solidFill>
+                  <a:latin typeface="Consolas" panose="020B0609020204030204" pitchFamily="49" charset="0"/>
+                </a:rPr>
+                <a:t>;       </a:t>
+              </a:r>
+              <a:r>
+                <a:rPr lang="ru-RU" sz="2400" dirty="0">
+                  <a:solidFill>
+                    <a:srgbClr val="008000"/>
+                  </a:solidFill>
+                  <a:latin typeface="Consolas" panose="020B0609020204030204" pitchFamily="49" charset="0"/>
+                </a:rPr>
+                <a:t>//без объявления новой переменной</a:t>
+              </a:r>
+              <a:endParaRPr lang="ru-RU" sz="2400" dirty="0"/>
+            </a:p>
+          </p:txBody>
+        </p:sp>
+        <p:sp>
+          <p:nvSpPr>
+            <p:cNvPr id="5" name="TextBox 4"/>
+            <p:cNvSpPr txBox="1"/>
+            <p:nvPr/>
+          </p:nvSpPr>
+          <p:spPr>
+            <a:xfrm>
+              <a:off x="953768" y="1480416"/>
+              <a:ext cx="6126549" cy="584775"/>
+            </a:xfrm>
+            <a:prstGeom prst="rect">
+              <a:avLst/>
+            </a:prstGeom>
+            <a:noFill/>
+          </p:spPr>
+          <p:txBody>
+            <a:bodyPr wrap="none" rtlCol="0">
+              <a:spAutoFit/>
+            </a:bodyPr>
+            <a:lstStyle/>
+            <a:p>
+              <a:r>
+                <a:rPr lang="ru-RU" sz="3200" dirty="0">
+                  <a:solidFill>
+                    <a:srgbClr val="00B0F0"/>
+                  </a:solidFill>
+                </a:rPr>
+                <a:t>Проверка на соответствие типу</a:t>
+              </a:r>
+            </a:p>
+          </p:txBody>
+        </p:sp>
+      </p:grpSp>
+      <p:grpSp>
+        <p:nvGrpSpPr>
+          <p:cNvPr id="6" name="Группа 5"/>
+          <p:cNvGrpSpPr/>
+          <p:nvPr/>
+        </p:nvGrpSpPr>
+        <p:grpSpPr>
+          <a:xfrm>
+            <a:off x="953768" y="3380211"/>
+            <a:ext cx="10718431" cy="1046440"/>
+            <a:chOff x="953768" y="1480416"/>
+            <a:chExt cx="10718431" cy="1046440"/>
+          </a:xfrm>
+        </p:grpSpPr>
+        <p:sp>
+          <p:nvSpPr>
+            <p:cNvPr id="7" name="Прямоугольник 6"/>
+            <p:cNvSpPr/>
+            <p:nvPr/>
+          </p:nvSpPr>
+          <p:spPr>
+            <a:xfrm>
+              <a:off x="1520246" y="2065191"/>
+              <a:ext cx="10151953" cy="461665"/>
+            </a:xfrm>
+            <a:prstGeom prst="rect">
+              <a:avLst/>
+            </a:prstGeom>
+          </p:spPr>
+          <p:txBody>
+            <a:bodyPr wrap="square">
+              <a:spAutoFit/>
+            </a:bodyPr>
+            <a:lstStyle/>
+            <a:p>
+              <a:r>
+                <a:rPr lang="en-US" sz="2400" dirty="0">
+                  <a:solidFill>
+                    <a:srgbClr val="0000FF"/>
+                  </a:solidFill>
+                  <a:latin typeface="Consolas" panose="020B0609020204030204" pitchFamily="49" charset="0"/>
+                </a:rPr>
+                <a:t>bool</a:t>
+              </a:r>
+              <a:r>
+                <a:rPr lang="nl-NL" sz="2400" dirty="0">
+                  <a:solidFill>
+                    <a:srgbClr val="000000"/>
+                  </a:solidFill>
+                  <a:latin typeface="Consolas" panose="020B0609020204030204" pitchFamily="49" charset="0"/>
+                </a:rPr>
+                <a:t> b = obj </a:t>
+              </a:r>
+              <a:r>
+                <a:rPr lang="nl-NL" sz="2400" dirty="0">
+                  <a:solidFill>
+                    <a:srgbClr val="0000FF"/>
+                  </a:solidFill>
+                  <a:latin typeface="Consolas" panose="020B0609020204030204" pitchFamily="49" charset="0"/>
+                </a:rPr>
+                <a:t>is</a:t>
+              </a:r>
+              <a:r>
+                <a:rPr lang="nl-NL" sz="2400" dirty="0">
+                  <a:solidFill>
+                    <a:srgbClr val="000000"/>
+                  </a:solidFill>
+                  <a:latin typeface="Consolas" panose="020B0609020204030204" pitchFamily="49" charset="0"/>
+                </a:rPr>
+                <a:t> </a:t>
+              </a:r>
+              <a:r>
+                <a:rPr lang="ru-RU" sz="2400" dirty="0">
+                  <a:solidFill>
+                    <a:srgbClr val="000000"/>
+                  </a:solidFill>
+                  <a:latin typeface="Consolas" panose="020B0609020204030204" pitchFamily="49" charset="0"/>
+                </a:rPr>
+                <a:t>42</a:t>
+              </a:r>
+              <a:r>
+                <a:rPr lang="nl-NL" sz="2400" dirty="0">
+                  <a:solidFill>
+                    <a:srgbClr val="000000"/>
+                  </a:solidFill>
+                  <a:latin typeface="Consolas" panose="020B0609020204030204" pitchFamily="49" charset="0"/>
+                </a:rPr>
+                <a:t>;</a:t>
+              </a:r>
+              <a:endParaRPr lang="ru-RU" sz="2400" dirty="0"/>
+            </a:p>
+          </p:txBody>
+        </p:sp>
+        <p:sp>
+          <p:nvSpPr>
+            <p:cNvPr id="8" name="TextBox 7"/>
+            <p:cNvSpPr txBox="1"/>
+            <p:nvPr/>
+          </p:nvSpPr>
+          <p:spPr>
+            <a:xfrm>
+              <a:off x="953768" y="1480416"/>
+              <a:ext cx="6612516" cy="584775"/>
+            </a:xfrm>
+            <a:prstGeom prst="rect">
+              <a:avLst/>
+            </a:prstGeom>
+            <a:noFill/>
+          </p:spPr>
+          <p:txBody>
+            <a:bodyPr wrap="none" rtlCol="0">
+              <a:spAutoFit/>
+            </a:bodyPr>
+            <a:lstStyle/>
+            <a:p>
+              <a:r>
+                <a:rPr lang="ru-RU" sz="3200" dirty="0">
+                  <a:solidFill>
+                    <a:srgbClr val="00B0F0"/>
+                  </a:solidFill>
+                </a:rPr>
+                <a:t>Проверка на равенство </a:t>
+              </a:r>
+              <a:r>
+                <a:rPr lang="ru-RU" sz="3200" u="sng" dirty="0">
+                  <a:solidFill>
+                    <a:srgbClr val="00B0F0"/>
+                  </a:solidFill>
+                </a:rPr>
+                <a:t>константе</a:t>
+              </a:r>
+            </a:p>
+          </p:txBody>
+        </p:sp>
+      </p:grpSp>
+      <p:grpSp>
+        <p:nvGrpSpPr>
+          <p:cNvPr id="9" name="Группа 8"/>
+          <p:cNvGrpSpPr/>
+          <p:nvPr/>
+        </p:nvGrpSpPr>
+        <p:grpSpPr>
+          <a:xfrm>
+            <a:off x="953768" y="4910675"/>
+            <a:ext cx="10718431" cy="1046440"/>
+            <a:chOff x="953768" y="1480416"/>
+            <a:chExt cx="10718431" cy="1046440"/>
+          </a:xfrm>
+        </p:grpSpPr>
+        <p:sp>
+          <p:nvSpPr>
+            <p:cNvPr id="10" name="Прямоугольник 9"/>
+            <p:cNvSpPr/>
+            <p:nvPr/>
+          </p:nvSpPr>
+          <p:spPr>
+            <a:xfrm>
+              <a:off x="1520246" y="2065191"/>
+              <a:ext cx="10151953" cy="461665"/>
+            </a:xfrm>
+            <a:prstGeom prst="rect">
+              <a:avLst/>
+            </a:prstGeom>
+          </p:spPr>
+          <p:txBody>
+            <a:bodyPr wrap="square">
+              <a:spAutoFit/>
+            </a:bodyPr>
+            <a:lstStyle/>
+            <a:p>
+              <a:r>
+                <a:rPr lang="en-US" sz="2400" dirty="0">
+                  <a:solidFill>
+                    <a:srgbClr val="0000FF"/>
+                  </a:solidFill>
+                  <a:latin typeface="Consolas" panose="020B0609020204030204" pitchFamily="49" charset="0"/>
+                </a:rPr>
+                <a:t>bool</a:t>
+              </a:r>
+              <a:r>
+                <a:rPr lang="en-US" sz="2400" dirty="0">
+                  <a:solidFill>
+                    <a:srgbClr val="000000"/>
+                  </a:solidFill>
+                  <a:latin typeface="Consolas" panose="020B0609020204030204" pitchFamily="49" charset="0"/>
+                </a:rPr>
+                <a:t> b = </a:t>
+              </a:r>
+              <a:r>
+                <a:rPr lang="en-US" sz="2400" dirty="0" err="1">
+                  <a:solidFill>
+                    <a:srgbClr val="000000"/>
+                  </a:solidFill>
+                  <a:latin typeface="Consolas" panose="020B0609020204030204" pitchFamily="49" charset="0"/>
+                </a:rPr>
+                <a:t>obj</a:t>
+              </a:r>
+              <a:r>
+                <a:rPr lang="en-US" sz="2400" dirty="0">
+                  <a:solidFill>
+                    <a:srgbClr val="000000"/>
+                  </a:solidFill>
+                  <a:latin typeface="Consolas" panose="020B0609020204030204" pitchFamily="49" charset="0"/>
+                </a:rPr>
+                <a:t> </a:t>
+              </a:r>
+              <a:r>
+                <a:rPr lang="en-US" sz="2400" dirty="0">
+                  <a:solidFill>
+                    <a:srgbClr val="0000FF"/>
+                  </a:solidFill>
+                  <a:latin typeface="Consolas" panose="020B0609020204030204" pitchFamily="49" charset="0"/>
+                </a:rPr>
+                <a:t>is</a:t>
+              </a:r>
+              <a:r>
+                <a:rPr lang="en-US" sz="2400" dirty="0">
+                  <a:solidFill>
+                    <a:srgbClr val="000000"/>
+                  </a:solidFill>
+                  <a:latin typeface="Consolas" panose="020B0609020204030204" pitchFamily="49" charset="0"/>
+                </a:rPr>
+                <a:t> </a:t>
+              </a:r>
+              <a:r>
+                <a:rPr lang="en-US" sz="2400" dirty="0" err="1">
+                  <a:solidFill>
+                    <a:srgbClr val="2B91AF"/>
+                  </a:solidFill>
+                  <a:latin typeface="Consolas" panose="020B0609020204030204" pitchFamily="49" charset="0"/>
+                </a:rPr>
+                <a:t>var</a:t>
+              </a:r>
+              <a:r>
+                <a:rPr lang="en-US" sz="2400" dirty="0">
+                  <a:solidFill>
+                    <a:srgbClr val="000000"/>
+                  </a:solidFill>
+                  <a:latin typeface="Consolas" panose="020B0609020204030204" pitchFamily="49" charset="0"/>
+                </a:rPr>
+                <a:t> o;</a:t>
+              </a:r>
+              <a:r>
+                <a:rPr lang="ru-RU" sz="2400" dirty="0">
+                  <a:solidFill>
+                    <a:srgbClr val="000000"/>
+                  </a:solidFill>
+                  <a:latin typeface="Consolas" panose="020B0609020204030204" pitchFamily="49" charset="0"/>
+                </a:rPr>
+                <a:t>   </a:t>
+              </a:r>
+              <a:r>
+                <a:rPr lang="ru-RU" sz="2400" dirty="0">
+                  <a:solidFill>
+                    <a:srgbClr val="008000"/>
+                  </a:solidFill>
+                  <a:latin typeface="Consolas" panose="020B0609020204030204" pitchFamily="49" charset="0"/>
+                </a:rPr>
+                <a:t>//всегда </a:t>
+              </a:r>
+              <a:r>
+                <a:rPr lang="en-US" sz="2400" dirty="0">
+                  <a:solidFill>
+                    <a:srgbClr val="008000"/>
+                  </a:solidFill>
+                  <a:latin typeface="Consolas" panose="020B0609020204030204" pitchFamily="49" charset="0"/>
+                </a:rPr>
+                <a:t>true</a:t>
+              </a:r>
+              <a:endParaRPr lang="ru-RU" sz="2400" dirty="0"/>
+            </a:p>
+          </p:txBody>
+        </p:sp>
+        <p:sp>
+          <p:nvSpPr>
+            <p:cNvPr id="11" name="TextBox 10"/>
+            <p:cNvSpPr txBox="1"/>
+            <p:nvPr/>
+          </p:nvSpPr>
+          <p:spPr>
+            <a:xfrm>
+              <a:off x="953768" y="1480416"/>
+              <a:ext cx="9616928" cy="584775"/>
+            </a:xfrm>
+            <a:prstGeom prst="rect">
+              <a:avLst/>
+            </a:prstGeom>
+            <a:noFill/>
+          </p:spPr>
+          <p:txBody>
+            <a:bodyPr wrap="none" rtlCol="0">
+              <a:spAutoFit/>
+            </a:bodyPr>
+            <a:lstStyle/>
+            <a:p>
+              <a:r>
+                <a:rPr lang="ru-RU" sz="3200" dirty="0">
+                  <a:solidFill>
+                    <a:srgbClr val="00B0F0"/>
+                  </a:solidFill>
+                </a:rPr>
+                <a:t>Создание новой переменной с тем же значением</a:t>
+              </a:r>
+              <a:endParaRPr lang="ru-RU" sz="3200" u="sng" dirty="0">
+                <a:solidFill>
+                  <a:srgbClr val="00B0F0"/>
+                </a:solidFill>
+              </a:endParaRPr>
+            </a:p>
+          </p:txBody>
+        </p:sp>
+      </p:grpSp>
+    </p:spTree>
+    <p:extLst>
+      <p:ext uri="{BB962C8B-B14F-4D97-AF65-F5344CB8AC3E}">
+        <p14:creationId xmlns:p14="http://schemas.microsoft.com/office/powerpoint/2010/main" val="1380822248"/>
+      </p:ext>
+    </p:extLst>
+  </p:cSld>
+  <p:clrMapOvr>
+    <a:masterClrMapping/>
+  </p:clrMapOvr>
+  <p:timing>
+    <p:tnLst>
+      <p:par>
+        <p:cTn id="1" dur="indefinite" restart="never" nodeType="tmRoot">
+          <p:childTnLst>
+            <p:seq concurrent="1" nextAc="seek">
+              <p:cTn id="2" dur="indefinite" nodeType="mainSeq">
+                <p:childTnLst>
+                  <p:par>
+                    <p:cTn id="3" fill="hold">
+                      <p:stCondLst>
+                        <p:cond delay="indefinite"/>
+                      </p:stCondLst>
+                      <p:childTnLst>
+                        <p:par>
+                          <p:cTn id="4" fill="hold">
+                            <p:stCondLst>
+                              <p:cond delay="0"/>
+                            </p:stCondLst>
+                            <p:childTnLst>
+                              <p:par>
+                                <p:cTn id="5" presetID="10" presetClass="entr" presetSubtype="0" fill="hold" nodeType="clickEffect">
+                                  <p:stCondLst>
+                                    <p:cond delay="0"/>
+                                  </p:stCondLst>
+                                  <p:childTnLst>
+                                    <p:set>
+                                      <p:cBhvr>
+                                        <p:cTn id="6" dur="1" fill="hold">
+                                          <p:stCondLst>
+                                            <p:cond delay="0"/>
+                                          </p:stCondLst>
+                                        </p:cTn>
+                                        <p:tgtEl>
+                                          <p:spTgt spid="3"/>
+                                        </p:tgtEl>
+                                        <p:attrNameLst>
+                                          <p:attrName>style.visibility</p:attrName>
+                                        </p:attrNameLst>
+                                      </p:cBhvr>
+                                      <p:to>
+                                        <p:strVal val="visible"/>
+                                      </p:to>
+                                    </p:set>
+                                    <p:animEffect transition="in" filter="fade">
+                                      <p:cBhvr>
+                                        <p:cTn id="7" dur="500"/>
+                                        <p:tgtEl>
+                                          <p:spTgt spid="3"/>
+                                        </p:tgtEl>
+                                      </p:cBhvr>
+                                    </p:animEffect>
+                                  </p:childTnLst>
+                                </p:cTn>
+                              </p:par>
+                            </p:childTnLst>
+                          </p:cTn>
+                        </p:par>
+                      </p:childTnLst>
+                    </p:cTn>
+                  </p:par>
+                  <p:par>
+                    <p:cTn id="8" fill="hold">
+                      <p:stCondLst>
+                        <p:cond delay="indefinite"/>
+                      </p:stCondLst>
+                      <p:childTnLst>
+                        <p:par>
+                          <p:cTn id="9" fill="hold">
+                            <p:stCondLst>
+                              <p:cond delay="0"/>
+                            </p:stCondLst>
+                            <p:childTnLst>
+                              <p:par>
+                                <p:cTn id="10" presetID="10" presetClass="entr" presetSubtype="0" fill="hold" nodeType="clickEffect">
+                                  <p:stCondLst>
+                                    <p:cond delay="0"/>
+                                  </p:stCondLst>
+                                  <p:childTnLst>
+                                    <p:set>
+                                      <p:cBhvr>
+                                        <p:cTn id="11" dur="1" fill="hold">
+                                          <p:stCondLst>
+                                            <p:cond delay="0"/>
+                                          </p:stCondLst>
+                                        </p:cTn>
+                                        <p:tgtEl>
+                                          <p:spTgt spid="6"/>
+                                        </p:tgtEl>
+                                        <p:attrNameLst>
+                                          <p:attrName>style.visibility</p:attrName>
+                                        </p:attrNameLst>
+                                      </p:cBhvr>
+                                      <p:to>
+                                        <p:strVal val="visible"/>
+                                      </p:to>
+                                    </p:set>
+                                    <p:animEffect transition="in" filter="fade">
+                                      <p:cBhvr>
+                                        <p:cTn id="12" dur="500"/>
+                                        <p:tgtEl>
+                                          <p:spTgt spid="6"/>
+                                        </p:tgtEl>
+                                      </p:cBhvr>
+                                    </p:animEffect>
+                                  </p:childTnLst>
+                                </p:cTn>
+                              </p:par>
+                            </p:childTnLst>
+                          </p:cTn>
+                        </p:par>
+                      </p:childTnLst>
+                    </p:cTn>
+                  </p:par>
+                  <p:par>
+                    <p:cTn id="13" fill="hold">
+                      <p:stCondLst>
+                        <p:cond delay="indefinite"/>
+                      </p:stCondLst>
+                      <p:childTnLst>
+                        <p:par>
+                          <p:cTn id="14" fill="hold">
+                            <p:stCondLst>
+                              <p:cond delay="0"/>
+                            </p:stCondLst>
+                            <p:childTnLst>
+                              <p:par>
+                                <p:cTn id="15" presetID="10" presetClass="entr" presetSubtype="0" fill="hold" nodeType="clickEffect">
+                                  <p:stCondLst>
+                                    <p:cond delay="0"/>
+                                  </p:stCondLst>
+                                  <p:childTnLst>
+                                    <p:set>
+                                      <p:cBhvr>
+                                        <p:cTn id="16" dur="1" fill="hold">
+                                          <p:stCondLst>
+                                            <p:cond delay="0"/>
+                                          </p:stCondLst>
+                                        </p:cTn>
+                                        <p:tgtEl>
+                                          <p:spTgt spid="9"/>
+                                        </p:tgtEl>
+                                        <p:attrNameLst>
+                                          <p:attrName>style.visibility</p:attrName>
+                                        </p:attrNameLst>
+                                      </p:cBhvr>
+                                      <p:to>
+                                        <p:strVal val="visible"/>
+                                      </p:to>
+                                    </p:set>
+                                    <p:animEffect transition="in" filter="fade">
+                                      <p:cBhvr>
+                                        <p:cTn id="17" dur="500"/>
+                                        <p:tgtEl>
+                                          <p:spTgt spid="9"/>
+                                        </p:tgtEl>
+                                      </p:cBhvr>
+                                    </p:animEffect>
+                                  </p:childTnLst>
+                                </p:cTn>
+                              </p:par>
+                            </p:childTnLst>
+                          </p:cTn>
+                        </p:par>
+                      </p:childTnLst>
+                    </p:cTn>
+                  </p:par>
+                </p:childTnLst>
+              </p:cTn>
+              <p:prevCondLst>
+                <p:cond evt="onPrev" delay="0">
+                  <p:tgtEl>
+                    <p:sldTgt/>
+                  </p:tgtEl>
+                </p:cond>
+              </p:prevCondLst>
+              <p:nextCondLst>
+                <p:cond evt="onNext" delay="0">
+                  <p:tgtEl>
+                    <p:sldTgt/>
+                  </p:tgtEl>
+                </p:cond>
+              </p:nextCondLst>
+            </p:seq>
+          </p:childTnLst>
+        </p:cTn>
+      </p:par>
+    </p:tnLst>
+  </p:timing>
+</p:sld>
+</file>
+
+<file path=ppt/slides/slide19.xml><?xml version="1.0" encoding="utf-8"?>
+<p:sld xmlns:a="http://schemas.openxmlformats.org/drawingml/2006/main" xmlns:r="http://schemas.openxmlformats.org/officeDocument/2006/relationships" xmlns:p="http://schemas.openxmlformats.org/presentationml/2006/main">
+  <p:cSld>
+    <p:spTree>
+      <p:nvGrpSpPr>
+        <p:cNvPr id="1" name=""/>
+        <p:cNvGrpSpPr/>
+        <p:nvPr/>
+      </p:nvGrpSpPr>
+      <p:grpSpPr>
+        <a:xfrm>
+          <a:off x="0" y="0"/>
+          <a:ext cx="0" cy="0"/>
+          <a:chOff x="0" y="0"/>
+          <a:chExt cx="0" cy="0"/>
+        </a:xfrm>
+      </p:grpSpPr>
+      <p:sp>
+        <p:nvSpPr>
+          <p:cNvPr id="2" name="Заголовок 1"/>
+          <p:cNvSpPr>
+            <a:spLocks noGrp="1"/>
+          </p:cNvSpPr>
+          <p:nvPr>
+            <p:ph type="title"/>
+          </p:nvPr>
+        </p:nvSpPr>
+        <p:spPr/>
+        <p:txBody>
+          <a:bodyPr/>
+          <a:lstStyle/>
+          <a:p>
+            <a:r>
+              <a:rPr lang="ru-RU" dirty="0"/>
               <a:t>Коротко о сахаре</a:t>
             </a:r>
           </a:p>
@@ -14429,7 +15618,81 @@
 </p:sld>
 </file>
 
-<file path=ppt/slides/slide19.xml><?xml version="1.0" encoding="utf-8"?>
+<file path=ppt/slides/slide2.xml><?xml version="1.0" encoding="utf-8"?>
+<p:sld xmlns:a="http://schemas.openxmlformats.org/drawingml/2006/main" xmlns:r="http://schemas.openxmlformats.org/officeDocument/2006/relationships" xmlns:p="http://schemas.openxmlformats.org/presentationml/2006/main">
+  <p:cSld>
+    <p:spTree>
+      <p:nvGrpSpPr>
+        <p:cNvPr id="1" name=""/>
+        <p:cNvGrpSpPr/>
+        <p:nvPr/>
+      </p:nvGrpSpPr>
+      <p:grpSpPr>
+        <a:xfrm>
+          <a:off x="0" y="0"/>
+          <a:ext cx="0" cy="0"/>
+          <a:chOff x="0" y="0"/>
+          <a:chExt cx="0" cy="0"/>
+        </a:xfrm>
+      </p:grpSpPr>
+      <p:sp>
+        <p:nvSpPr>
+          <p:cNvPr id="2" name="Заголовок 1"/>
+          <p:cNvSpPr>
+            <a:spLocks noGrp="1"/>
+          </p:cNvSpPr>
+          <p:nvPr>
+            <p:ph type="title"/>
+          </p:nvPr>
+        </p:nvSpPr>
+        <p:spPr/>
+        <p:txBody>
+          <a:bodyPr/>
+          <a:lstStyle/>
+          <a:p>
+            <a:r>
+              <a:rPr lang="ru-RU" dirty="0"/>
+              <a:t>Кортежи и распаковка</a:t>
+            </a:r>
+          </a:p>
+        </p:txBody>
+      </p:sp>
+      <p:sp>
+        <p:nvSpPr>
+          <p:cNvPr id="3" name="Текст 2"/>
+          <p:cNvSpPr>
+            <a:spLocks noGrp="1"/>
+          </p:cNvSpPr>
+          <p:nvPr>
+            <p:ph type="body" idx="1"/>
+          </p:nvPr>
+        </p:nvSpPr>
+        <p:spPr/>
+        <p:txBody>
+          <a:bodyPr/>
+          <a:lstStyle/>
+          <a:p>
+            <a:r>
+              <a:rPr lang="ru-RU" dirty="0"/>
+              <a:t>Взять старое и сделать его идеальным</a:t>
+            </a:r>
+          </a:p>
+        </p:txBody>
+      </p:sp>
+    </p:spTree>
+    <p:extLst>
+      <p:ext uri="{BB962C8B-B14F-4D97-AF65-F5344CB8AC3E}">
+        <p14:creationId xmlns:p14="http://schemas.microsoft.com/office/powerpoint/2010/main" val="3952391837"/>
+      </p:ext>
+    </p:extLst>
+  </p:cSld>
+  <p:clrMapOvr>
+    <a:masterClrMapping/>
+  </p:clrMapOvr>
+</p:sld>
+</file>
+
+<file path=ppt/slides/slide20.xml><?xml version="1.0" encoding="utf-8"?>
 <p:sld xmlns:a="http://schemas.openxmlformats.org/drawingml/2006/main" xmlns:r="http://schemas.openxmlformats.org/officeDocument/2006/relationships" xmlns:p="http://schemas.openxmlformats.org/presentationml/2006/main">
   <p:cSld>
     <p:spTree>
@@ -14990,81 +16253,7 @@
 </p:sld>
 </file>
 
-<file path=ppt/slides/slide2.xml><?xml version="1.0" encoding="utf-8"?>
-<p:sld xmlns:a="http://schemas.openxmlformats.org/drawingml/2006/main" xmlns:r="http://schemas.openxmlformats.org/officeDocument/2006/relationships" xmlns:p="http://schemas.openxmlformats.org/presentationml/2006/main">
-  <p:cSld>
-    <p:spTree>
-      <p:nvGrpSpPr>
-        <p:cNvPr id="1" name=""/>
-        <p:cNvGrpSpPr/>
-        <p:nvPr/>
-      </p:nvGrpSpPr>
-      <p:grpSpPr>
-        <a:xfrm>
-          <a:off x="0" y="0"/>
-          <a:ext cx="0" cy="0"/>
-          <a:chOff x="0" y="0"/>
-          <a:chExt cx="0" cy="0"/>
-        </a:xfrm>
-      </p:grpSpPr>
-      <p:sp>
-        <p:nvSpPr>
-          <p:cNvPr id="2" name="Заголовок 1"/>
-          <p:cNvSpPr>
-            <a:spLocks noGrp="1"/>
-          </p:cNvSpPr>
-          <p:nvPr>
-            <p:ph type="title"/>
-          </p:nvPr>
-        </p:nvSpPr>
-        <p:spPr/>
-        <p:txBody>
-          <a:bodyPr/>
-          <a:lstStyle/>
-          <a:p>
-            <a:r>
-              <a:rPr lang="ru-RU" dirty="0"/>
-              <a:t>Кортежи и распаковка</a:t>
-            </a:r>
-          </a:p>
-        </p:txBody>
-      </p:sp>
-      <p:sp>
-        <p:nvSpPr>
-          <p:cNvPr id="3" name="Текст 2"/>
-          <p:cNvSpPr>
-            <a:spLocks noGrp="1"/>
-          </p:cNvSpPr>
-          <p:nvPr>
-            <p:ph type="body" idx="1"/>
-          </p:nvPr>
-        </p:nvSpPr>
-        <p:spPr/>
-        <p:txBody>
-          <a:bodyPr/>
-          <a:lstStyle/>
-          <a:p>
-            <a:r>
-              <a:rPr lang="ru-RU" dirty="0"/>
-              <a:t>Взять старое и сделать его идеальным</a:t>
-            </a:r>
-          </a:p>
-        </p:txBody>
-      </p:sp>
-    </p:spTree>
-    <p:extLst>
-      <p:ext uri="{BB962C8B-B14F-4D97-AF65-F5344CB8AC3E}">
-        <p14:creationId xmlns:p14="http://schemas.microsoft.com/office/powerpoint/2010/main" val="3952391837"/>
-      </p:ext>
-    </p:extLst>
-  </p:cSld>
-  <p:clrMapOvr>
-    <a:masterClrMapping/>
-  </p:clrMapOvr>
-</p:sld>
-</file>
-
-<file path=ppt/slides/slide20.xml><?xml version="1.0" encoding="utf-8"?>
+<file path=ppt/slides/slide21.xml><?xml version="1.0" encoding="utf-8"?>
 <p:sld xmlns:a="http://schemas.openxmlformats.org/drawingml/2006/main" xmlns:r="http://schemas.openxmlformats.org/officeDocument/2006/relationships" xmlns:p="http://schemas.openxmlformats.org/presentationml/2006/main">
   <p:cSld>
     <p:spTree>
@@ -15811,7 +17000,7 @@
 </p:sld>
 </file>
 
-<file path=ppt/slides/slide21.xml><?xml version="1.0" encoding="utf-8"?>
+<file path=ppt/slides/slide22.xml><?xml version="1.0" encoding="utf-8"?>
 <p:sld xmlns:a="http://schemas.openxmlformats.org/drawingml/2006/main" xmlns:r="http://schemas.openxmlformats.org/officeDocument/2006/relationships" xmlns:p="http://schemas.openxmlformats.org/presentationml/2006/main">
   <p:cSld>
     <p:spTree>
@@ -16346,7 +17535,7 @@
 </p:sld>
 </file>
 
-<file path=ppt/slides/slide22.xml><?xml version="1.0" encoding="utf-8"?>
+<file path=ppt/slides/slide23.xml><?xml version="1.0" encoding="utf-8"?>
 <p:sld xmlns:a="http://schemas.openxmlformats.org/drawingml/2006/main" xmlns:r="http://schemas.openxmlformats.org/officeDocument/2006/relationships" xmlns:p="http://schemas.openxmlformats.org/presentationml/2006/main">
   <p:cSld>
     <p:spTree>
@@ -16788,6 +17977,45 @@
           </p:txBody>
         </p:sp>
       </p:grpSp>
+      <mc:AlternateContent xmlns:mc="http://schemas.openxmlformats.org/markup-compatibility/2006">
+        <mc:Choice xmlns:p14="http://schemas.microsoft.com/office/powerpoint/2010/main" Requires="p14">
+          <p:contentPart p14:bwMode="auto" r:id="rId3">
+            <p14:nvContentPartPr>
+              <p14:cNvPr id="2" name="Рукописный ввод 1"/>
+              <p14:cNvContentPartPr/>
+              <p14:nvPr/>
+            </p14:nvContentPartPr>
+            <p14:xfrm>
+              <a:off x="7124760" y="1994040"/>
+              <a:ext cx="578160" cy="57240"/>
+            </p14:xfrm>
+          </p:contentPart>
+        </mc:Choice>
+        <mc:Fallback>
+          <p:pic>
+            <p:nvPicPr>
+              <p:cNvPr id="2" name="Рукописный ввод 1"/>
+              <p:cNvPicPr/>
+              <p:nvPr/>
+            </p:nvPicPr>
+            <p:blipFill>
+              <a:blip r:embed="rId4"/>
+              <a:stretch>
+                <a:fillRect/>
+              </a:stretch>
+            </p:blipFill>
+            <p:spPr>
+              <a:xfrm>
+                <a:off x="7115400" y="1984680"/>
+                <a:ext cx="596880" cy="75960"/>
+              </a:xfrm>
+              <a:prstGeom prst="rect">
+                <a:avLst/>
+              </a:prstGeom>
+            </p:spPr>
+          </p:pic>
+        </mc:Fallback>
+      </mc:AlternateContent>
     </p:spTree>
     <p:extLst>
       <p:ext uri="{BB962C8B-B14F-4D97-AF65-F5344CB8AC3E}">
@@ -16801,7 +18029,7 @@
 </p:sld>
 </file>
 
-<file path=ppt/slides/slide23.xml><?xml version="1.0" encoding="utf-8"?>
+<file path=ppt/slides/slide24.xml><?xml version="1.0" encoding="utf-8"?>
 <p:sld xmlns:a="http://schemas.openxmlformats.org/drawingml/2006/main" xmlns:r="http://schemas.openxmlformats.org/officeDocument/2006/relationships" xmlns:p="http://schemas.openxmlformats.org/presentationml/2006/main">
   <p:cSld>
     <p:spTree>
@@ -16883,7 +18111,7 @@
 </p:sld>
 </file>
 
-<file path=ppt/slides/slide24.xml><?xml version="1.0" encoding="utf-8"?>
+<file path=ppt/slides/slide25.xml><?xml version="1.0" encoding="utf-8"?>
 <p:sld xmlns:a="http://schemas.openxmlformats.org/drawingml/2006/main" xmlns:r="http://schemas.openxmlformats.org/officeDocument/2006/relationships" xmlns:p="http://schemas.openxmlformats.org/presentationml/2006/main">
   <p:cSld>
     <p:spTree>

--- a/CS7.pptx
+++ b/CS7.pptx
@@ -223,7 +223,7 @@
     </inkml:brush>
   </inkml:definitions>
   <inkml:trace contextRef="#ctx0" brushRef="#br0">21396 5539 0</inkml:trace>
-  <inkml:trace contextRef="#ctx0" brushRef="#br0" timeOffset="674.8001">19791 5697 0</inkml:trace>
+  <inkml:trace contextRef="#ctx0" brushRef="#br0" timeOffset="674.8">19791 5697 0</inkml:trace>
 </inkml:ink>
 </file>
 
@@ -17977,8 +17977,8 @@
           </p:txBody>
         </p:sp>
       </p:grpSp>
-      <mc:AlternateContent xmlns:mc="http://schemas.openxmlformats.org/markup-compatibility/2006">
-        <mc:Choice xmlns:p14="http://schemas.microsoft.com/office/powerpoint/2010/main" Requires="p14">
+      <mc:AlternateContent xmlns:mc="http://schemas.openxmlformats.org/markup-compatibility/2006" xmlns:p14="http://schemas.microsoft.com/office/powerpoint/2010/main">
+        <mc:Choice Requires="p14">
           <p:contentPart p14:bwMode="auto" r:id="rId3">
             <p14:nvContentPartPr>
               <p14:cNvPr id="2" name="Рукописный ввод 1"/>
@@ -17991,7 +17991,7 @@
             </p14:xfrm>
           </p:contentPart>
         </mc:Choice>
-        <mc:Fallback>
+        <mc:Fallback xmlns="">
           <p:pic>
             <p:nvPicPr>
               <p:cNvPr id="2" name="Рукописный ввод 1"/>

--- a/CS7.pptx
+++ b/CS7.pptx
@@ -7,7 +7,7 @@
     <p:sldMasterId id="2147483750" r:id="rId3"/>
   </p:sldMasterIdLst>
   <p:notesMasterIdLst>
-    <p:notesMasterId r:id="rId29"/>
+    <p:notesMasterId r:id="rId28"/>
   </p:notesMasterIdLst>
   <p:sldIdLst>
     <p:sldId id="261" r:id="rId4"/>
@@ -17,24 +17,23 @@
     <p:sldId id="281" r:id="rId8"/>
     <p:sldId id="282" r:id="rId9"/>
     <p:sldId id="260" r:id="rId10"/>
-    <p:sldId id="262" r:id="rId11"/>
-    <p:sldId id="263" r:id="rId12"/>
-    <p:sldId id="264" r:id="rId13"/>
-    <p:sldId id="269" r:id="rId14"/>
-    <p:sldId id="271" r:id="rId15"/>
-    <p:sldId id="272" r:id="rId16"/>
-    <p:sldId id="273" r:id="rId17"/>
-    <p:sldId id="283" r:id="rId18"/>
-    <p:sldId id="284" r:id="rId19"/>
-    <p:sldId id="286" r:id="rId20"/>
-    <p:sldId id="287" r:id="rId21"/>
-    <p:sldId id="267" r:id="rId22"/>
-    <p:sldId id="268" r:id="rId23"/>
-    <p:sldId id="274" r:id="rId24"/>
-    <p:sldId id="275" r:id="rId25"/>
-    <p:sldId id="276" r:id="rId26"/>
-    <p:sldId id="277" r:id="rId27"/>
-    <p:sldId id="278" r:id="rId28"/>
+    <p:sldId id="263" r:id="rId11"/>
+    <p:sldId id="288" r:id="rId12"/>
+    <p:sldId id="269" r:id="rId13"/>
+    <p:sldId id="271" r:id="rId14"/>
+    <p:sldId id="272" r:id="rId15"/>
+    <p:sldId id="273" r:id="rId16"/>
+    <p:sldId id="283" r:id="rId17"/>
+    <p:sldId id="284" r:id="rId18"/>
+    <p:sldId id="286" r:id="rId19"/>
+    <p:sldId id="287" r:id="rId20"/>
+    <p:sldId id="267" r:id="rId21"/>
+    <p:sldId id="268" r:id="rId22"/>
+    <p:sldId id="274" r:id="rId23"/>
+    <p:sldId id="275" r:id="rId24"/>
+    <p:sldId id="276" r:id="rId25"/>
+    <p:sldId id="277" r:id="rId26"/>
+    <p:sldId id="278" r:id="rId27"/>
   </p:sldIdLst>
   <p:sldSz cx="12192000" cy="6858000"/>
   <p:notesSz cx="6858000" cy="9144000"/>
@@ -149,9 +148,8 @@
             <p14:sldId id="281"/>
             <p14:sldId id="282"/>
             <p14:sldId id="260"/>
-            <p14:sldId id="262"/>
             <p14:sldId id="263"/>
-            <p14:sldId id="264"/>
+            <p14:sldId id="288"/>
           </p14:sldIdLst>
         </p14:section>
         <p14:section name="Локальные функции" id="{F6260EDD-D71A-4337-930C-D468AF34425E}">
@@ -309,7 +307,7 @@
           <a:p>
             <a:fld id="{3F66B0A3-8829-454C-82AD-7C02CFF2BB29}" type="datetimeFigureOut">
               <a:rPr lang="ru-RU" smtClean="0"/>
-              <a:t>11.05.2017</a:t>
+              <a:t>12.05.2017</a:t>
             </a:fld>
             <a:endParaRPr lang="ru-RU"/>
           </a:p>
@@ -620,14 +618,7 @@
           <a:bodyPr/>
           <a:lstStyle/>
           <a:p>
-            <a:r>
-              <a:rPr lang="en-US" dirty="0"/>
-              <a:t>TODO: </a:t>
-            </a:r>
-            <a:r>
-              <a:rPr lang="ru-RU" dirty="0"/>
-              <a:t>проверить подписи к стрелкам</a:t>
-            </a:r>
+            <a:endParaRPr lang="ru-RU" dirty="0"/>
           </a:p>
         </p:txBody>
       </p:sp>
@@ -648,7 +639,7 @@
           <a:p>
             <a:fld id="{94CDE472-856A-4C5F-90D1-1F8917732D43}" type="slidenum">
               <a:rPr lang="ru-RU" smtClean="0"/>
-              <a:t>7</a:t>
+              <a:t>4</a:t>
             </a:fld>
             <a:endParaRPr lang="ru-RU"/>
           </a:p>
@@ -657,7 +648,7 @@
     </p:spTree>
     <p:extLst>
       <p:ext uri="{BB962C8B-B14F-4D97-AF65-F5344CB8AC3E}">
-        <p14:creationId xmlns:p14="http://schemas.microsoft.com/office/powerpoint/2010/main" val="910227162"/>
+        <p14:creationId xmlns:p14="http://schemas.microsoft.com/office/powerpoint/2010/main" val="2936502340"/>
       </p:ext>
     </p:extLst>
   </p:cSld>
@@ -739,7 +730,7 @@
           <a:p>
             <a:fld id="{94CDE472-856A-4C5F-90D1-1F8917732D43}" type="slidenum">
               <a:rPr lang="ru-RU" smtClean="0"/>
-              <a:t>21</a:t>
+              <a:t>20</a:t>
             </a:fld>
             <a:endParaRPr lang="ru-RU"/>
           </a:p>
@@ -823,7 +814,7 @@
           <a:p>
             <a:fld id="{94CDE472-856A-4C5F-90D1-1F8917732D43}" type="slidenum">
               <a:rPr lang="ru-RU" smtClean="0"/>
-              <a:t>22</a:t>
+              <a:t>21</a:t>
             </a:fld>
             <a:endParaRPr lang="ru-RU"/>
           </a:p>
@@ -907,7 +898,7 @@
           <a:p>
             <a:fld id="{94CDE472-856A-4C5F-90D1-1F8917732D43}" type="slidenum">
               <a:rPr lang="ru-RU" smtClean="0"/>
-              <a:t>23</a:t>
+              <a:t>22</a:t>
             </a:fld>
             <a:endParaRPr lang="ru-RU"/>
           </a:p>
@@ -998,7 +989,7 @@
           <a:p>
             <a:fld id="{94CDE472-856A-4C5F-90D1-1F8917732D43}" type="slidenum">
               <a:rPr lang="ru-RU" smtClean="0"/>
-              <a:t>8</a:t>
+              <a:t>7</a:t>
             </a:fld>
             <a:endParaRPr lang="ru-RU"/>
           </a:p>
@@ -1007,7 +998,7 @@
     </p:spTree>
     <p:extLst>
       <p:ext uri="{BB962C8B-B14F-4D97-AF65-F5344CB8AC3E}">
-        <p14:creationId xmlns:p14="http://schemas.microsoft.com/office/powerpoint/2010/main" val="3625710546"/>
+        <p14:creationId xmlns:p14="http://schemas.microsoft.com/office/powerpoint/2010/main" val="910227162"/>
       </p:ext>
     </p:extLst>
   </p:cSld>
@@ -1113,7 +1104,7 @@
           <a:p>
             <a:fld id="{94CDE472-856A-4C5F-90D1-1F8917732D43}" type="slidenum">
               <a:rPr lang="ru-RU" smtClean="0"/>
-              <a:t>9</a:t>
+              <a:t>8</a:t>
             </a:fld>
             <a:endParaRPr lang="ru-RU"/>
           </a:p>
@@ -1228,7 +1219,7 @@
           <a:p>
             <a:fld id="{94CDE472-856A-4C5F-90D1-1F8917732D43}" type="slidenum">
               <a:rPr lang="ru-RU" smtClean="0"/>
-              <a:t>10</a:t>
+              <a:t>9</a:t>
             </a:fld>
             <a:endParaRPr lang="ru-RU"/>
           </a:p>
@@ -1237,7 +1228,7 @@
     </p:spTree>
     <p:extLst>
       <p:ext uri="{BB962C8B-B14F-4D97-AF65-F5344CB8AC3E}">
-        <p14:creationId xmlns:p14="http://schemas.microsoft.com/office/powerpoint/2010/main" val="3272746063"/>
+        <p14:creationId xmlns:p14="http://schemas.microsoft.com/office/powerpoint/2010/main" val="2193040123"/>
       </p:ext>
     </p:extLst>
   </p:cSld>
@@ -1315,7 +1306,7 @@
           <a:p>
             <a:fld id="{94CDE472-856A-4C5F-90D1-1F8917732D43}" type="slidenum">
               <a:rPr lang="ru-RU" smtClean="0"/>
-              <a:t>12</a:t>
+              <a:t>11</a:t>
             </a:fld>
             <a:endParaRPr lang="ru-RU"/>
           </a:p>
@@ -1406,7 +1397,7 @@
           <a:p>
             <a:fld id="{94CDE472-856A-4C5F-90D1-1F8917732D43}" type="slidenum">
               <a:rPr lang="ru-RU" smtClean="0"/>
-              <a:t>13</a:t>
+              <a:t>12</a:t>
             </a:fld>
             <a:endParaRPr lang="ru-RU"/>
           </a:p>
@@ -1518,7 +1509,7 @@
           <a:p>
             <a:fld id="{94CDE472-856A-4C5F-90D1-1F8917732D43}" type="slidenum">
               <a:rPr lang="ru-RU" smtClean="0"/>
-              <a:t>15</a:t>
+              <a:t>14</a:t>
             </a:fld>
             <a:endParaRPr lang="ru-RU"/>
           </a:p>
@@ -1630,7 +1621,7 @@
           <a:p>
             <a:fld id="{94CDE472-856A-4C5F-90D1-1F8917732D43}" type="slidenum">
               <a:rPr lang="ru-RU" smtClean="0"/>
-              <a:t>16</a:t>
+              <a:t>15</a:t>
             </a:fld>
             <a:endParaRPr lang="ru-RU"/>
           </a:p>
@@ -1721,7 +1712,7 @@
           <a:p>
             <a:fld id="{94CDE472-856A-4C5F-90D1-1F8917732D43}" type="slidenum">
               <a:rPr lang="ru-RU" smtClean="0"/>
-              <a:t>20</a:t>
+              <a:t>19</a:t>
             </a:fld>
             <a:endParaRPr lang="ru-RU"/>
           </a:p>
@@ -1882,7 +1873,7 @@
           <a:p>
             <a:fld id="{7D509BED-3442-45B2-9A11-390A0AF5BB8F}" type="datetimeFigureOut">
               <a:rPr lang="ru-RU" smtClean="0"/>
-              <a:t>11.05.2017</a:t>
+              <a:t>12.05.2017</a:t>
             </a:fld>
             <a:endParaRPr lang="ru-RU"/>
           </a:p>
@@ -2052,7 +2043,7 @@
           <a:p>
             <a:fld id="{7D509BED-3442-45B2-9A11-390A0AF5BB8F}" type="datetimeFigureOut">
               <a:rPr lang="ru-RU" smtClean="0"/>
-              <a:t>11.05.2017</a:t>
+              <a:t>12.05.2017</a:t>
             </a:fld>
             <a:endParaRPr lang="ru-RU"/>
           </a:p>
@@ -2232,7 +2223,7 @@
           <a:p>
             <a:fld id="{7D509BED-3442-45B2-9A11-390A0AF5BB8F}" type="datetimeFigureOut">
               <a:rPr lang="ru-RU" smtClean="0"/>
-              <a:t>11.05.2017</a:t>
+              <a:t>12.05.2017</a:t>
             </a:fld>
             <a:endParaRPr lang="ru-RU"/>
           </a:p>
@@ -2435,7 +2426,7 @@
           <a:p>
             <a:fld id="{7D509BED-3442-45B2-9A11-390A0AF5BB8F}" type="datetimeFigureOut">
               <a:rPr lang="ru-RU" smtClean="0"/>
-              <a:t>11.05.2017</a:t>
+              <a:t>12.05.2017</a:t>
             </a:fld>
             <a:endParaRPr lang="ru-RU"/>
           </a:p>
@@ -2605,7 +2596,7 @@
           <a:p>
             <a:fld id="{7D509BED-3442-45B2-9A11-390A0AF5BB8F}" type="datetimeFigureOut">
               <a:rPr lang="ru-RU" smtClean="0"/>
-              <a:t>11.05.2017</a:t>
+              <a:t>12.05.2017</a:t>
             </a:fld>
             <a:endParaRPr lang="ru-RU"/>
           </a:p>
@@ -2856,7 +2847,7 @@
           <a:p>
             <a:fld id="{7D509BED-3442-45B2-9A11-390A0AF5BB8F}" type="datetimeFigureOut">
               <a:rPr lang="ru-RU" smtClean="0"/>
-              <a:t>11.05.2017</a:t>
+              <a:t>12.05.2017</a:t>
             </a:fld>
             <a:endParaRPr lang="ru-RU"/>
           </a:p>
@@ -3088,7 +3079,7 @@
           <a:p>
             <a:fld id="{7D509BED-3442-45B2-9A11-390A0AF5BB8F}" type="datetimeFigureOut">
               <a:rPr lang="ru-RU" smtClean="0"/>
-              <a:t>11.05.2017</a:t>
+              <a:t>12.05.2017</a:t>
             </a:fld>
             <a:endParaRPr lang="ru-RU"/>
           </a:p>
@@ -3435,7 +3426,7 @@
           <a:p>
             <a:fld id="{7D509BED-3442-45B2-9A11-390A0AF5BB8F}" type="datetimeFigureOut">
               <a:rPr lang="ru-RU" smtClean="0"/>
-              <a:t>11.05.2017</a:t>
+              <a:t>12.05.2017</a:t>
             </a:fld>
             <a:endParaRPr lang="ru-RU"/>
           </a:p>
@@ -3553,7 +3544,7 @@
           <a:p>
             <a:fld id="{7D509BED-3442-45B2-9A11-390A0AF5BB8F}" type="datetimeFigureOut">
               <a:rPr lang="ru-RU" smtClean="0"/>
-              <a:t>11.05.2017</a:t>
+              <a:t>12.05.2017</a:t>
             </a:fld>
             <a:endParaRPr lang="ru-RU"/>
           </a:p>
@@ -3671,7 +3662,7 @@
           <a:p>
             <a:fld id="{7D509BED-3442-45B2-9A11-390A0AF5BB8F}" type="datetimeFigureOut">
               <a:rPr lang="ru-RU" smtClean="0"/>
-              <a:t>11.05.2017</a:t>
+              <a:t>12.05.2017</a:t>
             </a:fld>
             <a:endParaRPr lang="ru-RU"/>
           </a:p>
@@ -3955,7 +3946,7 @@
           <a:p>
             <a:fld id="{7D509BED-3442-45B2-9A11-390A0AF5BB8F}" type="datetimeFigureOut">
               <a:rPr lang="ru-RU" smtClean="0"/>
-              <a:t>11.05.2017</a:t>
+              <a:t>12.05.2017</a:t>
             </a:fld>
             <a:endParaRPr lang="ru-RU"/>
           </a:p>
@@ -4125,7 +4116,7 @@
           <a:p>
             <a:fld id="{7D509BED-3442-45B2-9A11-390A0AF5BB8F}" type="datetimeFigureOut">
               <a:rPr lang="ru-RU" smtClean="0"/>
-              <a:t>11.05.2017</a:t>
+              <a:t>12.05.2017</a:t>
             </a:fld>
             <a:endParaRPr lang="ru-RU"/>
           </a:p>
@@ -4389,7 +4380,7 @@
           <a:p>
             <a:fld id="{7D509BED-3442-45B2-9A11-390A0AF5BB8F}" type="datetimeFigureOut">
               <a:rPr lang="ru-RU" smtClean="0"/>
-              <a:t>11.05.2017</a:t>
+              <a:t>12.05.2017</a:t>
             </a:fld>
             <a:endParaRPr lang="ru-RU"/>
           </a:p>
@@ -4559,7 +4550,7 @@
           <a:p>
             <a:fld id="{7D509BED-3442-45B2-9A11-390A0AF5BB8F}" type="datetimeFigureOut">
               <a:rPr lang="ru-RU" smtClean="0"/>
-              <a:t>11.05.2017</a:t>
+              <a:t>12.05.2017</a:t>
             </a:fld>
             <a:endParaRPr lang="ru-RU"/>
           </a:p>
@@ -4739,7 +4730,7 @@
           <a:p>
             <a:fld id="{7D509BED-3442-45B2-9A11-390A0AF5BB8F}" type="datetimeFigureOut">
               <a:rPr lang="ru-RU" smtClean="0"/>
-              <a:t>11.05.2017</a:t>
+              <a:t>12.05.2017</a:t>
             </a:fld>
             <a:endParaRPr lang="ru-RU"/>
           </a:p>
@@ -4942,7 +4933,7 @@
           <a:p>
             <a:fld id="{7D509BED-3442-45B2-9A11-390A0AF5BB8F}" type="datetimeFigureOut">
               <a:rPr lang="ru-RU" smtClean="0"/>
-              <a:t>11.05.2017</a:t>
+              <a:t>12.05.2017</a:t>
             </a:fld>
             <a:endParaRPr lang="ru-RU"/>
           </a:p>
@@ -5112,7 +5103,7 @@
           <a:p>
             <a:fld id="{7D509BED-3442-45B2-9A11-390A0AF5BB8F}" type="datetimeFigureOut">
               <a:rPr lang="ru-RU" smtClean="0"/>
-              <a:t>11.05.2017</a:t>
+              <a:t>12.05.2017</a:t>
             </a:fld>
             <a:endParaRPr lang="ru-RU"/>
           </a:p>
@@ -5363,7 +5354,7 @@
           <a:p>
             <a:fld id="{7D509BED-3442-45B2-9A11-390A0AF5BB8F}" type="datetimeFigureOut">
               <a:rPr lang="ru-RU" smtClean="0"/>
-              <a:t>11.05.2017</a:t>
+              <a:t>12.05.2017</a:t>
             </a:fld>
             <a:endParaRPr lang="ru-RU"/>
           </a:p>
@@ -5595,7 +5586,7 @@
           <a:p>
             <a:fld id="{7D509BED-3442-45B2-9A11-390A0AF5BB8F}" type="datetimeFigureOut">
               <a:rPr lang="ru-RU" smtClean="0"/>
-              <a:t>11.05.2017</a:t>
+              <a:t>12.05.2017</a:t>
             </a:fld>
             <a:endParaRPr lang="ru-RU"/>
           </a:p>
@@ -5942,7 +5933,7 @@
           <a:p>
             <a:fld id="{7D509BED-3442-45B2-9A11-390A0AF5BB8F}" type="datetimeFigureOut">
               <a:rPr lang="ru-RU" smtClean="0"/>
-              <a:t>11.05.2017</a:t>
+              <a:t>12.05.2017</a:t>
             </a:fld>
             <a:endParaRPr lang="ru-RU"/>
           </a:p>
@@ -6060,7 +6051,7 @@
           <a:p>
             <a:fld id="{7D509BED-3442-45B2-9A11-390A0AF5BB8F}" type="datetimeFigureOut">
               <a:rPr lang="ru-RU" smtClean="0"/>
-              <a:t>11.05.2017</a:t>
+              <a:t>12.05.2017</a:t>
             </a:fld>
             <a:endParaRPr lang="ru-RU"/>
           </a:p>
@@ -6178,7 +6169,7 @@
           <a:p>
             <a:fld id="{7D509BED-3442-45B2-9A11-390A0AF5BB8F}" type="datetimeFigureOut">
               <a:rPr lang="ru-RU" smtClean="0"/>
-              <a:t>11.05.2017</a:t>
+              <a:t>12.05.2017</a:t>
             </a:fld>
             <a:endParaRPr lang="ru-RU"/>
           </a:p>
@@ -6429,7 +6420,7 @@
           <a:p>
             <a:fld id="{7D509BED-3442-45B2-9A11-390A0AF5BB8F}" type="datetimeFigureOut">
               <a:rPr lang="ru-RU" smtClean="0"/>
-              <a:t>11.05.2017</a:t>
+              <a:t>12.05.2017</a:t>
             </a:fld>
             <a:endParaRPr lang="ru-RU"/>
           </a:p>
@@ -6713,7 +6704,7 @@
           <a:p>
             <a:fld id="{7D509BED-3442-45B2-9A11-390A0AF5BB8F}" type="datetimeFigureOut">
               <a:rPr lang="ru-RU" smtClean="0"/>
-              <a:t>11.05.2017</a:t>
+              <a:t>12.05.2017</a:t>
             </a:fld>
             <a:endParaRPr lang="ru-RU"/>
           </a:p>
@@ -6977,7 +6968,7 @@
           <a:p>
             <a:fld id="{7D509BED-3442-45B2-9A11-390A0AF5BB8F}" type="datetimeFigureOut">
               <a:rPr lang="ru-RU" smtClean="0"/>
-              <a:t>11.05.2017</a:t>
+              <a:t>12.05.2017</a:t>
             </a:fld>
             <a:endParaRPr lang="ru-RU"/>
           </a:p>
@@ -7147,7 +7138,7 @@
           <a:p>
             <a:fld id="{7D509BED-3442-45B2-9A11-390A0AF5BB8F}" type="datetimeFigureOut">
               <a:rPr lang="ru-RU" smtClean="0"/>
-              <a:t>11.05.2017</a:t>
+              <a:t>12.05.2017</a:t>
             </a:fld>
             <a:endParaRPr lang="ru-RU"/>
           </a:p>
@@ -7327,7 +7318,7 @@
           <a:p>
             <a:fld id="{7D509BED-3442-45B2-9A11-390A0AF5BB8F}" type="datetimeFigureOut">
               <a:rPr lang="ru-RU" smtClean="0"/>
-              <a:t>11.05.2017</a:t>
+              <a:t>12.05.2017</a:t>
             </a:fld>
             <a:endParaRPr lang="ru-RU"/>
           </a:p>
@@ -7559,7 +7550,7 @@
           <a:p>
             <a:fld id="{7D509BED-3442-45B2-9A11-390A0AF5BB8F}" type="datetimeFigureOut">
               <a:rPr lang="ru-RU" smtClean="0"/>
-              <a:t>11.05.2017</a:t>
+              <a:t>12.05.2017</a:t>
             </a:fld>
             <a:endParaRPr lang="ru-RU"/>
           </a:p>
@@ -7906,7 +7897,7 @@
           <a:p>
             <a:fld id="{7D509BED-3442-45B2-9A11-390A0AF5BB8F}" type="datetimeFigureOut">
               <a:rPr lang="ru-RU" smtClean="0"/>
-              <a:t>11.05.2017</a:t>
+              <a:t>12.05.2017</a:t>
             </a:fld>
             <a:endParaRPr lang="ru-RU"/>
           </a:p>
@@ -8024,7 +8015,7 @@
           <a:p>
             <a:fld id="{7D509BED-3442-45B2-9A11-390A0AF5BB8F}" type="datetimeFigureOut">
               <a:rPr lang="ru-RU" smtClean="0"/>
-              <a:t>11.05.2017</a:t>
+              <a:t>12.05.2017</a:t>
             </a:fld>
             <a:endParaRPr lang="ru-RU"/>
           </a:p>
@@ -8142,7 +8133,7 @@
           <a:p>
             <a:fld id="{7D509BED-3442-45B2-9A11-390A0AF5BB8F}" type="datetimeFigureOut">
               <a:rPr lang="ru-RU" smtClean="0"/>
-              <a:t>11.05.2017</a:t>
+              <a:t>12.05.2017</a:t>
             </a:fld>
             <a:endParaRPr lang="ru-RU"/>
           </a:p>
@@ -8426,7 +8417,7 @@
           <a:p>
             <a:fld id="{7D509BED-3442-45B2-9A11-390A0AF5BB8F}" type="datetimeFigureOut">
               <a:rPr lang="ru-RU" smtClean="0"/>
-              <a:t>11.05.2017</a:t>
+              <a:t>12.05.2017</a:t>
             </a:fld>
             <a:endParaRPr lang="ru-RU"/>
           </a:p>
@@ -8690,7 +8681,7 @@
           <a:p>
             <a:fld id="{7D509BED-3442-45B2-9A11-390A0AF5BB8F}" type="datetimeFigureOut">
               <a:rPr lang="ru-RU" smtClean="0"/>
-              <a:t>11.05.2017</a:t>
+              <a:t>12.05.2017</a:t>
             </a:fld>
             <a:endParaRPr lang="ru-RU"/>
           </a:p>
@@ -8904,7 +8895,7 @@
           <a:p>
             <a:fld id="{7D509BED-3442-45B2-9A11-390A0AF5BB8F}" type="datetimeFigureOut">
               <a:rPr lang="ru-RU" smtClean="0"/>
-              <a:t>11.05.2017</a:t>
+              <a:t>12.05.2017</a:t>
             </a:fld>
             <a:endParaRPr lang="ru-RU"/>
           </a:p>
@@ -9434,7 +9425,7 @@
           <a:p>
             <a:fld id="{7D509BED-3442-45B2-9A11-390A0AF5BB8F}" type="datetimeFigureOut">
               <a:rPr lang="ru-RU" smtClean="0"/>
-              <a:t>11.05.2017</a:t>
+              <a:t>12.05.2017</a:t>
             </a:fld>
             <a:endParaRPr lang="ru-RU"/>
           </a:p>
@@ -9964,7 +9955,7 @@
           <a:p>
             <a:fld id="{7D509BED-3442-45B2-9A11-390A0AF5BB8F}" type="datetimeFigureOut">
               <a:rPr lang="ru-RU" smtClean="0"/>
-              <a:t>11.05.2017</a:t>
+              <a:t>12.05.2017</a:t>
             </a:fld>
             <a:endParaRPr lang="ru-RU"/>
           </a:p>
@@ -10452,558 +10443,6 @@
           <a:p>
             <a:r>
               <a:rPr lang="ru-RU" dirty="0"/>
-              <a:t>Еще пара слов о распаковке</a:t>
-            </a:r>
-            <a:endParaRPr lang="ru-RU" sz="3200" dirty="0">
-              <a:solidFill>
-                <a:srgbClr val="00B0F0"/>
-              </a:solidFill>
-            </a:endParaRPr>
-          </a:p>
-        </p:txBody>
-      </p:sp>
-      <p:sp>
-        <p:nvSpPr>
-          <p:cNvPr id="4" name="Объект 3"/>
-          <p:cNvSpPr>
-            <a:spLocks noGrp="1"/>
-          </p:cNvSpPr>
-          <p:nvPr>
-            <p:ph idx="1"/>
-          </p:nvPr>
-        </p:nvSpPr>
-        <p:spPr/>
-        <p:txBody>
-          <a:bodyPr/>
-          <a:lstStyle/>
-          <a:p>
-            <a:pPr marL="0" indent="0">
-              <a:buNone/>
-            </a:pPr>
-            <a:r>
-              <a:rPr lang="ru-RU" dirty="0">
-                <a:solidFill>
-                  <a:srgbClr val="0070C0"/>
-                </a:solidFill>
-              </a:rPr>
-              <a:t>Даже если это </a:t>
-            </a:r>
-            <a:r>
-              <a:rPr lang="en-US" dirty="0">
-                <a:solidFill>
-                  <a:srgbClr val="0070C0"/>
-                </a:solidFill>
-              </a:rPr>
-              <a:t>extension-</a:t>
-            </a:r>
-            <a:r>
-              <a:rPr lang="ru-RU" dirty="0">
-                <a:solidFill>
-                  <a:srgbClr val="0070C0"/>
-                </a:solidFill>
-              </a:rPr>
-              <a:t>метод</a:t>
-            </a:r>
-            <a:endParaRPr lang="en-US" dirty="0">
-              <a:solidFill>
-                <a:srgbClr val="0070C0"/>
-              </a:solidFill>
-            </a:endParaRPr>
-          </a:p>
-          <a:p>
-            <a:pPr marL="0" indent="0">
-              <a:buNone/>
-            </a:pPr>
-            <a:endParaRPr lang="ru-RU" dirty="0"/>
-          </a:p>
-        </p:txBody>
-      </p:sp>
-      <p:sp>
-        <p:nvSpPr>
-          <p:cNvPr id="3" name="Прямоугольник 2"/>
-          <p:cNvSpPr/>
-          <p:nvPr/>
-        </p:nvSpPr>
-        <p:spPr>
-          <a:xfrm>
-            <a:off x="845127" y="2944901"/>
-            <a:ext cx="10607067" cy="1200329"/>
-          </a:xfrm>
-          <a:prstGeom prst="rect">
-            <a:avLst/>
-          </a:prstGeom>
-        </p:spPr>
-        <p:txBody>
-          <a:bodyPr wrap="square">
-            <a:spAutoFit/>
-          </a:bodyPr>
-          <a:lstStyle/>
-          <a:p>
-            <a:r>
-              <a:rPr lang="en-US" dirty="0">
-                <a:solidFill>
-                  <a:srgbClr val="0000FF"/>
-                </a:solidFill>
-                <a:latin typeface="Consolas" panose="020B0609020204030204" pitchFamily="49" charset="0"/>
-              </a:rPr>
-              <a:t>public</a:t>
-            </a:r>
-            <a:r>
-              <a:rPr lang="en-US" dirty="0">
-                <a:solidFill>
-                  <a:srgbClr val="000000"/>
-                </a:solidFill>
-                <a:latin typeface="Consolas" panose="020B0609020204030204" pitchFamily="49" charset="0"/>
-              </a:rPr>
-              <a:t> </a:t>
-            </a:r>
-            <a:r>
-              <a:rPr lang="en-US" dirty="0">
-                <a:solidFill>
-                  <a:srgbClr val="0000FF"/>
-                </a:solidFill>
-                <a:latin typeface="Consolas" panose="020B0609020204030204" pitchFamily="49" charset="0"/>
-              </a:rPr>
-              <a:t>static</a:t>
-            </a:r>
-            <a:r>
-              <a:rPr lang="en-US" dirty="0">
-                <a:solidFill>
-                  <a:srgbClr val="000000"/>
-                </a:solidFill>
-                <a:latin typeface="Consolas" panose="020B0609020204030204" pitchFamily="49" charset="0"/>
-              </a:rPr>
-              <a:t> </a:t>
-            </a:r>
-            <a:r>
-              <a:rPr lang="en-US" dirty="0">
-                <a:solidFill>
-                  <a:srgbClr val="0000FF"/>
-                </a:solidFill>
-                <a:latin typeface="Consolas" panose="020B0609020204030204" pitchFamily="49" charset="0"/>
-              </a:rPr>
-              <a:t>void</a:t>
-            </a:r>
-            <a:r>
-              <a:rPr lang="en-US" dirty="0">
-                <a:solidFill>
-                  <a:srgbClr val="000000"/>
-                </a:solidFill>
-                <a:latin typeface="Consolas" panose="020B0609020204030204" pitchFamily="49" charset="0"/>
-              </a:rPr>
-              <a:t> Deconstruct (</a:t>
-            </a:r>
-            <a:r>
-              <a:rPr lang="en-US" dirty="0">
-                <a:solidFill>
-                  <a:srgbClr val="0000FF"/>
-                </a:solidFill>
-                <a:latin typeface="Consolas" panose="020B0609020204030204" pitchFamily="49" charset="0"/>
-              </a:rPr>
-              <a:t>this</a:t>
-            </a:r>
-            <a:r>
-              <a:rPr lang="en-US" dirty="0">
-                <a:solidFill>
-                  <a:srgbClr val="000000"/>
-                </a:solidFill>
-                <a:latin typeface="Consolas" panose="020B0609020204030204" pitchFamily="49" charset="0"/>
-              </a:rPr>
-              <a:t> </a:t>
-            </a:r>
-            <a:r>
-              <a:rPr lang="en-US" dirty="0">
-                <a:solidFill>
-                  <a:srgbClr val="0000FF"/>
-                </a:solidFill>
-                <a:latin typeface="Consolas" panose="020B0609020204030204" pitchFamily="49" charset="0"/>
-              </a:rPr>
-              <a:t>string</a:t>
-            </a:r>
-            <a:r>
-              <a:rPr lang="en-US" dirty="0">
-                <a:solidFill>
-                  <a:srgbClr val="000000"/>
-                </a:solidFill>
-                <a:latin typeface="Consolas" panose="020B0609020204030204" pitchFamily="49" charset="0"/>
-              </a:rPr>
-              <a:t> self, </a:t>
-            </a:r>
-            <a:r>
-              <a:rPr lang="en-US" dirty="0">
-                <a:solidFill>
-                  <a:srgbClr val="0000FF"/>
-                </a:solidFill>
-                <a:latin typeface="Consolas" panose="020B0609020204030204" pitchFamily="49" charset="0"/>
-              </a:rPr>
-              <a:t>out</a:t>
-            </a:r>
-            <a:r>
-              <a:rPr lang="en-US" dirty="0">
-                <a:solidFill>
-                  <a:srgbClr val="000000"/>
-                </a:solidFill>
-                <a:latin typeface="Consolas" panose="020B0609020204030204" pitchFamily="49" charset="0"/>
-              </a:rPr>
-              <a:t> </a:t>
-            </a:r>
-            <a:r>
-              <a:rPr lang="en-US" dirty="0" err="1">
-                <a:solidFill>
-                  <a:srgbClr val="0000FF"/>
-                </a:solidFill>
-                <a:latin typeface="Consolas" panose="020B0609020204030204" pitchFamily="49" charset="0"/>
-              </a:rPr>
-              <a:t>int</a:t>
-            </a:r>
-            <a:r>
-              <a:rPr lang="en-US" dirty="0">
-                <a:solidFill>
-                  <a:srgbClr val="000000"/>
-                </a:solidFill>
-                <a:latin typeface="Consolas" panose="020B0609020204030204" pitchFamily="49" charset="0"/>
-              </a:rPr>
-              <a:t> length, </a:t>
-            </a:r>
-            <a:r>
-              <a:rPr lang="en-US" dirty="0">
-                <a:solidFill>
-                  <a:srgbClr val="0000FF"/>
-                </a:solidFill>
-                <a:latin typeface="Consolas" panose="020B0609020204030204" pitchFamily="49" charset="0"/>
-              </a:rPr>
-              <a:t>out</a:t>
-            </a:r>
-            <a:r>
-              <a:rPr lang="en-US" dirty="0">
-                <a:solidFill>
-                  <a:srgbClr val="000000"/>
-                </a:solidFill>
-                <a:latin typeface="Consolas" panose="020B0609020204030204" pitchFamily="49" charset="0"/>
-              </a:rPr>
-              <a:t> </a:t>
-            </a:r>
-            <a:r>
-              <a:rPr lang="en-US" dirty="0" err="1">
-                <a:solidFill>
-                  <a:srgbClr val="0000FF"/>
-                </a:solidFill>
-                <a:latin typeface="Consolas" panose="020B0609020204030204" pitchFamily="49" charset="0"/>
-              </a:rPr>
-              <a:t>int</a:t>
-            </a:r>
-            <a:r>
-              <a:rPr lang="en-US" dirty="0">
-                <a:solidFill>
-                  <a:srgbClr val="000000"/>
-                </a:solidFill>
-                <a:latin typeface="Consolas" panose="020B0609020204030204" pitchFamily="49" charset="0"/>
-              </a:rPr>
-              <a:t> hash) </a:t>
-            </a:r>
-            <a:r>
-              <a:rPr lang="ru-RU" dirty="0">
-                <a:solidFill>
-                  <a:srgbClr val="000000"/>
-                </a:solidFill>
-                <a:latin typeface="Consolas" panose="020B0609020204030204" pitchFamily="49" charset="0"/>
-              </a:rPr>
-              <a:t>{</a:t>
-            </a:r>
-          </a:p>
-          <a:p>
-            <a:r>
-              <a:rPr lang="en-US" dirty="0">
-                <a:solidFill>
-                  <a:srgbClr val="000000"/>
-                </a:solidFill>
-                <a:latin typeface="Consolas" panose="020B0609020204030204" pitchFamily="49" charset="0"/>
-              </a:rPr>
-              <a:t>    length = </a:t>
-            </a:r>
-            <a:r>
-              <a:rPr lang="en-US" dirty="0" err="1">
-                <a:solidFill>
-                  <a:srgbClr val="000000"/>
-                </a:solidFill>
-                <a:latin typeface="Consolas" panose="020B0609020204030204" pitchFamily="49" charset="0"/>
-              </a:rPr>
-              <a:t>self.Length</a:t>
-            </a:r>
-            <a:r>
-              <a:rPr lang="en-US" dirty="0">
-                <a:solidFill>
-                  <a:srgbClr val="000000"/>
-                </a:solidFill>
-                <a:latin typeface="Consolas" panose="020B0609020204030204" pitchFamily="49" charset="0"/>
-              </a:rPr>
-              <a:t>;</a:t>
-            </a:r>
-          </a:p>
-          <a:p>
-            <a:r>
-              <a:rPr lang="en-US" dirty="0">
-                <a:solidFill>
-                  <a:srgbClr val="000000"/>
-                </a:solidFill>
-                <a:latin typeface="Consolas" panose="020B0609020204030204" pitchFamily="49" charset="0"/>
-              </a:rPr>
-              <a:t>    hash = </a:t>
-            </a:r>
-            <a:r>
-              <a:rPr lang="en-US" dirty="0" err="1">
-                <a:solidFill>
-                  <a:srgbClr val="000000"/>
-                </a:solidFill>
-                <a:latin typeface="Consolas" panose="020B0609020204030204" pitchFamily="49" charset="0"/>
-              </a:rPr>
-              <a:t>self.GetHashCode</a:t>
-            </a:r>
-            <a:r>
-              <a:rPr lang="en-US" dirty="0">
-                <a:solidFill>
-                  <a:srgbClr val="000000"/>
-                </a:solidFill>
-                <a:latin typeface="Consolas" panose="020B0609020204030204" pitchFamily="49" charset="0"/>
-              </a:rPr>
-              <a:t>();</a:t>
-            </a:r>
-          </a:p>
-          <a:p>
-            <a:r>
-              <a:rPr lang="ru-RU" dirty="0">
-                <a:solidFill>
-                  <a:srgbClr val="000000"/>
-                </a:solidFill>
-                <a:latin typeface="Consolas" panose="020B0609020204030204" pitchFamily="49" charset="0"/>
-              </a:rPr>
-              <a:t>}</a:t>
-            </a:r>
-            <a:endParaRPr lang="ru-RU" dirty="0"/>
-          </a:p>
-        </p:txBody>
-      </p:sp>
-      <p:sp>
-        <p:nvSpPr>
-          <p:cNvPr id="5" name="Прямоугольник 4"/>
-          <p:cNvSpPr/>
-          <p:nvPr/>
-        </p:nvSpPr>
-        <p:spPr>
-          <a:xfrm>
-            <a:off x="916147" y="4702809"/>
-            <a:ext cx="6096000" cy="1477328"/>
-          </a:xfrm>
-          <a:prstGeom prst="rect">
-            <a:avLst/>
-          </a:prstGeom>
-        </p:spPr>
-        <p:txBody>
-          <a:bodyPr>
-            <a:spAutoFit/>
-          </a:bodyPr>
-          <a:lstStyle/>
-          <a:p>
-            <a:r>
-              <a:rPr lang="en-US" dirty="0" err="1">
-                <a:solidFill>
-                  <a:srgbClr val="0000FF"/>
-                </a:solidFill>
-                <a:latin typeface="Consolas" panose="020B0609020204030204" pitchFamily="49" charset="0"/>
-              </a:rPr>
-              <a:t>var</a:t>
-            </a:r>
-            <a:r>
-              <a:rPr lang="en-US" dirty="0">
-                <a:solidFill>
-                  <a:srgbClr val="000000"/>
-                </a:solidFill>
-                <a:latin typeface="Consolas" panose="020B0609020204030204" pitchFamily="49" charset="0"/>
-              </a:rPr>
-              <a:t> </a:t>
-            </a:r>
-            <a:r>
-              <a:rPr lang="en-US" dirty="0" err="1">
-                <a:solidFill>
-                  <a:srgbClr val="000000"/>
-                </a:solidFill>
-                <a:latin typeface="Consolas" panose="020B0609020204030204" pitchFamily="49" charset="0"/>
-              </a:rPr>
-              <a:t>str</a:t>
-            </a:r>
-            <a:r>
-              <a:rPr lang="en-US" dirty="0">
-                <a:solidFill>
-                  <a:srgbClr val="000000"/>
-                </a:solidFill>
-                <a:latin typeface="Consolas" panose="020B0609020204030204" pitchFamily="49" charset="0"/>
-              </a:rPr>
-              <a:t> = </a:t>
-            </a:r>
-            <a:r>
-              <a:rPr lang="en-US" dirty="0">
-                <a:solidFill>
-                  <a:srgbClr val="A31515"/>
-                </a:solidFill>
-                <a:latin typeface="Consolas" panose="020B0609020204030204" pitchFamily="49" charset="0"/>
-              </a:rPr>
-              <a:t>"Hello, world!"</a:t>
-            </a:r>
-            <a:r>
-              <a:rPr lang="en-US" dirty="0">
-                <a:solidFill>
-                  <a:srgbClr val="000000"/>
-                </a:solidFill>
-                <a:latin typeface="Consolas" panose="020B0609020204030204" pitchFamily="49" charset="0"/>
-              </a:rPr>
-              <a:t>;</a:t>
-            </a:r>
-          </a:p>
-          <a:p>
-            <a:r>
-              <a:rPr lang="en-US" dirty="0" err="1">
-                <a:solidFill>
-                  <a:srgbClr val="0000FF"/>
-                </a:solidFill>
-                <a:latin typeface="Consolas" panose="020B0609020204030204" pitchFamily="49" charset="0"/>
-              </a:rPr>
-              <a:t>var</a:t>
-            </a:r>
-            <a:r>
-              <a:rPr lang="en-US" dirty="0">
-                <a:solidFill>
-                  <a:srgbClr val="000000"/>
-                </a:solidFill>
-                <a:latin typeface="Consolas" panose="020B0609020204030204" pitchFamily="49" charset="0"/>
-              </a:rPr>
-              <a:t> (</a:t>
-            </a:r>
-            <a:r>
-              <a:rPr lang="en-US" dirty="0" err="1">
-                <a:solidFill>
-                  <a:srgbClr val="000000"/>
-                </a:solidFill>
-                <a:latin typeface="Consolas" panose="020B0609020204030204" pitchFamily="49" charset="0"/>
-              </a:rPr>
-              <a:t>len</a:t>
-            </a:r>
-            <a:r>
-              <a:rPr lang="en-US" dirty="0">
-                <a:solidFill>
-                  <a:srgbClr val="000000"/>
-                </a:solidFill>
-                <a:latin typeface="Consolas" panose="020B0609020204030204" pitchFamily="49" charset="0"/>
-              </a:rPr>
-              <a:t>, hash) = </a:t>
-            </a:r>
-            <a:r>
-              <a:rPr lang="en-US" dirty="0" err="1">
-                <a:solidFill>
-                  <a:srgbClr val="000000"/>
-                </a:solidFill>
-                <a:latin typeface="Consolas" panose="020B0609020204030204" pitchFamily="49" charset="0"/>
-              </a:rPr>
-              <a:t>str</a:t>
-            </a:r>
-            <a:r>
-              <a:rPr lang="en-US" dirty="0">
-                <a:solidFill>
-                  <a:srgbClr val="000000"/>
-                </a:solidFill>
-                <a:latin typeface="Consolas" panose="020B0609020204030204" pitchFamily="49" charset="0"/>
-              </a:rPr>
-              <a:t>;</a:t>
-            </a:r>
-          </a:p>
-          <a:p>
-            <a:endParaRPr lang="ru-RU" dirty="0">
-              <a:solidFill>
-                <a:srgbClr val="000000"/>
-              </a:solidFill>
-              <a:latin typeface="Consolas" panose="020B0609020204030204" pitchFamily="49" charset="0"/>
-            </a:endParaRPr>
-          </a:p>
-          <a:p>
-            <a:r>
-              <a:rPr lang="en-US" dirty="0" err="1">
-                <a:solidFill>
-                  <a:srgbClr val="000000"/>
-                </a:solidFill>
-                <a:latin typeface="Consolas" panose="020B0609020204030204" pitchFamily="49" charset="0"/>
-              </a:rPr>
-              <a:t>len</a:t>
-            </a:r>
-            <a:r>
-              <a:rPr lang="en-US" dirty="0">
-                <a:solidFill>
-                  <a:srgbClr val="000000"/>
-                </a:solidFill>
-                <a:latin typeface="Consolas" panose="020B0609020204030204" pitchFamily="49" charset="0"/>
-              </a:rPr>
-              <a:t> += 1;</a:t>
-            </a:r>
-          </a:p>
-          <a:p>
-            <a:r>
-              <a:rPr lang="en-US" dirty="0">
-                <a:solidFill>
-                  <a:srgbClr val="000000"/>
-                </a:solidFill>
-                <a:latin typeface="Consolas" panose="020B0609020204030204" pitchFamily="49" charset="0"/>
-              </a:rPr>
-              <a:t>hash ^= 0b1010_1100;</a:t>
-            </a:r>
-            <a:endParaRPr lang="ru-RU" dirty="0"/>
-          </a:p>
-        </p:txBody>
-      </p:sp>
-    </p:spTree>
-    <p:extLst>
-      <p:ext uri="{BB962C8B-B14F-4D97-AF65-F5344CB8AC3E}">
-        <p14:creationId xmlns:p14="http://schemas.microsoft.com/office/powerpoint/2010/main" val="1726064712"/>
-      </p:ext>
-    </p:extLst>
-  </p:cSld>
-  <p:clrMapOvr>
-    <a:masterClrMapping/>
-  </p:clrMapOvr>
-</p:sld>
-</file>
-
-<file path=ppt/slides/slide11.xml><?xml version="1.0" encoding="utf-8"?>
-<p:sld xmlns:a="http://schemas.openxmlformats.org/drawingml/2006/main" xmlns:r="http://schemas.openxmlformats.org/officeDocument/2006/relationships" xmlns:p="http://schemas.openxmlformats.org/presentationml/2006/main">
-  <p:cSld>
-    <p:spTree>
-      <p:nvGrpSpPr>
-        <p:cNvPr id="1" name=""/>
-        <p:cNvGrpSpPr/>
-        <p:nvPr/>
-      </p:nvGrpSpPr>
-      <p:grpSpPr>
-        <a:xfrm>
-          <a:off x="0" y="0"/>
-          <a:ext cx="0" cy="0"/>
-          <a:chOff x="0" y="0"/>
-          <a:chExt cx="0" cy="0"/>
-        </a:xfrm>
-      </p:grpSpPr>
-      <p:sp>
-        <p:nvSpPr>
-          <p:cNvPr id="2" name="Заголовок 1"/>
-          <p:cNvSpPr>
-            <a:spLocks noGrp="1"/>
-          </p:cNvSpPr>
-          <p:nvPr>
-            <p:ph type="title"/>
-          </p:nvPr>
-        </p:nvSpPr>
-        <p:spPr/>
-        <p:txBody>
-          <a:bodyPr/>
-          <a:lstStyle/>
-          <a:p>
-            <a:r>
-              <a:rPr lang="ru-RU" dirty="0"/>
               <a:t>Локальные функции</a:t>
             </a:r>
           </a:p>
@@ -11044,7 +10483,7 @@
 </p:sld>
 </file>
 
-<file path=ppt/slides/slide12.xml><?xml version="1.0" encoding="utf-8"?>
+<file path=ppt/slides/slide11.xml><?xml version="1.0" encoding="utf-8"?>
 <p:sld xmlns:a="http://schemas.openxmlformats.org/drawingml/2006/main" xmlns:r="http://schemas.openxmlformats.org/officeDocument/2006/relationships" xmlns:p="http://schemas.openxmlformats.org/presentationml/2006/main">
   <p:cSld>
     <p:spTree>
@@ -11766,7 +11205,7 @@
 </p:sld>
 </file>
 
-<file path=ppt/slides/slide13.xml><?xml version="1.0" encoding="utf-8"?>
+<file path=ppt/slides/slide12.xml><?xml version="1.0" encoding="utf-8"?>
 <p:sld xmlns:a="http://schemas.openxmlformats.org/drawingml/2006/main" xmlns:r="http://schemas.openxmlformats.org/officeDocument/2006/relationships" xmlns:p="http://schemas.openxmlformats.org/presentationml/2006/main">
   <p:cSld>
     <p:spTree>
@@ -11850,11 +11289,139 @@
             <a:r>
               <a:rPr lang="en-US" sz="2400" dirty="0" err="1">
                 <a:solidFill>
+                  <a:srgbClr val="0000FF"/>
+                </a:solidFill>
+                <a:latin typeface="Consolas" panose="020B0609020204030204" pitchFamily="49" charset="0"/>
+              </a:rPr>
+              <a:t>int</a:t>
+            </a:r>
+            <a:r>
+              <a:rPr lang="en-US" sz="2400" dirty="0">
+                <a:solidFill>
+                  <a:srgbClr val="000000"/>
+                </a:solidFill>
+                <a:latin typeface="Consolas" panose="020B0609020204030204" pitchFamily="49" charset="0"/>
+              </a:rPr>
+              <a:t> Factorial(</a:t>
+            </a:r>
+            <a:r>
+              <a:rPr lang="en-US" sz="2400" dirty="0" err="1">
+                <a:solidFill>
+                  <a:srgbClr val="0000FF"/>
+                </a:solidFill>
+                <a:latin typeface="Consolas" panose="020B0609020204030204" pitchFamily="49" charset="0"/>
+              </a:rPr>
+              <a:t>int</a:t>
+            </a:r>
+            <a:r>
+              <a:rPr lang="en-US" sz="2400" dirty="0">
+                <a:solidFill>
+                  <a:srgbClr val="000000"/>
+                </a:solidFill>
+                <a:latin typeface="Consolas" panose="020B0609020204030204" pitchFamily="49" charset="0"/>
+              </a:rPr>
+              <a:t> n, </a:t>
+            </a:r>
+            <a:r>
+              <a:rPr lang="en-US" sz="2400" dirty="0" err="1">
+                <a:solidFill>
+                  <a:srgbClr val="0000FF"/>
+                </a:solidFill>
+                <a:latin typeface="Consolas" panose="020B0609020204030204" pitchFamily="49" charset="0"/>
+              </a:rPr>
+              <a:t>int</a:t>
+            </a:r>
+            <a:r>
+              <a:rPr lang="en-US" sz="2400" dirty="0">
+                <a:solidFill>
+                  <a:srgbClr val="000000"/>
+                </a:solidFill>
+                <a:latin typeface="Consolas" panose="020B0609020204030204" pitchFamily="49" charset="0"/>
+              </a:rPr>
+              <a:t> weight)</a:t>
+            </a:r>
+            <a:r>
+              <a:rPr lang="ru-RU" sz="2400" dirty="0">
+                <a:solidFill>
+                  <a:srgbClr val="000000"/>
+                </a:solidFill>
+                <a:latin typeface="Consolas" panose="020B0609020204030204" pitchFamily="49" charset="0"/>
+              </a:rPr>
+              <a:t> {</a:t>
+            </a:r>
+          </a:p>
+          <a:p>
+            <a:r>
+              <a:rPr lang="ru-RU" sz="2400" dirty="0">
+                <a:solidFill>
+                  <a:srgbClr val="0000FF"/>
+                </a:solidFill>
+                <a:latin typeface="Consolas" panose="020B0609020204030204" pitchFamily="49" charset="0"/>
+              </a:rPr>
+              <a:t>    </a:t>
+            </a:r>
+            <a:r>
+              <a:rPr lang="en-US" sz="2400" dirty="0">
+                <a:solidFill>
+                  <a:srgbClr val="0000FF"/>
+                </a:solidFill>
+                <a:latin typeface="Consolas" panose="020B0609020204030204" pitchFamily="49" charset="0"/>
+              </a:rPr>
+              <a:t>if</a:t>
+            </a:r>
+            <a:r>
+              <a:rPr lang="en-US" sz="2400" dirty="0">
+                <a:solidFill>
+                  <a:srgbClr val="000000"/>
+                </a:solidFill>
+                <a:latin typeface="Consolas" panose="020B0609020204030204" pitchFamily="49" charset="0"/>
+              </a:rPr>
+              <a:t> (n &lt; 0) </a:t>
+            </a:r>
+            <a:r>
+              <a:rPr lang="en-US" sz="2400" dirty="0">
+                <a:solidFill>
+                  <a:srgbClr val="0000FF"/>
+                </a:solidFill>
+                <a:latin typeface="Consolas" panose="020B0609020204030204" pitchFamily="49" charset="0"/>
+              </a:rPr>
+              <a:t>throw</a:t>
+            </a:r>
+            <a:r>
+              <a:rPr lang="en-US" sz="2400" dirty="0">
+                <a:solidFill>
+                  <a:srgbClr val="000000"/>
+                </a:solidFill>
+                <a:latin typeface="Consolas" panose="020B0609020204030204" pitchFamily="49" charset="0"/>
+              </a:rPr>
+              <a:t> </a:t>
+            </a:r>
+            <a:r>
+              <a:rPr lang="en-US" sz="2400" dirty="0">
+                <a:solidFill>
+                  <a:srgbClr val="0000FF"/>
+                </a:solidFill>
+                <a:latin typeface="Consolas" panose="020B0609020204030204" pitchFamily="49" charset="0"/>
+              </a:rPr>
+              <a:t>new</a:t>
+            </a:r>
+            <a:r>
+              <a:rPr lang="en-US" sz="2400" dirty="0">
+                <a:solidFill>
+                  <a:srgbClr val="000000"/>
+                </a:solidFill>
+                <a:latin typeface="Consolas" panose="020B0609020204030204" pitchFamily="49" charset="0"/>
+              </a:rPr>
+              <a:t> </a:t>
+            </a:r>
+            <a:r>
+              <a:rPr lang="en-US" sz="2400" dirty="0" err="1">
+                <a:solidFill>
                   <a:srgbClr val="2B91AF"/>
                 </a:solidFill>
                 <a:latin typeface="Consolas" panose="020B0609020204030204" pitchFamily="49" charset="0"/>
               </a:rPr>
-              <a:t>Func</a:t>
+              <a:t>ArgumentException</a:t>
             </a:r>
             <a:r>
               <a:rPr lang="en-US" sz="2400" dirty="0">
@@ -11863,44 +11430,10 @@
                 </a:solidFill>
                 <a:latin typeface="Consolas" panose="020B0609020204030204" pitchFamily="49" charset="0"/>
               </a:rPr>
-              <a:t>&lt;</a:t>
-            </a:r>
-            <a:r>
-              <a:rPr lang="en-US" sz="2400" dirty="0" err="1">
-                <a:solidFill>
-                  <a:srgbClr val="0000FF"/>
-                </a:solidFill>
-                <a:latin typeface="Consolas" panose="020B0609020204030204" pitchFamily="49" charset="0"/>
-              </a:rPr>
-              <a:t>int</a:t>
-            </a:r>
-            <a:r>
-              <a:rPr lang="en-US" sz="2400" dirty="0">
-                <a:solidFill>
-                  <a:srgbClr val="000000"/>
-                </a:solidFill>
-                <a:latin typeface="Consolas" panose="020B0609020204030204" pitchFamily="49" charset="0"/>
-              </a:rPr>
-              <a:t>, </a:t>
-            </a:r>
-            <a:r>
-              <a:rPr lang="en-US" sz="2400" dirty="0" err="1">
-                <a:solidFill>
-                  <a:srgbClr val="0000FF"/>
-                </a:solidFill>
-                <a:latin typeface="Consolas" panose="020B0609020204030204" pitchFamily="49" charset="0"/>
-              </a:rPr>
-              <a:t>int</a:t>
-            </a:r>
-            <a:r>
-              <a:rPr lang="en-US" sz="2400" dirty="0">
-                <a:solidFill>
-                  <a:srgbClr val="000000"/>
-                </a:solidFill>
-                <a:latin typeface="Consolas" panose="020B0609020204030204" pitchFamily="49" charset="0"/>
-              </a:rPr>
-              <a:t>&gt; Method()</a:t>
-            </a:r>
+              <a:t>();</a:t>
+            </a:r>
+          </a:p>
+          <a:p>
             <a:endParaRPr lang="ru-RU" sz="2400" dirty="0">
               <a:solidFill>
                 <a:srgbClr val="000000"/>
@@ -11916,27 +11449,129 @@
                 </a:solidFill>
                 <a:latin typeface="Consolas" panose="020B0609020204030204" pitchFamily="49" charset="0"/>
               </a:rPr>
-              <a:t>{</a:t>
+              <a:t>    </a:t>
+            </a:r>
+            <a:r>
+              <a:rPr lang="en-US" sz="2400" dirty="0" err="1">
+                <a:solidFill>
+                  <a:srgbClr val="0000FF"/>
+                </a:solidFill>
+                <a:latin typeface="Consolas" panose="020B0609020204030204" pitchFamily="49" charset="0"/>
+              </a:rPr>
+              <a:t>int</a:t>
+            </a:r>
+            <a:r>
+              <a:rPr lang="en-US" sz="2400" dirty="0">
+                <a:solidFill>
+                  <a:srgbClr val="000000"/>
+                </a:solidFill>
+                <a:latin typeface="Consolas" panose="020B0609020204030204" pitchFamily="49" charset="0"/>
+              </a:rPr>
+              <a:t> Factorial(</a:t>
+            </a:r>
+            <a:r>
+              <a:rPr lang="en-US" sz="2400" dirty="0" err="1">
+                <a:solidFill>
+                  <a:srgbClr val="0000FF"/>
+                </a:solidFill>
+                <a:latin typeface="Consolas" panose="020B0609020204030204" pitchFamily="49" charset="0"/>
+              </a:rPr>
+              <a:t>int</a:t>
+            </a:r>
+            <a:r>
+              <a:rPr lang="en-US" sz="2400" dirty="0">
+                <a:solidFill>
+                  <a:srgbClr val="000000"/>
+                </a:solidFill>
+                <a:latin typeface="Consolas" panose="020B0609020204030204" pitchFamily="49" charset="0"/>
+              </a:rPr>
+              <a:t> j)</a:t>
             </a:r>
           </a:p>
           <a:p>
             <a:r>
               <a:rPr lang="ru-RU" sz="2400" dirty="0">
                 <a:solidFill>
+                  <a:srgbClr val="000000"/>
+                </a:solidFill>
+                <a:latin typeface="Consolas" panose="020B0609020204030204" pitchFamily="49" charset="0"/>
+              </a:rPr>
+              <a:t>    {</a:t>
+            </a:r>
+          </a:p>
+          <a:p>
+            <a:r>
+              <a:rPr lang="en-US" sz="2400" dirty="0">
+                <a:solidFill>
+                  <a:srgbClr val="000000"/>
+                </a:solidFill>
+                <a:latin typeface="Consolas" panose="020B0609020204030204" pitchFamily="49" charset="0"/>
+              </a:rPr>
+              <a:t>    </a:t>
+            </a:r>
+            <a:r>
+              <a:rPr lang="ru-RU" sz="2400" dirty="0">
+                <a:solidFill>
+                  <a:srgbClr val="000000"/>
+                </a:solidFill>
+                <a:latin typeface="Consolas" panose="020B0609020204030204" pitchFamily="49" charset="0"/>
+              </a:rPr>
+              <a:t>    </a:t>
+            </a:r>
+            <a:r>
+              <a:rPr lang="en-US" sz="2400" dirty="0">
+                <a:solidFill>
                   <a:srgbClr val="0000FF"/>
                 </a:solidFill>
                 <a:latin typeface="Consolas" panose="020B0609020204030204" pitchFamily="49" charset="0"/>
               </a:rPr>
+              <a:t>return</a:t>
+            </a:r>
+            <a:r>
+              <a:rPr lang="en-US" sz="2400" dirty="0">
+                <a:solidFill>
+                  <a:srgbClr val="000000"/>
+                </a:solidFill>
+                <a:latin typeface="Consolas" panose="020B0609020204030204" pitchFamily="49" charset="0"/>
+              </a:rPr>
+              <a:t> j &lt;= 1 ? weight : weight*j*Factorial(j - 1);</a:t>
+            </a:r>
+            <a:endParaRPr lang="ru-RU" sz="2400" dirty="0">
+              <a:solidFill>
+                <a:srgbClr val="000000"/>
+              </a:solidFill>
+              <a:latin typeface="Consolas" panose="020B0609020204030204" pitchFamily="49" charset="0"/>
+            </a:endParaRPr>
+          </a:p>
+          <a:p>
+            <a:r>
+              <a:rPr lang="ru-RU" sz="2400" dirty="0">
+                <a:solidFill>
+                  <a:srgbClr val="000000"/>
+                </a:solidFill>
+                <a:latin typeface="Consolas" panose="020B0609020204030204" pitchFamily="49" charset="0"/>
+              </a:rPr>
+              <a:t>    }</a:t>
+            </a:r>
+          </a:p>
+          <a:p>
+            <a:r>
+              <a:rPr lang="ru-RU" sz="2400" dirty="0">
+                <a:solidFill>
+                  <a:srgbClr val="000000"/>
+                </a:solidFill>
+                <a:latin typeface="Consolas" panose="020B0609020204030204" pitchFamily="49" charset="0"/>
+              </a:rPr>
               <a:t>    </a:t>
             </a:r>
             <a:r>
-              <a:rPr lang="en-US" sz="2400" dirty="0" err="1">
+              <a:rPr lang="en-US" sz="2400" dirty="0">
                 <a:solidFill>
                   <a:srgbClr val="0000FF"/>
                 </a:solidFill>
                 <a:latin typeface="Consolas" panose="020B0609020204030204" pitchFamily="49" charset="0"/>
               </a:rPr>
-              <a:t>int</a:t>
+              <a:t>return</a:t>
             </a:r>
             <a:r>
               <a:rPr lang="en-US" sz="2400" dirty="0">
@@ -11945,140 +11580,19 @@
                 </a:solidFill>
                 <a:latin typeface="Consolas" panose="020B0609020204030204" pitchFamily="49" charset="0"/>
               </a:rPr>
-              <a:t> weight = 10;</a:t>
-            </a:r>
+              <a:t> Factorial(n);</a:t>
+            </a:r>
+            <a:endParaRPr lang="ru-RU" sz="2400" dirty="0">
+              <a:solidFill>
+                <a:srgbClr val="000000"/>
+              </a:solidFill>
+              <a:latin typeface="Consolas" panose="020B0609020204030204" pitchFamily="49" charset="0"/>
+            </a:endParaRPr>
           </a:p>
           <a:p>
             <a:r>
               <a:rPr lang="ru-RU" sz="2400" dirty="0">
                 <a:solidFill>
-                  <a:srgbClr val="0000FF"/>
-                </a:solidFill>
-                <a:latin typeface="Consolas" panose="020B0609020204030204" pitchFamily="49" charset="0"/>
-              </a:rPr>
-              <a:t>    </a:t>
-            </a:r>
-            <a:r>
-              <a:rPr lang="en-US" sz="2400" dirty="0" err="1">
-                <a:solidFill>
-                  <a:srgbClr val="0000FF"/>
-                </a:solidFill>
-                <a:latin typeface="Consolas" panose="020B0609020204030204" pitchFamily="49" charset="0"/>
-              </a:rPr>
-              <a:t>int</a:t>
-            </a:r>
-            <a:r>
-              <a:rPr lang="en-US" sz="2400" dirty="0">
-                <a:solidFill>
-                  <a:srgbClr val="000000"/>
-                </a:solidFill>
-                <a:latin typeface="Consolas" panose="020B0609020204030204" pitchFamily="49" charset="0"/>
-              </a:rPr>
-              <a:t> Factorial(</a:t>
-            </a:r>
-            <a:r>
-              <a:rPr lang="en-US" sz="2400" dirty="0" err="1">
-                <a:solidFill>
-                  <a:srgbClr val="0000FF"/>
-                </a:solidFill>
-                <a:latin typeface="Consolas" panose="020B0609020204030204" pitchFamily="49" charset="0"/>
-              </a:rPr>
-              <a:t>int</a:t>
-            </a:r>
-            <a:r>
-              <a:rPr lang="en-US" sz="2400" dirty="0">
-                <a:solidFill>
-                  <a:srgbClr val="000000"/>
-                </a:solidFill>
-                <a:latin typeface="Consolas" panose="020B0609020204030204" pitchFamily="49" charset="0"/>
-              </a:rPr>
-              <a:t> n)</a:t>
-            </a:r>
-          </a:p>
-          <a:p>
-            <a:r>
-              <a:rPr lang="ru-RU" sz="2400" dirty="0">
-                <a:solidFill>
-                  <a:srgbClr val="000000"/>
-                </a:solidFill>
-                <a:latin typeface="Consolas" panose="020B0609020204030204" pitchFamily="49" charset="0"/>
-              </a:rPr>
-              <a:t>    {</a:t>
-            </a:r>
-          </a:p>
-          <a:p>
-            <a:r>
-              <a:rPr lang="ru-RU" sz="2400" dirty="0">
-                <a:solidFill>
-                  <a:srgbClr val="0000FF"/>
-                </a:solidFill>
-                <a:latin typeface="Consolas" panose="020B0609020204030204" pitchFamily="49" charset="0"/>
-              </a:rPr>
-              <a:t>        </a:t>
-            </a:r>
-            <a:r>
-              <a:rPr lang="en-US" sz="2400" dirty="0">
-                <a:solidFill>
-                  <a:srgbClr val="0000FF"/>
-                </a:solidFill>
-                <a:latin typeface="Consolas" panose="020B0609020204030204" pitchFamily="49" charset="0"/>
-              </a:rPr>
-              <a:t>return</a:t>
-            </a:r>
-            <a:r>
-              <a:rPr lang="en-US" sz="2400" dirty="0">
-                <a:solidFill>
-                  <a:srgbClr val="000000"/>
-                </a:solidFill>
-                <a:latin typeface="Consolas" panose="020B0609020204030204" pitchFamily="49" charset="0"/>
-              </a:rPr>
-              <a:t> n &lt;= 1 ? weight : weight*n*Factorial(n - 1);</a:t>
-            </a:r>
-          </a:p>
-          <a:p>
-            <a:r>
-              <a:rPr lang="ru-RU" sz="2400" dirty="0">
-                <a:solidFill>
-                  <a:srgbClr val="000000"/>
-                </a:solidFill>
-                <a:latin typeface="Consolas" panose="020B0609020204030204" pitchFamily="49" charset="0"/>
-              </a:rPr>
-              <a:t>    }</a:t>
-            </a:r>
-          </a:p>
-          <a:p>
-            <a:r>
-              <a:rPr lang="ru-RU" sz="2400" dirty="0">
-                <a:solidFill>
-                  <a:srgbClr val="0000FF"/>
-                </a:solidFill>
-                <a:latin typeface="Consolas" panose="020B0609020204030204" pitchFamily="49" charset="0"/>
-              </a:rPr>
-              <a:t>    </a:t>
-            </a:r>
-            <a:r>
-              <a:rPr lang="en-US" sz="2400" dirty="0">
-                <a:solidFill>
-                  <a:srgbClr val="0000FF"/>
-                </a:solidFill>
-                <a:latin typeface="Consolas" panose="020B0609020204030204" pitchFamily="49" charset="0"/>
-              </a:rPr>
-              <a:t>return</a:t>
-            </a:r>
-            <a:r>
-              <a:rPr lang="en-US" sz="2400" dirty="0">
-                <a:solidFill>
-                  <a:srgbClr val="000000"/>
-                </a:solidFill>
-                <a:latin typeface="Consolas" panose="020B0609020204030204" pitchFamily="49" charset="0"/>
-              </a:rPr>
-              <a:t> Factorial;</a:t>
-            </a:r>
-          </a:p>
-          <a:p>
-            <a:r>
-              <a:rPr lang="ru-RU" sz="2400" dirty="0">
-                <a:solidFill>
                   <a:srgbClr val="000000"/>
                 </a:solidFill>
                 <a:latin typeface="Consolas" panose="020B0609020204030204" pitchFamily="49" charset="0"/>
@@ -12089,120 +11603,6 @@
           </a:p>
         </p:txBody>
       </p:sp>
-      <p:grpSp>
-        <p:nvGrpSpPr>
-          <p:cNvPr id="6" name="Группа 5"/>
-          <p:cNvGrpSpPr/>
-          <p:nvPr/>
-        </p:nvGrpSpPr>
-        <p:grpSpPr>
-          <a:xfrm>
-            <a:off x="4909352" y="1474611"/>
-            <a:ext cx="6522292" cy="1747983"/>
-            <a:chOff x="3648723" y="1771003"/>
-            <a:chExt cx="6522292" cy="1747983"/>
-          </a:xfrm>
-        </p:grpSpPr>
-        <p:cxnSp>
-          <p:nvCxnSpPr>
-            <p:cNvPr id="7" name="Прямая со стрелкой 6"/>
-            <p:cNvCxnSpPr>
-              <a:cxnSpLocks/>
-            </p:cNvCxnSpPr>
-            <p:nvPr/>
-          </p:nvCxnSpPr>
-          <p:spPr>
-            <a:xfrm flipH="1">
-              <a:off x="4714043" y="2364889"/>
-              <a:ext cx="1065320" cy="0"/>
-            </a:xfrm>
-            <a:prstGeom prst="straightConnector1">
-              <a:avLst/>
-            </a:prstGeom>
-            <a:ln w="57150">
-              <a:tailEnd type="triangle"/>
-            </a:ln>
-          </p:spPr>
-          <p:style>
-            <a:lnRef idx="3">
-              <a:schemeClr val="dk1"/>
-            </a:lnRef>
-            <a:fillRef idx="0">
-              <a:schemeClr val="dk1"/>
-            </a:fillRef>
-            <a:effectRef idx="2">
-              <a:schemeClr val="dk1"/>
-            </a:effectRef>
-            <a:fontRef idx="minor">
-              <a:schemeClr val="tx1"/>
-            </a:fontRef>
-          </p:style>
-        </p:cxnSp>
-        <p:cxnSp>
-          <p:nvCxnSpPr>
-            <p:cNvPr id="8" name="Прямая со стрелкой 7"/>
-            <p:cNvCxnSpPr>
-              <a:cxnSpLocks/>
-            </p:cNvCxnSpPr>
-            <p:nvPr/>
-          </p:nvCxnSpPr>
-          <p:spPr>
-            <a:xfrm flipH="1">
-              <a:off x="3648723" y="2364889"/>
-              <a:ext cx="2130640" cy="1154097"/>
-            </a:xfrm>
-            <a:prstGeom prst="straightConnector1">
-              <a:avLst/>
-            </a:prstGeom>
-            <a:ln w="57150">
-              <a:tailEnd type="triangle"/>
-            </a:ln>
-          </p:spPr>
-          <p:style>
-            <a:lnRef idx="3">
-              <a:schemeClr val="dk1"/>
-            </a:lnRef>
-            <a:fillRef idx="0">
-              <a:schemeClr val="dk1"/>
-            </a:fillRef>
-            <a:effectRef idx="2">
-              <a:schemeClr val="dk1"/>
-            </a:effectRef>
-            <a:fontRef idx="minor">
-              <a:schemeClr val="tx1"/>
-            </a:fontRef>
-          </p:style>
-        </p:cxnSp>
-        <p:sp>
-          <p:nvSpPr>
-            <p:cNvPr id="9" name="TextBox 8"/>
-            <p:cNvSpPr txBox="1"/>
-            <p:nvPr/>
-          </p:nvSpPr>
-          <p:spPr>
-            <a:xfrm rot="21049126">
-              <a:off x="5785647" y="1771003"/>
-              <a:ext cx="4385368" cy="430887"/>
-            </a:xfrm>
-            <a:prstGeom prst="rect">
-              <a:avLst/>
-            </a:prstGeom>
-            <a:noFill/>
-          </p:spPr>
-          <p:txBody>
-            <a:bodyPr wrap="none" rtlCol="0">
-              <a:spAutoFit/>
-            </a:bodyPr>
-            <a:lstStyle/>
-            <a:p>
-              <a:r>
-                <a:rPr lang="ru-RU" sz="2200" dirty="0"/>
-                <a:t>Можно объявить внутри метода</a:t>
-              </a:r>
-            </a:p>
-          </p:txBody>
-        </p:sp>
-      </p:grpSp>
       <p:grpSp>
         <p:nvGrpSpPr>
           <p:cNvPr id="15" name="Группа 14"/>
@@ -12211,10 +11611,10 @@
         </p:nvGrpSpPr>
         <p:grpSpPr>
           <a:xfrm>
-            <a:off x="4323425" y="2275855"/>
-            <a:ext cx="6748857" cy="1466298"/>
-            <a:chOff x="2750598" y="1822053"/>
-            <a:chExt cx="6748857" cy="1466298"/>
+            <a:off x="5104660" y="2317072"/>
+            <a:ext cx="6757554" cy="1169519"/>
+            <a:chOff x="2688454" y="1398592"/>
+            <a:chExt cx="6757554" cy="1169519"/>
           </a:xfrm>
         </p:grpSpPr>
         <p:cxnSp>
@@ -12226,16 +11626,16 @@
             <p:nvPr/>
           </p:nvCxnSpPr>
           <p:spPr>
-            <a:xfrm flipH="1">
-              <a:off x="2750598" y="2364889"/>
-              <a:ext cx="3028765" cy="0"/>
+            <a:xfrm flipH="1" flipV="1">
+              <a:off x="4259802" y="1398592"/>
+              <a:ext cx="1519562" cy="966297"/>
             </a:xfrm>
             <a:prstGeom prst="straightConnector1">
               <a:avLst/>
             </a:prstGeom>
             <a:ln w="57150">
               <a:solidFill>
-                <a:srgbClr val="00B0F0"/>
+                <a:srgbClr val="0070C0"/>
               </a:solidFill>
               <a:tailEnd type="triangle"/>
             </a:ln>
@@ -12265,15 +11665,15 @@
           </p:nvCxnSpPr>
           <p:spPr>
             <a:xfrm flipH="1">
-              <a:off x="3904695" y="2364889"/>
-              <a:ext cx="1874668" cy="923462"/>
+              <a:off x="2688454" y="2364889"/>
+              <a:ext cx="3090909" cy="0"/>
             </a:xfrm>
             <a:prstGeom prst="straightConnector1">
               <a:avLst/>
             </a:prstGeom>
             <a:ln w="57150">
               <a:solidFill>
-                <a:srgbClr val="00B0F0"/>
+                <a:srgbClr val="0070C0"/>
               </a:solidFill>
               <a:tailEnd type="triangle"/>
             </a:ln>
@@ -12300,8 +11700,8 @@
             <p:nvPr/>
           </p:nvSpPr>
           <p:spPr>
-            <a:xfrm rot="21049126">
-              <a:off x="5832810" y="1822053"/>
+            <a:xfrm>
+              <a:off x="5779363" y="2137224"/>
               <a:ext cx="3666645" cy="430887"/>
             </a:xfrm>
             <a:prstGeom prst="rect">
@@ -12319,12 +11719,20 @@
             <a:lstStyle/>
             <a:p>
               <a:r>
+                <a:rPr lang="ru-RU" sz="2200" dirty="0"/>
+                <a:t>Поддерживают</a:t>
+              </a:r>
+              <a:r>
                 <a:rPr lang="ru-RU" sz="2200" dirty="0">
                   <a:solidFill>
                     <a:srgbClr val="00B0F0"/>
                   </a:solidFill>
                 </a:rPr>
-                <a:t>Поддерживают замыкания</a:t>
+                <a:t> </a:t>
+              </a:r>
+              <a:r>
+                <a:rPr lang="ru-RU" sz="2200" dirty="0"/>
+                <a:t>замыкания</a:t>
               </a:r>
             </a:p>
           </p:txBody>
@@ -12453,7 +11861,7 @@
                                           </p:stCondLst>
                                         </p:cTn>
                                         <p:tgtEl>
-                                          <p:spTgt spid="6"/>
+                                          <p:spTgt spid="15"/>
                                         </p:tgtEl>
                                         <p:attrNameLst>
                                           <p:attrName>style.visibility</p:attrName>
@@ -12467,7 +11875,7 @@
                                       <p:cBhvr>
                                         <p:cTn id="7" dur="500"/>
                                         <p:tgtEl>
-                                          <p:spTgt spid="6"/>
+                                          <p:spTgt spid="15"/>
                                         </p:tgtEl>
                                       </p:cBhvr>
                                     </p:animEffect>
@@ -12506,7 +11914,7 @@
                                           </p:stCondLst>
                                         </p:cTn>
                                         <p:tgtEl>
-                                          <p:spTgt spid="15"/>
+                                          <p:spTgt spid="21"/>
                                         </p:tgtEl>
                                         <p:attrNameLst>
                                           <p:attrName>style.visibility</p:attrName>
@@ -12519,59 +11927,6 @@
                                     <p:animEffect transition="in" filter="fade">
                                       <p:cBhvr>
                                         <p:cTn id="12" dur="500"/>
-                                        <p:tgtEl>
-                                          <p:spTgt spid="15"/>
-                                        </p:tgtEl>
-                                      </p:cBhvr>
-                                    </p:animEffect>
-                                  </p:childTnLst>
-                                </p:cTn>
-                              </p:par>
-                            </p:childTnLst>
-                          </p:cTn>
-                        </p:par>
-                      </p:childTnLst>
-                    </p:cTn>
-                  </p:par>
-                  <p:par>
-                    <p:cTn id="13" fill="hold">
-                      <p:stCondLst>
-                        <p:cond delay="indefinite"/>
-                      </p:stCondLst>
-                      <p:childTnLst>
-                        <p:par>
-                          <p:cTn id="14" fill="hold">
-                            <p:stCondLst>
-                              <p:cond delay="0"/>
-                            </p:stCondLst>
-                            <p:childTnLst>
-                              <p:par>
-                                <p:cTn id="15" presetID="10" presetClass="entr" presetSubtype="0" fill="hold" nodeType="clickEffect">
-                                  <p:stCondLst>
-                                    <p:cond delay="0"/>
-                                  </p:stCondLst>
-                                  <p:childTnLst>
-                                    <p:set>
-                                      <p:cBhvr>
-                                        <p:cTn id="16" dur="1" fill="hold">
-                                          <p:stCondLst>
-                                            <p:cond delay="0"/>
-                                          </p:stCondLst>
-                                        </p:cTn>
-                                        <p:tgtEl>
-                                          <p:spTgt spid="21"/>
-                                        </p:tgtEl>
-                                        <p:attrNameLst>
-                                          <p:attrName>style.visibility</p:attrName>
-                                        </p:attrNameLst>
-                                      </p:cBhvr>
-                                      <p:to>
-                                        <p:strVal val="visible"/>
-                                      </p:to>
-                                    </p:set>
-                                    <p:animEffect transition="in" filter="fade">
-                                      <p:cBhvr>
-                                        <p:cTn id="17" dur="500"/>
                                         <p:tgtEl>
                                           <p:spTgt spid="21"/>
                                         </p:tgtEl>
@@ -12611,6 +11966,444 @@
 </p:sld>
 </file>
 
+<file path=ppt/slides/slide13.xml><?xml version="1.0" encoding="utf-8"?>
+<p:sld xmlns:a="http://schemas.openxmlformats.org/drawingml/2006/main" xmlns:r="http://schemas.openxmlformats.org/officeDocument/2006/relationships" xmlns:p="http://schemas.openxmlformats.org/presentationml/2006/main">
+  <p:cSld>
+    <p:spTree>
+      <p:nvGrpSpPr>
+        <p:cNvPr id="1" name=""/>
+        <p:cNvGrpSpPr/>
+        <p:nvPr/>
+      </p:nvGrpSpPr>
+      <p:grpSpPr>
+        <a:xfrm>
+          <a:off x="0" y="0"/>
+          <a:ext cx="0" cy="0"/>
+          <a:chOff x="0" y="0"/>
+          <a:chExt cx="0" cy="0"/>
+        </a:xfrm>
+      </p:grpSpPr>
+      <p:sp>
+        <p:nvSpPr>
+          <p:cNvPr id="2" name="Заголовок 1"/>
+          <p:cNvSpPr>
+            <a:spLocks noGrp="1"/>
+          </p:cNvSpPr>
+          <p:nvPr>
+            <p:ph type="title"/>
+          </p:nvPr>
+        </p:nvSpPr>
+        <p:spPr/>
+        <p:txBody>
+          <a:bodyPr/>
+          <a:lstStyle/>
+          <a:p>
+            <a:r>
+              <a:rPr lang="ru-RU" dirty="0"/>
+              <a:t>Пример локальной функции-итератора</a:t>
+            </a:r>
+          </a:p>
+        </p:txBody>
+      </p:sp>
+      <p:sp>
+        <p:nvSpPr>
+          <p:cNvPr id="5" name="Прямоугольник 4"/>
+          <p:cNvSpPr/>
+          <p:nvPr/>
+        </p:nvSpPr>
+        <p:spPr>
+          <a:xfrm>
+            <a:off x="766226" y="1866872"/>
+            <a:ext cx="11236383" cy="3416320"/>
+          </a:xfrm>
+          <a:prstGeom prst="rect">
+            <a:avLst/>
+          </a:prstGeom>
+          <a:ln>
+            <a:noFill/>
+          </a:ln>
+        </p:spPr>
+        <p:txBody>
+          <a:bodyPr wrap="square">
+            <a:spAutoFit/>
+          </a:bodyPr>
+          <a:lstStyle/>
+          <a:p>
+            <a:r>
+              <a:rPr lang="en-US" sz="2400" dirty="0">
+                <a:solidFill>
+                  <a:srgbClr val="0000FF"/>
+                </a:solidFill>
+                <a:latin typeface="Consolas" panose="020B0609020204030204" pitchFamily="49" charset="0"/>
+              </a:rPr>
+              <a:t>public</a:t>
+            </a:r>
+            <a:r>
+              <a:rPr lang="en-US" sz="2400" dirty="0">
+                <a:solidFill>
+                  <a:srgbClr val="000000"/>
+                </a:solidFill>
+                <a:latin typeface="Consolas" panose="020B0609020204030204" pitchFamily="49" charset="0"/>
+              </a:rPr>
+              <a:t> </a:t>
+            </a:r>
+            <a:r>
+              <a:rPr lang="en-US" sz="2400" dirty="0" err="1">
+                <a:solidFill>
+                  <a:srgbClr val="2B91AF"/>
+                </a:solidFill>
+                <a:latin typeface="Consolas" panose="020B0609020204030204" pitchFamily="49" charset="0"/>
+              </a:rPr>
+              <a:t>IEnumerable</a:t>
+            </a:r>
+            <a:r>
+              <a:rPr lang="en-US" sz="2400" dirty="0">
+                <a:solidFill>
+                  <a:srgbClr val="000000"/>
+                </a:solidFill>
+                <a:latin typeface="Consolas" panose="020B0609020204030204" pitchFamily="49" charset="0"/>
+              </a:rPr>
+              <a:t>&lt;</a:t>
+            </a:r>
+            <a:r>
+              <a:rPr lang="en-US" sz="2400" dirty="0" err="1">
+                <a:solidFill>
+                  <a:srgbClr val="2B91AF"/>
+                </a:solidFill>
+                <a:latin typeface="Consolas" panose="020B0609020204030204" pitchFamily="49" charset="0"/>
+              </a:rPr>
+              <a:t>IEnumerable</a:t>
+            </a:r>
+            <a:r>
+              <a:rPr lang="en-US" sz="2400" dirty="0">
+                <a:solidFill>
+                  <a:srgbClr val="000000"/>
+                </a:solidFill>
+                <a:latin typeface="Consolas" panose="020B0609020204030204" pitchFamily="49" charset="0"/>
+              </a:rPr>
+              <a:t>&lt;</a:t>
+            </a:r>
+            <a:r>
+              <a:rPr lang="en-US" sz="2400" dirty="0" err="1">
+                <a:solidFill>
+                  <a:srgbClr val="0000FF"/>
+                </a:solidFill>
+                <a:latin typeface="Consolas" panose="020B0609020204030204" pitchFamily="49" charset="0"/>
+              </a:rPr>
+              <a:t>int</a:t>
+            </a:r>
+            <a:r>
+              <a:rPr lang="en-US" sz="2400" dirty="0">
+                <a:solidFill>
+                  <a:srgbClr val="000000"/>
+                </a:solidFill>
+                <a:latin typeface="Consolas" panose="020B0609020204030204" pitchFamily="49" charset="0"/>
+              </a:rPr>
+              <a:t>&gt;&gt; Foo(</a:t>
+            </a:r>
+            <a:r>
+              <a:rPr lang="en-US" sz="2400" dirty="0" err="1">
+                <a:solidFill>
+                  <a:srgbClr val="2B91AF"/>
+                </a:solidFill>
+                <a:latin typeface="Consolas" panose="020B0609020204030204" pitchFamily="49" charset="0"/>
+              </a:rPr>
+              <a:t>IEnumerable</a:t>
+            </a:r>
+            <a:r>
+              <a:rPr lang="en-US" sz="2400" dirty="0">
+                <a:solidFill>
+                  <a:srgbClr val="000000"/>
+                </a:solidFill>
+                <a:latin typeface="Consolas" panose="020B0609020204030204" pitchFamily="49" charset="0"/>
+              </a:rPr>
+              <a:t>&lt;</a:t>
+            </a:r>
+            <a:r>
+              <a:rPr lang="en-US" sz="2400" dirty="0" err="1">
+                <a:solidFill>
+                  <a:srgbClr val="0000FF"/>
+                </a:solidFill>
+                <a:latin typeface="Consolas" panose="020B0609020204030204" pitchFamily="49" charset="0"/>
+              </a:rPr>
+              <a:t>int</a:t>
+            </a:r>
+            <a:r>
+              <a:rPr lang="en-US" sz="2400" dirty="0">
+                <a:solidFill>
+                  <a:srgbClr val="000000"/>
+                </a:solidFill>
+                <a:latin typeface="Consolas" panose="020B0609020204030204" pitchFamily="49" charset="0"/>
+              </a:rPr>
+              <a:t>&gt; limits)</a:t>
+            </a:r>
+          </a:p>
+          <a:p>
+            <a:r>
+              <a:rPr lang="ru-RU" sz="2400" dirty="0">
+                <a:solidFill>
+                  <a:srgbClr val="000000"/>
+                </a:solidFill>
+                <a:latin typeface="Consolas" panose="020B0609020204030204" pitchFamily="49" charset="0"/>
+              </a:rPr>
+              <a:t>{</a:t>
+            </a:r>
+          </a:p>
+          <a:p>
+            <a:r>
+              <a:rPr lang="en-US" sz="2400" dirty="0">
+                <a:solidFill>
+                  <a:srgbClr val="2B91AF"/>
+                </a:solidFill>
+                <a:latin typeface="Consolas" panose="020B0609020204030204" pitchFamily="49" charset="0"/>
+              </a:rPr>
+              <a:t>    </a:t>
+            </a:r>
+            <a:r>
+              <a:rPr lang="en-US" sz="2400" dirty="0" err="1">
+                <a:solidFill>
+                  <a:srgbClr val="2B91AF"/>
+                </a:solidFill>
+                <a:latin typeface="Consolas" panose="020B0609020204030204" pitchFamily="49" charset="0"/>
+              </a:rPr>
+              <a:t>IEnumerable</a:t>
+            </a:r>
+            <a:r>
+              <a:rPr lang="en-US" sz="2400" dirty="0">
+                <a:solidFill>
+                  <a:srgbClr val="000000"/>
+                </a:solidFill>
+                <a:latin typeface="Consolas" panose="020B0609020204030204" pitchFamily="49" charset="0"/>
+              </a:rPr>
+              <a:t>&lt;</a:t>
+            </a:r>
+            <a:r>
+              <a:rPr lang="en-US" sz="2400" dirty="0" err="1">
+                <a:solidFill>
+                  <a:srgbClr val="0000FF"/>
+                </a:solidFill>
+                <a:latin typeface="Consolas" panose="020B0609020204030204" pitchFamily="49" charset="0"/>
+              </a:rPr>
+              <a:t>int</a:t>
+            </a:r>
+            <a:r>
+              <a:rPr lang="en-US" sz="2400" dirty="0">
+                <a:solidFill>
+                  <a:srgbClr val="000000"/>
+                </a:solidFill>
+                <a:latin typeface="Consolas" panose="020B0609020204030204" pitchFamily="49" charset="0"/>
+              </a:rPr>
+              <a:t>&gt; Range(</a:t>
+            </a:r>
+            <a:r>
+              <a:rPr lang="en-US" sz="2400" dirty="0" err="1">
+                <a:solidFill>
+                  <a:srgbClr val="0000FF"/>
+                </a:solidFill>
+                <a:latin typeface="Consolas" panose="020B0609020204030204" pitchFamily="49" charset="0"/>
+              </a:rPr>
+              <a:t>int</a:t>
+            </a:r>
+            <a:r>
+              <a:rPr lang="en-US" sz="2400" dirty="0">
+                <a:solidFill>
+                  <a:srgbClr val="000000"/>
+                </a:solidFill>
+                <a:latin typeface="Consolas" panose="020B0609020204030204" pitchFamily="49" charset="0"/>
+              </a:rPr>
+              <a:t> n)</a:t>
+            </a:r>
+          </a:p>
+          <a:p>
+            <a:r>
+              <a:rPr lang="ru-RU" sz="2400" dirty="0">
+                <a:solidFill>
+                  <a:srgbClr val="000000"/>
+                </a:solidFill>
+                <a:latin typeface="Consolas" panose="020B0609020204030204" pitchFamily="49" charset="0"/>
+              </a:rPr>
+              <a:t>    {</a:t>
+            </a:r>
+          </a:p>
+          <a:p>
+            <a:r>
+              <a:rPr lang="nn-NO" sz="2400" dirty="0">
+                <a:solidFill>
+                  <a:srgbClr val="0000FF"/>
+                </a:solidFill>
+                <a:latin typeface="Consolas" panose="020B0609020204030204" pitchFamily="49" charset="0"/>
+              </a:rPr>
+              <a:t>        for</a:t>
+            </a:r>
+            <a:r>
+              <a:rPr lang="nn-NO" sz="2400" dirty="0">
+                <a:solidFill>
+                  <a:srgbClr val="000000"/>
+                </a:solidFill>
+                <a:latin typeface="Consolas" panose="020B0609020204030204" pitchFamily="49" charset="0"/>
+              </a:rPr>
+              <a:t> (</a:t>
+            </a:r>
+            <a:r>
+              <a:rPr lang="nn-NO" sz="2400" dirty="0">
+                <a:solidFill>
+                  <a:srgbClr val="0000FF"/>
+                </a:solidFill>
+                <a:latin typeface="Consolas" panose="020B0609020204030204" pitchFamily="49" charset="0"/>
+              </a:rPr>
+              <a:t>var</a:t>
+            </a:r>
+            <a:r>
+              <a:rPr lang="nn-NO" sz="2400" dirty="0">
+                <a:solidFill>
+                  <a:srgbClr val="000000"/>
+                </a:solidFill>
+                <a:latin typeface="Consolas" panose="020B0609020204030204" pitchFamily="49" charset="0"/>
+              </a:rPr>
+              <a:t> i = 0; i &lt; n; i++)</a:t>
+            </a:r>
+          </a:p>
+          <a:p>
+            <a:r>
+              <a:rPr lang="en-US" sz="2400" dirty="0">
+                <a:solidFill>
+                  <a:srgbClr val="0000FF"/>
+                </a:solidFill>
+                <a:latin typeface="Consolas" panose="020B0609020204030204" pitchFamily="49" charset="0"/>
+              </a:rPr>
+              <a:t>            yield</a:t>
+            </a:r>
+            <a:r>
+              <a:rPr lang="en-US" sz="2400" dirty="0">
+                <a:solidFill>
+                  <a:srgbClr val="000000"/>
+                </a:solidFill>
+                <a:latin typeface="Consolas" panose="020B0609020204030204" pitchFamily="49" charset="0"/>
+              </a:rPr>
+              <a:t> </a:t>
+            </a:r>
+            <a:r>
+              <a:rPr lang="en-US" sz="2400" dirty="0">
+                <a:solidFill>
+                  <a:srgbClr val="0000FF"/>
+                </a:solidFill>
+                <a:latin typeface="Consolas" panose="020B0609020204030204" pitchFamily="49" charset="0"/>
+              </a:rPr>
+              <a:t>return</a:t>
+            </a:r>
+            <a:r>
+              <a:rPr lang="en-US" sz="2400" dirty="0">
+                <a:solidFill>
+                  <a:srgbClr val="000000"/>
+                </a:solidFill>
+                <a:latin typeface="Consolas" panose="020B0609020204030204" pitchFamily="49" charset="0"/>
+              </a:rPr>
+              <a:t> </a:t>
+            </a:r>
+            <a:r>
+              <a:rPr lang="en-US" sz="2400" dirty="0" err="1">
+                <a:solidFill>
+                  <a:srgbClr val="000000"/>
+                </a:solidFill>
+                <a:latin typeface="Consolas" panose="020B0609020204030204" pitchFamily="49" charset="0"/>
+              </a:rPr>
+              <a:t>i</a:t>
+            </a:r>
+            <a:r>
+              <a:rPr lang="en-US" sz="2400" dirty="0">
+                <a:solidFill>
+                  <a:srgbClr val="000000"/>
+                </a:solidFill>
+                <a:latin typeface="Consolas" panose="020B0609020204030204" pitchFamily="49" charset="0"/>
+              </a:rPr>
+              <a:t>;</a:t>
+            </a:r>
+          </a:p>
+          <a:p>
+            <a:r>
+              <a:rPr lang="en-US" sz="2400" dirty="0">
+                <a:solidFill>
+                  <a:srgbClr val="000000"/>
+                </a:solidFill>
+                <a:latin typeface="Consolas" panose="020B0609020204030204" pitchFamily="49" charset="0"/>
+              </a:rPr>
+              <a:t>    </a:t>
+            </a:r>
+            <a:r>
+              <a:rPr lang="ru-RU" sz="2400" dirty="0">
+                <a:solidFill>
+                  <a:srgbClr val="000000"/>
+                </a:solidFill>
+                <a:latin typeface="Consolas" panose="020B0609020204030204" pitchFamily="49" charset="0"/>
+              </a:rPr>
+              <a:t>}</a:t>
+            </a:r>
+          </a:p>
+          <a:p>
+            <a:r>
+              <a:rPr lang="en-US" sz="2400" dirty="0">
+                <a:solidFill>
+                  <a:srgbClr val="0000FF"/>
+                </a:solidFill>
+                <a:latin typeface="Consolas" panose="020B0609020204030204" pitchFamily="49" charset="0"/>
+              </a:rPr>
+              <a:t>    return</a:t>
+            </a:r>
+            <a:r>
+              <a:rPr lang="en-US" sz="2400" dirty="0">
+                <a:solidFill>
+                  <a:srgbClr val="000000"/>
+                </a:solidFill>
+                <a:latin typeface="Consolas" panose="020B0609020204030204" pitchFamily="49" charset="0"/>
+              </a:rPr>
+              <a:t> </a:t>
+            </a:r>
+            <a:r>
+              <a:rPr lang="en-US" sz="2400" dirty="0" err="1">
+                <a:solidFill>
+                  <a:srgbClr val="000000"/>
+                </a:solidFill>
+                <a:latin typeface="Consolas" panose="020B0609020204030204" pitchFamily="49" charset="0"/>
+              </a:rPr>
+              <a:t>limits.Select</a:t>
+            </a:r>
+            <a:r>
+              <a:rPr lang="en-US" sz="2400" dirty="0">
+                <a:solidFill>
+                  <a:srgbClr val="000000"/>
+                </a:solidFill>
+                <a:latin typeface="Consolas" panose="020B0609020204030204" pitchFamily="49" charset="0"/>
+              </a:rPr>
+              <a:t>(Range);</a:t>
+            </a:r>
+          </a:p>
+          <a:p>
+            <a:r>
+              <a:rPr lang="ru-RU" sz="2400" dirty="0">
+                <a:solidFill>
+                  <a:srgbClr val="000000"/>
+                </a:solidFill>
+                <a:latin typeface="Consolas" panose="020B0609020204030204" pitchFamily="49" charset="0"/>
+              </a:rPr>
+              <a:t>}</a:t>
+            </a:r>
+            <a:endParaRPr lang="ru-RU" sz="2400" dirty="0"/>
+          </a:p>
+        </p:txBody>
+      </p:sp>
+    </p:spTree>
+    <p:extLst>
+      <p:ext uri="{BB962C8B-B14F-4D97-AF65-F5344CB8AC3E}">
+        <p14:creationId xmlns:p14="http://schemas.microsoft.com/office/powerpoint/2010/main" val="846325163"/>
+      </p:ext>
+    </p:extLst>
+  </p:cSld>
+  <p:clrMapOvr>
+    <a:masterClrMapping/>
+  </p:clrMapOvr>
+</p:sld>
+</file>
+
 <file path=ppt/slides/slide14.xml><?xml version="1.0" encoding="utf-8"?>
 <p:sld xmlns:a="http://schemas.openxmlformats.org/drawingml/2006/main" xmlns:r="http://schemas.openxmlformats.org/officeDocument/2006/relationships" xmlns:p="http://schemas.openxmlformats.org/presentationml/2006/main">
   <p:cSld>
@@ -12644,684 +12437,6 @@
           <a:lstStyle/>
           <a:p>
             <a:r>
-              <a:rPr lang="ru-RU" dirty="0"/>
-              <a:t>Пример локальной функции-итератора</a:t>
-            </a:r>
-          </a:p>
-        </p:txBody>
-      </p:sp>
-      <p:sp>
-        <p:nvSpPr>
-          <p:cNvPr id="5" name="Прямоугольник 4"/>
-          <p:cNvSpPr/>
-          <p:nvPr/>
-        </p:nvSpPr>
-        <p:spPr>
-          <a:xfrm>
-            <a:off x="766226" y="1866872"/>
-            <a:ext cx="11236383" cy="3416320"/>
-          </a:xfrm>
-          <a:prstGeom prst="rect">
-            <a:avLst/>
-          </a:prstGeom>
-          <a:ln>
-            <a:noFill/>
-          </a:ln>
-        </p:spPr>
-        <p:txBody>
-          <a:bodyPr wrap="square">
-            <a:spAutoFit/>
-          </a:bodyPr>
-          <a:lstStyle/>
-          <a:p>
-            <a:r>
-              <a:rPr lang="en-US" sz="2400" dirty="0">
-                <a:solidFill>
-                  <a:srgbClr val="0000FF"/>
-                </a:solidFill>
-                <a:latin typeface="Consolas" panose="020B0609020204030204" pitchFamily="49" charset="0"/>
-              </a:rPr>
-              <a:t>public</a:t>
-            </a:r>
-            <a:r>
-              <a:rPr lang="en-US" sz="2400" dirty="0">
-                <a:solidFill>
-                  <a:srgbClr val="000000"/>
-                </a:solidFill>
-                <a:latin typeface="Consolas" panose="020B0609020204030204" pitchFamily="49" charset="0"/>
-              </a:rPr>
-              <a:t> </a:t>
-            </a:r>
-            <a:r>
-              <a:rPr lang="en-US" sz="2400" dirty="0" err="1">
-                <a:solidFill>
-                  <a:srgbClr val="2B91AF"/>
-                </a:solidFill>
-                <a:latin typeface="Consolas" panose="020B0609020204030204" pitchFamily="49" charset="0"/>
-              </a:rPr>
-              <a:t>IEnumerable</a:t>
-            </a:r>
-            <a:r>
-              <a:rPr lang="en-US" sz="2400" dirty="0">
-                <a:solidFill>
-                  <a:srgbClr val="000000"/>
-                </a:solidFill>
-                <a:latin typeface="Consolas" panose="020B0609020204030204" pitchFamily="49" charset="0"/>
-              </a:rPr>
-              <a:t>&lt;</a:t>
-            </a:r>
-            <a:r>
-              <a:rPr lang="en-US" sz="2400" dirty="0" err="1">
-                <a:solidFill>
-                  <a:srgbClr val="2B91AF"/>
-                </a:solidFill>
-                <a:latin typeface="Consolas" panose="020B0609020204030204" pitchFamily="49" charset="0"/>
-              </a:rPr>
-              <a:t>IEnumerable</a:t>
-            </a:r>
-            <a:r>
-              <a:rPr lang="en-US" sz="2400" dirty="0">
-                <a:solidFill>
-                  <a:srgbClr val="000000"/>
-                </a:solidFill>
-                <a:latin typeface="Consolas" panose="020B0609020204030204" pitchFamily="49" charset="0"/>
-              </a:rPr>
-              <a:t>&lt;</a:t>
-            </a:r>
-            <a:r>
-              <a:rPr lang="en-US" sz="2400" dirty="0" err="1">
-                <a:solidFill>
-                  <a:srgbClr val="0000FF"/>
-                </a:solidFill>
-                <a:latin typeface="Consolas" panose="020B0609020204030204" pitchFamily="49" charset="0"/>
-              </a:rPr>
-              <a:t>int</a:t>
-            </a:r>
-            <a:r>
-              <a:rPr lang="en-US" sz="2400" dirty="0">
-                <a:solidFill>
-                  <a:srgbClr val="000000"/>
-                </a:solidFill>
-                <a:latin typeface="Consolas" panose="020B0609020204030204" pitchFamily="49" charset="0"/>
-              </a:rPr>
-              <a:t>&gt;&gt; Foo(</a:t>
-            </a:r>
-            <a:r>
-              <a:rPr lang="en-US" sz="2400" dirty="0" err="1">
-                <a:solidFill>
-                  <a:srgbClr val="2B91AF"/>
-                </a:solidFill>
-                <a:latin typeface="Consolas" panose="020B0609020204030204" pitchFamily="49" charset="0"/>
-              </a:rPr>
-              <a:t>IEnumerable</a:t>
-            </a:r>
-            <a:r>
-              <a:rPr lang="en-US" sz="2400" dirty="0">
-                <a:solidFill>
-                  <a:srgbClr val="000000"/>
-                </a:solidFill>
-                <a:latin typeface="Consolas" panose="020B0609020204030204" pitchFamily="49" charset="0"/>
-              </a:rPr>
-              <a:t>&lt;</a:t>
-            </a:r>
-            <a:r>
-              <a:rPr lang="en-US" sz="2400" dirty="0" err="1">
-                <a:solidFill>
-                  <a:srgbClr val="0000FF"/>
-                </a:solidFill>
-                <a:latin typeface="Consolas" panose="020B0609020204030204" pitchFamily="49" charset="0"/>
-              </a:rPr>
-              <a:t>int</a:t>
-            </a:r>
-            <a:r>
-              <a:rPr lang="en-US" sz="2400" dirty="0">
-                <a:solidFill>
-                  <a:srgbClr val="000000"/>
-                </a:solidFill>
-                <a:latin typeface="Consolas" panose="020B0609020204030204" pitchFamily="49" charset="0"/>
-              </a:rPr>
-              <a:t>&gt; limits)</a:t>
-            </a:r>
-          </a:p>
-          <a:p>
-            <a:r>
-              <a:rPr lang="ru-RU" sz="2400" dirty="0">
-                <a:solidFill>
-                  <a:srgbClr val="000000"/>
-                </a:solidFill>
-                <a:latin typeface="Consolas" panose="020B0609020204030204" pitchFamily="49" charset="0"/>
-              </a:rPr>
-              <a:t>{</a:t>
-            </a:r>
-          </a:p>
-          <a:p>
-            <a:r>
-              <a:rPr lang="en-US" sz="2400" dirty="0">
-                <a:solidFill>
-                  <a:srgbClr val="2B91AF"/>
-                </a:solidFill>
-                <a:latin typeface="Consolas" panose="020B0609020204030204" pitchFamily="49" charset="0"/>
-              </a:rPr>
-              <a:t>    </a:t>
-            </a:r>
-            <a:r>
-              <a:rPr lang="en-US" sz="2400" dirty="0" err="1">
-                <a:solidFill>
-                  <a:srgbClr val="2B91AF"/>
-                </a:solidFill>
-                <a:latin typeface="Consolas" panose="020B0609020204030204" pitchFamily="49" charset="0"/>
-              </a:rPr>
-              <a:t>IEnumerable</a:t>
-            </a:r>
-            <a:r>
-              <a:rPr lang="en-US" sz="2400" dirty="0">
-                <a:solidFill>
-                  <a:srgbClr val="000000"/>
-                </a:solidFill>
-                <a:latin typeface="Consolas" panose="020B0609020204030204" pitchFamily="49" charset="0"/>
-              </a:rPr>
-              <a:t>&lt;</a:t>
-            </a:r>
-            <a:r>
-              <a:rPr lang="en-US" sz="2400" dirty="0" err="1">
-                <a:solidFill>
-                  <a:srgbClr val="0000FF"/>
-                </a:solidFill>
-                <a:latin typeface="Consolas" panose="020B0609020204030204" pitchFamily="49" charset="0"/>
-              </a:rPr>
-              <a:t>int</a:t>
-            </a:r>
-            <a:r>
-              <a:rPr lang="en-US" sz="2400" dirty="0">
-                <a:solidFill>
-                  <a:srgbClr val="000000"/>
-                </a:solidFill>
-                <a:latin typeface="Consolas" panose="020B0609020204030204" pitchFamily="49" charset="0"/>
-              </a:rPr>
-              <a:t>&gt; Range(</a:t>
-            </a:r>
-            <a:r>
-              <a:rPr lang="en-US" sz="2400" dirty="0" err="1">
-                <a:solidFill>
-                  <a:srgbClr val="0000FF"/>
-                </a:solidFill>
-                <a:latin typeface="Consolas" panose="020B0609020204030204" pitchFamily="49" charset="0"/>
-              </a:rPr>
-              <a:t>int</a:t>
-            </a:r>
-            <a:r>
-              <a:rPr lang="en-US" sz="2400" dirty="0">
-                <a:solidFill>
-                  <a:srgbClr val="000000"/>
-                </a:solidFill>
-                <a:latin typeface="Consolas" panose="020B0609020204030204" pitchFamily="49" charset="0"/>
-              </a:rPr>
-              <a:t> n)</a:t>
-            </a:r>
-          </a:p>
-          <a:p>
-            <a:r>
-              <a:rPr lang="ru-RU" sz="2400" dirty="0">
-                <a:solidFill>
-                  <a:srgbClr val="000000"/>
-                </a:solidFill>
-                <a:latin typeface="Consolas" panose="020B0609020204030204" pitchFamily="49" charset="0"/>
-              </a:rPr>
-              <a:t>    {</a:t>
-            </a:r>
-          </a:p>
-          <a:p>
-            <a:r>
-              <a:rPr lang="nn-NO" sz="2400" dirty="0">
-                <a:solidFill>
-                  <a:srgbClr val="0000FF"/>
-                </a:solidFill>
-                <a:latin typeface="Consolas" panose="020B0609020204030204" pitchFamily="49" charset="0"/>
-              </a:rPr>
-              <a:t>        for</a:t>
-            </a:r>
-            <a:r>
-              <a:rPr lang="nn-NO" sz="2400" dirty="0">
-                <a:solidFill>
-                  <a:srgbClr val="000000"/>
-                </a:solidFill>
-                <a:latin typeface="Consolas" panose="020B0609020204030204" pitchFamily="49" charset="0"/>
-              </a:rPr>
-              <a:t> (</a:t>
-            </a:r>
-            <a:r>
-              <a:rPr lang="nn-NO" sz="2400" dirty="0">
-                <a:solidFill>
-                  <a:srgbClr val="0000FF"/>
-                </a:solidFill>
-                <a:latin typeface="Consolas" panose="020B0609020204030204" pitchFamily="49" charset="0"/>
-              </a:rPr>
-              <a:t>var</a:t>
-            </a:r>
-            <a:r>
-              <a:rPr lang="nn-NO" sz="2400" dirty="0">
-                <a:solidFill>
-                  <a:srgbClr val="000000"/>
-                </a:solidFill>
-                <a:latin typeface="Consolas" panose="020B0609020204030204" pitchFamily="49" charset="0"/>
-              </a:rPr>
-              <a:t> i = 0; i &lt; n; i++)</a:t>
-            </a:r>
-          </a:p>
-          <a:p>
-            <a:r>
-              <a:rPr lang="en-US" sz="2400" dirty="0">
-                <a:solidFill>
-                  <a:srgbClr val="0000FF"/>
-                </a:solidFill>
-                <a:latin typeface="Consolas" panose="020B0609020204030204" pitchFamily="49" charset="0"/>
-              </a:rPr>
-              <a:t>            yield</a:t>
-            </a:r>
-            <a:r>
-              <a:rPr lang="en-US" sz="2400" dirty="0">
-                <a:solidFill>
-                  <a:srgbClr val="000000"/>
-                </a:solidFill>
-                <a:latin typeface="Consolas" panose="020B0609020204030204" pitchFamily="49" charset="0"/>
-              </a:rPr>
-              <a:t> </a:t>
-            </a:r>
-            <a:r>
-              <a:rPr lang="en-US" sz="2400" dirty="0">
-                <a:solidFill>
-                  <a:srgbClr val="0000FF"/>
-                </a:solidFill>
-                <a:latin typeface="Consolas" panose="020B0609020204030204" pitchFamily="49" charset="0"/>
-              </a:rPr>
-              <a:t>return</a:t>
-            </a:r>
-            <a:r>
-              <a:rPr lang="en-US" sz="2400" dirty="0">
-                <a:solidFill>
-                  <a:srgbClr val="000000"/>
-                </a:solidFill>
-                <a:latin typeface="Consolas" panose="020B0609020204030204" pitchFamily="49" charset="0"/>
-              </a:rPr>
-              <a:t> </a:t>
-            </a:r>
-            <a:r>
-              <a:rPr lang="en-US" sz="2400" dirty="0" err="1">
-                <a:solidFill>
-                  <a:srgbClr val="000000"/>
-                </a:solidFill>
-                <a:latin typeface="Consolas" panose="020B0609020204030204" pitchFamily="49" charset="0"/>
-              </a:rPr>
-              <a:t>i</a:t>
-            </a:r>
-            <a:r>
-              <a:rPr lang="en-US" sz="2400" dirty="0">
-                <a:solidFill>
-                  <a:srgbClr val="000000"/>
-                </a:solidFill>
-                <a:latin typeface="Consolas" panose="020B0609020204030204" pitchFamily="49" charset="0"/>
-              </a:rPr>
-              <a:t>;</a:t>
-            </a:r>
-          </a:p>
-          <a:p>
-            <a:r>
-              <a:rPr lang="en-US" sz="2400" dirty="0">
-                <a:solidFill>
-                  <a:srgbClr val="000000"/>
-                </a:solidFill>
-                <a:latin typeface="Consolas" panose="020B0609020204030204" pitchFamily="49" charset="0"/>
-              </a:rPr>
-              <a:t>    </a:t>
-            </a:r>
-            <a:r>
-              <a:rPr lang="ru-RU" sz="2400" dirty="0">
-                <a:solidFill>
-                  <a:srgbClr val="000000"/>
-                </a:solidFill>
-                <a:latin typeface="Consolas" panose="020B0609020204030204" pitchFamily="49" charset="0"/>
-              </a:rPr>
-              <a:t>}</a:t>
-            </a:r>
-          </a:p>
-          <a:p>
-            <a:r>
-              <a:rPr lang="en-US" sz="2400" dirty="0">
-                <a:solidFill>
-                  <a:srgbClr val="0000FF"/>
-                </a:solidFill>
-                <a:latin typeface="Consolas" panose="020B0609020204030204" pitchFamily="49" charset="0"/>
-              </a:rPr>
-              <a:t>    return</a:t>
-            </a:r>
-            <a:r>
-              <a:rPr lang="en-US" sz="2400" dirty="0">
-                <a:solidFill>
-                  <a:srgbClr val="000000"/>
-                </a:solidFill>
-                <a:latin typeface="Consolas" panose="020B0609020204030204" pitchFamily="49" charset="0"/>
-              </a:rPr>
-              <a:t> </a:t>
-            </a:r>
-            <a:r>
-              <a:rPr lang="en-US" sz="2400" dirty="0" err="1">
-                <a:solidFill>
-                  <a:srgbClr val="000000"/>
-                </a:solidFill>
-                <a:latin typeface="Consolas" panose="020B0609020204030204" pitchFamily="49" charset="0"/>
-              </a:rPr>
-              <a:t>limits.Select</a:t>
-            </a:r>
-            <a:r>
-              <a:rPr lang="en-US" sz="2400" dirty="0">
-                <a:solidFill>
-                  <a:srgbClr val="000000"/>
-                </a:solidFill>
-                <a:latin typeface="Consolas" panose="020B0609020204030204" pitchFamily="49" charset="0"/>
-              </a:rPr>
-              <a:t>(Range);</a:t>
-            </a:r>
-          </a:p>
-          <a:p>
-            <a:r>
-              <a:rPr lang="ru-RU" sz="2400" dirty="0">
-                <a:solidFill>
-                  <a:srgbClr val="000000"/>
-                </a:solidFill>
-                <a:latin typeface="Consolas" panose="020B0609020204030204" pitchFamily="49" charset="0"/>
-              </a:rPr>
-              <a:t>}</a:t>
-            </a:r>
-            <a:endParaRPr lang="ru-RU" sz="2400" dirty="0"/>
-          </a:p>
-        </p:txBody>
-      </p:sp>
-      <p:grpSp>
-        <p:nvGrpSpPr>
-          <p:cNvPr id="19" name="Группа 18"/>
-          <p:cNvGrpSpPr/>
-          <p:nvPr/>
-        </p:nvGrpSpPr>
-        <p:grpSpPr>
-          <a:xfrm>
-            <a:off x="5634613" y="4904255"/>
-            <a:ext cx="5631519" cy="1553302"/>
-            <a:chOff x="4390280" y="1301960"/>
-            <a:chExt cx="5631519" cy="1553302"/>
-          </a:xfrm>
-        </p:grpSpPr>
-        <p:cxnSp>
-          <p:nvCxnSpPr>
-            <p:cNvPr id="20" name="Прямая со стрелкой 19"/>
-            <p:cNvCxnSpPr>
-              <a:cxnSpLocks/>
-            </p:cNvCxnSpPr>
-            <p:nvPr/>
-          </p:nvCxnSpPr>
-          <p:spPr>
-            <a:xfrm flipH="1" flipV="1">
-              <a:off x="4390280" y="1301960"/>
-              <a:ext cx="1902529" cy="1153192"/>
-            </a:xfrm>
-            <a:prstGeom prst="straightConnector1">
-              <a:avLst/>
-            </a:prstGeom>
-            <a:ln w="57150">
-              <a:tailEnd type="triangle"/>
-            </a:ln>
-          </p:spPr>
-          <p:style>
-            <a:lnRef idx="3">
-              <a:schemeClr val="dk1"/>
-            </a:lnRef>
-            <a:fillRef idx="0">
-              <a:schemeClr val="dk1"/>
-            </a:fillRef>
-            <a:effectRef idx="2">
-              <a:schemeClr val="dk1"/>
-            </a:effectRef>
-            <a:fontRef idx="minor">
-              <a:schemeClr val="tx1"/>
-            </a:fontRef>
-          </p:style>
-        </p:cxnSp>
-        <p:sp>
-          <p:nvSpPr>
-            <p:cNvPr id="23" name="TextBox 22"/>
-            <p:cNvSpPr txBox="1"/>
-            <p:nvPr/>
-          </p:nvSpPr>
-          <p:spPr>
-            <a:xfrm>
-              <a:off x="4617756" y="2455152"/>
-              <a:ext cx="5404043" cy="400110"/>
-            </a:xfrm>
-            <a:prstGeom prst="rect">
-              <a:avLst/>
-            </a:prstGeom>
-            <a:noFill/>
-          </p:spPr>
-          <p:txBody>
-            <a:bodyPr wrap="none" rtlCol="0">
-              <a:spAutoFit/>
-            </a:bodyPr>
-            <a:lstStyle/>
-            <a:p>
-              <a:r>
-                <a:rPr lang="en-US" sz="2000" dirty="0">
-                  <a:solidFill>
-                    <a:srgbClr val="000000"/>
-                  </a:solidFill>
-                  <a:latin typeface="Consolas" panose="020B0609020204030204" pitchFamily="49" charset="0"/>
-                </a:rPr>
-                <a:t> </a:t>
-              </a:r>
-              <a:r>
-                <a:rPr lang="en-US" sz="2000" dirty="0" err="1">
-                  <a:solidFill>
-                    <a:srgbClr val="2B91AF"/>
-                  </a:solidFill>
-                  <a:latin typeface="Consolas" panose="020B0609020204030204" pitchFamily="49" charset="0"/>
-                </a:rPr>
-                <a:t>Func</a:t>
-              </a:r>
-              <a:r>
-                <a:rPr lang="en-US" sz="2000" dirty="0">
-                  <a:solidFill>
-                    <a:srgbClr val="000000"/>
-                  </a:solidFill>
-                  <a:latin typeface="Consolas" panose="020B0609020204030204" pitchFamily="49" charset="0"/>
-                </a:rPr>
-                <a:t>&lt;</a:t>
-              </a:r>
-              <a:r>
-                <a:rPr lang="en-US" sz="2000" dirty="0" err="1">
-                  <a:solidFill>
-                    <a:srgbClr val="0000FF"/>
-                  </a:solidFill>
-                  <a:latin typeface="Consolas" panose="020B0609020204030204" pitchFamily="49" charset="0"/>
-                </a:rPr>
-                <a:t>int</a:t>
-              </a:r>
-              <a:r>
-                <a:rPr lang="en-US" sz="2000" dirty="0">
-                  <a:solidFill>
-                    <a:srgbClr val="000000"/>
-                  </a:solidFill>
-                  <a:latin typeface="Consolas" panose="020B0609020204030204" pitchFamily="49" charset="0"/>
-                </a:rPr>
-                <a:t>, </a:t>
-              </a:r>
-              <a:r>
-                <a:rPr lang="en-US" sz="2000" dirty="0" err="1">
-                  <a:solidFill>
-                    <a:srgbClr val="2B91AF"/>
-                  </a:solidFill>
-                  <a:latin typeface="Consolas" panose="020B0609020204030204" pitchFamily="49" charset="0"/>
-                </a:rPr>
-                <a:t>IEnumerable</a:t>
-              </a:r>
-              <a:r>
-                <a:rPr lang="en-US" sz="2000" dirty="0">
-                  <a:solidFill>
-                    <a:srgbClr val="000000"/>
-                  </a:solidFill>
-                  <a:latin typeface="Consolas" panose="020B0609020204030204" pitchFamily="49" charset="0"/>
-                </a:rPr>
-                <a:t>&lt;</a:t>
-              </a:r>
-              <a:r>
-                <a:rPr lang="en-US" sz="2000" dirty="0" err="1">
-                  <a:solidFill>
-                    <a:srgbClr val="0000FF"/>
-                  </a:solidFill>
-                  <a:latin typeface="Consolas" panose="020B0609020204030204" pitchFamily="49" charset="0"/>
-                </a:rPr>
-                <a:t>int</a:t>
-              </a:r>
-              <a:r>
-                <a:rPr lang="en-US" sz="2000" dirty="0">
-                  <a:solidFill>
-                    <a:srgbClr val="000000"/>
-                  </a:solidFill>
-                  <a:latin typeface="Consolas" panose="020B0609020204030204" pitchFamily="49" charset="0"/>
-                </a:rPr>
-                <a:t>&gt;&gt; = Range;</a:t>
-              </a:r>
-              <a:endParaRPr lang="ru-RU" sz="2000" dirty="0"/>
-            </a:p>
-          </p:txBody>
-        </p:sp>
-      </p:grpSp>
-    </p:spTree>
-    <p:extLst>
-      <p:ext uri="{BB962C8B-B14F-4D97-AF65-F5344CB8AC3E}">
-        <p14:creationId xmlns:p14="http://schemas.microsoft.com/office/powerpoint/2010/main" val="846325163"/>
-      </p:ext>
-    </p:extLst>
-  </p:cSld>
-  <p:clrMapOvr>
-    <a:masterClrMapping/>
-  </p:clrMapOvr>
-  <p:timing>
-    <p:tnLst>
-      <p:par>
-        <p:cTn id="1" dur="indefinite" restart="never" nodeType="tmRoot">
-          <p:childTnLst>
-            <p:seq concurrent="1" nextAc="seek">
-              <p:cTn id="2" dur="indefinite" nodeType="mainSeq">
-                <p:childTnLst>
-                  <p:par>
-                    <p:cTn id="3" fill="hold">
-                      <p:stCondLst>
-                        <p:cond delay="indefinite"/>
-                      </p:stCondLst>
-                      <p:childTnLst>
-                        <p:par>
-                          <p:cTn id="4" fill="hold">
-                            <p:stCondLst>
-                              <p:cond delay="0"/>
-                            </p:stCondLst>
-                            <p:childTnLst>
-                              <p:par>
-                                <p:cTn id="5" presetID="10" presetClass="entr" presetSubtype="0" fill="hold" nodeType="clickEffect">
-                                  <p:stCondLst>
-                                    <p:cond delay="0"/>
-                                  </p:stCondLst>
-                                  <p:childTnLst>
-                                    <p:set>
-                                      <p:cBhvr>
-                                        <p:cTn id="6" dur="1" fill="hold">
-                                          <p:stCondLst>
-                                            <p:cond delay="0"/>
-                                          </p:stCondLst>
-                                        </p:cTn>
-                                        <p:tgtEl>
-                                          <p:spTgt spid="19"/>
-                                        </p:tgtEl>
-                                        <p:attrNameLst>
-                                          <p:attrName>style.visibility</p:attrName>
-                                        </p:attrNameLst>
-                                      </p:cBhvr>
-                                      <p:to>
-                                        <p:strVal val="visible"/>
-                                      </p:to>
-                                    </p:set>
-                                    <p:animEffect transition="in" filter="fade">
-                                      <p:cBhvr>
-                                        <p:cTn id="7" dur="500"/>
-                                        <p:tgtEl>
-                                          <p:spTgt spid="19"/>
-                                        </p:tgtEl>
-                                      </p:cBhvr>
-                                    </p:animEffect>
-                                  </p:childTnLst>
-                                </p:cTn>
-                              </p:par>
-                            </p:childTnLst>
-                          </p:cTn>
-                        </p:par>
-                      </p:childTnLst>
-                    </p:cTn>
-                  </p:par>
-                </p:childTnLst>
-              </p:cTn>
-              <p:prevCondLst>
-                <p:cond evt="onPrev" delay="0">
-                  <p:tgtEl>
-                    <p:sldTgt/>
-                  </p:tgtEl>
-                </p:cond>
-              </p:prevCondLst>
-              <p:nextCondLst>
-                <p:cond evt="onNext" delay="0">
-                  <p:tgtEl>
-                    <p:sldTgt/>
-                  </p:tgtEl>
-                </p:cond>
-              </p:nextCondLst>
-            </p:seq>
-          </p:childTnLst>
-        </p:cTn>
-      </p:par>
-    </p:tnLst>
-  </p:timing>
-</p:sld>
-</file>
-
-<file path=ppt/slides/slide15.xml><?xml version="1.0" encoding="utf-8"?>
-<p:sld xmlns:a="http://schemas.openxmlformats.org/drawingml/2006/main" xmlns:r="http://schemas.openxmlformats.org/officeDocument/2006/relationships" xmlns:p="http://schemas.openxmlformats.org/presentationml/2006/main">
-  <p:cSld>
-    <p:spTree>
-      <p:nvGrpSpPr>
-        <p:cNvPr id="1" name=""/>
-        <p:cNvGrpSpPr/>
-        <p:nvPr/>
-      </p:nvGrpSpPr>
-      <p:grpSpPr>
-        <a:xfrm>
-          <a:off x="0" y="0"/>
-          <a:ext cx="0" cy="0"/>
-          <a:chOff x="0" y="0"/>
-          <a:chExt cx="0" cy="0"/>
-        </a:xfrm>
-      </p:grpSpPr>
-      <p:sp>
-        <p:nvSpPr>
-          <p:cNvPr id="2" name="Заголовок 1"/>
-          <p:cNvSpPr>
-            <a:spLocks noGrp="1"/>
-          </p:cNvSpPr>
-          <p:nvPr>
-            <p:ph type="title"/>
-          </p:nvPr>
-        </p:nvSpPr>
-        <p:spPr/>
-        <p:txBody>
-          <a:bodyPr/>
-          <a:lstStyle/>
-          <a:p>
-            <a:r>
               <a:rPr lang="en-US" dirty="0"/>
               <a:t>Pattern matching</a:t>
             </a:r>
@@ -13361,7 +12476,7 @@
 </p:sld>
 </file>
 
-<file path=ppt/slides/slide16.xml><?xml version="1.0" encoding="utf-8"?>
+<file path=ppt/slides/slide15.xml><?xml version="1.0" encoding="utf-8"?>
 <p:sld xmlns:a="http://schemas.openxmlformats.org/drawingml/2006/main" xmlns:r="http://schemas.openxmlformats.org/officeDocument/2006/relationships" xmlns:p="http://schemas.openxmlformats.org/presentationml/2006/main">
   <p:cSld>
     <p:spTree>
@@ -13803,7 +12918,7 @@
 </p:sld>
 </file>
 
-<file path=ppt/slides/slide17.xml><?xml version="1.0" encoding="utf-8"?>
+<file path=ppt/slides/slide16.xml><?xml version="1.0" encoding="utf-8"?>
 <p:sld xmlns:a="http://schemas.openxmlformats.org/drawingml/2006/main" xmlns:r="http://schemas.openxmlformats.org/officeDocument/2006/relationships" xmlns:p="http://schemas.openxmlformats.org/presentationml/2006/main">
   <p:cSld>
     <p:spTree>
@@ -14244,7 +13359,7 @@
         </p:nvSpPr>
         <p:spPr>
           <a:xfrm>
-            <a:off x="1051955" y="3984962"/>
+            <a:off x="1051955" y="4387634"/>
             <a:ext cx="10058400" cy="1938992"/>
           </a:xfrm>
           <a:prstGeom prst="rect">
@@ -14638,7 +13753,7 @@
 </p:sld>
 </file>
 
-<file path=ppt/slides/slide18.xml><?xml version="1.0" encoding="utf-8"?>
+<file path=ppt/slides/slide17.xml><?xml version="1.0" encoding="utf-8"?>
 <p:sld xmlns:a="http://schemas.openxmlformats.org/drawingml/2006/main" xmlns:r="http://schemas.openxmlformats.org/officeDocument/2006/relationships" xmlns:p="http://schemas.openxmlformats.org/presentationml/2006/main">
   <p:cSld>
     <p:spTree>
@@ -15504,7 +14619,7 @@
 </p:sld>
 </file>
 
-<file path=ppt/slides/slide19.xml><?xml version="1.0" encoding="utf-8"?>
+<file path=ppt/slides/slide18.xml><?xml version="1.0" encoding="utf-8"?>
 <p:sld xmlns:a="http://schemas.openxmlformats.org/drawingml/2006/main" xmlns:r="http://schemas.openxmlformats.org/officeDocument/2006/relationships" xmlns:p="http://schemas.openxmlformats.org/presentationml/2006/main">
   <p:cSld>
     <p:spTree>
@@ -15618,81 +14733,7 @@
 </p:sld>
 </file>
 
-<file path=ppt/slides/slide2.xml><?xml version="1.0" encoding="utf-8"?>
-<p:sld xmlns:a="http://schemas.openxmlformats.org/drawingml/2006/main" xmlns:r="http://schemas.openxmlformats.org/officeDocument/2006/relationships" xmlns:p="http://schemas.openxmlformats.org/presentationml/2006/main">
-  <p:cSld>
-    <p:spTree>
-      <p:nvGrpSpPr>
-        <p:cNvPr id="1" name=""/>
-        <p:cNvGrpSpPr/>
-        <p:nvPr/>
-      </p:nvGrpSpPr>
-      <p:grpSpPr>
-        <a:xfrm>
-          <a:off x="0" y="0"/>
-          <a:ext cx="0" cy="0"/>
-          <a:chOff x="0" y="0"/>
-          <a:chExt cx="0" cy="0"/>
-        </a:xfrm>
-      </p:grpSpPr>
-      <p:sp>
-        <p:nvSpPr>
-          <p:cNvPr id="2" name="Заголовок 1"/>
-          <p:cNvSpPr>
-            <a:spLocks noGrp="1"/>
-          </p:cNvSpPr>
-          <p:nvPr>
-            <p:ph type="title"/>
-          </p:nvPr>
-        </p:nvSpPr>
-        <p:spPr/>
-        <p:txBody>
-          <a:bodyPr/>
-          <a:lstStyle/>
-          <a:p>
-            <a:r>
-              <a:rPr lang="ru-RU" dirty="0"/>
-              <a:t>Кортежи и распаковка</a:t>
-            </a:r>
-          </a:p>
-        </p:txBody>
-      </p:sp>
-      <p:sp>
-        <p:nvSpPr>
-          <p:cNvPr id="3" name="Текст 2"/>
-          <p:cNvSpPr>
-            <a:spLocks noGrp="1"/>
-          </p:cNvSpPr>
-          <p:nvPr>
-            <p:ph type="body" idx="1"/>
-          </p:nvPr>
-        </p:nvSpPr>
-        <p:spPr/>
-        <p:txBody>
-          <a:bodyPr/>
-          <a:lstStyle/>
-          <a:p>
-            <a:r>
-              <a:rPr lang="ru-RU" dirty="0"/>
-              <a:t>Взять старое и сделать его идеальным</a:t>
-            </a:r>
-          </a:p>
-        </p:txBody>
-      </p:sp>
-    </p:spTree>
-    <p:extLst>
-      <p:ext uri="{BB962C8B-B14F-4D97-AF65-F5344CB8AC3E}">
-        <p14:creationId xmlns:p14="http://schemas.microsoft.com/office/powerpoint/2010/main" val="3952391837"/>
-      </p:ext>
-    </p:extLst>
-  </p:cSld>
-  <p:clrMapOvr>
-    <a:masterClrMapping/>
-  </p:clrMapOvr>
-</p:sld>
-</file>
-
-<file path=ppt/slides/slide20.xml><?xml version="1.0" encoding="utf-8"?>
+<file path=ppt/slides/slide19.xml><?xml version="1.0" encoding="utf-8"?>
 <p:sld xmlns:a="http://schemas.openxmlformats.org/drawingml/2006/main" xmlns:r="http://schemas.openxmlformats.org/officeDocument/2006/relationships" xmlns:p="http://schemas.openxmlformats.org/presentationml/2006/main">
   <p:cSld>
     <p:spTree>
@@ -16253,7 +15294,81 @@
 </p:sld>
 </file>
 
-<file path=ppt/slides/slide21.xml><?xml version="1.0" encoding="utf-8"?>
+<file path=ppt/slides/slide2.xml><?xml version="1.0" encoding="utf-8"?>
+<p:sld xmlns:a="http://schemas.openxmlformats.org/drawingml/2006/main" xmlns:r="http://schemas.openxmlformats.org/officeDocument/2006/relationships" xmlns:p="http://schemas.openxmlformats.org/presentationml/2006/main">
+  <p:cSld>
+    <p:spTree>
+      <p:nvGrpSpPr>
+        <p:cNvPr id="1" name=""/>
+        <p:cNvGrpSpPr/>
+        <p:nvPr/>
+      </p:nvGrpSpPr>
+      <p:grpSpPr>
+        <a:xfrm>
+          <a:off x="0" y="0"/>
+          <a:ext cx="0" cy="0"/>
+          <a:chOff x="0" y="0"/>
+          <a:chExt cx="0" cy="0"/>
+        </a:xfrm>
+      </p:grpSpPr>
+      <p:sp>
+        <p:nvSpPr>
+          <p:cNvPr id="2" name="Заголовок 1"/>
+          <p:cNvSpPr>
+            <a:spLocks noGrp="1"/>
+          </p:cNvSpPr>
+          <p:nvPr>
+            <p:ph type="title"/>
+          </p:nvPr>
+        </p:nvSpPr>
+        <p:spPr/>
+        <p:txBody>
+          <a:bodyPr/>
+          <a:lstStyle/>
+          <a:p>
+            <a:r>
+              <a:rPr lang="ru-RU" dirty="0"/>
+              <a:t>Кортежи и распаковка</a:t>
+            </a:r>
+          </a:p>
+        </p:txBody>
+      </p:sp>
+      <p:sp>
+        <p:nvSpPr>
+          <p:cNvPr id="3" name="Текст 2"/>
+          <p:cNvSpPr>
+            <a:spLocks noGrp="1"/>
+          </p:cNvSpPr>
+          <p:nvPr>
+            <p:ph type="body" idx="1"/>
+          </p:nvPr>
+        </p:nvSpPr>
+        <p:spPr/>
+        <p:txBody>
+          <a:bodyPr/>
+          <a:lstStyle/>
+          <a:p>
+            <a:r>
+              <a:rPr lang="ru-RU" dirty="0"/>
+              <a:t>Взять старое и сделать его идеальным</a:t>
+            </a:r>
+          </a:p>
+        </p:txBody>
+      </p:sp>
+    </p:spTree>
+    <p:extLst>
+      <p:ext uri="{BB962C8B-B14F-4D97-AF65-F5344CB8AC3E}">
+        <p14:creationId xmlns:p14="http://schemas.microsoft.com/office/powerpoint/2010/main" val="3952391837"/>
+      </p:ext>
+    </p:extLst>
+  </p:cSld>
+  <p:clrMapOvr>
+    <a:masterClrMapping/>
+  </p:clrMapOvr>
+</p:sld>
+</file>
+
+<file path=ppt/slides/slide20.xml><?xml version="1.0" encoding="utf-8"?>
 <p:sld xmlns:a="http://schemas.openxmlformats.org/drawingml/2006/main" xmlns:r="http://schemas.openxmlformats.org/officeDocument/2006/relationships" xmlns:p="http://schemas.openxmlformats.org/presentationml/2006/main">
   <p:cSld>
     <p:spTree>
@@ -17000,7 +16115,7 @@
 </p:sld>
 </file>
 
-<file path=ppt/slides/slide22.xml><?xml version="1.0" encoding="utf-8"?>
+<file path=ppt/slides/slide21.xml><?xml version="1.0" encoding="utf-8"?>
 <p:sld xmlns:a="http://schemas.openxmlformats.org/drawingml/2006/main" xmlns:r="http://schemas.openxmlformats.org/officeDocument/2006/relationships" xmlns:p="http://schemas.openxmlformats.org/presentationml/2006/main">
   <p:cSld>
     <p:spTree>
@@ -17535,7 +16650,7 @@
 </p:sld>
 </file>
 
-<file path=ppt/slides/slide23.xml><?xml version="1.0" encoding="utf-8"?>
+<file path=ppt/slides/slide22.xml><?xml version="1.0" encoding="utf-8"?>
 <p:sld xmlns:a="http://schemas.openxmlformats.org/drawingml/2006/main" xmlns:r="http://schemas.openxmlformats.org/officeDocument/2006/relationships" xmlns:p="http://schemas.openxmlformats.org/presentationml/2006/main">
   <p:cSld>
     <p:spTree>
@@ -18029,7 +17144,7 @@
 </p:sld>
 </file>
 
-<file path=ppt/slides/slide24.xml><?xml version="1.0" encoding="utf-8"?>
+<file path=ppt/slides/slide23.xml><?xml version="1.0" encoding="utf-8"?>
 <p:sld xmlns:a="http://schemas.openxmlformats.org/drawingml/2006/main" xmlns:r="http://schemas.openxmlformats.org/officeDocument/2006/relationships" xmlns:p="http://schemas.openxmlformats.org/presentationml/2006/main">
   <p:cSld>
     <p:spTree>
@@ -18111,7 +17226,7 @@
 </p:sld>
 </file>
 
-<file path=ppt/slides/slide25.xml><?xml version="1.0" encoding="utf-8"?>
+<file path=ppt/slides/slide24.xml><?xml version="1.0" encoding="utf-8"?>
 <p:sld xmlns:a="http://schemas.openxmlformats.org/drawingml/2006/main" xmlns:r="http://schemas.openxmlformats.org/officeDocument/2006/relationships" xmlns:p="http://schemas.openxmlformats.org/presentationml/2006/main">
   <p:cSld>
     <p:spTree>
@@ -18474,35 +17589,6 @@
               </a:rPr>
               <a:t>{</a:t>
             </a:r>
-          </a:p>
-          <a:p>
-            <a:r>
-              <a:rPr lang="en-US" sz="2200" dirty="0">
-                <a:solidFill>
-                  <a:srgbClr val="0000FF"/>
-                </a:solidFill>
-                <a:latin typeface="Consolas" panose="020B0609020204030204" pitchFamily="49" charset="0"/>
-              </a:rPr>
-              <a:t>    return</a:t>
-            </a:r>
-            <a:r>
-              <a:rPr lang="en-US" sz="2200" dirty="0">
-                <a:solidFill>
-                  <a:srgbClr val="000000"/>
-                </a:solidFill>
-                <a:latin typeface="Consolas" panose="020B0609020204030204" pitchFamily="49" charset="0"/>
-              </a:rPr>
-              <a:t> </a:t>
-            </a:r>
-            <a:r>
-              <a:rPr lang="en-US" sz="2200" dirty="0" err="1">
-                <a:solidFill>
-                  <a:srgbClr val="000000"/>
-                </a:solidFill>
-                <a:latin typeface="Consolas" panose="020B0609020204030204" pitchFamily="49" charset="0"/>
-              </a:rPr>
-              <a:t>seq</a:t>
-            </a:r>
             <a:endParaRPr lang="en-US" sz="2200" dirty="0">
               <a:solidFill>
                 <a:srgbClr val="000000"/>
@@ -18518,6 +17604,50 @@
                 </a:solidFill>
                 <a:latin typeface="Consolas" panose="020B0609020204030204" pitchFamily="49" charset="0"/>
               </a:rPr>
+              <a:t>    </a:t>
+            </a:r>
+            <a:r>
+              <a:rPr lang="en-US" sz="2200" dirty="0">
+                <a:solidFill>
+                  <a:srgbClr val="0000FF"/>
+                </a:solidFill>
+                <a:latin typeface="Consolas" panose="020B0609020204030204" pitchFamily="49" charset="0"/>
+              </a:rPr>
+              <a:t>return</a:t>
+            </a:r>
+            <a:r>
+              <a:rPr lang="en-US" sz="2200" dirty="0">
+                <a:solidFill>
+                  <a:srgbClr val="000000"/>
+                </a:solidFill>
+                <a:latin typeface="Consolas" panose="020B0609020204030204" pitchFamily="49" charset="0"/>
+              </a:rPr>
+              <a:t> </a:t>
+            </a:r>
+            <a:r>
+              <a:rPr lang="en-US" sz="2200" dirty="0" err="1">
+                <a:solidFill>
+                  <a:srgbClr val="000000"/>
+                </a:solidFill>
+                <a:latin typeface="Consolas" panose="020B0609020204030204" pitchFamily="49" charset="0"/>
+              </a:rPr>
+              <a:t>seq</a:t>
+            </a:r>
+            <a:endParaRPr lang="en-US" sz="2200" dirty="0">
+              <a:solidFill>
+                <a:srgbClr val="000000"/>
+              </a:solidFill>
+              <a:latin typeface="Consolas" panose="020B0609020204030204" pitchFamily="49" charset="0"/>
+            </a:endParaRPr>
+          </a:p>
+          <a:p>
+            <a:r>
+              <a:rPr lang="en-US" sz="2200" dirty="0">
+                <a:solidFill>
+                  <a:srgbClr val="000000"/>
+                </a:solidFill>
+                <a:latin typeface="Consolas" panose="020B0609020204030204" pitchFamily="49" charset="0"/>
+              </a:rPr>
               <a:t>        .Select((v, </a:t>
             </a:r>
             <a:r>
@@ -18539,22 +17669,67 @@
               <a:t>) =&gt; </a:t>
             </a:r>
             <a:r>
+              <a:rPr lang="en-US" sz="2200" dirty="0">
+                <a:solidFill>
+                  <a:srgbClr val="0000FF"/>
+                </a:solidFill>
+                <a:latin typeface="Consolas" panose="020B0609020204030204" pitchFamily="49" charset="0"/>
+              </a:rPr>
+              <a:t>new</a:t>
+            </a:r>
+            <a:r>
+              <a:rPr lang="en-US" sz="2200" dirty="0">
+                <a:solidFill>
+                  <a:srgbClr val="000000"/>
+                </a:solidFill>
+                <a:latin typeface="Consolas" panose="020B0609020204030204" pitchFamily="49" charset="0"/>
+              </a:rPr>
+              <a:t> </a:t>
+            </a:r>
+            <a:r>
+              <a:rPr lang="en-US" sz="2200" dirty="0">
+                <a:solidFill>
+                  <a:srgbClr val="2B91AF"/>
+                </a:solidFill>
+                <a:latin typeface="Consolas" panose="020B0609020204030204" pitchFamily="49" charset="0"/>
+              </a:rPr>
+              <a:t>Tuple</a:t>
+            </a:r>
+            <a:r>
+              <a:rPr lang="en-US" sz="2200" dirty="0">
+                <a:solidFill>
+                  <a:srgbClr val="000000"/>
+                </a:solidFill>
+                <a:latin typeface="Consolas" panose="020B0609020204030204" pitchFamily="49" charset="0"/>
+              </a:rPr>
+              <a:t>&lt;</a:t>
+            </a:r>
+            <a:r>
               <a:rPr lang="en-US" sz="2200" dirty="0" err="1">
                 <a:solidFill>
-                  <a:srgbClr val="2B91AF"/>
-                </a:solidFill>
-                <a:latin typeface="Consolas" panose="020B0609020204030204" pitchFamily="49" charset="0"/>
-              </a:rPr>
-              <a:t>Tuple</a:t>
+                  <a:srgbClr val="0000FF"/>
+                </a:solidFill>
+                <a:latin typeface="Consolas" panose="020B0609020204030204" pitchFamily="49" charset="0"/>
+              </a:rPr>
+              <a:t>int</a:t>
+            </a:r>
+            <a:r>
+              <a:rPr lang="en-US" sz="2200" dirty="0">
+                <a:solidFill>
+                  <a:srgbClr val="000000"/>
+                </a:solidFill>
+                <a:latin typeface="Consolas" panose="020B0609020204030204" pitchFamily="49" charset="0"/>
+              </a:rPr>
+              <a:t>, </a:t>
             </a:r>
             <a:r>
               <a:rPr lang="en-US" sz="2200" dirty="0" err="1">
                 <a:solidFill>
-                  <a:srgbClr val="000000"/>
-                </a:solidFill>
-                <a:latin typeface="Consolas" panose="020B0609020204030204" pitchFamily="49" charset="0"/>
-              </a:rPr>
-              <a:t>.Create</a:t>
+                  <a:srgbClr val="0000FF"/>
+                </a:solidFill>
+                <a:latin typeface="Consolas" panose="020B0609020204030204" pitchFamily="49" charset="0"/>
+              </a:rPr>
+              <a:t>int</a:t>
             </a:r>
             <a:r>
               <a:rPr lang="en-US" sz="2200" dirty="0">
@@ -18563,7 +17738,7 @@
                 </a:solidFill>
                 <a:latin typeface="Consolas" panose="020B0609020204030204" pitchFamily="49" charset="0"/>
               </a:rPr>
-              <a:t>(v, </a:t>
+              <a:t>&gt;(v, </a:t>
             </a:r>
             <a:r>
               <a:rPr lang="en-US" sz="2200" dirty="0" err="1">
@@ -18592,25 +17767,7 @@
                 </a:solidFill>
                 <a:latin typeface="Consolas" panose="020B0609020204030204" pitchFamily="49" charset="0"/>
               </a:rPr>
-              <a:t>        .</a:t>
-            </a:r>
-            <a:r>
-              <a:rPr lang="en-US" sz="2200" dirty="0" err="1">
-                <a:solidFill>
-                  <a:srgbClr val="000000"/>
-                </a:solidFill>
-                <a:latin typeface="Consolas" panose="020B0609020204030204" pitchFamily="49" charset="0"/>
-              </a:rPr>
-              <a:t>FirstOrDefault</a:t>
-            </a:r>
-            <a:r>
-              <a:rPr lang="en-US" sz="2200" dirty="0">
-                <a:solidFill>
-                  <a:srgbClr val="000000"/>
-                </a:solidFill>
-                <a:latin typeface="Consolas" panose="020B0609020204030204" pitchFamily="49" charset="0"/>
-              </a:rPr>
-              <a:t>(pair =&gt; p(pair.Item1));</a:t>
+              <a:t>        .First (pair =&gt; p(pair.Item1));</a:t>
             </a:r>
           </a:p>
           <a:p>
@@ -18915,7 +18072,7 @@
                                           </p:stCondLst>
                                         </p:cTn>
                                         <p:tgtEl>
-                                          <p:spTgt spid="6"/>
+                                          <p:spTgt spid="14"/>
                                         </p:tgtEl>
                                         <p:attrNameLst>
                                           <p:attrName>style.visibility</p:attrName>
@@ -18929,7 +18086,7 @@
                                       <p:cBhvr>
                                         <p:cTn id="7" dur="500"/>
                                         <p:tgtEl>
-                                          <p:spTgt spid="6"/>
+                                          <p:spTgt spid="14"/>
                                         </p:tgtEl>
                                       </p:cBhvr>
                                     </p:animEffect>
@@ -18968,7 +18125,7 @@
                                           </p:stCondLst>
                                         </p:cTn>
                                         <p:tgtEl>
-                                          <p:spTgt spid="14"/>
+                                          <p:spTgt spid="6"/>
                                         </p:tgtEl>
                                         <p:attrNameLst>
                                           <p:attrName>style.visibility</p:attrName>
@@ -18982,7 +18139,7 @@
                                       <p:cBhvr>
                                         <p:cTn id="12" dur="500"/>
                                         <p:tgtEl>
-                                          <p:spTgt spid="14"/>
+                                          <p:spTgt spid="6"/>
                                         </p:tgtEl>
                                       </p:cBhvr>
                                     </p:animEffect>
@@ -19352,25 +18509,7 @@
                 </a:solidFill>
                 <a:latin typeface="Consolas" panose="020B0609020204030204" pitchFamily="49" charset="0"/>
               </a:rPr>
-              <a:t>.</a:t>
-            </a:r>
-            <a:r>
-              <a:rPr lang="en-US" sz="2200" dirty="0" err="1">
-                <a:solidFill>
-                  <a:srgbClr val="000000"/>
-                </a:solidFill>
-                <a:latin typeface="Consolas" panose="020B0609020204030204" pitchFamily="49" charset="0"/>
-              </a:rPr>
-              <a:t>FirstOrDefault</a:t>
-            </a:r>
-            <a:r>
-              <a:rPr lang="en-US" sz="2200" dirty="0">
-                <a:solidFill>
-                  <a:srgbClr val="000000"/>
-                </a:solidFill>
-                <a:latin typeface="Consolas" panose="020B0609020204030204" pitchFamily="49" charset="0"/>
-              </a:rPr>
-              <a:t>(pair =&gt; p(pair.Item1));</a:t>
+              <a:t>.First(pair =&gt; p(pair.Item1));</a:t>
             </a:r>
           </a:p>
           <a:p>
@@ -19504,6 +18643,140 @@
           </p:txBody>
         </p:sp>
       </p:grpSp>
+      <p:grpSp>
+        <p:nvGrpSpPr>
+          <p:cNvPr id="9" name="Группа 8"/>
+          <p:cNvGrpSpPr/>
+          <p:nvPr/>
+        </p:nvGrpSpPr>
+        <p:grpSpPr>
+          <a:xfrm>
+            <a:off x="2183907" y="1105491"/>
+            <a:ext cx="8663464" cy="1803243"/>
+            <a:chOff x="2947387" y="1490373"/>
+            <a:chExt cx="8663464" cy="1803243"/>
+          </a:xfrm>
+        </p:grpSpPr>
+        <p:cxnSp>
+          <p:nvCxnSpPr>
+            <p:cNvPr id="10" name="Прямая со стрелкой 9"/>
+            <p:cNvCxnSpPr>
+              <a:cxnSpLocks/>
+            </p:cNvCxnSpPr>
+            <p:nvPr/>
+          </p:nvCxnSpPr>
+          <p:spPr>
+            <a:xfrm flipH="1">
+              <a:off x="2947387" y="2551033"/>
+              <a:ext cx="2867487" cy="742583"/>
+            </a:xfrm>
+            <a:prstGeom prst="straightConnector1">
+              <a:avLst/>
+            </a:prstGeom>
+            <a:ln w="57150">
+              <a:tailEnd type="triangle"/>
+            </a:ln>
+          </p:spPr>
+          <p:style>
+            <a:lnRef idx="3">
+              <a:schemeClr val="dk1"/>
+            </a:lnRef>
+            <a:fillRef idx="0">
+              <a:schemeClr val="dk1"/>
+            </a:fillRef>
+            <a:effectRef idx="2">
+              <a:schemeClr val="dk1"/>
+            </a:effectRef>
+            <a:fontRef idx="minor">
+              <a:schemeClr val="tx1"/>
+            </a:fontRef>
+          </p:style>
+        </p:cxnSp>
+        <p:sp>
+          <p:nvSpPr>
+            <p:cNvPr id="12" name="TextBox 11"/>
+            <p:cNvSpPr txBox="1"/>
+            <p:nvPr/>
+          </p:nvSpPr>
+          <p:spPr>
+            <a:xfrm rot="20681485">
+              <a:off x="5768098" y="1490373"/>
+              <a:ext cx="5842753" cy="430887"/>
+            </a:xfrm>
+            <a:prstGeom prst="rect">
+              <a:avLst/>
+            </a:prstGeom>
+            <a:noFill/>
+          </p:spPr>
+          <p:txBody>
+            <a:bodyPr wrap="none" rtlCol="0">
+              <a:spAutoFit/>
+            </a:bodyPr>
+            <a:lstStyle/>
+            <a:p>
+              <a:r>
+                <a:rPr lang="ru-RU" sz="2200" dirty="0"/>
+                <a:t>На самом деле, это </a:t>
+              </a:r>
+              <a:r>
+                <a:rPr lang="en-US" sz="2200" dirty="0" err="1">
+                  <a:solidFill>
+                    <a:srgbClr val="2B91AF"/>
+                  </a:solidFill>
+                  <a:latin typeface="Consolas" panose="020B0609020204030204" pitchFamily="49" charset="0"/>
+                </a:rPr>
+                <a:t>ValueTuple</a:t>
+              </a:r>
+              <a:r>
+                <a:rPr lang="en-US" sz="2200" dirty="0">
+                  <a:solidFill>
+                    <a:srgbClr val="000000"/>
+                  </a:solidFill>
+                  <a:latin typeface="Consolas" panose="020B0609020204030204" pitchFamily="49" charset="0"/>
+                </a:rPr>
+                <a:t>&lt;</a:t>
+              </a:r>
+              <a:r>
+                <a:rPr lang="en-US" sz="2200" dirty="0" err="1">
+                  <a:solidFill>
+                    <a:srgbClr val="0000FF"/>
+                  </a:solidFill>
+                  <a:latin typeface="Consolas" panose="020B0609020204030204" pitchFamily="49" charset="0"/>
+                </a:rPr>
+                <a:t>int</a:t>
+              </a:r>
+              <a:r>
+                <a:rPr lang="en-US" sz="2200" dirty="0">
+                  <a:solidFill>
+                    <a:srgbClr val="000000"/>
+                  </a:solidFill>
+                  <a:latin typeface="Consolas" panose="020B0609020204030204" pitchFamily="49" charset="0"/>
+                </a:rPr>
+                <a:t>, </a:t>
+              </a:r>
+              <a:r>
+                <a:rPr lang="en-US" sz="2200" dirty="0" err="1">
+                  <a:solidFill>
+                    <a:srgbClr val="0000FF"/>
+                  </a:solidFill>
+                  <a:latin typeface="Consolas" panose="020B0609020204030204" pitchFamily="49" charset="0"/>
+                </a:rPr>
+                <a:t>int</a:t>
+              </a:r>
+              <a:r>
+                <a:rPr lang="en-US" sz="2200" dirty="0">
+                  <a:solidFill>
+                    <a:srgbClr val="000000"/>
+                  </a:solidFill>
+                  <a:latin typeface="Consolas" panose="020B0609020204030204" pitchFamily="49" charset="0"/>
+                </a:rPr>
+                <a:t>&gt;</a:t>
+              </a:r>
+              <a:endParaRPr lang="ru-RU" sz="2200" dirty="0"/>
+            </a:p>
+          </p:txBody>
+        </p:sp>
+      </p:grpSp>
     </p:spTree>
     <p:extLst>
       <p:ext uri="{BB962C8B-B14F-4D97-AF65-F5344CB8AC3E}">
@@ -19569,6 +18842,41 @@
                                   </p:childTnLst>
                                 </p:cTn>
                               </p:par>
+                              <p:par>
+                                <p:cTn id="8" presetID="10" presetClass="entr" presetSubtype="0" fill="hold" nodeType="withEffect">
+                                  <p:stCondLst>
+                                    <p:cond delay="0"/>
+                                  </p:stCondLst>
+                                  <p:childTnLst>
+                                    <p:set>
+                                      <p:cBhvr>
+                                        <p:cTn id="9" dur="1" fill="hold">
+                                          <p:stCondLst>
+                                            <p:cond delay="0"/>
+                                          </p:stCondLst>
+                                        </p:cTn>
+                                        <p:tgtEl>
+                                          <p:spTgt spid="9"/>
+                                        </p:tgtEl>
+                                        <p:attrNameLst>
+                                          <p:attrName>style.visibility</p:attrName>
+                                        </p:attrNameLst>
+                                      </p:cBhvr>
+                                      <p:to>
+                                        <p:strVal val="visible"/>
+                                      </p:to>
+                                    </p:set>
+                                    <p:animEffect transition="in" filter="fade">
+                                      <p:cBhvr>
+                                        <p:cTn id="10" dur="500"/>
+                                        <p:tgtEl>
+                                          <p:spTgt spid="9"/>
+                                        </p:tgtEl>
+                                      </p:cBhvr>
+                                    </p:animEffect>
+                                  </p:childTnLst>
+                                </p:cTn>
+                              </p:par>
                             </p:childTnLst>
                           </p:cTn>
                         </p:par>
@@ -19923,25 +19231,7 @@
                 </a:solidFill>
                 <a:latin typeface="Consolas" panose="020B0609020204030204" pitchFamily="49" charset="0"/>
               </a:rPr>
-              <a:t>        .</a:t>
-            </a:r>
-            <a:r>
-              <a:rPr lang="en-US" sz="2200" dirty="0" err="1">
-                <a:solidFill>
-                  <a:srgbClr val="000000"/>
-                </a:solidFill>
-                <a:latin typeface="Consolas" panose="020B0609020204030204" pitchFamily="49" charset="0"/>
-              </a:rPr>
-              <a:t>FirstOrDefault</a:t>
-            </a:r>
-            <a:r>
-              <a:rPr lang="en-US" sz="2200" dirty="0">
-                <a:solidFill>
-                  <a:srgbClr val="000000"/>
-                </a:solidFill>
-                <a:latin typeface="Consolas" panose="020B0609020204030204" pitchFamily="49" charset="0"/>
-              </a:rPr>
-              <a:t>(pair =&gt; p(pair.Item1));</a:t>
+              <a:t>        .First(pair =&gt; p(pair.Item1));</a:t>
             </a:r>
           </a:p>
           <a:p>
@@ -19966,10 +19256,10 @@
         </p:nvGrpSpPr>
         <p:grpSpPr>
           <a:xfrm>
-            <a:off x="2183907" y="1443476"/>
-            <a:ext cx="6148572" cy="1465258"/>
-            <a:chOff x="2947387" y="1828358"/>
-            <a:chExt cx="6148572" cy="1465258"/>
+            <a:off x="2183907" y="1148002"/>
+            <a:ext cx="5973903" cy="1826017"/>
+            <a:chOff x="2947387" y="1532884"/>
+            <a:chExt cx="5973903" cy="1826017"/>
           </a:xfrm>
         </p:grpSpPr>
         <p:cxnSp>
@@ -20017,8 +19307,8 @@
           </p:nvCxnSpPr>
           <p:spPr>
             <a:xfrm flipH="1">
-              <a:off x="3835154" y="2551033"/>
-              <a:ext cx="1979720" cy="742583"/>
+              <a:off x="4634144" y="2551033"/>
+              <a:ext cx="1180730" cy="807868"/>
             </a:xfrm>
             <a:prstGeom prst="straightConnector1">
               <a:avLst/>
@@ -20049,8 +19339,8 @@
             <p:nvPr/>
           </p:nvSpPr>
           <p:spPr>
-            <a:xfrm rot="20681485">
-              <a:off x="5813522" y="1828358"/>
+            <a:xfrm rot="19981202">
+              <a:off x="5638853" y="1532884"/>
               <a:ext cx="3282437" cy="430887"/>
             </a:xfrm>
             <a:prstGeom prst="rect">
@@ -20300,28 +19590,6 @@
           <a:chExt cx="0" cy="0"/>
         </a:xfrm>
       </p:grpSpPr>
-      <p:sp>
-        <p:nvSpPr>
-          <p:cNvPr id="2" name="Заголовок 1"/>
-          <p:cNvSpPr>
-            <a:spLocks noGrp="1"/>
-          </p:cNvSpPr>
-          <p:nvPr>
-            <p:ph type="title"/>
-          </p:nvPr>
-        </p:nvSpPr>
-        <p:spPr/>
-        <p:txBody>
-          <a:bodyPr/>
-          <a:lstStyle/>
-          <a:p>
-            <a:r>
-              <a:rPr lang="ru-RU" dirty="0"/>
-              <a:t>Что мы можем делать с кортежами?</a:t>
-            </a:r>
-          </a:p>
-        </p:txBody>
-      </p:sp>
       <p:grpSp>
         <p:nvGrpSpPr>
           <p:cNvPr id="9" name="Группа 8"/>
@@ -20330,7 +19598,7 @@
         </p:nvGrpSpPr>
         <p:grpSpPr>
           <a:xfrm>
-            <a:off x="953768" y="1480416"/>
+            <a:off x="953768" y="213705"/>
             <a:ext cx="10718431" cy="1415772"/>
             <a:chOff x="953768" y="1480416"/>
             <a:chExt cx="10718431" cy="1415772"/>
@@ -20501,7 +19769,7 @@
         </p:nvGrpSpPr>
         <p:grpSpPr>
           <a:xfrm>
-            <a:off x="953768" y="3169873"/>
+            <a:off x="953768" y="1969714"/>
             <a:ext cx="10718431" cy="1415772"/>
             <a:chOff x="953768" y="1480416"/>
             <a:chExt cx="10718431" cy="1415772"/>
@@ -20597,28 +19865,28 @@
       </p:grpSp>
       <p:grpSp>
         <p:nvGrpSpPr>
-          <p:cNvPr id="25" name="Группа 24"/>
+          <p:cNvPr id="15" name="Группа 14"/>
           <p:cNvGrpSpPr/>
           <p:nvPr/>
         </p:nvGrpSpPr>
         <p:grpSpPr>
           <a:xfrm>
-            <a:off x="953768" y="4859330"/>
-            <a:ext cx="10718431" cy="1415772"/>
+            <a:off x="953768" y="3901671"/>
+            <a:ext cx="10718431" cy="1046440"/>
             <a:chOff x="953768" y="1480416"/>
-            <a:chExt cx="10718431" cy="1415772"/>
+            <a:chExt cx="10718431" cy="1046440"/>
           </a:xfrm>
         </p:grpSpPr>
         <p:sp>
           <p:nvSpPr>
-            <p:cNvPr id="26" name="Прямоугольник 25"/>
+            <p:cNvPr id="19" name="Прямоугольник 18"/>
             <p:cNvSpPr/>
             <p:nvPr/>
           </p:nvSpPr>
           <p:spPr>
             <a:xfrm>
               <a:off x="1520246" y="2065191"/>
-              <a:ext cx="10151953" cy="830997"/>
+              <a:ext cx="10151953" cy="461665"/>
             </a:xfrm>
             <a:prstGeom prst="rect">
               <a:avLst/>
@@ -20631,54 +19899,67 @@
             <a:lstStyle/>
             <a:p>
               <a:r>
-                <a:rPr lang="en-US" sz="2400" dirty="0" err="1">
+                <a:rPr lang="en-US" sz="2400" u="wavyHeavy" dirty="0">
+                  <a:solidFill>
+                    <a:srgbClr val="000000"/>
+                  </a:solidFill>
+                  <a:uFill>
+                    <a:solidFill>
+                      <a:srgbClr val="FF0000"/>
+                    </a:solidFill>
+                  </a:uFill>
+                  <a:latin typeface="Consolas" panose="020B0609020204030204" pitchFamily="49" charset="0"/>
+                </a:rPr>
+                <a:t>tuple = </a:t>
+              </a:r>
+              <a:r>
+                <a:rPr lang="en-US" sz="2400" u="wavyHeavy" dirty="0">
                   <a:solidFill>
                     <a:srgbClr val="0000FF"/>
                   </a:solidFill>
+                  <a:uFill>
+                    <a:solidFill>
+                      <a:srgbClr val="FF0000"/>
+                    </a:solidFill>
+                  </a:uFill>
                   <a:latin typeface="Consolas" panose="020B0609020204030204" pitchFamily="49" charset="0"/>
                 </a:rPr>
-                <a:t>var</a:t>
-              </a:r>
-              <a:r>
-                <a:rPr lang="en-US" sz="2400" dirty="0">
+                <a:t>null</a:t>
+              </a:r>
+              <a:r>
+                <a:rPr lang="en-US" sz="2400" u="wavyHeavy" dirty="0">
                   <a:solidFill>
                     <a:srgbClr val="000000"/>
                   </a:solidFill>
+                  <a:uFill>
+                    <a:solidFill>
+                      <a:srgbClr val="FF0000"/>
+                    </a:solidFill>
+                  </a:uFill>
                   <a:latin typeface="Consolas" panose="020B0609020204030204" pitchFamily="49" charset="0"/>
                 </a:rPr>
-                <a:t> (x, y) = tuple;</a:t>
-              </a:r>
-              <a:endParaRPr lang="ru-RU" sz="2400" dirty="0">
-                <a:solidFill>
-                  <a:srgbClr val="000000"/>
-                </a:solidFill>
-                <a:latin typeface="Consolas" panose="020B0609020204030204" pitchFamily="49" charset="0"/>
+                <a:t>;</a:t>
+              </a:r>
+              <a:endParaRPr lang="ru-RU" sz="2400" u="wavyHeavy" dirty="0">
+                <a:uFill>
+                  <a:solidFill>
+                    <a:srgbClr val="FF0000"/>
+                  </a:solidFill>
+                </a:uFill>
               </a:endParaRPr>
-            </a:p>
-            <a:p>
-              <a:r>
-                <a:rPr lang="en-US" sz="2400" dirty="0">
-                  <a:solidFill>
-                    <a:srgbClr val="000000"/>
-                  </a:solidFill>
-                  <a:latin typeface="Consolas" panose="020B0609020204030204" pitchFamily="49" charset="0"/>
-                </a:rPr>
-                <a:t>(x, y) = named</a:t>
-              </a:r>
-              <a:endParaRPr lang="ru-RU" sz="2400" dirty="0"/>
             </a:p>
           </p:txBody>
         </p:sp>
         <p:sp>
           <p:nvSpPr>
-            <p:cNvPr id="27" name="TextBox 26"/>
+            <p:cNvPr id="20" name="TextBox 19"/>
             <p:cNvSpPr txBox="1"/>
             <p:nvPr/>
           </p:nvSpPr>
           <p:spPr>
             <a:xfrm>
               <a:off x="953768" y="1480416"/>
-              <a:ext cx="3011594" cy="584775"/>
+              <a:ext cx="2177199" cy="584775"/>
             </a:xfrm>
             <a:prstGeom prst="rect">
               <a:avLst/>
@@ -20697,7 +19978,180 @@
                     <a:srgbClr val="00B0F0"/>
                   </a:solidFill>
                 </a:rPr>
-                <a:t>распаковывать</a:t>
+                <a:t>не </a:t>
+              </a:r>
+              <a:r>
+                <a:rPr lang="en-US" sz="3200" dirty="0">
+                  <a:solidFill>
+                    <a:srgbClr val="00B0F0"/>
+                  </a:solidFill>
+                </a:rPr>
+                <a:t>nullable</a:t>
+              </a:r>
+              <a:endParaRPr lang="ru-RU" sz="3200" dirty="0">
+                <a:solidFill>
+                  <a:srgbClr val="00B0F0"/>
+                </a:solidFill>
+              </a:endParaRPr>
+            </a:p>
+          </p:txBody>
+        </p:sp>
+      </p:grpSp>
+      <p:grpSp>
+        <p:nvGrpSpPr>
+          <p:cNvPr id="21" name="Группа 20"/>
+          <p:cNvGrpSpPr/>
+          <p:nvPr/>
+        </p:nvGrpSpPr>
+        <p:grpSpPr>
+          <a:xfrm>
+            <a:off x="953768" y="5464297"/>
+            <a:ext cx="10718431" cy="1046440"/>
+            <a:chOff x="953768" y="1480416"/>
+            <a:chExt cx="10718431" cy="1046440"/>
+          </a:xfrm>
+        </p:grpSpPr>
+        <p:sp>
+          <p:nvSpPr>
+            <p:cNvPr id="22" name="Прямоугольник 21"/>
+            <p:cNvSpPr/>
+            <p:nvPr/>
+          </p:nvSpPr>
+          <p:spPr>
+            <a:xfrm>
+              <a:off x="1520246" y="2065191"/>
+              <a:ext cx="10151953" cy="461665"/>
+            </a:xfrm>
+            <a:prstGeom prst="rect">
+              <a:avLst/>
+            </a:prstGeom>
+          </p:spPr>
+          <p:txBody>
+            <a:bodyPr wrap="square">
+              <a:spAutoFit/>
+            </a:bodyPr>
+            <a:lstStyle/>
+            <a:p>
+              <a:r>
+                <a:rPr lang="en-US" sz="2400" dirty="0">
+                  <a:solidFill>
+                    <a:srgbClr val="000000"/>
+                  </a:solidFill>
+                  <a:latin typeface="Consolas" panose="020B0609020204030204" pitchFamily="49" charset="0"/>
+                </a:rPr>
+                <a:t>(</a:t>
+              </a:r>
+              <a:r>
+                <a:rPr lang="en-US" sz="2400" dirty="0">
+                  <a:solidFill>
+                    <a:srgbClr val="0000FF"/>
+                  </a:solidFill>
+                  <a:latin typeface="Consolas" panose="020B0609020204030204" pitchFamily="49" charset="0"/>
+                </a:rPr>
+                <a:t>object</a:t>
+              </a:r>
+              <a:r>
+                <a:rPr lang="en-US" sz="2400" dirty="0">
+                  <a:solidFill>
+                    <a:srgbClr val="000000"/>
+                  </a:solidFill>
+                  <a:latin typeface="Consolas" panose="020B0609020204030204" pitchFamily="49" charset="0"/>
+                </a:rPr>
+                <a:t>, </a:t>
+              </a:r>
+              <a:r>
+                <a:rPr lang="en-US" sz="2400" dirty="0">
+                  <a:solidFill>
+                    <a:srgbClr val="0000FF"/>
+                  </a:solidFill>
+                  <a:latin typeface="Consolas" panose="020B0609020204030204" pitchFamily="49" charset="0"/>
+                </a:rPr>
+                <a:t>object</a:t>
+              </a:r>
+              <a:r>
+                <a:rPr lang="en-US" sz="2400" dirty="0">
+                  <a:solidFill>
+                    <a:srgbClr val="000000"/>
+                  </a:solidFill>
+                  <a:latin typeface="Consolas" panose="020B0609020204030204" pitchFamily="49" charset="0"/>
+                </a:rPr>
+                <a:t>) tuple = (</a:t>
+              </a:r>
+              <a:r>
+                <a:rPr lang="en-US" sz="2400" dirty="0">
+                  <a:solidFill>
+                    <a:srgbClr val="A31515"/>
+                  </a:solidFill>
+                  <a:latin typeface="Consolas" panose="020B0609020204030204" pitchFamily="49" charset="0"/>
+                </a:rPr>
+                <a:t>"a"</a:t>
+              </a:r>
+              <a:r>
+                <a:rPr lang="en-US" sz="2400" dirty="0">
+                  <a:solidFill>
+                    <a:srgbClr val="000000"/>
+                  </a:solidFill>
+                  <a:latin typeface="Consolas" panose="020B0609020204030204" pitchFamily="49" charset="0"/>
+                </a:rPr>
+                <a:t>, </a:t>
+              </a:r>
+              <a:r>
+                <a:rPr lang="en-US" sz="2400" dirty="0">
+                  <a:solidFill>
+                    <a:srgbClr val="A31515"/>
+                  </a:solidFill>
+                  <a:latin typeface="Consolas" panose="020B0609020204030204" pitchFamily="49" charset="0"/>
+                </a:rPr>
+                <a:t>"b"</a:t>
+              </a:r>
+              <a:r>
+                <a:rPr lang="en-US" sz="2400" dirty="0">
+                  <a:solidFill>
+                    <a:srgbClr val="000000"/>
+                  </a:solidFill>
+                  <a:latin typeface="Consolas" panose="020B0609020204030204" pitchFamily="49" charset="0"/>
+                </a:rPr>
+                <a:t>);</a:t>
+              </a:r>
+              <a:endParaRPr lang="ru-RU" sz="2400" u="wavyHeavy" dirty="0">
+                <a:uFill>
+                  <a:solidFill>
+                    <a:srgbClr val="FF0000"/>
+                  </a:solidFill>
+                </a:uFill>
+              </a:endParaRPr>
+            </a:p>
+          </p:txBody>
+        </p:sp>
+        <p:sp>
+          <p:nvSpPr>
+            <p:cNvPr id="23" name="TextBox 22"/>
+            <p:cNvSpPr txBox="1"/>
+            <p:nvPr/>
+          </p:nvSpPr>
+          <p:spPr>
+            <a:xfrm>
+              <a:off x="953768" y="1480416"/>
+              <a:ext cx="2885534" cy="584775"/>
+            </a:xfrm>
+            <a:prstGeom prst="rect">
+              <a:avLst/>
+            </a:prstGeom>
+            <a:noFill/>
+          </p:spPr>
+          <p:txBody>
+            <a:bodyPr wrap="none" rtlCol="0">
+              <a:spAutoFit/>
+            </a:bodyPr>
+            <a:lstStyle/>
+            <a:p>
+              <a:r>
+                <a:rPr lang="ru-RU" sz="3200" dirty="0">
+                  <a:solidFill>
+                    <a:srgbClr val="00B0F0"/>
+                  </a:solidFill>
+                </a:rPr>
+                <a:t>ковариантные</a:t>
               </a:r>
             </a:p>
           </p:txBody>
@@ -20725,6 +20179,9 @@
                     <p:cTn id="3" fill="hold">
                       <p:stCondLst>
                         <p:cond delay="indefinite"/>
+                        <p:cond evt="onBegin" delay="0">
+                          <p:tn val="2"/>
+                        </p:cond>
                       </p:stCondLst>
                       <p:childTnLst>
                         <p:par>
@@ -20734,7 +20191,7 @@
                             </p:stCondLst>
                             <p:childTnLst>
                               <p:par>
-                                <p:cTn id="5" presetID="10" presetClass="entr" presetSubtype="0" fill="hold" nodeType="clickEffect">
+                                <p:cTn id="5" presetID="10" presetClass="entr" presetSubtype="0" fill="hold" nodeType="withEffect">
                                   <p:stCondLst>
                                     <p:cond delay="0"/>
                                   </p:stCondLst>
@@ -20853,7 +20310,7 @@
                                           </p:stCondLst>
                                         </p:cTn>
                                         <p:tgtEl>
-                                          <p:spTgt spid="25"/>
+                                          <p:spTgt spid="15"/>
                                         </p:tgtEl>
                                         <p:attrNameLst>
                                           <p:attrName>style.visibility</p:attrName>
@@ -20867,7 +20324,60 @@
                                       <p:cBhvr>
                                         <p:cTn id="17" dur="500"/>
                                         <p:tgtEl>
-                                          <p:spTgt spid="25"/>
+                                          <p:spTgt spid="15"/>
+                                        </p:tgtEl>
+                                      </p:cBhvr>
+                                    </p:animEffect>
+                                  </p:childTnLst>
+                                </p:cTn>
+                              </p:par>
+                            </p:childTnLst>
+                          </p:cTn>
+                        </p:par>
+                      </p:childTnLst>
+                    </p:cTn>
+                  </p:par>
+                  <p:par>
+                    <p:cTn id="18" fill="hold">
+                      <p:stCondLst>
+                        <p:cond delay="indefinite"/>
+                      </p:stCondLst>
+                      <p:childTnLst>
+                        <p:par>
+                          <p:cTn id="19" fill="hold">
+                            <p:stCondLst>
+                              <p:cond delay="0"/>
+                            </p:stCondLst>
+                            <p:childTnLst>
+                              <p:par>
+                                <p:cTn id="20" presetID="10" presetClass="entr" presetSubtype="0" fill="hold" nodeType="clickEffect">
+                                  <p:stCondLst>
+                                    <p:cond delay="0"/>
+                                  </p:stCondLst>
+                                  <p:childTnLst>
+                                    <p:set>
+                                      <p:cBhvr>
+                                        <p:cTn id="21" dur="1" fill="hold">
+                                          <p:stCondLst>
+                                            <p:cond delay="0"/>
+                                          </p:stCondLst>
+                                        </p:cTn>
+                                        <p:tgtEl>
+                                          <p:spTgt spid="21"/>
+                                        </p:tgtEl>
+                                        <p:attrNameLst>
+                                          <p:attrName>style.visibility</p:attrName>
+                                        </p:attrNameLst>
+                                      </p:cBhvr>
+                                      <p:to>
+                                        <p:strVal val="visible"/>
+                                      </p:to>
+                                    </p:set>
+                                    <p:animEffect transition="in" filter="fade">
+                                      <p:cBhvr>
+                                        <p:cTn id="22" dur="500"/>
+                                        <p:tgtEl>
+                                          <p:spTgt spid="21"/>
                                         </p:tgtEl>
                                       </p:cBhvr>
                                     </p:animEffect>
@@ -20939,39 +20449,7 @@
           <a:p>
             <a:r>
               <a:rPr lang="ru-RU" dirty="0"/>
-              <a:t>Итак, кортежи в </a:t>
-            </a:r>
-            <a:r>
-              <a:rPr lang="en-US" dirty="0"/>
-              <a:t>C#7</a:t>
-            </a:r>
-            <a:r>
-              <a:rPr lang="ru-RU" dirty="0"/>
-              <a:t> </a:t>
-            </a:r>
-            <a:r>
-              <a:rPr lang="en-US" sz="3200" dirty="0">
-                <a:solidFill>
-                  <a:srgbClr val="00B0F0"/>
-                </a:solidFill>
-              </a:rPr>
-              <a:t>(</a:t>
-            </a:r>
-            <a:r>
-              <a:rPr lang="ru-RU" sz="3200" dirty="0">
-                <a:solidFill>
-                  <a:srgbClr val="00B0F0"/>
-                </a:solidFill>
-              </a:rPr>
-              <a:t>в отличии от </a:t>
-            </a:r>
-            <a:r>
-              <a:rPr lang="en-US" sz="3200" dirty="0">
-                <a:solidFill>
-                  <a:srgbClr val="00B0F0"/>
-                </a:solidFill>
-              </a:rPr>
-              <a:t>C#6)</a:t>
+              <a:t>Распаковка</a:t>
             </a:r>
             <a:endParaRPr lang="ru-RU" sz="3200" dirty="0">
               <a:solidFill>
@@ -20983,48 +20461,763 @@
       </p:sp>
       <p:sp>
         <p:nvSpPr>
-          <p:cNvPr id="4" name="Объект 3"/>
-          <p:cNvSpPr>
-            <a:spLocks noGrp="1"/>
-          </p:cNvSpPr>
-          <p:nvPr>
-            <p:ph idx="1"/>
-          </p:nvPr>
-        </p:nvSpPr>
-        <p:spPr/>
-        <p:txBody>
-          <a:bodyPr/>
+          <p:cNvPr id="3" name="Прямоугольник 2"/>
+          <p:cNvSpPr/>
+          <p:nvPr/>
+        </p:nvSpPr>
+        <p:spPr>
+          <a:xfrm>
+            <a:off x="978290" y="3357792"/>
+            <a:ext cx="10607067" cy="1754326"/>
+          </a:xfrm>
+          <a:prstGeom prst="rect">
+            <a:avLst/>
+          </a:prstGeom>
+        </p:spPr>
+        <p:txBody>
+          <a:bodyPr wrap="square">
+            <a:spAutoFit/>
+          </a:bodyPr>
           <a:lstStyle/>
           <a:p>
             <a:r>
-              <a:rPr lang="ru-RU" dirty="0"/>
-              <a:t>Изменяемы</a:t>
-            </a:r>
-          </a:p>
-          <a:p>
-            <a:r>
-              <a:rPr lang="ru-RU" dirty="0"/>
-              <a:t>Поля можно именовать</a:t>
-            </a:r>
-          </a:p>
-          <a:p>
-            <a:r>
-              <a:rPr lang="ru-RU" dirty="0"/>
-              <a:t>Могут быть неограниченно большого размера</a:t>
-            </a:r>
-          </a:p>
-          <a:p>
-            <a:r>
-              <a:rPr lang="ru-RU" dirty="0"/>
-              <a:t>Можно распаковывать</a:t>
-            </a:r>
+              <a:rPr lang="en-US" dirty="0">
+                <a:solidFill>
+                  <a:srgbClr val="0000FF"/>
+                </a:solidFill>
+                <a:latin typeface="Consolas" panose="020B0609020204030204" pitchFamily="49" charset="0"/>
+              </a:rPr>
+              <a:t>public</a:t>
+            </a:r>
+            <a:r>
+              <a:rPr lang="en-US" dirty="0">
+                <a:solidFill>
+                  <a:srgbClr val="000000"/>
+                </a:solidFill>
+                <a:latin typeface="Consolas" panose="020B0609020204030204" pitchFamily="49" charset="0"/>
+              </a:rPr>
+              <a:t> </a:t>
+            </a:r>
+            <a:r>
+              <a:rPr lang="en-US" dirty="0">
+                <a:solidFill>
+                  <a:srgbClr val="0000FF"/>
+                </a:solidFill>
+                <a:latin typeface="Consolas" panose="020B0609020204030204" pitchFamily="49" charset="0"/>
+              </a:rPr>
+              <a:t>class</a:t>
+            </a:r>
+            <a:r>
+              <a:rPr lang="en-US" dirty="0">
+                <a:solidFill>
+                  <a:srgbClr val="000000"/>
+                </a:solidFill>
+                <a:latin typeface="Consolas" panose="020B0609020204030204" pitchFamily="49" charset="0"/>
+              </a:rPr>
+              <a:t> </a:t>
+            </a:r>
+            <a:r>
+              <a:rPr lang="en-US" dirty="0" err="1">
+                <a:solidFill>
+                  <a:srgbClr val="2B91AF"/>
+                </a:solidFill>
+                <a:latin typeface="Consolas" panose="020B0609020204030204" pitchFamily="49" charset="0"/>
+              </a:rPr>
+              <a:t>MyClass</a:t>
+            </a:r>
+            <a:r>
+              <a:rPr lang="en-US" dirty="0">
+                <a:solidFill>
+                  <a:srgbClr val="2B91AF"/>
+                </a:solidFill>
+                <a:latin typeface="Consolas" panose="020B0609020204030204" pitchFamily="49" charset="0"/>
+              </a:rPr>
+              <a:t> </a:t>
+            </a:r>
+            <a:r>
+              <a:rPr lang="ru-RU" dirty="0">
+                <a:solidFill>
+                  <a:srgbClr val="000000"/>
+                </a:solidFill>
+                <a:latin typeface="Consolas" panose="020B0609020204030204" pitchFamily="49" charset="0"/>
+              </a:rPr>
+              <a:t>{</a:t>
+            </a:r>
+          </a:p>
+          <a:p>
+            <a:r>
+              <a:rPr lang="en-US" dirty="0">
+                <a:solidFill>
+                  <a:srgbClr val="0000FF"/>
+                </a:solidFill>
+                <a:latin typeface="Consolas" panose="020B0609020204030204" pitchFamily="49" charset="0"/>
+              </a:rPr>
+              <a:t>    public</a:t>
+            </a:r>
+            <a:r>
+              <a:rPr lang="en-US" dirty="0">
+                <a:solidFill>
+                  <a:srgbClr val="000000"/>
+                </a:solidFill>
+                <a:latin typeface="Consolas" panose="020B0609020204030204" pitchFamily="49" charset="0"/>
+              </a:rPr>
+              <a:t> </a:t>
+            </a:r>
+            <a:r>
+              <a:rPr lang="en-US" dirty="0">
+                <a:solidFill>
+                  <a:srgbClr val="0000FF"/>
+                </a:solidFill>
+                <a:latin typeface="Consolas" panose="020B0609020204030204" pitchFamily="49" charset="0"/>
+              </a:rPr>
+              <a:t>void</a:t>
+            </a:r>
+            <a:r>
+              <a:rPr lang="en-US" dirty="0">
+                <a:solidFill>
+                  <a:srgbClr val="000000"/>
+                </a:solidFill>
+                <a:latin typeface="Consolas" panose="020B0609020204030204" pitchFamily="49" charset="0"/>
+              </a:rPr>
+              <a:t> Deconstruct (</a:t>
+            </a:r>
+            <a:r>
+              <a:rPr lang="en-US" dirty="0">
+                <a:solidFill>
+                  <a:srgbClr val="0000FF"/>
+                </a:solidFill>
+                <a:latin typeface="Consolas" panose="020B0609020204030204" pitchFamily="49" charset="0"/>
+              </a:rPr>
+              <a:t>out</a:t>
+            </a:r>
+            <a:r>
+              <a:rPr lang="en-US" dirty="0">
+                <a:solidFill>
+                  <a:srgbClr val="000000"/>
+                </a:solidFill>
+                <a:latin typeface="Consolas" panose="020B0609020204030204" pitchFamily="49" charset="0"/>
+              </a:rPr>
+              <a:t> </a:t>
+            </a:r>
+            <a:r>
+              <a:rPr lang="en-US" dirty="0" err="1">
+                <a:solidFill>
+                  <a:srgbClr val="0000FF"/>
+                </a:solidFill>
+                <a:latin typeface="Consolas" panose="020B0609020204030204" pitchFamily="49" charset="0"/>
+              </a:rPr>
+              <a:t>int</a:t>
+            </a:r>
+            <a:r>
+              <a:rPr lang="en-US" dirty="0">
+                <a:solidFill>
+                  <a:srgbClr val="000000"/>
+                </a:solidFill>
+                <a:latin typeface="Consolas" panose="020B0609020204030204" pitchFamily="49" charset="0"/>
+              </a:rPr>
+              <a:t> x, </a:t>
+            </a:r>
+            <a:r>
+              <a:rPr lang="en-US" dirty="0">
+                <a:solidFill>
+                  <a:srgbClr val="0000FF"/>
+                </a:solidFill>
+                <a:latin typeface="Consolas" panose="020B0609020204030204" pitchFamily="49" charset="0"/>
+              </a:rPr>
+              <a:t>out</a:t>
+            </a:r>
+            <a:r>
+              <a:rPr lang="en-US" dirty="0">
+                <a:solidFill>
+                  <a:srgbClr val="000000"/>
+                </a:solidFill>
+                <a:latin typeface="Consolas" panose="020B0609020204030204" pitchFamily="49" charset="0"/>
+              </a:rPr>
+              <a:t> </a:t>
+            </a:r>
+            <a:r>
+              <a:rPr lang="en-US" dirty="0">
+                <a:solidFill>
+                  <a:srgbClr val="0000FF"/>
+                </a:solidFill>
+                <a:latin typeface="Consolas" panose="020B0609020204030204" pitchFamily="49" charset="0"/>
+              </a:rPr>
+              <a:t>string</a:t>
+            </a:r>
+            <a:r>
+              <a:rPr lang="en-US" dirty="0">
+                <a:solidFill>
+                  <a:srgbClr val="000000"/>
+                </a:solidFill>
+                <a:latin typeface="Consolas" panose="020B0609020204030204" pitchFamily="49" charset="0"/>
+              </a:rPr>
+              <a:t> text) </a:t>
+            </a:r>
+            <a:r>
+              <a:rPr lang="ru-RU" dirty="0">
+                <a:solidFill>
+                  <a:srgbClr val="000000"/>
+                </a:solidFill>
+                <a:latin typeface="Consolas" panose="020B0609020204030204" pitchFamily="49" charset="0"/>
+              </a:rPr>
+              <a:t>{</a:t>
+            </a:r>
+          </a:p>
+          <a:p>
+            <a:r>
+              <a:rPr lang="en-US" dirty="0">
+                <a:solidFill>
+                  <a:srgbClr val="000000"/>
+                </a:solidFill>
+                <a:latin typeface="Consolas" panose="020B0609020204030204" pitchFamily="49" charset="0"/>
+              </a:rPr>
+              <a:t>        x = 1;</a:t>
+            </a:r>
+          </a:p>
+          <a:p>
+            <a:r>
+              <a:rPr lang="en-US" dirty="0">
+                <a:solidFill>
+                  <a:srgbClr val="000000"/>
+                </a:solidFill>
+                <a:latin typeface="Consolas" panose="020B0609020204030204" pitchFamily="49" charset="0"/>
+              </a:rPr>
+              <a:t>        text = </a:t>
+            </a:r>
+            <a:r>
+              <a:rPr lang="en-US" dirty="0">
+                <a:solidFill>
+                  <a:srgbClr val="A31515"/>
+                </a:solidFill>
+                <a:latin typeface="Consolas" panose="020B0609020204030204" pitchFamily="49" charset="0"/>
+              </a:rPr>
+              <a:t>"Hello, world"</a:t>
+            </a:r>
+            <a:r>
+              <a:rPr lang="en-US" dirty="0">
+                <a:solidFill>
+                  <a:srgbClr val="000000"/>
+                </a:solidFill>
+                <a:latin typeface="Consolas" panose="020B0609020204030204" pitchFamily="49" charset="0"/>
+              </a:rPr>
+              <a:t>;</a:t>
+            </a:r>
+          </a:p>
+          <a:p>
+            <a:r>
+              <a:rPr lang="ru-RU" dirty="0">
+                <a:solidFill>
+                  <a:srgbClr val="000000"/>
+                </a:solidFill>
+                <a:latin typeface="Consolas" panose="020B0609020204030204" pitchFamily="49" charset="0"/>
+              </a:rPr>
+              <a:t>   </a:t>
+            </a:r>
+            <a:r>
+              <a:rPr lang="en-US" dirty="0">
+                <a:solidFill>
+                  <a:srgbClr val="000000"/>
+                </a:solidFill>
+                <a:latin typeface="Consolas" panose="020B0609020204030204" pitchFamily="49" charset="0"/>
+              </a:rPr>
+              <a:t> </a:t>
+            </a:r>
+            <a:r>
+              <a:rPr lang="ru-RU" dirty="0">
+                <a:solidFill>
+                  <a:srgbClr val="000000"/>
+                </a:solidFill>
+                <a:latin typeface="Consolas" panose="020B0609020204030204" pitchFamily="49" charset="0"/>
+              </a:rPr>
+              <a:t>}</a:t>
+            </a:r>
+          </a:p>
+          <a:p>
+            <a:r>
+              <a:rPr lang="ru-RU" dirty="0">
+                <a:solidFill>
+                  <a:srgbClr val="000000"/>
+                </a:solidFill>
+                <a:latin typeface="Consolas" panose="020B0609020204030204" pitchFamily="49" charset="0"/>
+              </a:rPr>
+              <a:t>}</a:t>
+            </a:r>
+            <a:endParaRPr lang="ru-RU" dirty="0"/>
+          </a:p>
+        </p:txBody>
+      </p:sp>
+      <p:sp>
+        <p:nvSpPr>
+          <p:cNvPr id="10" name="Прямоугольник 9"/>
+          <p:cNvSpPr/>
+          <p:nvPr/>
+        </p:nvSpPr>
+        <p:spPr>
+          <a:xfrm>
+            <a:off x="916147" y="1691322"/>
+            <a:ext cx="3930884" cy="523220"/>
+          </a:xfrm>
+          <a:prstGeom prst="rect">
+            <a:avLst/>
+          </a:prstGeom>
+        </p:spPr>
+        <p:txBody>
+          <a:bodyPr wrap="none">
+            <a:spAutoFit/>
+          </a:bodyPr>
+          <a:lstStyle/>
+          <a:p>
+            <a:r>
+              <a:rPr lang="en-US" sz="2800" dirty="0" err="1">
+                <a:solidFill>
+                  <a:srgbClr val="0000FF"/>
+                </a:solidFill>
+                <a:latin typeface="Consolas" panose="020B0609020204030204" pitchFamily="49" charset="0"/>
+              </a:rPr>
+              <a:t>var</a:t>
+            </a:r>
+            <a:r>
+              <a:rPr lang="en-US" sz="2800" dirty="0">
+                <a:solidFill>
+                  <a:srgbClr val="000000"/>
+                </a:solidFill>
+                <a:latin typeface="Consolas" panose="020B0609020204030204" pitchFamily="49" charset="0"/>
+              </a:rPr>
+              <a:t> (x, y) = tuple;</a:t>
+            </a:r>
+            <a:endParaRPr lang="ru-RU" sz="2800" dirty="0"/>
+          </a:p>
+        </p:txBody>
+      </p:sp>
+      <p:sp>
+        <p:nvSpPr>
+          <p:cNvPr id="14" name="Прямоугольник 13"/>
+          <p:cNvSpPr/>
+          <p:nvPr/>
+        </p:nvSpPr>
+        <p:spPr>
+          <a:xfrm>
+            <a:off x="7291527" y="1691322"/>
+            <a:ext cx="4293831" cy="954107"/>
+          </a:xfrm>
+          <a:prstGeom prst="rect">
+            <a:avLst/>
+          </a:prstGeom>
+        </p:spPr>
+        <p:txBody>
+          <a:bodyPr wrap="square">
+            <a:spAutoFit/>
+          </a:bodyPr>
+          <a:lstStyle/>
+          <a:p>
+            <a:r>
+              <a:rPr lang="en-US" sz="2800" dirty="0" err="1">
+                <a:solidFill>
+                  <a:srgbClr val="0000FF"/>
+                </a:solidFill>
+                <a:latin typeface="Consolas" panose="020B0609020204030204" pitchFamily="49" charset="0"/>
+              </a:rPr>
+              <a:t>var</a:t>
+            </a:r>
+            <a:r>
+              <a:rPr lang="en-US" sz="2800" dirty="0">
+                <a:solidFill>
+                  <a:srgbClr val="000000"/>
+                </a:solidFill>
+                <a:latin typeface="Consolas" panose="020B0609020204030204" pitchFamily="49" charset="0"/>
+              </a:rPr>
+              <a:t> x = tuple.Item1;</a:t>
+            </a:r>
+          </a:p>
+          <a:p>
+            <a:r>
+              <a:rPr lang="en-US" sz="2800" dirty="0" err="1">
+                <a:solidFill>
+                  <a:srgbClr val="0000FF"/>
+                </a:solidFill>
+                <a:latin typeface="Consolas" panose="020B0609020204030204" pitchFamily="49" charset="0"/>
+              </a:rPr>
+              <a:t>var</a:t>
+            </a:r>
+            <a:r>
+              <a:rPr lang="en-US" sz="2800" dirty="0">
+                <a:solidFill>
+                  <a:srgbClr val="000000"/>
+                </a:solidFill>
+                <a:latin typeface="Consolas" panose="020B0609020204030204" pitchFamily="49" charset="0"/>
+              </a:rPr>
+              <a:t> y = tuple.Item2;</a:t>
+            </a:r>
+            <a:endParaRPr lang="ru-RU" sz="2800" dirty="0"/>
+          </a:p>
+        </p:txBody>
+      </p:sp>
+      <p:sp>
+        <p:nvSpPr>
+          <p:cNvPr id="15" name="Прямоугольник 14"/>
+          <p:cNvSpPr/>
+          <p:nvPr/>
+        </p:nvSpPr>
+        <p:spPr>
+          <a:xfrm>
+            <a:off x="978290" y="5294430"/>
+            <a:ext cx="10607067" cy="1200329"/>
+          </a:xfrm>
+          <a:prstGeom prst="rect">
+            <a:avLst/>
+          </a:prstGeom>
+        </p:spPr>
+        <p:txBody>
+          <a:bodyPr wrap="square">
+            <a:spAutoFit/>
+          </a:bodyPr>
+          <a:lstStyle/>
+          <a:p>
+            <a:r>
+              <a:rPr lang="en-US" dirty="0">
+                <a:solidFill>
+                  <a:srgbClr val="0000FF"/>
+                </a:solidFill>
+                <a:latin typeface="Consolas" panose="020B0609020204030204" pitchFamily="49" charset="0"/>
+              </a:rPr>
+              <a:t>public</a:t>
+            </a:r>
+            <a:r>
+              <a:rPr lang="en-US" dirty="0">
+                <a:solidFill>
+                  <a:srgbClr val="000000"/>
+                </a:solidFill>
+                <a:latin typeface="Consolas" panose="020B0609020204030204" pitchFamily="49" charset="0"/>
+              </a:rPr>
+              <a:t> </a:t>
+            </a:r>
+            <a:r>
+              <a:rPr lang="en-US" dirty="0">
+                <a:solidFill>
+                  <a:srgbClr val="0000FF"/>
+                </a:solidFill>
+                <a:latin typeface="Consolas" panose="020B0609020204030204" pitchFamily="49" charset="0"/>
+              </a:rPr>
+              <a:t>static</a:t>
+            </a:r>
+            <a:r>
+              <a:rPr lang="en-US" dirty="0">
+                <a:solidFill>
+                  <a:srgbClr val="000000"/>
+                </a:solidFill>
+                <a:latin typeface="Consolas" panose="020B0609020204030204" pitchFamily="49" charset="0"/>
+              </a:rPr>
+              <a:t> </a:t>
+            </a:r>
+            <a:r>
+              <a:rPr lang="en-US" dirty="0">
+                <a:solidFill>
+                  <a:srgbClr val="0000FF"/>
+                </a:solidFill>
+                <a:latin typeface="Consolas" panose="020B0609020204030204" pitchFamily="49" charset="0"/>
+              </a:rPr>
+              <a:t>void</a:t>
+            </a:r>
+            <a:r>
+              <a:rPr lang="en-US" dirty="0">
+                <a:solidFill>
+                  <a:srgbClr val="000000"/>
+                </a:solidFill>
+                <a:latin typeface="Consolas" panose="020B0609020204030204" pitchFamily="49" charset="0"/>
+              </a:rPr>
+              <a:t> Deconstruct (</a:t>
+            </a:r>
+            <a:r>
+              <a:rPr lang="en-US" dirty="0">
+                <a:solidFill>
+                  <a:srgbClr val="0000FF"/>
+                </a:solidFill>
+                <a:latin typeface="Consolas" panose="020B0609020204030204" pitchFamily="49" charset="0"/>
+              </a:rPr>
+              <a:t>this</a:t>
+            </a:r>
+            <a:r>
+              <a:rPr lang="en-US" dirty="0">
+                <a:solidFill>
+                  <a:srgbClr val="000000"/>
+                </a:solidFill>
+                <a:latin typeface="Consolas" panose="020B0609020204030204" pitchFamily="49" charset="0"/>
+              </a:rPr>
+              <a:t> </a:t>
+            </a:r>
+            <a:r>
+              <a:rPr lang="en-US" dirty="0">
+                <a:solidFill>
+                  <a:srgbClr val="0000FF"/>
+                </a:solidFill>
+                <a:latin typeface="Consolas" panose="020B0609020204030204" pitchFamily="49" charset="0"/>
+              </a:rPr>
+              <a:t>string</a:t>
+            </a:r>
+            <a:r>
+              <a:rPr lang="en-US" dirty="0">
+                <a:solidFill>
+                  <a:srgbClr val="000000"/>
+                </a:solidFill>
+                <a:latin typeface="Consolas" panose="020B0609020204030204" pitchFamily="49" charset="0"/>
+              </a:rPr>
+              <a:t> self, </a:t>
+            </a:r>
+            <a:r>
+              <a:rPr lang="en-US" dirty="0">
+                <a:solidFill>
+                  <a:srgbClr val="0000FF"/>
+                </a:solidFill>
+                <a:latin typeface="Consolas" panose="020B0609020204030204" pitchFamily="49" charset="0"/>
+              </a:rPr>
+              <a:t>out</a:t>
+            </a:r>
+            <a:r>
+              <a:rPr lang="en-US" dirty="0">
+                <a:solidFill>
+                  <a:srgbClr val="000000"/>
+                </a:solidFill>
+                <a:latin typeface="Consolas" panose="020B0609020204030204" pitchFamily="49" charset="0"/>
+              </a:rPr>
+              <a:t> </a:t>
+            </a:r>
+            <a:r>
+              <a:rPr lang="en-US" dirty="0" err="1">
+                <a:solidFill>
+                  <a:srgbClr val="0000FF"/>
+                </a:solidFill>
+                <a:latin typeface="Consolas" panose="020B0609020204030204" pitchFamily="49" charset="0"/>
+              </a:rPr>
+              <a:t>int</a:t>
+            </a:r>
+            <a:r>
+              <a:rPr lang="en-US" dirty="0">
+                <a:solidFill>
+                  <a:srgbClr val="000000"/>
+                </a:solidFill>
+                <a:latin typeface="Consolas" panose="020B0609020204030204" pitchFamily="49" charset="0"/>
+              </a:rPr>
+              <a:t> length, </a:t>
+            </a:r>
+            <a:r>
+              <a:rPr lang="en-US" dirty="0">
+                <a:solidFill>
+                  <a:srgbClr val="0000FF"/>
+                </a:solidFill>
+                <a:latin typeface="Consolas" panose="020B0609020204030204" pitchFamily="49" charset="0"/>
+              </a:rPr>
+              <a:t>out</a:t>
+            </a:r>
+            <a:r>
+              <a:rPr lang="en-US" dirty="0">
+                <a:solidFill>
+                  <a:srgbClr val="000000"/>
+                </a:solidFill>
+                <a:latin typeface="Consolas" panose="020B0609020204030204" pitchFamily="49" charset="0"/>
+              </a:rPr>
+              <a:t> </a:t>
+            </a:r>
+            <a:r>
+              <a:rPr lang="en-US" dirty="0" err="1">
+                <a:solidFill>
+                  <a:srgbClr val="0000FF"/>
+                </a:solidFill>
+                <a:latin typeface="Consolas" panose="020B0609020204030204" pitchFamily="49" charset="0"/>
+              </a:rPr>
+              <a:t>int</a:t>
+            </a:r>
+            <a:r>
+              <a:rPr lang="en-US" dirty="0">
+                <a:solidFill>
+                  <a:srgbClr val="000000"/>
+                </a:solidFill>
+                <a:latin typeface="Consolas" panose="020B0609020204030204" pitchFamily="49" charset="0"/>
+              </a:rPr>
+              <a:t> hash) </a:t>
+            </a:r>
+            <a:r>
+              <a:rPr lang="ru-RU" dirty="0">
+                <a:solidFill>
+                  <a:srgbClr val="000000"/>
+                </a:solidFill>
+                <a:latin typeface="Consolas" panose="020B0609020204030204" pitchFamily="49" charset="0"/>
+              </a:rPr>
+              <a:t>{</a:t>
+            </a:r>
+          </a:p>
+          <a:p>
+            <a:r>
+              <a:rPr lang="en-US" dirty="0">
+                <a:solidFill>
+                  <a:srgbClr val="000000"/>
+                </a:solidFill>
+                <a:latin typeface="Consolas" panose="020B0609020204030204" pitchFamily="49" charset="0"/>
+              </a:rPr>
+              <a:t>    length = </a:t>
+            </a:r>
+            <a:r>
+              <a:rPr lang="en-US" dirty="0" err="1">
+                <a:solidFill>
+                  <a:srgbClr val="000000"/>
+                </a:solidFill>
+                <a:latin typeface="Consolas" panose="020B0609020204030204" pitchFamily="49" charset="0"/>
+              </a:rPr>
+              <a:t>self.Length</a:t>
+            </a:r>
+            <a:r>
+              <a:rPr lang="en-US" dirty="0">
+                <a:solidFill>
+                  <a:srgbClr val="000000"/>
+                </a:solidFill>
+                <a:latin typeface="Consolas" panose="020B0609020204030204" pitchFamily="49" charset="0"/>
+              </a:rPr>
+              <a:t>;</a:t>
+            </a:r>
+          </a:p>
+          <a:p>
+            <a:r>
+              <a:rPr lang="en-US" dirty="0">
+                <a:solidFill>
+                  <a:srgbClr val="000000"/>
+                </a:solidFill>
+                <a:latin typeface="Consolas" panose="020B0609020204030204" pitchFamily="49" charset="0"/>
+              </a:rPr>
+              <a:t>    hash = </a:t>
+            </a:r>
+            <a:r>
+              <a:rPr lang="en-US" dirty="0" err="1">
+                <a:solidFill>
+                  <a:srgbClr val="000000"/>
+                </a:solidFill>
+                <a:latin typeface="Consolas" panose="020B0609020204030204" pitchFamily="49" charset="0"/>
+              </a:rPr>
+              <a:t>self.GetHashCode</a:t>
+            </a:r>
+            <a:r>
+              <a:rPr lang="en-US" dirty="0">
+                <a:solidFill>
+                  <a:srgbClr val="000000"/>
+                </a:solidFill>
+                <a:latin typeface="Consolas" panose="020B0609020204030204" pitchFamily="49" charset="0"/>
+              </a:rPr>
+              <a:t>();</a:t>
+            </a:r>
+          </a:p>
+          <a:p>
+            <a:r>
+              <a:rPr lang="ru-RU" dirty="0">
+                <a:solidFill>
+                  <a:srgbClr val="000000"/>
+                </a:solidFill>
+                <a:latin typeface="Consolas" panose="020B0609020204030204" pitchFamily="49" charset="0"/>
+              </a:rPr>
+              <a:t>}</a:t>
+            </a:r>
+            <a:endParaRPr lang="ru-RU" dirty="0"/>
+          </a:p>
+        </p:txBody>
+      </p:sp>
+      <p:sp>
+        <p:nvSpPr>
+          <p:cNvPr id="20" name="Прямоугольник 19"/>
+          <p:cNvSpPr/>
+          <p:nvPr/>
+        </p:nvSpPr>
+        <p:spPr>
+          <a:xfrm>
+            <a:off x="916147" y="2475792"/>
+            <a:ext cx="5311069" cy="523220"/>
+          </a:xfrm>
+          <a:prstGeom prst="rect">
+            <a:avLst/>
+          </a:prstGeom>
+        </p:spPr>
+        <p:txBody>
+          <a:bodyPr wrap="none">
+            <a:spAutoFit/>
+          </a:bodyPr>
+          <a:lstStyle/>
+          <a:p>
+            <a:r>
+              <a:rPr lang="en-US" sz="2800" dirty="0" err="1">
+                <a:solidFill>
+                  <a:srgbClr val="0000FF"/>
+                </a:solidFill>
+                <a:latin typeface="Consolas" panose="020B0609020204030204" pitchFamily="49" charset="0"/>
+              </a:rPr>
+              <a:t>var</a:t>
+            </a:r>
+            <a:r>
+              <a:rPr lang="en-US" sz="2800" dirty="0">
+                <a:solidFill>
+                  <a:srgbClr val="000000"/>
+                </a:solidFill>
+                <a:latin typeface="Consolas" panose="020B0609020204030204" pitchFamily="49" charset="0"/>
+              </a:rPr>
+              <a:t> (</a:t>
+            </a:r>
+            <a:r>
+              <a:rPr lang="en-US" sz="2800" dirty="0" err="1">
+                <a:solidFill>
+                  <a:srgbClr val="000000"/>
+                </a:solidFill>
+                <a:latin typeface="Consolas" panose="020B0609020204030204" pitchFamily="49" charset="0"/>
+              </a:rPr>
+              <a:t>num</a:t>
+            </a:r>
+            <a:r>
+              <a:rPr lang="en-US" sz="2800" dirty="0">
+                <a:solidFill>
+                  <a:srgbClr val="000000"/>
+                </a:solidFill>
+                <a:latin typeface="Consolas" panose="020B0609020204030204" pitchFamily="49" charset="0"/>
+              </a:rPr>
+              <a:t>, </a:t>
+            </a:r>
+            <a:r>
+              <a:rPr lang="en-US" sz="2800" dirty="0" err="1">
+                <a:solidFill>
+                  <a:srgbClr val="000000"/>
+                </a:solidFill>
+                <a:latin typeface="Consolas" panose="020B0609020204030204" pitchFamily="49" charset="0"/>
+              </a:rPr>
+              <a:t>str</a:t>
+            </a:r>
+            <a:r>
+              <a:rPr lang="en-US" sz="2800" dirty="0">
+                <a:solidFill>
+                  <a:srgbClr val="000000"/>
+                </a:solidFill>
+                <a:latin typeface="Consolas" panose="020B0609020204030204" pitchFamily="49" charset="0"/>
+              </a:rPr>
+              <a:t>) = </a:t>
+            </a:r>
+            <a:r>
+              <a:rPr lang="en-US" sz="2800" dirty="0" err="1">
+                <a:solidFill>
+                  <a:srgbClr val="000000"/>
+                </a:solidFill>
+                <a:latin typeface="Consolas" panose="020B0609020204030204" pitchFamily="49" charset="0"/>
+              </a:rPr>
+              <a:t>myObject</a:t>
+            </a:r>
+            <a:r>
+              <a:rPr lang="en-US" sz="2800" dirty="0">
+                <a:solidFill>
+                  <a:srgbClr val="000000"/>
+                </a:solidFill>
+                <a:latin typeface="Consolas" panose="020B0609020204030204" pitchFamily="49" charset="0"/>
+              </a:rPr>
+              <a:t>;</a:t>
+            </a:r>
+            <a:endParaRPr lang="ru-RU" sz="6000" dirty="0"/>
           </a:p>
         </p:txBody>
       </p:sp>
     </p:spTree>
     <p:extLst>
       <p:ext uri="{BB962C8B-B14F-4D97-AF65-F5344CB8AC3E}">
-        <p14:creationId xmlns:p14="http://schemas.microsoft.com/office/powerpoint/2010/main" val="3620509562"/>
+        <p14:creationId xmlns:p14="http://schemas.microsoft.com/office/powerpoint/2010/main" val="2257139884"/>
       </p:ext>
     </p:extLst>
   </p:cSld>
@@ -21068,7 +21261,7 @@
           <a:p>
             <a:r>
               <a:rPr lang="ru-RU" dirty="0"/>
-              <a:t>Еще пара слов о распаковке</a:t>
+              <a:t>Распаковка</a:t>
             </a:r>
             <a:endParaRPr lang="ru-RU" sz="3200" dirty="0">
               <a:solidFill>
@@ -21080,56 +21273,13 @@
       </p:sp>
       <p:sp>
         <p:nvSpPr>
-          <p:cNvPr id="4" name="Объект 3"/>
-          <p:cNvSpPr>
-            <a:spLocks noGrp="1"/>
-          </p:cNvSpPr>
-          <p:nvPr>
-            <p:ph idx="1"/>
-          </p:nvPr>
-        </p:nvSpPr>
-        <p:spPr/>
-        <p:txBody>
-          <a:bodyPr/>
-          <a:lstStyle/>
-          <a:p>
-            <a:pPr marL="0" indent="0">
-              <a:buNone/>
-            </a:pPr>
-            <a:r>
-              <a:rPr lang="ru-RU" sz="2400" dirty="0"/>
-              <a:t>Распаковывать объекты любых типов, содержащих метод</a:t>
-            </a:r>
-            <a:r>
-              <a:rPr lang="en-US" sz="2400" dirty="0"/>
-              <a:t> </a:t>
-            </a:r>
-            <a:r>
-              <a:rPr lang="en-US" sz="2400" dirty="0">
-                <a:solidFill>
-                  <a:srgbClr val="00B0F0"/>
-                </a:solidFill>
-              </a:rPr>
-              <a:t>Deconstruct</a:t>
-            </a:r>
-          </a:p>
-          <a:p>
-            <a:pPr marL="0" indent="0">
-              <a:buNone/>
-            </a:pPr>
-            <a:endParaRPr lang="ru-RU" dirty="0"/>
-          </a:p>
-        </p:txBody>
-      </p:sp>
-      <p:sp>
-        <p:nvSpPr>
           <p:cNvPr id="3" name="Прямоугольник 2"/>
           <p:cNvSpPr/>
           <p:nvPr/>
         </p:nvSpPr>
         <p:spPr>
           <a:xfrm>
-            <a:off x="916147" y="2518773"/>
+            <a:off x="978290" y="3357792"/>
             <a:ext cx="10607067" cy="1754326"/>
           </a:xfrm>
           <a:prstGeom prst="rect">
@@ -21248,6 +21398,9 @@
                 <a:solidFill>
                   <a:srgbClr val="0000FF"/>
                 </a:solidFill>
+                <a:highlight>
+                  <a:srgbClr val="00FF00"/>
+                </a:highlight>
                 <a:latin typeface="Consolas" panose="020B0609020204030204" pitchFamily="49" charset="0"/>
               </a:rPr>
               <a:t>out</a:t>
@@ -21257,6 +21410,9 @@
                 <a:solidFill>
                   <a:srgbClr val="000000"/>
                 </a:solidFill>
+                <a:highlight>
+                  <a:srgbClr val="00FF00"/>
+                </a:highlight>
                 <a:latin typeface="Consolas" panose="020B0609020204030204" pitchFamily="49" charset="0"/>
               </a:rPr>
               <a:t> </a:t>
@@ -21266,6 +21422,9 @@
                 <a:solidFill>
                   <a:srgbClr val="0000FF"/>
                 </a:solidFill>
+                <a:highlight>
+                  <a:srgbClr val="00FF00"/>
+                </a:highlight>
                 <a:latin typeface="Consolas" panose="020B0609020204030204" pitchFamily="49" charset="0"/>
               </a:rPr>
               <a:t>int</a:t>
@@ -21275,15 +21434,30 @@
                 <a:solidFill>
                   <a:srgbClr val="000000"/>
                 </a:solidFill>
-                <a:latin typeface="Consolas" panose="020B0609020204030204" pitchFamily="49" charset="0"/>
-              </a:rPr>
-              <a:t> x, </a:t>
+                <a:highlight>
+                  <a:srgbClr val="00FF00"/>
+                </a:highlight>
+                <a:latin typeface="Consolas" panose="020B0609020204030204" pitchFamily="49" charset="0"/>
+              </a:rPr>
+              <a:t> x</a:t>
             </a:r>
             <a:r>
               <a:rPr lang="en-US" dirty="0">
                 <a:solidFill>
+                  <a:srgbClr val="000000"/>
+                </a:solidFill>
+                <a:latin typeface="Consolas" panose="020B0609020204030204" pitchFamily="49" charset="0"/>
+              </a:rPr>
+              <a:t>, </a:t>
+            </a:r>
+            <a:r>
+              <a:rPr lang="en-US" dirty="0">
+                <a:solidFill>
                   <a:srgbClr val="0000FF"/>
                 </a:solidFill>
+                <a:highlight>
+                  <a:srgbClr val="FFFF00"/>
+                </a:highlight>
                 <a:latin typeface="Consolas" panose="020B0609020204030204" pitchFamily="49" charset="0"/>
               </a:rPr>
               <a:t>out</a:t>
@@ -21293,6 +21467,9 @@
                 <a:solidFill>
                   <a:srgbClr val="000000"/>
                 </a:solidFill>
+                <a:highlight>
+                  <a:srgbClr val="FFFF00"/>
+                </a:highlight>
                 <a:latin typeface="Consolas" panose="020B0609020204030204" pitchFamily="49" charset="0"/>
               </a:rPr>
               <a:t> </a:t>
@@ -21302,6 +21479,9 @@
                 <a:solidFill>
                   <a:srgbClr val="0000FF"/>
                 </a:solidFill>
+                <a:highlight>
+                  <a:srgbClr val="FFFF00"/>
+                </a:highlight>
                 <a:latin typeface="Consolas" panose="020B0609020204030204" pitchFamily="49" charset="0"/>
               </a:rPr>
               <a:t>string</a:t>
@@ -21311,9 +21491,21 @@
                 <a:solidFill>
                   <a:srgbClr val="000000"/>
                 </a:solidFill>
-                <a:latin typeface="Consolas" panose="020B0609020204030204" pitchFamily="49" charset="0"/>
-              </a:rPr>
-              <a:t> text) </a:t>
+                <a:highlight>
+                  <a:srgbClr val="FFFF00"/>
+                </a:highlight>
+                <a:latin typeface="Consolas" panose="020B0609020204030204" pitchFamily="49" charset="0"/>
+              </a:rPr>
+              <a:t> text</a:t>
+            </a:r>
+            <a:r>
+              <a:rPr lang="en-US" dirty="0">
+                <a:solidFill>
+                  <a:srgbClr val="000000"/>
+                </a:solidFill>
+                <a:latin typeface="Consolas" panose="020B0609020204030204" pitchFamily="49" charset="0"/>
+              </a:rPr>
+              <a:t>) </a:t>
             </a:r>
             <a:r>
               <a:rPr lang="ru-RU" dirty="0">
@@ -21410,110 +21602,407 @@
       </p:sp>
       <p:sp>
         <p:nvSpPr>
-          <p:cNvPr id="5" name="Прямоугольник 4"/>
+          <p:cNvPr id="10" name="Прямоугольник 9"/>
           <p:cNvSpPr/>
           <p:nvPr/>
         </p:nvSpPr>
         <p:spPr>
           <a:xfrm>
-            <a:off x="916147" y="4702809"/>
-            <a:ext cx="6096000" cy="1477328"/>
+            <a:off x="916147" y="1691322"/>
+            <a:ext cx="3930884" cy="523220"/>
           </a:xfrm>
           <a:prstGeom prst="rect">
             <a:avLst/>
           </a:prstGeom>
         </p:spPr>
         <p:txBody>
-          <a:bodyPr>
+          <a:bodyPr wrap="none">
             <a:spAutoFit/>
           </a:bodyPr>
           <a:lstStyle/>
           <a:p>
             <a:r>
+              <a:rPr lang="en-US" sz="2800" dirty="0" err="1">
+                <a:solidFill>
+                  <a:srgbClr val="0000FF"/>
+                </a:solidFill>
+                <a:latin typeface="Consolas" panose="020B0609020204030204" pitchFamily="49" charset="0"/>
+              </a:rPr>
+              <a:t>var</a:t>
+            </a:r>
+            <a:r>
+              <a:rPr lang="en-US" sz="2800" dirty="0">
+                <a:solidFill>
+                  <a:srgbClr val="000000"/>
+                </a:solidFill>
+                <a:latin typeface="Consolas" panose="020B0609020204030204" pitchFamily="49" charset="0"/>
+              </a:rPr>
+              <a:t> (x, y) = tuple;</a:t>
+            </a:r>
+            <a:endParaRPr lang="ru-RU" sz="2800" dirty="0"/>
+          </a:p>
+        </p:txBody>
+      </p:sp>
+      <p:sp>
+        <p:nvSpPr>
+          <p:cNvPr id="14" name="Прямоугольник 13"/>
+          <p:cNvSpPr/>
+          <p:nvPr/>
+        </p:nvSpPr>
+        <p:spPr>
+          <a:xfrm>
+            <a:off x="7291527" y="1691322"/>
+            <a:ext cx="4293831" cy="954107"/>
+          </a:xfrm>
+          <a:prstGeom prst="rect">
+            <a:avLst/>
+          </a:prstGeom>
+        </p:spPr>
+        <p:txBody>
+          <a:bodyPr wrap="square">
+            <a:spAutoFit/>
+          </a:bodyPr>
+          <a:lstStyle/>
+          <a:p>
+            <a:r>
+              <a:rPr lang="en-US" sz="2800" dirty="0" err="1">
+                <a:solidFill>
+                  <a:srgbClr val="0000FF"/>
+                </a:solidFill>
+                <a:latin typeface="Consolas" panose="020B0609020204030204" pitchFamily="49" charset="0"/>
+              </a:rPr>
+              <a:t>var</a:t>
+            </a:r>
+            <a:r>
+              <a:rPr lang="en-US" sz="2800" dirty="0">
+                <a:solidFill>
+                  <a:srgbClr val="000000"/>
+                </a:solidFill>
+                <a:latin typeface="Consolas" panose="020B0609020204030204" pitchFamily="49" charset="0"/>
+              </a:rPr>
+              <a:t> x = tuple.Item1;</a:t>
+            </a:r>
+          </a:p>
+          <a:p>
+            <a:r>
+              <a:rPr lang="en-US" sz="2800" dirty="0" err="1">
+                <a:solidFill>
+                  <a:srgbClr val="0000FF"/>
+                </a:solidFill>
+                <a:latin typeface="Consolas" panose="020B0609020204030204" pitchFamily="49" charset="0"/>
+              </a:rPr>
+              <a:t>var</a:t>
+            </a:r>
+            <a:r>
+              <a:rPr lang="en-US" sz="2800" dirty="0">
+                <a:solidFill>
+                  <a:srgbClr val="000000"/>
+                </a:solidFill>
+                <a:latin typeface="Consolas" panose="020B0609020204030204" pitchFamily="49" charset="0"/>
+              </a:rPr>
+              <a:t> y = tuple.Item2;</a:t>
+            </a:r>
+            <a:endParaRPr lang="ru-RU" sz="2800" dirty="0"/>
+          </a:p>
+        </p:txBody>
+      </p:sp>
+      <p:sp>
+        <p:nvSpPr>
+          <p:cNvPr id="15" name="Прямоугольник 14"/>
+          <p:cNvSpPr/>
+          <p:nvPr/>
+        </p:nvSpPr>
+        <p:spPr>
+          <a:xfrm>
+            <a:off x="978290" y="5294430"/>
+            <a:ext cx="10607067" cy="1200329"/>
+          </a:xfrm>
+          <a:prstGeom prst="rect">
+            <a:avLst/>
+          </a:prstGeom>
+        </p:spPr>
+        <p:txBody>
+          <a:bodyPr wrap="square">
+            <a:spAutoFit/>
+          </a:bodyPr>
+          <a:lstStyle/>
+          <a:p>
+            <a:r>
+              <a:rPr lang="en-US" dirty="0">
+                <a:solidFill>
+                  <a:srgbClr val="0000FF"/>
+                </a:solidFill>
+                <a:latin typeface="Consolas" panose="020B0609020204030204" pitchFamily="49" charset="0"/>
+              </a:rPr>
+              <a:t>public</a:t>
+            </a:r>
+            <a:r>
+              <a:rPr lang="en-US" dirty="0">
+                <a:solidFill>
+                  <a:srgbClr val="000000"/>
+                </a:solidFill>
+                <a:latin typeface="Consolas" panose="020B0609020204030204" pitchFamily="49" charset="0"/>
+              </a:rPr>
+              <a:t> </a:t>
+            </a:r>
+            <a:r>
+              <a:rPr lang="en-US" dirty="0">
+                <a:solidFill>
+                  <a:srgbClr val="0000FF"/>
+                </a:solidFill>
+                <a:latin typeface="Consolas" panose="020B0609020204030204" pitchFamily="49" charset="0"/>
+              </a:rPr>
+              <a:t>static</a:t>
+            </a:r>
+            <a:r>
+              <a:rPr lang="en-US" dirty="0">
+                <a:solidFill>
+                  <a:srgbClr val="000000"/>
+                </a:solidFill>
+                <a:latin typeface="Consolas" panose="020B0609020204030204" pitchFamily="49" charset="0"/>
+              </a:rPr>
+              <a:t> </a:t>
+            </a:r>
+            <a:r>
+              <a:rPr lang="en-US" dirty="0">
+                <a:solidFill>
+                  <a:srgbClr val="0000FF"/>
+                </a:solidFill>
+                <a:latin typeface="Consolas" panose="020B0609020204030204" pitchFamily="49" charset="0"/>
+              </a:rPr>
+              <a:t>void</a:t>
+            </a:r>
+            <a:r>
+              <a:rPr lang="en-US" dirty="0">
+                <a:solidFill>
+                  <a:srgbClr val="000000"/>
+                </a:solidFill>
+                <a:latin typeface="Consolas" panose="020B0609020204030204" pitchFamily="49" charset="0"/>
+              </a:rPr>
+              <a:t> Deconstruct (</a:t>
+            </a:r>
+            <a:r>
+              <a:rPr lang="en-US" dirty="0">
+                <a:solidFill>
+                  <a:srgbClr val="0000FF"/>
+                </a:solidFill>
+                <a:latin typeface="Consolas" panose="020B0609020204030204" pitchFamily="49" charset="0"/>
+              </a:rPr>
+              <a:t>this</a:t>
+            </a:r>
+            <a:r>
+              <a:rPr lang="en-US" dirty="0">
+                <a:solidFill>
+                  <a:srgbClr val="000000"/>
+                </a:solidFill>
+                <a:latin typeface="Consolas" panose="020B0609020204030204" pitchFamily="49" charset="0"/>
+              </a:rPr>
+              <a:t> </a:t>
+            </a:r>
+            <a:r>
+              <a:rPr lang="en-US" dirty="0">
+                <a:solidFill>
+                  <a:srgbClr val="0000FF"/>
+                </a:solidFill>
+                <a:latin typeface="Consolas" panose="020B0609020204030204" pitchFamily="49" charset="0"/>
+              </a:rPr>
+              <a:t>string</a:t>
+            </a:r>
+            <a:r>
+              <a:rPr lang="en-US" dirty="0">
+                <a:solidFill>
+                  <a:srgbClr val="000000"/>
+                </a:solidFill>
+                <a:latin typeface="Consolas" panose="020B0609020204030204" pitchFamily="49" charset="0"/>
+              </a:rPr>
+              <a:t> self, </a:t>
+            </a:r>
+            <a:r>
+              <a:rPr lang="en-US" dirty="0">
+                <a:solidFill>
+                  <a:srgbClr val="0000FF"/>
+                </a:solidFill>
+                <a:latin typeface="Consolas" panose="020B0609020204030204" pitchFamily="49" charset="0"/>
+              </a:rPr>
+              <a:t>out</a:t>
+            </a:r>
+            <a:r>
+              <a:rPr lang="en-US" dirty="0">
+                <a:solidFill>
+                  <a:srgbClr val="000000"/>
+                </a:solidFill>
+                <a:latin typeface="Consolas" panose="020B0609020204030204" pitchFamily="49" charset="0"/>
+              </a:rPr>
+              <a:t> </a:t>
+            </a:r>
+            <a:r>
               <a:rPr lang="en-US" dirty="0" err="1">
                 <a:solidFill>
                   <a:srgbClr val="0000FF"/>
                 </a:solidFill>
                 <a:latin typeface="Consolas" panose="020B0609020204030204" pitchFamily="49" charset="0"/>
               </a:rPr>
+              <a:t>int</a:t>
+            </a:r>
+            <a:r>
+              <a:rPr lang="en-US" dirty="0">
+                <a:solidFill>
+                  <a:srgbClr val="000000"/>
+                </a:solidFill>
+                <a:latin typeface="Consolas" panose="020B0609020204030204" pitchFamily="49" charset="0"/>
+              </a:rPr>
+              <a:t> length, </a:t>
+            </a:r>
+            <a:r>
+              <a:rPr lang="en-US" dirty="0">
+                <a:solidFill>
+                  <a:srgbClr val="0000FF"/>
+                </a:solidFill>
+                <a:latin typeface="Consolas" panose="020B0609020204030204" pitchFamily="49" charset="0"/>
+              </a:rPr>
+              <a:t>out</a:t>
+            </a:r>
+            <a:r>
+              <a:rPr lang="en-US" dirty="0">
+                <a:solidFill>
+                  <a:srgbClr val="000000"/>
+                </a:solidFill>
+                <a:latin typeface="Consolas" panose="020B0609020204030204" pitchFamily="49" charset="0"/>
+              </a:rPr>
+              <a:t> </a:t>
+            </a:r>
+            <a:r>
+              <a:rPr lang="en-US" dirty="0" err="1">
+                <a:solidFill>
+                  <a:srgbClr val="0000FF"/>
+                </a:solidFill>
+                <a:latin typeface="Consolas" panose="020B0609020204030204" pitchFamily="49" charset="0"/>
+              </a:rPr>
+              <a:t>int</a:t>
+            </a:r>
+            <a:r>
+              <a:rPr lang="en-US" dirty="0">
+                <a:solidFill>
+                  <a:srgbClr val="000000"/>
+                </a:solidFill>
+                <a:latin typeface="Consolas" panose="020B0609020204030204" pitchFamily="49" charset="0"/>
+              </a:rPr>
+              <a:t> hash) </a:t>
+            </a:r>
+            <a:r>
+              <a:rPr lang="ru-RU" dirty="0">
+                <a:solidFill>
+                  <a:srgbClr val="000000"/>
+                </a:solidFill>
+                <a:latin typeface="Consolas" panose="020B0609020204030204" pitchFamily="49" charset="0"/>
+              </a:rPr>
+              <a:t>{</a:t>
+            </a:r>
+          </a:p>
+          <a:p>
+            <a:r>
+              <a:rPr lang="en-US" dirty="0">
+                <a:solidFill>
+                  <a:srgbClr val="000000"/>
+                </a:solidFill>
+                <a:latin typeface="Consolas" panose="020B0609020204030204" pitchFamily="49" charset="0"/>
+              </a:rPr>
+              <a:t>    length = </a:t>
+            </a:r>
+            <a:r>
+              <a:rPr lang="en-US" dirty="0" err="1">
+                <a:solidFill>
+                  <a:srgbClr val="000000"/>
+                </a:solidFill>
+                <a:latin typeface="Consolas" panose="020B0609020204030204" pitchFamily="49" charset="0"/>
+              </a:rPr>
+              <a:t>self.Length</a:t>
+            </a:r>
+            <a:r>
+              <a:rPr lang="en-US" dirty="0">
+                <a:solidFill>
+                  <a:srgbClr val="000000"/>
+                </a:solidFill>
+                <a:latin typeface="Consolas" panose="020B0609020204030204" pitchFamily="49" charset="0"/>
+              </a:rPr>
+              <a:t>;</a:t>
+            </a:r>
+          </a:p>
+          <a:p>
+            <a:r>
+              <a:rPr lang="en-US" dirty="0">
+                <a:solidFill>
+                  <a:srgbClr val="000000"/>
+                </a:solidFill>
+                <a:latin typeface="Consolas" panose="020B0609020204030204" pitchFamily="49" charset="0"/>
+              </a:rPr>
+              <a:t>    hash = </a:t>
+            </a:r>
+            <a:r>
+              <a:rPr lang="en-US" dirty="0" err="1">
+                <a:solidFill>
+                  <a:srgbClr val="000000"/>
+                </a:solidFill>
+                <a:latin typeface="Consolas" panose="020B0609020204030204" pitchFamily="49" charset="0"/>
+              </a:rPr>
+              <a:t>self.GetHashCode</a:t>
+            </a:r>
+            <a:r>
+              <a:rPr lang="en-US" dirty="0">
+                <a:solidFill>
+                  <a:srgbClr val="000000"/>
+                </a:solidFill>
+                <a:latin typeface="Consolas" panose="020B0609020204030204" pitchFamily="49" charset="0"/>
+              </a:rPr>
+              <a:t>();</a:t>
+            </a:r>
+          </a:p>
+          <a:p>
+            <a:r>
+              <a:rPr lang="ru-RU" dirty="0">
+                <a:solidFill>
+                  <a:srgbClr val="000000"/>
+                </a:solidFill>
+                <a:latin typeface="Consolas" panose="020B0609020204030204" pitchFamily="49" charset="0"/>
+              </a:rPr>
+              <a:t>}</a:t>
+            </a:r>
+            <a:endParaRPr lang="ru-RU" dirty="0"/>
+          </a:p>
+        </p:txBody>
+      </p:sp>
+      <p:sp>
+        <p:nvSpPr>
+          <p:cNvPr id="20" name="Прямоугольник 19"/>
+          <p:cNvSpPr/>
+          <p:nvPr/>
+        </p:nvSpPr>
+        <p:spPr>
+          <a:xfrm>
+            <a:off x="916147" y="2475792"/>
+            <a:ext cx="5311069" cy="523220"/>
+          </a:xfrm>
+          <a:prstGeom prst="rect">
+            <a:avLst/>
+          </a:prstGeom>
+        </p:spPr>
+        <p:txBody>
+          <a:bodyPr wrap="none">
+            <a:spAutoFit/>
+          </a:bodyPr>
+          <a:lstStyle/>
+          <a:p>
+            <a:r>
+              <a:rPr lang="en-US" sz="2800" dirty="0" err="1">
+                <a:solidFill>
+                  <a:srgbClr val="0000FF"/>
+                </a:solidFill>
+                <a:latin typeface="Consolas" panose="020B0609020204030204" pitchFamily="49" charset="0"/>
+              </a:rPr>
               <a:t>var</a:t>
             </a:r>
             <a:r>
-              <a:rPr lang="en-US" dirty="0">
-                <a:solidFill>
-                  <a:srgbClr val="000000"/>
-                </a:solidFill>
-                <a:latin typeface="Consolas" panose="020B0609020204030204" pitchFamily="49" charset="0"/>
-              </a:rPr>
-              <a:t> </a:t>
-            </a:r>
-            <a:r>
-              <a:rPr lang="en-US" dirty="0" err="1">
-                <a:solidFill>
-                  <a:srgbClr val="000000"/>
-                </a:solidFill>
-                <a:latin typeface="Consolas" panose="020B0609020204030204" pitchFamily="49" charset="0"/>
-              </a:rPr>
-              <a:t>obj</a:t>
-            </a:r>
-            <a:r>
-              <a:rPr lang="en-US" dirty="0">
-                <a:solidFill>
-                  <a:srgbClr val="000000"/>
-                </a:solidFill>
-                <a:latin typeface="Consolas" panose="020B0609020204030204" pitchFamily="49" charset="0"/>
-              </a:rPr>
-              <a:t> = </a:t>
-            </a:r>
-            <a:r>
-              <a:rPr lang="en-US" dirty="0">
-                <a:solidFill>
-                  <a:srgbClr val="0000FF"/>
-                </a:solidFill>
-                <a:latin typeface="Consolas" panose="020B0609020204030204" pitchFamily="49" charset="0"/>
-              </a:rPr>
-              <a:t>new</a:t>
-            </a:r>
-            <a:r>
-              <a:rPr lang="en-US" dirty="0">
-                <a:solidFill>
-                  <a:srgbClr val="000000"/>
-                </a:solidFill>
-                <a:latin typeface="Consolas" panose="020B0609020204030204" pitchFamily="49" charset="0"/>
-              </a:rPr>
-              <a:t> </a:t>
-            </a:r>
-            <a:r>
-              <a:rPr lang="en-US" dirty="0" err="1">
-                <a:solidFill>
-                  <a:srgbClr val="2B91AF"/>
-                </a:solidFill>
-                <a:latin typeface="Consolas" panose="020B0609020204030204" pitchFamily="49" charset="0"/>
-              </a:rPr>
-              <a:t>MyClass</a:t>
-            </a:r>
-            <a:r>
-              <a:rPr lang="en-US" dirty="0">
-                <a:solidFill>
-                  <a:srgbClr val="000000"/>
-                </a:solidFill>
-                <a:latin typeface="Consolas" panose="020B0609020204030204" pitchFamily="49" charset="0"/>
-              </a:rPr>
-              <a:t>();</a:t>
-            </a:r>
-          </a:p>
-          <a:p>
-            <a:r>
-              <a:rPr lang="en-US" dirty="0" err="1">
-                <a:solidFill>
-                  <a:srgbClr val="0000FF"/>
-                </a:solidFill>
-                <a:latin typeface="Consolas" panose="020B0609020204030204" pitchFamily="49" charset="0"/>
-              </a:rPr>
-              <a:t>var</a:t>
-            </a:r>
-            <a:r>
-              <a:rPr lang="en-US" dirty="0">
+              <a:rPr lang="en-US" sz="2800" dirty="0">
                 <a:solidFill>
                   <a:srgbClr val="000000"/>
                 </a:solidFill>
@@ -21522,16 +22011,19 @@
               <a:t> (</a:t>
             </a:r>
             <a:r>
-              <a:rPr lang="en-US" dirty="0" err="1">
-                <a:solidFill>
-                  <a:srgbClr val="000000"/>
-                </a:solidFill>
+              <a:rPr lang="en-US" sz="2800" dirty="0" err="1">
+                <a:solidFill>
+                  <a:srgbClr val="000000"/>
+                </a:solidFill>
+                <a:highlight>
+                  <a:srgbClr val="00FF00"/>
+                </a:highlight>
                 <a:latin typeface="Consolas" panose="020B0609020204030204" pitchFamily="49" charset="0"/>
               </a:rPr>
               <a:t>num</a:t>
             </a:r>
             <a:r>
-              <a:rPr lang="en-US" dirty="0">
+              <a:rPr lang="en-US" sz="2800" dirty="0">
                 <a:solidFill>
                   <a:srgbClr val="000000"/>
                 </a:solidFill>
@@ -21540,16 +22032,19 @@
               <a:t>, </a:t>
             </a:r>
             <a:r>
-              <a:rPr lang="en-US" dirty="0" err="1">
-                <a:solidFill>
-                  <a:srgbClr val="000000"/>
-                </a:solidFill>
+              <a:rPr lang="en-US" sz="2800" dirty="0" err="1">
+                <a:solidFill>
+                  <a:srgbClr val="000000"/>
+                </a:solidFill>
+                <a:highlight>
+                  <a:srgbClr val="FFFF00"/>
+                </a:highlight>
                 <a:latin typeface="Consolas" panose="020B0609020204030204" pitchFamily="49" charset="0"/>
               </a:rPr>
               <a:t>str</a:t>
             </a:r>
             <a:r>
-              <a:rPr lang="en-US" dirty="0">
+              <a:rPr lang="en-US" sz="2800" dirty="0">
                 <a:solidFill>
                   <a:srgbClr val="000000"/>
                 </a:solidFill>
@@ -21558,16 +22053,16 @@
               <a:t>) = </a:t>
             </a:r>
             <a:r>
-              <a:rPr lang="en-US" dirty="0" err="1">
-                <a:solidFill>
-                  <a:srgbClr val="000000"/>
-                </a:solidFill>
-                <a:latin typeface="Consolas" panose="020B0609020204030204" pitchFamily="49" charset="0"/>
-              </a:rPr>
-              <a:t>obj</a:t>
-            </a:r>
-            <a:r>
-              <a:rPr lang="en-US" dirty="0">
+              <a:rPr lang="en-US" sz="2800" dirty="0" err="1">
+                <a:solidFill>
+                  <a:srgbClr val="000000"/>
+                </a:solidFill>
+                <a:latin typeface="Consolas" panose="020B0609020204030204" pitchFamily="49" charset="0"/>
+              </a:rPr>
+              <a:t>myObject</a:t>
+            </a:r>
+            <a:r>
+              <a:rPr lang="en-US" sz="2800" dirty="0">
                 <a:solidFill>
                   <a:srgbClr val="000000"/>
                 </a:solidFill>
@@ -21575,80 +22070,14 @@
               </a:rPr>
               <a:t>;</a:t>
             </a:r>
-          </a:p>
-          <a:p>
-            <a:endParaRPr lang="en-US" dirty="0">
-              <a:solidFill>
-                <a:srgbClr val="000000"/>
-              </a:solidFill>
-              <a:latin typeface="Consolas" panose="020B0609020204030204" pitchFamily="49" charset="0"/>
-            </a:endParaRPr>
-          </a:p>
-          <a:p>
-            <a:r>
-              <a:rPr lang="en-US" dirty="0" err="1">
-                <a:solidFill>
-                  <a:srgbClr val="000000"/>
-                </a:solidFill>
-                <a:latin typeface="Consolas" panose="020B0609020204030204" pitchFamily="49" charset="0"/>
-              </a:rPr>
-              <a:t>num</a:t>
-            </a:r>
-            <a:r>
-              <a:rPr lang="en-US" dirty="0">
-                <a:solidFill>
-                  <a:srgbClr val="000000"/>
-                </a:solidFill>
-                <a:latin typeface="Consolas" panose="020B0609020204030204" pitchFamily="49" charset="0"/>
-              </a:rPr>
-              <a:t> += 1;</a:t>
-            </a:r>
-          </a:p>
-          <a:p>
-            <a:r>
-              <a:rPr lang="en-US" dirty="0" err="1">
-                <a:solidFill>
-                  <a:srgbClr val="000000"/>
-                </a:solidFill>
-                <a:latin typeface="Consolas" panose="020B0609020204030204" pitchFamily="49" charset="0"/>
-              </a:rPr>
-              <a:t>str</a:t>
-            </a:r>
-            <a:r>
-              <a:rPr lang="en-US" dirty="0">
-                <a:solidFill>
-                  <a:srgbClr val="000000"/>
-                </a:solidFill>
-                <a:latin typeface="Consolas" panose="020B0609020204030204" pitchFamily="49" charset="0"/>
-              </a:rPr>
-              <a:t> += </a:t>
-            </a:r>
-            <a:r>
-              <a:rPr lang="en-US" dirty="0">
-                <a:solidFill>
-                  <a:srgbClr val="A31515"/>
-                </a:solidFill>
-                <a:latin typeface="Consolas" panose="020B0609020204030204" pitchFamily="49" charset="0"/>
-              </a:rPr>
-              <a:t>"!"</a:t>
-            </a:r>
-            <a:r>
-              <a:rPr lang="en-US" dirty="0">
-                <a:solidFill>
-                  <a:srgbClr val="000000"/>
-                </a:solidFill>
-                <a:latin typeface="Consolas" panose="020B0609020204030204" pitchFamily="49" charset="0"/>
-              </a:rPr>
-              <a:t>;</a:t>
-            </a:r>
-            <a:endParaRPr lang="ru-RU" dirty="0"/>
+            <a:endParaRPr lang="ru-RU" sz="6000" dirty="0"/>
           </a:p>
         </p:txBody>
       </p:sp>
     </p:spTree>
     <p:extLst>
       <p:ext uri="{BB962C8B-B14F-4D97-AF65-F5344CB8AC3E}">
-        <p14:creationId xmlns:p14="http://schemas.microsoft.com/office/powerpoint/2010/main" val="2257139884"/>
+        <p14:creationId xmlns:p14="http://schemas.microsoft.com/office/powerpoint/2010/main" val="3682314571"/>
       </p:ext>
     </p:extLst>
   </p:cSld>
